--- a/presentations/FSharpETLDemo.pptx
+++ b/presentations/FSharpETLDemo.pptx
@@ -11,9 +11,12 @@
     <p:sldId id="259" r:id="rId5"/>
     <p:sldId id="261" r:id="rId6"/>
     <p:sldId id="260" r:id="rId7"/>
-    <p:sldId id="262" r:id="rId8"/>
-    <p:sldId id="263" r:id="rId9"/>
-    <p:sldId id="264" r:id="rId10"/>
+    <p:sldId id="267" r:id="rId8"/>
+    <p:sldId id="262" r:id="rId9"/>
+    <p:sldId id="263" r:id="rId10"/>
+    <p:sldId id="264" r:id="rId11"/>
+    <p:sldId id="265" r:id="rId12"/>
+    <p:sldId id="266" r:id="rId13"/>
   </p:sldIdLst>
   <p:sldSz cx="12192000" cy="6858000"/>
   <p:notesSz cx="6858000" cy="9144000"/>
@@ -112,6 +115,11 @@
       </a:defRPr>
     </a:lvl9pPr>
   </p:defaultTextStyle>
+  <p:extLst>
+    <p:ext uri="{EFAFB233-063F-42B5-8137-9DF3F51BA10A}">
+      <p15:sldGuideLst xmlns:p15="http://schemas.microsoft.com/office/powerpoint/2012/main"/>
+    </p:ext>
+  </p:extLst>
 </p:presentation>
 </file>
 
@@ -246,7 +254,7 @@
           <a:p>
             <a:fld id="{E3E23F6F-70BB-4CE2-BC6C-175C09BC2746}" type="datetimeFigureOut">
               <a:rPr lang="en-US" smtClean="0"/>
-              <a:t>1/13/2020</a:t>
+              <a:t>1/14/2020</a:t>
             </a:fld>
             <a:endParaRPr lang="en-US"/>
           </a:p>
@@ -416,7 +424,7 @@
           <a:p>
             <a:fld id="{E3E23F6F-70BB-4CE2-BC6C-175C09BC2746}" type="datetimeFigureOut">
               <a:rPr lang="en-US" smtClean="0"/>
-              <a:t>1/13/2020</a:t>
+              <a:t>1/14/2020</a:t>
             </a:fld>
             <a:endParaRPr lang="en-US"/>
           </a:p>
@@ -596,7 +604,7 @@
           <a:p>
             <a:fld id="{E3E23F6F-70BB-4CE2-BC6C-175C09BC2746}" type="datetimeFigureOut">
               <a:rPr lang="en-US" smtClean="0"/>
-              <a:t>1/13/2020</a:t>
+              <a:t>1/14/2020</a:t>
             </a:fld>
             <a:endParaRPr lang="en-US"/>
           </a:p>
@@ -766,7 +774,7 @@
           <a:p>
             <a:fld id="{E3E23F6F-70BB-4CE2-BC6C-175C09BC2746}" type="datetimeFigureOut">
               <a:rPr lang="en-US" smtClean="0"/>
-              <a:t>1/13/2020</a:t>
+              <a:t>1/14/2020</a:t>
             </a:fld>
             <a:endParaRPr lang="en-US"/>
           </a:p>
@@ -1012,7 +1020,7 @@
           <a:p>
             <a:fld id="{E3E23F6F-70BB-4CE2-BC6C-175C09BC2746}" type="datetimeFigureOut">
               <a:rPr lang="en-US" smtClean="0"/>
-              <a:t>1/13/2020</a:t>
+              <a:t>1/14/2020</a:t>
             </a:fld>
             <a:endParaRPr lang="en-US"/>
           </a:p>
@@ -1244,7 +1252,7 @@
           <a:p>
             <a:fld id="{E3E23F6F-70BB-4CE2-BC6C-175C09BC2746}" type="datetimeFigureOut">
               <a:rPr lang="en-US" smtClean="0"/>
-              <a:t>1/13/2020</a:t>
+              <a:t>1/14/2020</a:t>
             </a:fld>
             <a:endParaRPr lang="en-US"/>
           </a:p>
@@ -1611,7 +1619,7 @@
           <a:p>
             <a:fld id="{E3E23F6F-70BB-4CE2-BC6C-175C09BC2746}" type="datetimeFigureOut">
               <a:rPr lang="en-US" smtClean="0"/>
-              <a:t>1/13/2020</a:t>
+              <a:t>1/14/2020</a:t>
             </a:fld>
             <a:endParaRPr lang="en-US"/>
           </a:p>
@@ -1729,7 +1737,7 @@
           <a:p>
             <a:fld id="{E3E23F6F-70BB-4CE2-BC6C-175C09BC2746}" type="datetimeFigureOut">
               <a:rPr lang="en-US" smtClean="0"/>
-              <a:t>1/13/2020</a:t>
+              <a:t>1/14/2020</a:t>
             </a:fld>
             <a:endParaRPr lang="en-US"/>
           </a:p>
@@ -1824,7 +1832,7 @@
           <a:p>
             <a:fld id="{E3E23F6F-70BB-4CE2-BC6C-175C09BC2746}" type="datetimeFigureOut">
               <a:rPr lang="en-US" smtClean="0"/>
-              <a:t>1/13/2020</a:t>
+              <a:t>1/14/2020</a:t>
             </a:fld>
             <a:endParaRPr lang="en-US"/>
           </a:p>
@@ -2101,7 +2109,7 @@
           <a:p>
             <a:fld id="{E3E23F6F-70BB-4CE2-BC6C-175C09BC2746}" type="datetimeFigureOut">
               <a:rPr lang="en-US" smtClean="0"/>
-              <a:t>1/13/2020</a:t>
+              <a:t>1/14/2020</a:t>
             </a:fld>
             <a:endParaRPr lang="en-US"/>
           </a:p>
@@ -2358,7 +2366,7 @@
           <a:p>
             <a:fld id="{E3E23F6F-70BB-4CE2-BC6C-175C09BC2746}" type="datetimeFigureOut">
               <a:rPr lang="en-US" smtClean="0"/>
-              <a:t>1/13/2020</a:t>
+              <a:t>1/14/2020</a:t>
             </a:fld>
             <a:endParaRPr lang="en-US"/>
           </a:p>
@@ -2571,7 +2579,7 @@
           <a:p>
             <a:fld id="{E3E23F6F-70BB-4CE2-BC6C-175C09BC2746}" type="datetimeFigureOut">
               <a:rPr lang="en-US" smtClean="0"/>
-              <a:t>1/13/2020</a:t>
+              <a:t>1/14/2020</a:t>
             </a:fld>
             <a:endParaRPr lang="en-US"/>
           </a:p>
@@ -3038,6 +3046,610 @@
 </p:sld>
 </file>
 
+<file path=ppt/slides/slide10.xml><?xml version="1.0" encoding="utf-8"?>
+<p:sld xmlns:a="http://schemas.openxmlformats.org/drawingml/2006/main" xmlns:r="http://schemas.openxmlformats.org/officeDocument/2006/relationships" xmlns:p="http://schemas.openxmlformats.org/presentationml/2006/main">
+  <p:cSld>
+    <p:spTree>
+      <p:nvGrpSpPr>
+        <p:cNvPr id="1" name=""/>
+        <p:cNvGrpSpPr/>
+        <p:nvPr/>
+      </p:nvGrpSpPr>
+      <p:grpSpPr>
+        <a:xfrm>
+          <a:off x="0" y="0"/>
+          <a:ext cx="0" cy="0"/>
+          <a:chOff x="0" y="0"/>
+          <a:chExt cx="0" cy="0"/>
+        </a:xfrm>
+      </p:grpSpPr>
+      <p:sp>
+        <p:nvSpPr>
+          <p:cNvPr id="2" name="Title 1"/>
+          <p:cNvSpPr>
+            <a:spLocks noGrp="1"/>
+          </p:cNvSpPr>
+          <p:nvPr>
+            <p:ph type="title"/>
+          </p:nvPr>
+        </p:nvSpPr>
+        <p:spPr/>
+        <p:txBody>
+          <a:bodyPr/>
+          <a:lstStyle/>
+          <a:p>
+            <a:r>
+              <a:rPr lang="en-US" dirty="0" smtClean="0"/>
+              <a:t>Features coming soon</a:t>
+            </a:r>
+            <a:endParaRPr lang="en-US" dirty="0"/>
+          </a:p>
+        </p:txBody>
+      </p:sp>
+      <p:sp>
+        <p:nvSpPr>
+          <p:cNvPr id="3" name="Content Placeholder 2"/>
+          <p:cNvSpPr>
+            <a:spLocks noGrp="1"/>
+          </p:cNvSpPr>
+          <p:nvPr>
+            <p:ph idx="1"/>
+          </p:nvPr>
+        </p:nvSpPr>
+        <p:spPr>
+          <a:xfrm>
+            <a:off x="7317377" y="1690688"/>
+            <a:ext cx="6163491" cy="4953998"/>
+          </a:xfrm>
+        </p:spPr>
+        <p:txBody>
+          <a:bodyPr/>
+          <a:lstStyle/>
+          <a:p>
+            <a:r>
+              <a:rPr lang="en-US" dirty="0" smtClean="0"/>
+              <a:t>Unit Tests</a:t>
+            </a:r>
+            <a:endParaRPr lang="en-US" dirty="0"/>
+          </a:p>
+        </p:txBody>
+      </p:sp>
+      <p:sp>
+        <p:nvSpPr>
+          <p:cNvPr id="4" name="Content Placeholder 2"/>
+          <p:cNvSpPr txBox="1">
+            <a:spLocks/>
+          </p:cNvSpPr>
+          <p:nvPr/>
+        </p:nvSpPr>
+        <p:spPr>
+          <a:xfrm>
+            <a:off x="990600" y="1978025"/>
+            <a:ext cx="6163491" cy="4953998"/>
+          </a:xfrm>
+          <a:prstGeom prst="rect">
+            <a:avLst/>
+          </a:prstGeom>
+        </p:spPr>
+        <p:txBody>
+          <a:bodyPr vert="horz" lIns="91440" tIns="45720" rIns="91440" bIns="45720" rtlCol="0">
+            <a:normAutofit/>
+          </a:bodyPr>
+          <a:lstStyle>
+            <a:lvl1pPr marL="228600" indent="-228600" algn="l" defTabSz="914400" rtl="0" eaLnBrk="1" latinLnBrk="0" hangingPunct="1">
+              <a:lnSpc>
+                <a:spcPct val="90000"/>
+              </a:lnSpc>
+              <a:spcBef>
+                <a:spcPts val="1000"/>
+              </a:spcBef>
+              <a:buFont typeface="Arial" panose="020B0604020202020204" pitchFamily="34" charset="0"/>
+              <a:buChar char="•"/>
+              <a:defRPr sz="2800" kern="1200">
+                <a:solidFill>
+                  <a:schemeClr val="tx1"/>
+                </a:solidFill>
+                <a:latin typeface="+mn-lt"/>
+                <a:ea typeface="+mn-ea"/>
+                <a:cs typeface="+mn-cs"/>
+              </a:defRPr>
+            </a:lvl1pPr>
+            <a:lvl2pPr marL="685800" indent="-228600" algn="l" defTabSz="914400" rtl="0" eaLnBrk="1" latinLnBrk="0" hangingPunct="1">
+              <a:lnSpc>
+                <a:spcPct val="90000"/>
+              </a:lnSpc>
+              <a:spcBef>
+                <a:spcPts val="500"/>
+              </a:spcBef>
+              <a:buFont typeface="Arial" panose="020B0604020202020204" pitchFamily="34" charset="0"/>
+              <a:buChar char="•"/>
+              <a:defRPr sz="2400" kern="1200">
+                <a:solidFill>
+                  <a:schemeClr val="tx1"/>
+                </a:solidFill>
+                <a:latin typeface="+mn-lt"/>
+                <a:ea typeface="+mn-ea"/>
+                <a:cs typeface="+mn-cs"/>
+              </a:defRPr>
+            </a:lvl2pPr>
+            <a:lvl3pPr marL="1143000" indent="-228600" algn="l" defTabSz="914400" rtl="0" eaLnBrk="1" latinLnBrk="0" hangingPunct="1">
+              <a:lnSpc>
+                <a:spcPct val="90000"/>
+              </a:lnSpc>
+              <a:spcBef>
+                <a:spcPts val="500"/>
+              </a:spcBef>
+              <a:buFont typeface="Arial" panose="020B0604020202020204" pitchFamily="34" charset="0"/>
+              <a:buChar char="•"/>
+              <a:defRPr sz="2000" kern="1200">
+                <a:solidFill>
+                  <a:schemeClr val="tx1"/>
+                </a:solidFill>
+                <a:latin typeface="+mn-lt"/>
+                <a:ea typeface="+mn-ea"/>
+                <a:cs typeface="+mn-cs"/>
+              </a:defRPr>
+            </a:lvl3pPr>
+            <a:lvl4pPr marL="1600200" indent="-228600" algn="l" defTabSz="914400" rtl="0" eaLnBrk="1" latinLnBrk="0" hangingPunct="1">
+              <a:lnSpc>
+                <a:spcPct val="90000"/>
+              </a:lnSpc>
+              <a:spcBef>
+                <a:spcPts val="500"/>
+              </a:spcBef>
+              <a:buFont typeface="Arial" panose="020B0604020202020204" pitchFamily="34" charset="0"/>
+              <a:buChar char="•"/>
+              <a:defRPr sz="1800" kern="1200">
+                <a:solidFill>
+                  <a:schemeClr val="tx1"/>
+                </a:solidFill>
+                <a:latin typeface="+mn-lt"/>
+                <a:ea typeface="+mn-ea"/>
+                <a:cs typeface="+mn-cs"/>
+              </a:defRPr>
+            </a:lvl4pPr>
+            <a:lvl5pPr marL="2057400" indent="-228600" algn="l" defTabSz="914400" rtl="0" eaLnBrk="1" latinLnBrk="0" hangingPunct="1">
+              <a:lnSpc>
+                <a:spcPct val="90000"/>
+              </a:lnSpc>
+              <a:spcBef>
+                <a:spcPts val="500"/>
+              </a:spcBef>
+              <a:buFont typeface="Arial" panose="020B0604020202020204" pitchFamily="34" charset="0"/>
+              <a:buChar char="•"/>
+              <a:defRPr sz="1800" kern="1200">
+                <a:solidFill>
+                  <a:schemeClr val="tx1"/>
+                </a:solidFill>
+                <a:latin typeface="+mn-lt"/>
+                <a:ea typeface="+mn-ea"/>
+                <a:cs typeface="+mn-cs"/>
+              </a:defRPr>
+            </a:lvl5pPr>
+            <a:lvl6pPr marL="2514600" indent="-228600" algn="l" defTabSz="914400" rtl="0" eaLnBrk="1" latinLnBrk="0" hangingPunct="1">
+              <a:lnSpc>
+                <a:spcPct val="90000"/>
+              </a:lnSpc>
+              <a:spcBef>
+                <a:spcPts val="500"/>
+              </a:spcBef>
+              <a:buFont typeface="Arial" panose="020B0604020202020204" pitchFamily="34" charset="0"/>
+              <a:buChar char="•"/>
+              <a:defRPr sz="1800" kern="1200">
+                <a:solidFill>
+                  <a:schemeClr val="tx1"/>
+                </a:solidFill>
+                <a:latin typeface="+mn-lt"/>
+                <a:ea typeface="+mn-ea"/>
+                <a:cs typeface="+mn-cs"/>
+              </a:defRPr>
+            </a:lvl6pPr>
+            <a:lvl7pPr marL="2971800" indent="-228600" algn="l" defTabSz="914400" rtl="0" eaLnBrk="1" latinLnBrk="0" hangingPunct="1">
+              <a:lnSpc>
+                <a:spcPct val="90000"/>
+              </a:lnSpc>
+              <a:spcBef>
+                <a:spcPts val="500"/>
+              </a:spcBef>
+              <a:buFont typeface="Arial" panose="020B0604020202020204" pitchFamily="34" charset="0"/>
+              <a:buChar char="•"/>
+              <a:defRPr sz="1800" kern="1200">
+                <a:solidFill>
+                  <a:schemeClr val="tx1"/>
+                </a:solidFill>
+                <a:latin typeface="+mn-lt"/>
+                <a:ea typeface="+mn-ea"/>
+                <a:cs typeface="+mn-cs"/>
+              </a:defRPr>
+            </a:lvl7pPr>
+            <a:lvl8pPr marL="3429000" indent="-228600" algn="l" defTabSz="914400" rtl="0" eaLnBrk="1" latinLnBrk="0" hangingPunct="1">
+              <a:lnSpc>
+                <a:spcPct val="90000"/>
+              </a:lnSpc>
+              <a:spcBef>
+                <a:spcPts val="500"/>
+              </a:spcBef>
+              <a:buFont typeface="Arial" panose="020B0604020202020204" pitchFamily="34" charset="0"/>
+              <a:buChar char="•"/>
+              <a:defRPr sz="1800" kern="1200">
+                <a:solidFill>
+                  <a:schemeClr val="tx1"/>
+                </a:solidFill>
+                <a:latin typeface="+mn-lt"/>
+                <a:ea typeface="+mn-ea"/>
+                <a:cs typeface="+mn-cs"/>
+              </a:defRPr>
+            </a:lvl8pPr>
+            <a:lvl9pPr marL="3886200" indent="-228600" algn="l" defTabSz="914400" rtl="0" eaLnBrk="1" latinLnBrk="0" hangingPunct="1">
+              <a:lnSpc>
+                <a:spcPct val="90000"/>
+              </a:lnSpc>
+              <a:spcBef>
+                <a:spcPts val="500"/>
+              </a:spcBef>
+              <a:buFont typeface="Arial" panose="020B0604020202020204" pitchFamily="34" charset="0"/>
+              <a:buChar char="•"/>
+              <a:defRPr sz="1800" kern="1200">
+                <a:solidFill>
+                  <a:schemeClr val="tx1"/>
+                </a:solidFill>
+                <a:latin typeface="+mn-lt"/>
+                <a:ea typeface="+mn-ea"/>
+                <a:cs typeface="+mn-cs"/>
+              </a:defRPr>
+            </a:lvl9pPr>
+          </a:lstStyle>
+          <a:p>
+            <a:r>
+              <a:rPr lang="en-US" dirty="0" smtClean="0"/>
+              <a:t>Update status of input records</a:t>
+            </a:r>
+          </a:p>
+          <a:p>
+            <a:pPr lvl="1"/>
+            <a:r>
+              <a:rPr lang="en-US" dirty="0" smtClean="0"/>
+              <a:t>Delete successful records</a:t>
+            </a:r>
+          </a:p>
+          <a:p>
+            <a:pPr lvl="1"/>
+            <a:r>
+              <a:rPr lang="en-US" dirty="0" smtClean="0"/>
+              <a:t>Mark as failed if failed</a:t>
+            </a:r>
+          </a:p>
+          <a:p>
+            <a:pPr lvl="1"/>
+            <a:r>
+              <a:rPr lang="en-US" dirty="0" smtClean="0"/>
+              <a:t>Retry PK collisions</a:t>
+            </a:r>
+          </a:p>
+          <a:p>
+            <a:r>
+              <a:rPr lang="en-US" dirty="0" smtClean="0"/>
+              <a:t>Log to DB instead of console</a:t>
+            </a:r>
+          </a:p>
+          <a:p>
+            <a:r>
+              <a:rPr lang="en-US" dirty="0" smtClean="0"/>
+              <a:t>Multiple threads</a:t>
+            </a:r>
+          </a:p>
+          <a:p>
+            <a:r>
+              <a:rPr lang="en-US" dirty="0" smtClean="0"/>
+              <a:t>Better load test</a:t>
+            </a:r>
+          </a:p>
+          <a:p>
+            <a:pPr lvl="1"/>
+            <a:r>
+              <a:rPr lang="en-US" dirty="0" smtClean="0"/>
+              <a:t>10 instances: don’t always get PK collision</a:t>
+            </a:r>
+          </a:p>
+          <a:p>
+            <a:pPr lvl="1"/>
+            <a:r>
+              <a:rPr lang="en-US" dirty="0" smtClean="0"/>
+              <a:t>20 instances: timeout when loading input</a:t>
+            </a:r>
+          </a:p>
+          <a:p>
+            <a:r>
+              <a:rPr lang="en-US" dirty="0" smtClean="0"/>
+              <a:t>Code cleanup</a:t>
+            </a:r>
+            <a:endParaRPr lang="en-US" dirty="0"/>
+          </a:p>
+        </p:txBody>
+      </p:sp>
+    </p:spTree>
+    <p:extLst>
+      <p:ext uri="{BB962C8B-B14F-4D97-AF65-F5344CB8AC3E}">
+        <p14:creationId xmlns:p14="http://schemas.microsoft.com/office/powerpoint/2010/main" val="65708568"/>
+      </p:ext>
+    </p:extLst>
+  </p:cSld>
+  <p:clrMapOvr>
+    <a:masterClrMapping/>
+  </p:clrMapOvr>
+  <p:timing>
+    <p:tnLst>
+      <p:par>
+        <p:cTn id="1" dur="indefinite" restart="never" nodeType="tmRoot"/>
+      </p:par>
+    </p:tnLst>
+  </p:timing>
+</p:sld>
+</file>
+
+<file path=ppt/slides/slide11.xml><?xml version="1.0" encoding="utf-8"?>
+<p:sld xmlns:a="http://schemas.openxmlformats.org/drawingml/2006/main" xmlns:r="http://schemas.openxmlformats.org/officeDocument/2006/relationships" xmlns:p="http://schemas.openxmlformats.org/presentationml/2006/main">
+  <p:cSld>
+    <p:spTree>
+      <p:nvGrpSpPr>
+        <p:cNvPr id="1" name=""/>
+        <p:cNvGrpSpPr/>
+        <p:nvPr/>
+      </p:nvGrpSpPr>
+      <p:grpSpPr>
+        <a:xfrm>
+          <a:off x="0" y="0"/>
+          <a:ext cx="0" cy="0"/>
+          <a:chOff x="0" y="0"/>
+          <a:chExt cx="0" cy="0"/>
+        </a:xfrm>
+      </p:grpSpPr>
+      <p:sp>
+        <p:nvSpPr>
+          <p:cNvPr id="2" name="Title 1"/>
+          <p:cNvSpPr>
+            <a:spLocks noGrp="1"/>
+          </p:cNvSpPr>
+          <p:nvPr>
+            <p:ph type="title"/>
+          </p:nvPr>
+        </p:nvSpPr>
+        <p:spPr/>
+        <p:txBody>
+          <a:bodyPr/>
+          <a:lstStyle/>
+          <a:p>
+            <a:r>
+              <a:rPr lang="en-US" dirty="0" smtClean="0"/>
+              <a:t>Conclusion</a:t>
+            </a:r>
+            <a:endParaRPr lang="en-US" dirty="0"/>
+          </a:p>
+        </p:txBody>
+      </p:sp>
+      <p:sp>
+        <p:nvSpPr>
+          <p:cNvPr id="3" name="Content Placeholder 2"/>
+          <p:cNvSpPr>
+            <a:spLocks noGrp="1"/>
+          </p:cNvSpPr>
+          <p:nvPr>
+            <p:ph idx="1"/>
+          </p:nvPr>
+        </p:nvSpPr>
+        <p:spPr/>
+        <p:txBody>
+          <a:bodyPr/>
+          <a:lstStyle/>
+          <a:p>
+            <a:r>
+              <a:rPr lang="en-US" dirty="0" smtClean="0"/>
+              <a:t>FP is worth the learning curve</a:t>
+            </a:r>
+          </a:p>
+          <a:p>
+            <a:pPr lvl="1"/>
+            <a:r>
+              <a:rPr lang="en-US" dirty="0" smtClean="0"/>
+              <a:t>Way better tutorials than 10 years ago</a:t>
+            </a:r>
+          </a:p>
+          <a:p>
+            <a:pPr lvl="1"/>
+            <a:endParaRPr lang="en-US" dirty="0"/>
+          </a:p>
+          <a:p>
+            <a:r>
+              <a:rPr lang="en-US" dirty="0" smtClean="0"/>
+              <a:t>FP really does lead to less bugs</a:t>
+            </a:r>
+          </a:p>
+          <a:p>
+            <a:pPr lvl="1"/>
+            <a:r>
+              <a:rPr lang="en-US" dirty="0" smtClean="0"/>
+              <a:t>Less testing/fixing</a:t>
+            </a:r>
+          </a:p>
+          <a:p>
+            <a:pPr lvl="2"/>
+            <a:r>
+              <a:rPr lang="en-US" dirty="0" smtClean="0">
+                <a:solidFill>
+                  <a:srgbClr val="FFFF00"/>
+                </a:solidFill>
+              </a:rPr>
+              <a:t>Faster dev time</a:t>
+            </a:r>
+          </a:p>
+          <a:p>
+            <a:pPr lvl="1"/>
+            <a:r>
+              <a:rPr lang="en-US" dirty="0" smtClean="0"/>
+              <a:t>Less bugs in prod</a:t>
+            </a:r>
+          </a:p>
+        </p:txBody>
+      </p:sp>
+    </p:spTree>
+    <p:extLst>
+      <p:ext uri="{BB962C8B-B14F-4D97-AF65-F5344CB8AC3E}">
+        <p14:creationId xmlns:p14="http://schemas.microsoft.com/office/powerpoint/2010/main" val="1261155027"/>
+      </p:ext>
+    </p:extLst>
+  </p:cSld>
+  <p:clrMapOvr>
+    <a:masterClrMapping/>
+  </p:clrMapOvr>
+  <p:timing>
+    <p:tnLst>
+      <p:par>
+        <p:cTn id="1" dur="indefinite" restart="never" nodeType="tmRoot"/>
+      </p:par>
+    </p:tnLst>
+  </p:timing>
+</p:sld>
+</file>
+
+<file path=ppt/slides/slide12.xml><?xml version="1.0" encoding="utf-8"?>
+<p:sld xmlns:a="http://schemas.openxmlformats.org/drawingml/2006/main" xmlns:r="http://schemas.openxmlformats.org/officeDocument/2006/relationships" xmlns:p="http://schemas.openxmlformats.org/presentationml/2006/main">
+  <p:cSld>
+    <p:spTree>
+      <p:nvGrpSpPr>
+        <p:cNvPr id="1" name=""/>
+        <p:cNvGrpSpPr/>
+        <p:nvPr/>
+      </p:nvGrpSpPr>
+      <p:grpSpPr>
+        <a:xfrm>
+          <a:off x="0" y="0"/>
+          <a:ext cx="0" cy="0"/>
+          <a:chOff x="0" y="0"/>
+          <a:chExt cx="0" cy="0"/>
+        </a:xfrm>
+      </p:grpSpPr>
+      <p:sp>
+        <p:nvSpPr>
+          <p:cNvPr id="2" name="Title 1"/>
+          <p:cNvSpPr>
+            <a:spLocks noGrp="1"/>
+          </p:cNvSpPr>
+          <p:nvPr>
+            <p:ph type="title"/>
+          </p:nvPr>
+        </p:nvSpPr>
+        <p:spPr/>
+        <p:txBody>
+          <a:bodyPr/>
+          <a:lstStyle/>
+          <a:p>
+            <a:r>
+              <a:rPr lang="en-US" dirty="0" smtClean="0"/>
+              <a:t>Next Steps?</a:t>
+            </a:r>
+            <a:endParaRPr lang="en-US" dirty="0"/>
+          </a:p>
+        </p:txBody>
+      </p:sp>
+      <p:sp>
+        <p:nvSpPr>
+          <p:cNvPr id="3" name="Content Placeholder 2"/>
+          <p:cNvSpPr>
+            <a:spLocks noGrp="1"/>
+          </p:cNvSpPr>
+          <p:nvPr>
+            <p:ph idx="1"/>
+          </p:nvPr>
+        </p:nvSpPr>
+        <p:spPr/>
+        <p:txBody>
+          <a:bodyPr/>
+          <a:lstStyle/>
+          <a:p>
+            <a:r>
+              <a:rPr lang="en-US" dirty="0" smtClean="0"/>
+              <a:t>Start building data imports in F#</a:t>
+            </a:r>
+          </a:p>
+          <a:p>
+            <a:endParaRPr lang="en-US" dirty="0"/>
+          </a:p>
+          <a:p>
+            <a:r>
+              <a:rPr lang="en-US" dirty="0" smtClean="0"/>
+              <a:t>Support dashboard</a:t>
+            </a:r>
+          </a:p>
+          <a:p>
+            <a:pPr lvl="1"/>
+            <a:r>
+              <a:rPr lang="en-US" dirty="0" smtClean="0"/>
+              <a:t>Fable</a:t>
+            </a:r>
+          </a:p>
+          <a:p>
+            <a:pPr lvl="2"/>
+            <a:r>
+              <a:rPr lang="en-US" dirty="0" smtClean="0"/>
+              <a:t>Compiles F# into Node.JS</a:t>
+            </a:r>
+          </a:p>
+          <a:p>
+            <a:pPr lvl="2"/>
+            <a:r>
+              <a:rPr lang="en-US" dirty="0" smtClean="0"/>
+              <a:t>Same language on front/back end</a:t>
+            </a:r>
+          </a:p>
+          <a:p>
+            <a:pPr lvl="1"/>
+            <a:r>
+              <a:rPr lang="en-US" dirty="0" smtClean="0">
+                <a:solidFill>
+                  <a:srgbClr val="FFFF00"/>
+                </a:solidFill>
+              </a:rPr>
+              <a:t>Full stack developer</a:t>
+            </a:r>
+          </a:p>
+          <a:p>
+            <a:pPr lvl="1"/>
+            <a:r>
+              <a:rPr lang="en-US" dirty="0" smtClean="0">
+                <a:solidFill>
+                  <a:srgbClr val="FFFF00"/>
+                </a:solidFill>
+              </a:rPr>
+              <a:t>Design/UX</a:t>
+            </a:r>
+            <a:endParaRPr lang="en-US" dirty="0">
+              <a:solidFill>
+                <a:srgbClr val="FFFF00"/>
+              </a:solidFill>
+            </a:endParaRPr>
+          </a:p>
+        </p:txBody>
+      </p:sp>
+    </p:spTree>
+    <p:extLst>
+      <p:ext uri="{BB962C8B-B14F-4D97-AF65-F5344CB8AC3E}">
+        <p14:creationId xmlns:p14="http://schemas.microsoft.com/office/powerpoint/2010/main" val="3766803100"/>
+      </p:ext>
+    </p:extLst>
+  </p:cSld>
+  <p:clrMapOvr>
+    <a:masterClrMapping/>
+  </p:clrMapOvr>
+  <p:timing>
+    <p:tnLst>
+      <p:par>
+        <p:cTn id="1" dur="indefinite" restart="never" nodeType="tmRoot"/>
+      </p:par>
+    </p:tnLst>
+  </p:timing>
+</p:sld>
+</file>
+
 <file path=ppt/slides/slide2.xml><?xml version="1.0" encoding="utf-8"?>
 <p:sld xmlns:a="http://schemas.openxmlformats.org/drawingml/2006/main" xmlns:r="http://schemas.openxmlformats.org/officeDocument/2006/relationships" xmlns:p="http://schemas.openxmlformats.org/presentationml/2006/main">
   <p:cSld>
@@ -3574,14 +4186,14 @@
             <a:pPr lvl="2"/>
             <a:r>
               <a:rPr lang="en-US" dirty="0" smtClean="0"/>
+              <a:t>Hard to find edge cases</a:t>
+            </a:r>
+          </a:p>
+          <a:p>
+            <a:pPr lvl="2"/>
+            <a:r>
+              <a:rPr lang="en-US" dirty="0" smtClean="0"/>
               <a:t>Hard to estimate</a:t>
-            </a:r>
-          </a:p>
-          <a:p>
-            <a:pPr lvl="2"/>
-            <a:r>
-              <a:rPr lang="en-US" dirty="0" smtClean="0"/>
-              <a:t>Tiring</a:t>
             </a:r>
           </a:p>
           <a:p>
@@ -5896,8 +6508,8 @@
         </p:nvSpPr>
         <p:spPr>
           <a:xfrm>
-            <a:off x="6405155" y="424543"/>
-            <a:ext cx="5066211" cy="6167891"/>
+            <a:off x="6405155" y="78377"/>
+            <a:ext cx="5066211" cy="6727372"/>
           </a:xfrm>
           <a:prstGeom prst="rect">
             <a:avLst/>
@@ -5905,7 +6517,7 @@
         </p:spPr>
         <p:txBody>
           <a:bodyPr vert="horz" lIns="91440" tIns="45720" rIns="91440" bIns="45720" rtlCol="0">
-            <a:normAutofit/>
+            <a:normAutofit fontScale="92500"/>
           </a:bodyPr>
           <a:lstStyle>
             <a:lvl1pPr marL="228600" indent="-228600" algn="l" defTabSz="914400" rtl="0" eaLnBrk="1" latinLnBrk="0" hangingPunct="1">
@@ -6120,8 +6732,42 @@
             <a:pPr lvl="1"/>
             <a:r>
               <a:rPr lang="en-US" dirty="0" smtClean="0"/>
-              <a:t>Return delta and update list in side effect layer</a:t>
-            </a:r>
+              <a:t>Return delta and update list in side effect </a:t>
+            </a:r>
+            <a:r>
+              <a:rPr lang="en-US" dirty="0" smtClean="0"/>
+              <a:t>layer</a:t>
+            </a:r>
+          </a:p>
+          <a:p>
+            <a:pPr lvl="1"/>
+            <a:r>
+              <a:rPr lang="en-US" dirty="0" smtClean="0"/>
+              <a:t>Break into sub-objects</a:t>
+            </a:r>
+          </a:p>
+          <a:p>
+            <a:pPr lvl="2"/>
+            <a:r>
+              <a:rPr lang="en-US" dirty="0" smtClean="0"/>
+              <a:t>Customer</a:t>
+            </a:r>
+          </a:p>
+          <a:p>
+            <a:pPr lvl="3"/>
+            <a:r>
+              <a:rPr lang="en-US" dirty="0" err="1" smtClean="0"/>
+              <a:t>NameInfo</a:t>
+            </a:r>
+            <a:endParaRPr lang="en-US" dirty="0" smtClean="0"/>
+          </a:p>
+          <a:p>
+            <a:pPr lvl="3"/>
+            <a:r>
+              <a:rPr lang="en-US" dirty="0" err="1" smtClean="0"/>
+              <a:t>AddressInfo</a:t>
+            </a:r>
+            <a:endParaRPr lang="en-US" dirty="0" smtClean="0"/>
           </a:p>
           <a:p>
             <a:pPr lvl="1"/>
@@ -6523,6 +7169,130 @@
                                   </p:childTnLst>
                                 </p:cTn>
                               </p:par>
+                              <p:par>
+                                <p:cTn id="29" presetID="1" presetClass="entr" presetSubtype="0" fill="hold" nodeType="withEffect">
+                                  <p:stCondLst>
+                                    <p:cond delay="0"/>
+                                  </p:stCondLst>
+                                  <p:childTnLst>
+                                    <p:set>
+                                      <p:cBhvr>
+                                        <p:cTn id="30" dur="1" fill="hold">
+                                          <p:stCondLst>
+                                            <p:cond delay="0"/>
+                                          </p:stCondLst>
+                                        </p:cTn>
+                                        <p:tgtEl>
+                                          <p:spTgt spid="4">
+                                            <p:txEl>
+                                              <p:pRg st="12" end="12"/>
+                                            </p:txEl>
+                                          </p:spTgt>
+                                        </p:tgtEl>
+                                        <p:attrNameLst>
+                                          <p:attrName>style.visibility</p:attrName>
+                                        </p:attrNameLst>
+                                      </p:cBhvr>
+                                      <p:to>
+                                        <p:strVal val="visible"/>
+                                      </p:to>
+                                    </p:set>
+                                  </p:childTnLst>
+                                </p:cTn>
+                              </p:par>
+                              <p:par>
+                                <p:cTn id="31" presetID="1" presetClass="entr" presetSubtype="0" fill="hold" nodeType="withEffect">
+                                  <p:stCondLst>
+                                    <p:cond delay="0"/>
+                                  </p:stCondLst>
+                                  <p:childTnLst>
+                                    <p:set>
+                                      <p:cBhvr>
+                                        <p:cTn id="32" dur="1" fill="hold">
+                                          <p:stCondLst>
+                                            <p:cond delay="0"/>
+                                          </p:stCondLst>
+                                        </p:cTn>
+                                        <p:tgtEl>
+                                          <p:spTgt spid="4">
+                                            <p:txEl>
+                                              <p:pRg st="13" end="13"/>
+                                            </p:txEl>
+                                          </p:spTgt>
+                                        </p:tgtEl>
+                                        <p:attrNameLst>
+                                          <p:attrName>style.visibility</p:attrName>
+                                        </p:attrNameLst>
+                                      </p:cBhvr>
+                                      <p:to>
+                                        <p:strVal val="visible"/>
+                                      </p:to>
+                                    </p:set>
+                                  </p:childTnLst>
+                                </p:cTn>
+                              </p:par>
+                              <p:par>
+                                <p:cTn id="33" presetID="1" presetClass="entr" presetSubtype="0" fill="hold" nodeType="withEffect">
+                                  <p:stCondLst>
+                                    <p:cond delay="0"/>
+                                  </p:stCondLst>
+                                  <p:childTnLst>
+                                    <p:set>
+                                      <p:cBhvr>
+                                        <p:cTn id="34" dur="1" fill="hold">
+                                          <p:stCondLst>
+                                            <p:cond delay="0"/>
+                                          </p:stCondLst>
+                                        </p:cTn>
+                                        <p:tgtEl>
+                                          <p:spTgt spid="4">
+                                            <p:txEl>
+                                              <p:pRg st="14" end="14"/>
+                                            </p:txEl>
+                                          </p:spTgt>
+                                        </p:tgtEl>
+                                        <p:attrNameLst>
+                                          <p:attrName>style.visibility</p:attrName>
+                                        </p:attrNameLst>
+                                      </p:cBhvr>
+                                      <p:to>
+                                        <p:strVal val="visible"/>
+                                      </p:to>
+                                    </p:set>
+                                  </p:childTnLst>
+                                </p:cTn>
+                              </p:par>
+                              <p:par>
+                                <p:cTn id="35" presetID="1" presetClass="entr" presetSubtype="0" fill="hold" nodeType="withEffect">
+                                  <p:stCondLst>
+                                    <p:cond delay="0"/>
+                                  </p:stCondLst>
+                                  <p:childTnLst>
+                                    <p:set>
+                                      <p:cBhvr>
+                                        <p:cTn id="36" dur="1" fill="hold">
+                                          <p:stCondLst>
+                                            <p:cond delay="0"/>
+                                          </p:stCondLst>
+                                        </p:cTn>
+                                        <p:tgtEl>
+                                          <p:spTgt spid="4">
+                                            <p:txEl>
+                                              <p:pRg st="15" end="15"/>
+                                            </p:txEl>
+                                          </p:spTgt>
+                                        </p:tgtEl>
+                                        <p:attrNameLst>
+                                          <p:attrName>style.visibility</p:attrName>
+                                        </p:attrNameLst>
+                                      </p:cBhvr>
+                                      <p:to>
+                                        <p:strVal val="visible"/>
+                                      </p:to>
+                                    </p:set>
+                                  </p:childTnLst>
+                                </p:cTn>
+                              </p:par>
                             </p:childTnLst>
                           </p:cTn>
                         </p:par>
@@ -6555,6 +7325,192 @@
 </file>
 
 <file path=ppt/slides/slide7.xml><?xml version="1.0" encoding="utf-8"?>
+<p:sld xmlns:a="http://schemas.openxmlformats.org/drawingml/2006/main" xmlns:r="http://schemas.openxmlformats.org/officeDocument/2006/relationships" xmlns:p="http://schemas.openxmlformats.org/presentationml/2006/main">
+  <p:cSld>
+    <p:spTree>
+      <p:nvGrpSpPr>
+        <p:cNvPr id="1" name=""/>
+        <p:cNvGrpSpPr/>
+        <p:nvPr/>
+      </p:nvGrpSpPr>
+      <p:grpSpPr>
+        <a:xfrm>
+          <a:off x="0" y="0"/>
+          <a:ext cx="0" cy="0"/>
+          <a:chOff x="0" y="0"/>
+          <a:chExt cx="0" cy="0"/>
+        </a:xfrm>
+      </p:grpSpPr>
+      <p:sp>
+        <p:nvSpPr>
+          <p:cNvPr id="2" name="Title 1"/>
+          <p:cNvSpPr>
+            <a:spLocks noGrp="1"/>
+          </p:cNvSpPr>
+          <p:nvPr>
+            <p:ph type="title"/>
+          </p:nvPr>
+        </p:nvSpPr>
+        <p:spPr/>
+        <p:txBody>
+          <a:bodyPr/>
+          <a:lstStyle/>
+          <a:p>
+            <a:r>
+              <a:rPr lang="en-US" dirty="0" smtClean="0"/>
+              <a:t>Would you rather?</a:t>
+            </a:r>
+            <a:endParaRPr lang="en-US" dirty="0"/>
+          </a:p>
+        </p:txBody>
+      </p:sp>
+      <p:sp>
+        <p:nvSpPr>
+          <p:cNvPr id="3" name="Content Placeholder 2"/>
+          <p:cNvSpPr>
+            <a:spLocks noGrp="1"/>
+          </p:cNvSpPr>
+          <p:nvPr>
+            <p:ph idx="1"/>
+          </p:nvPr>
+        </p:nvSpPr>
+        <p:spPr/>
+        <p:txBody>
+          <a:bodyPr/>
+          <a:lstStyle/>
+          <a:p>
+            <a:r>
+              <a:rPr lang="en-US" dirty="0" smtClean="0">
+                <a:solidFill>
+                  <a:srgbClr val="FF0000"/>
+                </a:solidFill>
+              </a:rPr>
+              <a:t>Fix a bug in prod?</a:t>
+            </a:r>
+          </a:p>
+          <a:p>
+            <a:endParaRPr lang="en-US" dirty="0"/>
+          </a:p>
+          <a:p>
+            <a:r>
+              <a:rPr lang="en-US" dirty="0" smtClean="0">
+                <a:solidFill>
+                  <a:schemeClr val="accent4">
+                    <a:lumMod val="60000"/>
+                    <a:lumOff val="40000"/>
+                  </a:schemeClr>
+                </a:solidFill>
+              </a:rPr>
+              <a:t>Fix a performance issue in prod?</a:t>
+            </a:r>
+          </a:p>
+          <a:p>
+            <a:pPr lvl="1"/>
+            <a:r>
+              <a:rPr lang="en-US" dirty="0" smtClean="0"/>
+              <a:t>Load test before prod</a:t>
+            </a:r>
+          </a:p>
+          <a:p>
+            <a:pPr lvl="1"/>
+            <a:r>
+              <a:rPr lang="en-US" dirty="0" smtClean="0">
+                <a:solidFill>
+                  <a:schemeClr val="accent1">
+                    <a:lumMod val="60000"/>
+                    <a:lumOff val="40000"/>
+                  </a:schemeClr>
+                </a:solidFill>
+              </a:rPr>
+              <a:t>Throughput</a:t>
+            </a:r>
+            <a:r>
+              <a:rPr lang="en-US" dirty="0" smtClean="0"/>
+              <a:t> &lt;&gt; </a:t>
+            </a:r>
+            <a:r>
+              <a:rPr lang="en-US" dirty="0" smtClean="0">
+                <a:solidFill>
+                  <a:schemeClr val="accent5">
+                    <a:lumMod val="60000"/>
+                    <a:lumOff val="40000"/>
+                  </a:schemeClr>
+                </a:solidFill>
+              </a:rPr>
+              <a:t>performance</a:t>
+            </a:r>
+          </a:p>
+          <a:p>
+            <a:pPr lvl="2"/>
+            <a:r>
+              <a:rPr lang="en-US" dirty="0" smtClean="0"/>
+              <a:t>Parallel processing</a:t>
+            </a:r>
+          </a:p>
+          <a:p>
+            <a:pPr lvl="2"/>
+            <a:endParaRPr lang="en-US" dirty="0"/>
+          </a:p>
+          <a:p>
+            <a:pPr lvl="1"/>
+            <a:r>
+              <a:rPr lang="en-US" dirty="0" smtClean="0">
+                <a:solidFill>
+                  <a:schemeClr val="accent1">
+                    <a:lumMod val="60000"/>
+                    <a:lumOff val="40000"/>
+                  </a:schemeClr>
+                </a:solidFill>
+              </a:rPr>
+              <a:t>How many records per second </a:t>
+            </a:r>
+            <a:r>
+              <a:rPr lang="en-US" dirty="0" smtClean="0"/>
+              <a:t>&lt;&gt; </a:t>
+            </a:r>
+            <a:r>
+              <a:rPr lang="en-US" dirty="0" smtClean="0">
+                <a:solidFill>
+                  <a:schemeClr val="accent5">
+                    <a:lumMod val="60000"/>
+                    <a:lumOff val="40000"/>
+                  </a:schemeClr>
+                </a:solidFill>
+              </a:rPr>
+              <a:t>how many seconds for an individual record</a:t>
+            </a:r>
+            <a:endParaRPr lang="en-US" dirty="0">
+              <a:solidFill>
+                <a:schemeClr val="accent5">
+                  <a:lumMod val="60000"/>
+                  <a:lumOff val="40000"/>
+                </a:schemeClr>
+              </a:solidFill>
+            </a:endParaRPr>
+          </a:p>
+        </p:txBody>
+      </p:sp>
+    </p:spTree>
+    <p:extLst>
+      <p:ext uri="{BB962C8B-B14F-4D97-AF65-F5344CB8AC3E}">
+        <p14:creationId xmlns:p14="http://schemas.microsoft.com/office/powerpoint/2010/main" val="2335820934"/>
+      </p:ext>
+    </p:extLst>
+  </p:cSld>
+  <p:clrMapOvr>
+    <a:masterClrMapping/>
+  </p:clrMapOvr>
+  <p:timing>
+    <p:tnLst>
+      <p:par>
+        <p:cTn id="1" dur="indefinite" restart="never" nodeType="tmRoot"/>
+      </p:par>
+    </p:tnLst>
+  </p:timing>
+</p:sld>
+</file>
+
+<file path=ppt/slides/slide8.xml><?xml version="1.0" encoding="utf-8"?>
 <p:sld xmlns:a="http://schemas.openxmlformats.org/drawingml/2006/main" xmlns:r="http://schemas.openxmlformats.org/officeDocument/2006/relationships" xmlns:p="http://schemas.openxmlformats.org/presentationml/2006/main">
   <p:cSld>
     <p:spTree>
@@ -6675,7 +7631,7 @@
         <p:spPr>
           <a:xfrm>
             <a:off x="195944" y="1570201"/>
-            <a:ext cx="5310050" cy="1200329"/>
+            <a:ext cx="6159136" cy="1200329"/>
           </a:xfrm>
           <a:prstGeom prst="rect">
             <a:avLst/>
@@ -6694,7 +7650,7 @@
             </a:pPr>
             <a:r>
               <a:rPr lang="en-US" sz="2400" dirty="0" smtClean="0"/>
-              <a:t>So far, no bugs in F# code</a:t>
+              <a:t>So far, 1 bug in F# code</a:t>
             </a:r>
           </a:p>
           <a:p>
@@ -6704,7 +7660,7 @@
             </a:pPr>
             <a:r>
               <a:rPr lang="en-US" sz="2400" dirty="0" smtClean="0"/>
-              <a:t>Zero incorrect behavior</a:t>
+              <a:t>Wrong value in hardcoded string</a:t>
             </a:r>
           </a:p>
           <a:p>
@@ -6713,10 +7669,18 @@
               <a:buChar char="•"/>
             </a:pPr>
             <a:r>
-              <a:rPr lang="en-US" sz="2400" dirty="0" smtClean="0"/>
-              <a:t>Zero runtime errors</a:t>
-            </a:r>
-            <a:endParaRPr lang="en-US" sz="2400" dirty="0"/>
+              <a:rPr lang="en-US" sz="2400" dirty="0" smtClean="0">
+                <a:solidFill>
+                  <a:srgbClr val="FF0000"/>
+                </a:solidFill>
+              </a:rPr>
+              <a:t>Bad data</a:t>
+            </a:r>
+            <a:endParaRPr lang="en-US" sz="2400" dirty="0">
+              <a:solidFill>
+                <a:srgbClr val="FF0000"/>
+              </a:solidFill>
+            </a:endParaRPr>
           </a:p>
         </p:txBody>
       </p:sp>
@@ -6805,6 +7769,108 @@
               <a:t>Improved log messages</a:t>
             </a:r>
             <a:endParaRPr lang="en-US" sz="2400" dirty="0"/>
+          </a:p>
+        </p:txBody>
+      </p:sp>
+      <p:sp>
+        <p:nvSpPr>
+          <p:cNvPr id="3" name="TextBox 2"/>
+          <p:cNvSpPr txBox="1"/>
+          <p:nvPr/>
+        </p:nvSpPr>
+        <p:spPr>
+          <a:xfrm>
+            <a:off x="10110651" y="3572673"/>
+            <a:ext cx="1972492" cy="369332"/>
+          </a:xfrm>
+          <a:prstGeom prst="rect">
+            <a:avLst/>
+          </a:prstGeom>
+          <a:noFill/>
+        </p:spPr>
+        <p:txBody>
+          <a:bodyPr wrap="square" rtlCol="0">
+            <a:spAutoFit/>
+          </a:bodyPr>
+          <a:lstStyle/>
+          <a:p>
+            <a:r>
+              <a:rPr lang="en-US" dirty="0" smtClean="0">
+                <a:solidFill>
+                  <a:srgbClr val="FF0000"/>
+                </a:solidFill>
+              </a:rPr>
+              <a:t>HAPPY PATH</a:t>
+            </a:r>
+            <a:endParaRPr lang="en-US" dirty="0">
+              <a:solidFill>
+                <a:srgbClr val="FF0000"/>
+              </a:solidFill>
+            </a:endParaRPr>
+          </a:p>
+        </p:txBody>
+      </p:sp>
+      <p:sp>
+        <p:nvSpPr>
+          <p:cNvPr id="5" name="TextBox 4"/>
+          <p:cNvSpPr txBox="1"/>
+          <p:nvPr/>
+        </p:nvSpPr>
+        <p:spPr>
+          <a:xfrm>
+            <a:off x="6211388" y="1344238"/>
+            <a:ext cx="5142412" cy="830997"/>
+          </a:xfrm>
+          <a:prstGeom prst="rect">
+            <a:avLst/>
+          </a:prstGeom>
+          <a:noFill/>
+        </p:spPr>
+        <p:txBody>
+          <a:bodyPr wrap="square" rtlCol="0">
+            <a:spAutoFit/>
+          </a:bodyPr>
+          <a:lstStyle/>
+          <a:p>
+            <a:pPr marL="285750" indent="-285750">
+              <a:buFont typeface="Arial" panose="020B0604020202020204" pitchFamily="34" charset="0"/>
+              <a:buChar char="•"/>
+            </a:pPr>
+            <a:r>
+              <a:rPr lang="en-US" sz="2400" dirty="0" smtClean="0">
+                <a:solidFill>
+                  <a:srgbClr val="FFFF00"/>
+                </a:solidFill>
+              </a:rPr>
+              <a:t>C#</a:t>
+            </a:r>
+          </a:p>
+          <a:p>
+            <a:pPr marL="742950" lvl="1" indent="-285750">
+              <a:buFont typeface="Arial" panose="020B0604020202020204" pitchFamily="34" charset="0"/>
+              <a:buChar char="•"/>
+            </a:pPr>
+            <a:r>
+              <a:rPr lang="en-US" sz="2400" dirty="0" err="1" smtClean="0">
+                <a:solidFill>
+                  <a:srgbClr val="FFFF00"/>
+                </a:solidFill>
+              </a:rPr>
+              <a:t>NotImplementedException</a:t>
+            </a:r>
+            <a:r>
+              <a:rPr lang="en-US" sz="2400" dirty="0" smtClean="0">
+                <a:solidFill>
+                  <a:srgbClr val="FFFF00"/>
+                </a:solidFill>
+              </a:rPr>
+              <a:t> x 10</a:t>
+            </a:r>
+            <a:endParaRPr lang="en-US" sz="2400" dirty="0">
+              <a:solidFill>
+                <a:srgbClr val="FFFF00"/>
+              </a:solidFill>
+            </a:endParaRPr>
           </a:p>
         </p:txBody>
       </p:sp>
@@ -6897,7 +7963,7 @@
                                           </p:stCondLst>
                                         </p:cTn>
                                         <p:tgtEl>
-                                          <p:spTgt spid="9"/>
+                                          <p:spTgt spid="5"/>
                                         </p:tgtEl>
                                         <p:attrNameLst>
                                           <p:attrName>style.visibility</p:attrName>
@@ -6937,6 +8003,51 @@
                                     <p:set>
                                       <p:cBhvr>
                                         <p:cTn id="14" dur="1" fill="hold">
+                                          <p:stCondLst>
+                                            <p:cond delay="0"/>
+                                          </p:stCondLst>
+                                        </p:cTn>
+                                        <p:tgtEl>
+                                          <p:spTgt spid="9"/>
+                                        </p:tgtEl>
+                                        <p:attrNameLst>
+                                          <p:attrName>style.visibility</p:attrName>
+                                        </p:attrNameLst>
+                                      </p:cBhvr>
+                                      <p:to>
+                                        <p:strVal val="visible"/>
+                                      </p:to>
+                                    </p:set>
+                                  </p:childTnLst>
+                                </p:cTn>
+                              </p:par>
+                            </p:childTnLst>
+                          </p:cTn>
+                        </p:par>
+                      </p:childTnLst>
+                    </p:cTn>
+                  </p:par>
+                  <p:par>
+                    <p:cTn id="15" fill="hold">
+                      <p:stCondLst>
+                        <p:cond delay="indefinite"/>
+                      </p:stCondLst>
+                      <p:childTnLst>
+                        <p:par>
+                          <p:cTn id="16" fill="hold">
+                            <p:stCondLst>
+                              <p:cond delay="0"/>
+                            </p:stCondLst>
+                            <p:childTnLst>
+                              <p:par>
+                                <p:cTn id="17" presetID="1" presetClass="entr" presetSubtype="0" fill="hold" grpId="0" nodeType="clickEffect">
+                                  <p:stCondLst>
+                                    <p:cond delay="0"/>
+                                  </p:stCondLst>
+                                  <p:childTnLst>
+                                    <p:set>
+                                      <p:cBhvr>
+                                        <p:cTn id="18" dur="1" fill="hold">
                                           <p:stCondLst>
                                             <p:cond delay="0"/>
                                           </p:stCondLst>
@@ -6986,171 +8097,8 @@
       <p:bldP spid="8" grpId="0"/>
       <p:bldP spid="9" grpId="0"/>
       <p:bldP spid="10" grpId="0"/>
+      <p:bldP spid="5" grpId="0"/>
     </p:bldLst>
-  </p:timing>
-</p:sld>
-</file>
-
-<file path=ppt/slides/slide8.xml><?xml version="1.0" encoding="utf-8"?>
-<p:sld xmlns:a="http://schemas.openxmlformats.org/drawingml/2006/main" xmlns:r="http://schemas.openxmlformats.org/officeDocument/2006/relationships" xmlns:p="http://schemas.openxmlformats.org/presentationml/2006/main">
-  <p:cSld>
-    <p:spTree>
-      <p:nvGrpSpPr>
-        <p:cNvPr id="1" name=""/>
-        <p:cNvGrpSpPr/>
-        <p:nvPr/>
-      </p:nvGrpSpPr>
-      <p:grpSpPr>
-        <a:xfrm>
-          <a:off x="0" y="0"/>
-          <a:ext cx="0" cy="0"/>
-          <a:chOff x="0" y="0"/>
-          <a:chExt cx="0" cy="0"/>
-        </a:xfrm>
-      </p:grpSpPr>
-      <p:sp>
-        <p:nvSpPr>
-          <p:cNvPr id="2" name="Title 1"/>
-          <p:cNvSpPr>
-            <a:spLocks noGrp="1"/>
-          </p:cNvSpPr>
-          <p:nvPr>
-            <p:ph type="title"/>
-          </p:nvPr>
-        </p:nvSpPr>
-        <p:spPr/>
-        <p:txBody>
-          <a:bodyPr/>
-          <a:lstStyle/>
-          <a:p>
-            <a:r>
-              <a:rPr lang="en-US" dirty="0" smtClean="0"/>
-              <a:t>Completed work</a:t>
-            </a:r>
-            <a:endParaRPr lang="en-US" dirty="0"/>
-          </a:p>
-        </p:txBody>
-      </p:sp>
-      <p:sp>
-        <p:nvSpPr>
-          <p:cNvPr id="3" name="Content Placeholder 2"/>
-          <p:cNvSpPr>
-            <a:spLocks noGrp="1"/>
-          </p:cNvSpPr>
-          <p:nvPr>
-            <p:ph idx="1"/>
-          </p:nvPr>
-        </p:nvSpPr>
-        <p:spPr>
-          <a:xfrm>
-            <a:off x="838200" y="1825624"/>
-            <a:ext cx="10515600" cy="5092887"/>
-          </a:xfrm>
-        </p:spPr>
-        <p:txBody>
-          <a:bodyPr/>
-          <a:lstStyle/>
-          <a:p>
-            <a:r>
-              <a:rPr lang="en-US" dirty="0" smtClean="0"/>
-              <a:t>Selecting from input</a:t>
-            </a:r>
-          </a:p>
-          <a:p>
-            <a:pPr lvl="1"/>
-            <a:r>
-              <a:rPr lang="en-US" dirty="0" smtClean="0"/>
-              <a:t>Multiple instances with atomic select-update</a:t>
-            </a:r>
-          </a:p>
-          <a:p>
-            <a:pPr lvl="1"/>
-            <a:r>
-              <a:rPr lang="en-US" dirty="0" smtClean="0"/>
-              <a:t>Load test ensures input records are not handled twice</a:t>
-            </a:r>
-          </a:p>
-          <a:p>
-            <a:r>
-              <a:rPr lang="en-US" dirty="0" smtClean="0"/>
-              <a:t>Writing to output</a:t>
-            </a:r>
-          </a:p>
-          <a:p>
-            <a:pPr lvl="1"/>
-            <a:r>
-              <a:rPr lang="en-US" dirty="0" smtClean="0"/>
-              <a:t>Updates – working</a:t>
-            </a:r>
-          </a:p>
-          <a:p>
-            <a:pPr lvl="1"/>
-            <a:r>
-              <a:rPr lang="en-US" dirty="0" smtClean="0"/>
-              <a:t>Insert – edge case</a:t>
-            </a:r>
-          </a:p>
-          <a:p>
-            <a:pPr lvl="2"/>
-            <a:r>
-              <a:rPr lang="en-US" dirty="0" smtClean="0"/>
-              <a:t>Existing DB does not have PK auto increment</a:t>
-            </a:r>
-          </a:p>
-          <a:p>
-            <a:pPr lvl="2"/>
-            <a:r>
-              <a:rPr lang="en-US" dirty="0"/>
-              <a:t>PK collision</a:t>
-            </a:r>
-          </a:p>
-          <a:p>
-            <a:pPr lvl="3"/>
-            <a:r>
-              <a:rPr lang="en-US" dirty="0" smtClean="0"/>
-              <a:t>Detecting and logging</a:t>
-            </a:r>
-          </a:p>
-          <a:p>
-            <a:pPr lvl="3"/>
-            <a:r>
-              <a:rPr lang="en-US" dirty="0" smtClean="0"/>
-              <a:t>Planning to retry these</a:t>
-            </a:r>
-          </a:p>
-          <a:p>
-            <a:pPr lvl="4"/>
-            <a:r>
-              <a:rPr lang="en-US" dirty="0" smtClean="0">
-                <a:solidFill>
-                  <a:srgbClr val="FFFF00"/>
-                </a:solidFill>
-              </a:rPr>
-              <a:t>Limiting scope</a:t>
-            </a:r>
-          </a:p>
-          <a:p>
-            <a:pPr lvl="2"/>
-            <a:endParaRPr lang="en-US" dirty="0" smtClean="0"/>
-          </a:p>
-        </p:txBody>
-      </p:sp>
-    </p:spTree>
-    <p:extLst>
-      <p:ext uri="{BB962C8B-B14F-4D97-AF65-F5344CB8AC3E}">
-        <p14:creationId xmlns:p14="http://schemas.microsoft.com/office/powerpoint/2010/main" val="2111605369"/>
-      </p:ext>
-    </p:extLst>
-  </p:cSld>
-  <p:clrMapOvr>
-    <a:masterClrMapping/>
-  </p:clrMapOvr>
-  <p:timing>
-    <p:tnLst>
-      <p:par>
-        <p:cTn id="1" dur="indefinite" restart="never" nodeType="tmRoot"/>
-      </p:par>
-    </p:tnLst>
   </p:timing>
 </p:sld>
 </file>
@@ -7189,7 +8137,7 @@
           <a:p>
             <a:r>
               <a:rPr lang="en-US" dirty="0" smtClean="0"/>
-              <a:t>Features coming soon</a:t>
+              <a:t>Completed work</a:t>
             </a:r>
             <a:endParaRPr lang="en-US" dirty="0"/>
           </a:p>
@@ -7207,8 +8155,8 @@
         </p:nvSpPr>
         <p:spPr>
           <a:xfrm>
-            <a:off x="838200" y="1825625"/>
-            <a:ext cx="10515600" cy="4953998"/>
+            <a:off x="838200" y="1825624"/>
+            <a:ext cx="10515600" cy="5092887"/>
           </a:xfrm>
         </p:spPr>
         <p:txBody>
@@ -7217,75 +8165,152 @@
           <a:p>
             <a:r>
               <a:rPr lang="en-US" dirty="0" smtClean="0"/>
-              <a:t>Update status of input records</a:t>
+              <a:t>Selecting from input</a:t>
             </a:r>
           </a:p>
           <a:p>
             <a:pPr lvl="1"/>
             <a:r>
               <a:rPr lang="en-US" dirty="0" smtClean="0"/>
-              <a:t>Delete successful records</a:t>
+              <a:t>Multiple instances with atomic select-update</a:t>
             </a:r>
           </a:p>
           <a:p>
             <a:pPr lvl="1"/>
             <a:r>
               <a:rPr lang="en-US" dirty="0" smtClean="0"/>
-              <a:t>Mark as failed if failed</a:t>
+              <a:t>Load test ensures input records are not handled twice</a:t>
+            </a:r>
+          </a:p>
+          <a:p>
+            <a:r>
+              <a:rPr lang="en-US" dirty="0" smtClean="0"/>
+              <a:t>Writing to output</a:t>
             </a:r>
           </a:p>
           <a:p>
             <a:pPr lvl="1"/>
             <a:r>
               <a:rPr lang="en-US" dirty="0" smtClean="0"/>
-              <a:t>Retry PK collisions</a:t>
-            </a:r>
-          </a:p>
-          <a:p>
-            <a:r>
-              <a:rPr lang="en-US" dirty="0" smtClean="0"/>
-              <a:t>Log to DB instead of console</a:t>
-            </a:r>
-          </a:p>
-          <a:p>
-            <a:r>
-              <a:rPr lang="en-US" dirty="0" smtClean="0"/>
-              <a:t>Multiple threads</a:t>
-            </a:r>
-          </a:p>
-          <a:p>
-            <a:r>
-              <a:rPr lang="en-US" dirty="0" smtClean="0"/>
-              <a:t>Better load test</a:t>
+              <a:t>Updates – working</a:t>
             </a:r>
           </a:p>
           <a:p>
             <a:pPr lvl="1"/>
             <a:r>
               <a:rPr lang="en-US" dirty="0" smtClean="0"/>
-              <a:t>10 instances: don’t always get PK collision</a:t>
-            </a:r>
-          </a:p>
-          <a:p>
-            <a:pPr lvl="1"/>
-            <a:r>
-              <a:rPr lang="en-US" dirty="0" smtClean="0"/>
-              <a:t>20 instances: timeout when loading input</a:t>
-            </a:r>
-          </a:p>
-          <a:p>
-            <a:r>
-              <a:rPr lang="en-US" dirty="0" smtClean="0"/>
-              <a:t>Code cleanup</a:t>
-            </a:r>
-            <a:endParaRPr lang="en-US" dirty="0"/>
-          </a:p>
-        </p:txBody>
-      </p:sp>
+              <a:t>Insert – edge case</a:t>
+            </a:r>
+          </a:p>
+          <a:p>
+            <a:pPr lvl="2"/>
+            <a:r>
+              <a:rPr lang="en-US" dirty="0" smtClean="0"/>
+              <a:t>Existing DB does not have PK auto increment</a:t>
+            </a:r>
+          </a:p>
+          <a:p>
+            <a:pPr lvl="2"/>
+            <a:r>
+              <a:rPr lang="en-US" dirty="0"/>
+              <a:t>PK collision</a:t>
+            </a:r>
+          </a:p>
+          <a:p>
+            <a:pPr lvl="3"/>
+            <a:r>
+              <a:rPr lang="en-US" dirty="0" smtClean="0"/>
+              <a:t>Detecting and logging</a:t>
+            </a:r>
+          </a:p>
+          <a:p>
+            <a:pPr lvl="3"/>
+            <a:r>
+              <a:rPr lang="en-US" dirty="0" smtClean="0"/>
+              <a:t>Planning to retry these</a:t>
+            </a:r>
+          </a:p>
+          <a:p>
+            <a:pPr lvl="4"/>
+            <a:r>
+              <a:rPr lang="en-US" dirty="0" smtClean="0">
+                <a:solidFill>
+                  <a:srgbClr val="FFFF00"/>
+                </a:solidFill>
+              </a:rPr>
+              <a:t>Limiting scope</a:t>
+            </a:r>
+          </a:p>
+          <a:p>
+            <a:pPr lvl="2"/>
+            <a:endParaRPr lang="en-US" dirty="0" smtClean="0"/>
+          </a:p>
+        </p:txBody>
+      </p:sp>
+      <p:pic>
+        <p:nvPicPr>
+          <p:cNvPr id="4" name="Picture 3"/>
+          <p:cNvPicPr>
+            <a:picLocks noChangeAspect="1"/>
+          </p:cNvPicPr>
+          <p:nvPr/>
+        </p:nvPicPr>
+        <p:blipFill>
+          <a:blip r:embed="rId2"/>
+          <a:stretch>
+            <a:fillRect/>
+          </a:stretch>
+        </p:blipFill>
+        <p:spPr>
+          <a:xfrm>
+            <a:off x="7062608" y="3348302"/>
+            <a:ext cx="13079444" cy="6212556"/>
+          </a:xfrm>
+          <a:prstGeom prst="rect">
+            <a:avLst/>
+          </a:prstGeom>
+        </p:spPr>
+      </p:pic>
+      <p:cxnSp>
+        <p:nvCxnSpPr>
+          <p:cNvPr id="6" name="Straight Arrow Connector 5"/>
+          <p:cNvCxnSpPr/>
+          <p:nvPr/>
+        </p:nvCxnSpPr>
+        <p:spPr>
+          <a:xfrm>
+            <a:off x="11604813" y="3112994"/>
+            <a:ext cx="0" cy="1385047"/>
+          </a:xfrm>
+          <a:prstGeom prst="straightConnector1">
+            <a:avLst/>
+          </a:prstGeom>
+          <a:ln w="76200">
+            <a:solidFill>
+              <a:srgbClr val="FF0000"/>
+            </a:solidFill>
+            <a:tailEnd type="triangle"/>
+          </a:ln>
+        </p:spPr>
+        <p:style>
+          <a:lnRef idx="1">
+            <a:schemeClr val="accent1"/>
+          </a:lnRef>
+          <a:fillRef idx="0">
+            <a:schemeClr val="accent1"/>
+          </a:fillRef>
+          <a:effectRef idx="0">
+            <a:schemeClr val="accent1"/>
+          </a:effectRef>
+          <a:fontRef idx="minor">
+            <a:schemeClr val="tx1"/>
+          </a:fontRef>
+        </p:style>
+      </p:cxnSp>
     </p:spTree>
     <p:extLst>
       <p:ext uri="{BB962C8B-B14F-4D97-AF65-F5344CB8AC3E}">
-        <p14:creationId xmlns:p14="http://schemas.microsoft.com/office/powerpoint/2010/main" val="65708568"/>
+        <p14:creationId xmlns:p14="http://schemas.microsoft.com/office/powerpoint/2010/main" val="2111605369"/>
       </p:ext>
     </p:extLst>
   </p:cSld>
@@ -7295,7 +8320,102 @@
   <p:timing>
     <p:tnLst>
       <p:par>
-        <p:cTn id="1" dur="indefinite" restart="never" nodeType="tmRoot"/>
+        <p:cTn id="1" dur="indefinite" restart="never" nodeType="tmRoot">
+          <p:childTnLst>
+            <p:seq concurrent="1" nextAc="seek">
+              <p:cTn id="2" dur="indefinite" nodeType="mainSeq">
+                <p:childTnLst>
+                  <p:par>
+                    <p:cTn id="3" fill="hold">
+                      <p:stCondLst>
+                        <p:cond delay="indefinite"/>
+                      </p:stCondLst>
+                      <p:childTnLst>
+                        <p:par>
+                          <p:cTn id="4" fill="hold">
+                            <p:stCondLst>
+                              <p:cond delay="0"/>
+                            </p:stCondLst>
+                            <p:childTnLst>
+                              <p:par>
+                                <p:cTn id="5" presetID="1" presetClass="entr" presetSubtype="0" fill="hold" nodeType="clickEffect">
+                                  <p:stCondLst>
+                                    <p:cond delay="0"/>
+                                  </p:stCondLst>
+                                  <p:childTnLst>
+                                    <p:set>
+                                      <p:cBhvr>
+                                        <p:cTn id="6" dur="1" fill="hold">
+                                          <p:stCondLst>
+                                            <p:cond delay="0"/>
+                                          </p:stCondLst>
+                                        </p:cTn>
+                                        <p:tgtEl>
+                                          <p:spTgt spid="4"/>
+                                        </p:tgtEl>
+                                        <p:attrNameLst>
+                                          <p:attrName>style.visibility</p:attrName>
+                                        </p:attrNameLst>
+                                      </p:cBhvr>
+                                      <p:to>
+                                        <p:strVal val="visible"/>
+                                      </p:to>
+                                    </p:set>
+                                  </p:childTnLst>
+                                </p:cTn>
+                              </p:par>
+                              <p:par>
+                                <p:cTn id="7" presetID="1" presetClass="entr" presetSubtype="0" fill="hold" nodeType="withEffect">
+                                  <p:stCondLst>
+                                    <p:cond delay="0"/>
+                                  </p:stCondLst>
+                                  <p:childTnLst>
+                                    <p:set>
+                                      <p:cBhvr>
+                                        <p:cTn id="8" dur="1" fill="hold">
+                                          <p:stCondLst>
+                                            <p:cond delay="0"/>
+                                          </p:stCondLst>
+                                        </p:cTn>
+                                        <p:tgtEl>
+                                          <p:spTgt spid="6"/>
+                                        </p:tgtEl>
+                                        <p:attrNameLst>
+                                          <p:attrName>style.visibility</p:attrName>
+                                        </p:attrNameLst>
+                                      </p:cBhvr>
+                                      <p:to>
+                                        <p:strVal val="visible"/>
+                                      </p:to>
+                                    </p:set>
+                                  </p:childTnLst>
+                                </p:cTn>
+                              </p:par>
+                            </p:childTnLst>
+                          </p:cTn>
+                        </p:par>
+                      </p:childTnLst>
+                    </p:cTn>
+                  </p:par>
+                </p:childTnLst>
+              </p:cTn>
+              <p:prevCondLst>
+                <p:cond evt="onPrev" delay="0">
+                  <p:tgtEl>
+                    <p:sldTgt/>
+                  </p:tgtEl>
+                </p:cond>
+              </p:prevCondLst>
+              <p:nextCondLst>
+                <p:cond evt="onNext" delay="0">
+                  <p:tgtEl>
+                    <p:sldTgt/>
+                  </p:tgtEl>
+                </p:cond>
+              </p:nextCondLst>
+            </p:seq>
+          </p:childTnLst>
+        </p:cTn>
       </p:par>
     </p:tnLst>
   </p:timing>

--- a/presentations/FSharpETLDemo.pptx
+++ b/presentations/FSharpETLDemo.pptx
@@ -8,15 +8,19 @@
     <p:sldId id="256" r:id="rId2"/>
     <p:sldId id="257" r:id="rId3"/>
     <p:sldId id="258" r:id="rId4"/>
-    <p:sldId id="259" r:id="rId5"/>
-    <p:sldId id="261" r:id="rId6"/>
-    <p:sldId id="260" r:id="rId7"/>
-    <p:sldId id="267" r:id="rId8"/>
-    <p:sldId id="262" r:id="rId9"/>
-    <p:sldId id="263" r:id="rId10"/>
-    <p:sldId id="264" r:id="rId11"/>
-    <p:sldId id="265" r:id="rId12"/>
-    <p:sldId id="266" r:id="rId13"/>
+    <p:sldId id="268" r:id="rId5"/>
+    <p:sldId id="269" r:id="rId6"/>
+    <p:sldId id="271" r:id="rId7"/>
+    <p:sldId id="261" r:id="rId8"/>
+    <p:sldId id="260" r:id="rId9"/>
+    <p:sldId id="267" r:id="rId10"/>
+    <p:sldId id="262" r:id="rId11"/>
+    <p:sldId id="263" r:id="rId12"/>
+    <p:sldId id="264" r:id="rId13"/>
+    <p:sldId id="265" r:id="rId14"/>
+    <p:sldId id="266" r:id="rId15"/>
+    <p:sldId id="270" r:id="rId16"/>
+    <p:sldId id="259" r:id="rId17"/>
   </p:sldIdLst>
   <p:sldSz cx="12192000" cy="6858000"/>
   <p:notesSz cx="6858000" cy="9144000"/>
@@ -254,7 +258,7 @@
           <a:p>
             <a:fld id="{E3E23F6F-70BB-4CE2-BC6C-175C09BC2746}" type="datetimeFigureOut">
               <a:rPr lang="en-US" smtClean="0"/>
-              <a:t>1/14/2020</a:t>
+              <a:t>1/23/2020</a:t>
             </a:fld>
             <a:endParaRPr lang="en-US"/>
           </a:p>
@@ -424,7 +428,7 @@
           <a:p>
             <a:fld id="{E3E23F6F-70BB-4CE2-BC6C-175C09BC2746}" type="datetimeFigureOut">
               <a:rPr lang="en-US" smtClean="0"/>
-              <a:t>1/14/2020</a:t>
+              <a:t>1/23/2020</a:t>
             </a:fld>
             <a:endParaRPr lang="en-US"/>
           </a:p>
@@ -604,7 +608,7 @@
           <a:p>
             <a:fld id="{E3E23F6F-70BB-4CE2-BC6C-175C09BC2746}" type="datetimeFigureOut">
               <a:rPr lang="en-US" smtClean="0"/>
-              <a:t>1/14/2020</a:t>
+              <a:t>1/23/2020</a:t>
             </a:fld>
             <a:endParaRPr lang="en-US"/>
           </a:p>
@@ -774,7 +778,7 @@
           <a:p>
             <a:fld id="{E3E23F6F-70BB-4CE2-BC6C-175C09BC2746}" type="datetimeFigureOut">
               <a:rPr lang="en-US" smtClean="0"/>
-              <a:t>1/14/2020</a:t>
+              <a:t>1/23/2020</a:t>
             </a:fld>
             <a:endParaRPr lang="en-US"/>
           </a:p>
@@ -1020,7 +1024,7 @@
           <a:p>
             <a:fld id="{E3E23F6F-70BB-4CE2-BC6C-175C09BC2746}" type="datetimeFigureOut">
               <a:rPr lang="en-US" smtClean="0"/>
-              <a:t>1/14/2020</a:t>
+              <a:t>1/23/2020</a:t>
             </a:fld>
             <a:endParaRPr lang="en-US"/>
           </a:p>
@@ -1252,7 +1256,7 @@
           <a:p>
             <a:fld id="{E3E23F6F-70BB-4CE2-BC6C-175C09BC2746}" type="datetimeFigureOut">
               <a:rPr lang="en-US" smtClean="0"/>
-              <a:t>1/14/2020</a:t>
+              <a:t>1/23/2020</a:t>
             </a:fld>
             <a:endParaRPr lang="en-US"/>
           </a:p>
@@ -1619,7 +1623,7 @@
           <a:p>
             <a:fld id="{E3E23F6F-70BB-4CE2-BC6C-175C09BC2746}" type="datetimeFigureOut">
               <a:rPr lang="en-US" smtClean="0"/>
-              <a:t>1/14/2020</a:t>
+              <a:t>1/23/2020</a:t>
             </a:fld>
             <a:endParaRPr lang="en-US"/>
           </a:p>
@@ -1737,7 +1741,7 @@
           <a:p>
             <a:fld id="{E3E23F6F-70BB-4CE2-BC6C-175C09BC2746}" type="datetimeFigureOut">
               <a:rPr lang="en-US" smtClean="0"/>
-              <a:t>1/14/2020</a:t>
+              <a:t>1/23/2020</a:t>
             </a:fld>
             <a:endParaRPr lang="en-US"/>
           </a:p>
@@ -1832,7 +1836,7 @@
           <a:p>
             <a:fld id="{E3E23F6F-70BB-4CE2-BC6C-175C09BC2746}" type="datetimeFigureOut">
               <a:rPr lang="en-US" smtClean="0"/>
-              <a:t>1/14/2020</a:t>
+              <a:t>1/23/2020</a:t>
             </a:fld>
             <a:endParaRPr lang="en-US"/>
           </a:p>
@@ -2109,7 +2113,7 @@
           <a:p>
             <a:fld id="{E3E23F6F-70BB-4CE2-BC6C-175C09BC2746}" type="datetimeFigureOut">
               <a:rPr lang="en-US" smtClean="0"/>
-              <a:t>1/14/2020</a:t>
+              <a:t>1/23/2020</a:t>
             </a:fld>
             <a:endParaRPr lang="en-US"/>
           </a:p>
@@ -2366,7 +2370,7 @@
           <a:p>
             <a:fld id="{E3E23F6F-70BB-4CE2-BC6C-175C09BC2746}" type="datetimeFigureOut">
               <a:rPr lang="en-US" smtClean="0"/>
-              <a:t>1/14/2020</a:t>
+              <a:t>1/23/2020</a:t>
             </a:fld>
             <a:endParaRPr lang="en-US"/>
           </a:p>
@@ -2579,7 +2583,7 @@
           <a:p>
             <a:fld id="{E3E23F6F-70BB-4CE2-BC6C-175C09BC2746}" type="datetimeFigureOut">
               <a:rPr lang="en-US" smtClean="0"/>
-              <a:t>1/14/2020</a:t>
+              <a:t>1/23/2020</a:t>
             </a:fld>
             <a:endParaRPr lang="en-US"/>
           </a:p>
@@ -3080,297 +3084,340 @@
           <a:p>
             <a:r>
               <a:rPr lang="en-US" dirty="0" smtClean="0"/>
-              <a:t>Features coming soon</a:t>
+              <a:t>Results</a:t>
             </a:r>
             <a:endParaRPr lang="en-US" dirty="0"/>
           </a:p>
         </p:txBody>
       </p:sp>
-      <p:sp>
-        <p:nvSpPr>
-          <p:cNvPr id="3" name="Content Placeholder 2"/>
-          <p:cNvSpPr>
-            <a:spLocks noGrp="1"/>
-          </p:cNvSpPr>
-          <p:nvPr>
-            <p:ph idx="1"/>
-          </p:nvPr>
-        </p:nvSpPr>
+      <p:pic>
+        <p:nvPicPr>
+          <p:cNvPr id="4" name="Picture 3"/>
+          <p:cNvPicPr>
+            <a:picLocks noChangeAspect="1"/>
+          </p:cNvPicPr>
+          <p:nvPr/>
+        </p:nvPicPr>
+        <p:blipFill>
+          <a:blip r:embed="rId2"/>
+          <a:stretch>
+            <a:fillRect/>
+          </a:stretch>
+        </p:blipFill>
         <p:spPr>
           <a:xfrm>
-            <a:off x="7317377" y="1690688"/>
-            <a:ext cx="6163491" cy="4953998"/>
-          </a:xfrm>
-        </p:spPr>
-        <p:txBody>
-          <a:bodyPr/>
-          <a:lstStyle/>
-          <a:p>
-            <a:r>
-              <a:rPr lang="en-US" dirty="0" smtClean="0"/>
-              <a:t>Unit Tests</a:t>
-            </a:r>
-            <a:endParaRPr lang="en-US" dirty="0"/>
-          </a:p>
-        </p:txBody>
-      </p:sp>
-      <p:sp>
-        <p:nvSpPr>
-          <p:cNvPr id="4" name="Content Placeholder 2"/>
-          <p:cNvSpPr txBox="1">
-            <a:spLocks/>
-          </p:cNvSpPr>
-          <p:nvPr/>
-        </p:nvSpPr>
-        <p:spPr>
-          <a:xfrm>
-            <a:off x="990600" y="1978025"/>
-            <a:ext cx="6163491" cy="4953998"/>
+            <a:off x="3178189" y="2996493"/>
+            <a:ext cx="7849381" cy="2130679"/>
           </a:xfrm>
           <a:prstGeom prst="rect">
             <a:avLst/>
           </a:prstGeom>
         </p:spPr>
+      </p:pic>
+      <p:pic>
+        <p:nvPicPr>
+          <p:cNvPr id="6" name="Picture 5"/>
+          <p:cNvPicPr>
+            <a:picLocks noChangeAspect="1"/>
+          </p:cNvPicPr>
+          <p:nvPr/>
+        </p:nvPicPr>
+        <p:blipFill>
+          <a:blip r:embed="rId3"/>
+          <a:stretch>
+            <a:fillRect/>
+          </a:stretch>
+        </p:blipFill>
+        <p:spPr>
+          <a:xfrm>
+            <a:off x="3178189" y="3839933"/>
+            <a:ext cx="7170159" cy="1731376"/>
+          </a:xfrm>
+          <a:prstGeom prst="rect">
+            <a:avLst/>
+          </a:prstGeom>
+        </p:spPr>
+      </p:pic>
+      <p:pic>
+        <p:nvPicPr>
+          <p:cNvPr id="7" name="Picture 6"/>
+          <p:cNvPicPr>
+            <a:picLocks noChangeAspect="1"/>
+          </p:cNvPicPr>
+          <p:nvPr/>
+        </p:nvPicPr>
+        <p:blipFill>
+          <a:blip r:embed="rId4"/>
+          <a:stretch>
+            <a:fillRect/>
+          </a:stretch>
+        </p:blipFill>
+        <p:spPr>
+          <a:xfrm>
+            <a:off x="3178188" y="5653903"/>
+            <a:ext cx="9216097" cy="1014686"/>
+          </a:xfrm>
+          <a:prstGeom prst="rect">
+            <a:avLst/>
+          </a:prstGeom>
+        </p:spPr>
+      </p:pic>
+      <p:sp>
+        <p:nvSpPr>
+          <p:cNvPr id="8" name="TextBox 7"/>
+          <p:cNvSpPr txBox="1"/>
+          <p:nvPr/>
+        </p:nvSpPr>
+        <p:spPr>
+          <a:xfrm>
+            <a:off x="195944" y="1570201"/>
+            <a:ext cx="6159136" cy="1200329"/>
+          </a:xfrm>
+          <a:prstGeom prst="rect">
+            <a:avLst/>
+          </a:prstGeom>
+          <a:noFill/>
+        </p:spPr>
         <p:txBody>
-          <a:bodyPr vert="horz" lIns="91440" tIns="45720" rIns="91440" bIns="45720" rtlCol="0">
-            <a:normAutofit/>
+          <a:bodyPr wrap="square" rtlCol="0">
+            <a:spAutoFit/>
           </a:bodyPr>
-          <a:lstStyle>
-            <a:lvl1pPr marL="228600" indent="-228600" algn="l" defTabSz="914400" rtl="0" eaLnBrk="1" latinLnBrk="0" hangingPunct="1">
-              <a:lnSpc>
-                <a:spcPct val="90000"/>
-              </a:lnSpc>
-              <a:spcBef>
-                <a:spcPts val="1000"/>
-              </a:spcBef>
+          <a:lstStyle/>
+          <a:p>
+            <a:pPr marL="285750" indent="-285750">
               <a:buFont typeface="Arial" panose="020B0604020202020204" pitchFamily="34" charset="0"/>
               <a:buChar char="•"/>
-              <a:defRPr sz="2800" kern="1200">
-                <a:solidFill>
-                  <a:schemeClr val="tx1"/>
-                </a:solidFill>
-                <a:latin typeface="+mn-lt"/>
-                <a:ea typeface="+mn-ea"/>
-                <a:cs typeface="+mn-cs"/>
-              </a:defRPr>
-            </a:lvl1pPr>
-            <a:lvl2pPr marL="685800" indent="-228600" algn="l" defTabSz="914400" rtl="0" eaLnBrk="1" latinLnBrk="0" hangingPunct="1">
-              <a:lnSpc>
-                <a:spcPct val="90000"/>
-              </a:lnSpc>
-              <a:spcBef>
-                <a:spcPts val="500"/>
-              </a:spcBef>
+            </a:pPr>
+            <a:r>
+              <a:rPr lang="en-US" sz="2400" dirty="0" smtClean="0"/>
+              <a:t>So far, 1 bug in F# code</a:t>
+            </a:r>
+          </a:p>
+          <a:p>
+            <a:pPr marL="1200150" lvl="2" indent="-285750">
               <a:buFont typeface="Arial" panose="020B0604020202020204" pitchFamily="34" charset="0"/>
               <a:buChar char="•"/>
-              <a:defRPr sz="2400" kern="1200">
-                <a:solidFill>
-                  <a:schemeClr val="tx1"/>
-                </a:solidFill>
-                <a:latin typeface="+mn-lt"/>
-                <a:ea typeface="+mn-ea"/>
-                <a:cs typeface="+mn-cs"/>
-              </a:defRPr>
-            </a:lvl2pPr>
-            <a:lvl3pPr marL="1143000" indent="-228600" algn="l" defTabSz="914400" rtl="0" eaLnBrk="1" latinLnBrk="0" hangingPunct="1">
-              <a:lnSpc>
-                <a:spcPct val="90000"/>
-              </a:lnSpc>
-              <a:spcBef>
-                <a:spcPts val="500"/>
-              </a:spcBef>
+            </a:pPr>
+            <a:r>
+              <a:rPr lang="en-US" sz="2400" dirty="0" smtClean="0"/>
+              <a:t>Wrong value in hardcoded string</a:t>
+            </a:r>
+          </a:p>
+          <a:p>
+            <a:pPr marL="1200150" lvl="2" indent="-285750">
               <a:buFont typeface="Arial" panose="020B0604020202020204" pitchFamily="34" charset="0"/>
               <a:buChar char="•"/>
-              <a:defRPr sz="2000" kern="1200">
-                <a:solidFill>
-                  <a:schemeClr val="tx1"/>
-                </a:solidFill>
-                <a:latin typeface="+mn-lt"/>
-                <a:ea typeface="+mn-ea"/>
-                <a:cs typeface="+mn-cs"/>
-              </a:defRPr>
-            </a:lvl3pPr>
-            <a:lvl4pPr marL="1600200" indent="-228600" algn="l" defTabSz="914400" rtl="0" eaLnBrk="1" latinLnBrk="0" hangingPunct="1">
-              <a:lnSpc>
-                <a:spcPct val="90000"/>
-              </a:lnSpc>
-              <a:spcBef>
-                <a:spcPts val="500"/>
-              </a:spcBef>
+            </a:pPr>
+            <a:r>
+              <a:rPr lang="en-US" sz="2400" dirty="0" smtClean="0">
+                <a:solidFill>
+                  <a:srgbClr val="FF0000"/>
+                </a:solidFill>
+              </a:rPr>
+              <a:t>Bad data</a:t>
+            </a:r>
+            <a:endParaRPr lang="en-US" sz="2400" dirty="0">
+              <a:solidFill>
+                <a:srgbClr val="FF0000"/>
+              </a:solidFill>
+            </a:endParaRPr>
+          </a:p>
+        </p:txBody>
+      </p:sp>
+      <p:sp>
+        <p:nvSpPr>
+          <p:cNvPr id="9" name="TextBox 8"/>
+          <p:cNvSpPr txBox="1"/>
+          <p:nvPr/>
+        </p:nvSpPr>
+        <p:spPr>
+          <a:xfrm>
+            <a:off x="195942" y="3173913"/>
+            <a:ext cx="3154485" cy="1569660"/>
+          </a:xfrm>
+          <a:prstGeom prst="rect">
+            <a:avLst/>
+          </a:prstGeom>
+          <a:noFill/>
+        </p:spPr>
+        <p:txBody>
+          <a:bodyPr wrap="square" rtlCol="0">
+            <a:spAutoFit/>
+          </a:bodyPr>
+          <a:lstStyle/>
+          <a:p>
+            <a:pPr marL="285750" indent="-285750">
               <a:buFont typeface="Arial" panose="020B0604020202020204" pitchFamily="34" charset="0"/>
               <a:buChar char="•"/>
-              <a:defRPr sz="1800" kern="1200">
-                <a:solidFill>
-                  <a:schemeClr val="tx1"/>
-                </a:solidFill>
-                <a:latin typeface="+mn-lt"/>
-                <a:ea typeface="+mn-ea"/>
-                <a:cs typeface="+mn-cs"/>
-              </a:defRPr>
-            </a:lvl4pPr>
-            <a:lvl5pPr marL="2057400" indent="-228600" algn="l" defTabSz="914400" rtl="0" eaLnBrk="1" latinLnBrk="0" hangingPunct="1">
-              <a:lnSpc>
-                <a:spcPct val="90000"/>
-              </a:lnSpc>
-              <a:spcBef>
-                <a:spcPts val="500"/>
-              </a:spcBef>
+            </a:pPr>
+            <a:r>
+              <a:rPr lang="en-US" sz="2400" dirty="0" smtClean="0"/>
+              <a:t>SQL code</a:t>
+            </a:r>
+          </a:p>
+          <a:p>
+            <a:pPr marL="742950" lvl="1" indent="-285750">
               <a:buFont typeface="Arial" panose="020B0604020202020204" pitchFamily="34" charset="0"/>
               <a:buChar char="•"/>
-              <a:defRPr sz="1800" kern="1200">
-                <a:solidFill>
-                  <a:schemeClr val="tx1"/>
-                </a:solidFill>
-                <a:latin typeface="+mn-lt"/>
-                <a:ea typeface="+mn-ea"/>
-                <a:cs typeface="+mn-cs"/>
-              </a:defRPr>
-            </a:lvl5pPr>
-            <a:lvl6pPr marL="2514600" indent="-228600" algn="l" defTabSz="914400" rtl="0" eaLnBrk="1" latinLnBrk="0" hangingPunct="1">
-              <a:lnSpc>
-                <a:spcPct val="90000"/>
-              </a:lnSpc>
-              <a:spcBef>
-                <a:spcPts val="500"/>
-              </a:spcBef>
+            </a:pPr>
+            <a:r>
+              <a:rPr lang="en-US" sz="2400" dirty="0" smtClean="0"/>
+              <a:t>Syntax errors</a:t>
+            </a:r>
+          </a:p>
+          <a:p>
+            <a:pPr marL="742950" lvl="1" indent="-285750">
               <a:buFont typeface="Arial" panose="020B0604020202020204" pitchFamily="34" charset="0"/>
               <a:buChar char="•"/>
-              <a:defRPr sz="1800" kern="1200">
-                <a:solidFill>
-                  <a:schemeClr val="tx1"/>
-                </a:solidFill>
-                <a:latin typeface="+mn-lt"/>
-                <a:ea typeface="+mn-ea"/>
-                <a:cs typeface="+mn-cs"/>
-              </a:defRPr>
-            </a:lvl6pPr>
-            <a:lvl7pPr marL="2971800" indent="-228600" algn="l" defTabSz="914400" rtl="0" eaLnBrk="1" latinLnBrk="0" hangingPunct="1">
-              <a:lnSpc>
-                <a:spcPct val="90000"/>
-              </a:lnSpc>
-              <a:spcBef>
-                <a:spcPts val="500"/>
-              </a:spcBef>
+            </a:pPr>
+            <a:r>
+              <a:rPr lang="en-US" sz="2400" dirty="0" smtClean="0"/>
+              <a:t>Timeout in load test</a:t>
+            </a:r>
+            <a:endParaRPr lang="en-US" sz="2400" dirty="0"/>
+          </a:p>
+        </p:txBody>
+      </p:sp>
+      <p:sp>
+        <p:nvSpPr>
+          <p:cNvPr id="10" name="TextBox 9"/>
+          <p:cNvSpPr txBox="1"/>
+          <p:nvPr/>
+        </p:nvSpPr>
+        <p:spPr>
+          <a:xfrm>
+            <a:off x="195941" y="5555113"/>
+            <a:ext cx="3154485" cy="830997"/>
+          </a:xfrm>
+          <a:prstGeom prst="rect">
+            <a:avLst/>
+          </a:prstGeom>
+          <a:noFill/>
+        </p:spPr>
+        <p:txBody>
+          <a:bodyPr wrap="square" rtlCol="0">
+            <a:spAutoFit/>
+          </a:bodyPr>
+          <a:lstStyle/>
+          <a:p>
+            <a:pPr marL="285750" indent="-285750">
               <a:buFont typeface="Arial" panose="020B0604020202020204" pitchFamily="34" charset="0"/>
               <a:buChar char="•"/>
-              <a:defRPr sz="1800" kern="1200">
-                <a:solidFill>
-                  <a:schemeClr val="tx1"/>
-                </a:solidFill>
-                <a:latin typeface="+mn-lt"/>
-                <a:ea typeface="+mn-ea"/>
-                <a:cs typeface="+mn-cs"/>
-              </a:defRPr>
-            </a:lvl7pPr>
-            <a:lvl8pPr marL="3429000" indent="-228600" algn="l" defTabSz="914400" rtl="0" eaLnBrk="1" latinLnBrk="0" hangingPunct="1">
-              <a:lnSpc>
-                <a:spcPct val="90000"/>
-              </a:lnSpc>
-              <a:spcBef>
-                <a:spcPts val="500"/>
-              </a:spcBef>
+            </a:pPr>
+            <a:r>
+              <a:rPr lang="en-US" sz="2400" dirty="0" smtClean="0"/>
+              <a:t>Improved log messages</a:t>
+            </a:r>
+            <a:endParaRPr lang="en-US" sz="2400" dirty="0"/>
+          </a:p>
+        </p:txBody>
+      </p:sp>
+      <p:sp>
+        <p:nvSpPr>
+          <p:cNvPr id="3" name="TextBox 2"/>
+          <p:cNvSpPr txBox="1"/>
+          <p:nvPr/>
+        </p:nvSpPr>
+        <p:spPr>
+          <a:xfrm>
+            <a:off x="10110651" y="3572673"/>
+            <a:ext cx="1972492" cy="369332"/>
+          </a:xfrm>
+          <a:prstGeom prst="rect">
+            <a:avLst/>
+          </a:prstGeom>
+          <a:noFill/>
+        </p:spPr>
+        <p:txBody>
+          <a:bodyPr wrap="square" rtlCol="0">
+            <a:spAutoFit/>
+          </a:bodyPr>
+          <a:lstStyle/>
+          <a:p>
+            <a:r>
+              <a:rPr lang="en-US" dirty="0" smtClean="0">
+                <a:solidFill>
+                  <a:srgbClr val="FF0000"/>
+                </a:solidFill>
+              </a:rPr>
+              <a:t>HAPPY PATH</a:t>
+            </a:r>
+            <a:endParaRPr lang="en-US" dirty="0">
+              <a:solidFill>
+                <a:srgbClr val="FF0000"/>
+              </a:solidFill>
+            </a:endParaRPr>
+          </a:p>
+        </p:txBody>
+      </p:sp>
+      <p:sp>
+        <p:nvSpPr>
+          <p:cNvPr id="5" name="TextBox 4"/>
+          <p:cNvSpPr txBox="1"/>
+          <p:nvPr/>
+        </p:nvSpPr>
+        <p:spPr>
+          <a:xfrm>
+            <a:off x="6211388" y="1344238"/>
+            <a:ext cx="5142412" cy="830997"/>
+          </a:xfrm>
+          <a:prstGeom prst="rect">
+            <a:avLst/>
+          </a:prstGeom>
+          <a:noFill/>
+        </p:spPr>
+        <p:txBody>
+          <a:bodyPr wrap="square" rtlCol="0">
+            <a:spAutoFit/>
+          </a:bodyPr>
+          <a:lstStyle/>
+          <a:p>
+            <a:pPr marL="285750" indent="-285750">
               <a:buFont typeface="Arial" panose="020B0604020202020204" pitchFamily="34" charset="0"/>
               <a:buChar char="•"/>
-              <a:defRPr sz="1800" kern="1200">
-                <a:solidFill>
-                  <a:schemeClr val="tx1"/>
-                </a:solidFill>
-                <a:latin typeface="+mn-lt"/>
-                <a:ea typeface="+mn-ea"/>
-                <a:cs typeface="+mn-cs"/>
-              </a:defRPr>
-            </a:lvl8pPr>
-            <a:lvl9pPr marL="3886200" indent="-228600" algn="l" defTabSz="914400" rtl="0" eaLnBrk="1" latinLnBrk="0" hangingPunct="1">
-              <a:lnSpc>
-                <a:spcPct val="90000"/>
-              </a:lnSpc>
-              <a:spcBef>
-                <a:spcPts val="500"/>
-              </a:spcBef>
+            </a:pPr>
+            <a:r>
+              <a:rPr lang="en-US" sz="2400" dirty="0" smtClean="0">
+                <a:solidFill>
+                  <a:srgbClr val="FFFF00"/>
+                </a:solidFill>
+              </a:rPr>
+              <a:t>C#</a:t>
+            </a:r>
+          </a:p>
+          <a:p>
+            <a:pPr marL="742950" lvl="1" indent="-285750">
               <a:buFont typeface="Arial" panose="020B0604020202020204" pitchFamily="34" charset="0"/>
               <a:buChar char="•"/>
-              <a:defRPr sz="1800" kern="1200">
-                <a:solidFill>
-                  <a:schemeClr val="tx1"/>
-                </a:solidFill>
-                <a:latin typeface="+mn-lt"/>
-                <a:ea typeface="+mn-ea"/>
-                <a:cs typeface="+mn-cs"/>
-              </a:defRPr>
-            </a:lvl9pPr>
-          </a:lstStyle>
-          <a:p>
-            <a:r>
-              <a:rPr lang="en-US" dirty="0" smtClean="0"/>
-              <a:t>Update status of input records</a:t>
-            </a:r>
-          </a:p>
-          <a:p>
-            <a:pPr lvl="1"/>
-            <a:r>
-              <a:rPr lang="en-US" dirty="0" smtClean="0"/>
-              <a:t>Delete successful records</a:t>
-            </a:r>
-          </a:p>
-          <a:p>
-            <a:pPr lvl="1"/>
-            <a:r>
-              <a:rPr lang="en-US" dirty="0" smtClean="0"/>
-              <a:t>Mark as failed if failed</a:t>
-            </a:r>
-          </a:p>
-          <a:p>
-            <a:pPr lvl="1"/>
-            <a:r>
-              <a:rPr lang="en-US" dirty="0" smtClean="0"/>
-              <a:t>Retry PK collisions</a:t>
-            </a:r>
-          </a:p>
-          <a:p>
-            <a:r>
-              <a:rPr lang="en-US" dirty="0" smtClean="0"/>
-              <a:t>Log to DB instead of console</a:t>
-            </a:r>
-          </a:p>
-          <a:p>
-            <a:r>
-              <a:rPr lang="en-US" dirty="0" smtClean="0"/>
-              <a:t>Multiple threads</a:t>
-            </a:r>
-          </a:p>
-          <a:p>
-            <a:r>
-              <a:rPr lang="en-US" dirty="0" smtClean="0"/>
-              <a:t>Better load test</a:t>
-            </a:r>
-          </a:p>
-          <a:p>
-            <a:pPr lvl="1"/>
-            <a:r>
-              <a:rPr lang="en-US" dirty="0" smtClean="0"/>
-              <a:t>10 instances: don’t always get PK collision</a:t>
-            </a:r>
-          </a:p>
-          <a:p>
-            <a:pPr lvl="1"/>
-            <a:r>
-              <a:rPr lang="en-US" dirty="0" smtClean="0"/>
-              <a:t>20 instances: timeout when loading input</a:t>
-            </a:r>
-          </a:p>
-          <a:p>
-            <a:r>
-              <a:rPr lang="en-US" dirty="0" smtClean="0"/>
-              <a:t>Code cleanup</a:t>
-            </a:r>
-            <a:endParaRPr lang="en-US" dirty="0"/>
+            </a:pPr>
+            <a:r>
+              <a:rPr lang="en-US" sz="2400" dirty="0" err="1" smtClean="0">
+                <a:solidFill>
+                  <a:srgbClr val="FFFF00"/>
+                </a:solidFill>
+              </a:rPr>
+              <a:t>NotImplementedException</a:t>
+            </a:r>
+            <a:r>
+              <a:rPr lang="en-US" sz="2400" dirty="0" smtClean="0">
+                <a:solidFill>
+                  <a:srgbClr val="FFFF00"/>
+                </a:solidFill>
+              </a:rPr>
+              <a:t> x 10</a:t>
+            </a:r>
+            <a:endParaRPr lang="en-US" sz="2400" dirty="0">
+              <a:solidFill>
+                <a:srgbClr val="FFFF00"/>
+              </a:solidFill>
+            </a:endParaRPr>
           </a:p>
         </p:txBody>
       </p:sp>
     </p:spTree>
     <p:extLst>
       <p:ext uri="{BB962C8B-B14F-4D97-AF65-F5344CB8AC3E}">
-        <p14:creationId xmlns:p14="http://schemas.microsoft.com/office/powerpoint/2010/main" val="65708568"/>
+        <p14:creationId xmlns:p14="http://schemas.microsoft.com/office/powerpoint/2010/main" val="1656716845"/>
       </p:ext>
     </p:extLst>
   </p:cSld>
@@ -3380,9 +3427,218 @@
   <p:timing>
     <p:tnLst>
       <p:par>
-        <p:cTn id="1" dur="indefinite" restart="never" nodeType="tmRoot"/>
+        <p:cTn id="1" dur="indefinite" restart="never" nodeType="tmRoot">
+          <p:childTnLst>
+            <p:seq concurrent="1" nextAc="seek">
+              <p:cTn id="2" dur="indefinite" nodeType="mainSeq">
+                <p:childTnLst>
+                  <p:par>
+                    <p:cTn id="3" fill="hold">
+                      <p:stCondLst>
+                        <p:cond delay="indefinite"/>
+                      </p:stCondLst>
+                      <p:childTnLst>
+                        <p:par>
+                          <p:cTn id="4" fill="hold">
+                            <p:stCondLst>
+                              <p:cond delay="0"/>
+                            </p:stCondLst>
+                            <p:childTnLst>
+                              <p:par>
+                                <p:cTn id="5" presetID="1" presetClass="entr" presetSubtype="0" fill="hold" grpId="0" nodeType="clickEffect">
+                                  <p:stCondLst>
+                                    <p:cond delay="0"/>
+                                  </p:stCondLst>
+                                  <p:childTnLst>
+                                    <p:set>
+                                      <p:cBhvr>
+                                        <p:cTn id="6" dur="1" fill="hold">
+                                          <p:stCondLst>
+                                            <p:cond delay="0"/>
+                                          </p:stCondLst>
+                                        </p:cTn>
+                                        <p:tgtEl>
+                                          <p:spTgt spid="8"/>
+                                        </p:tgtEl>
+                                        <p:attrNameLst>
+                                          <p:attrName>style.visibility</p:attrName>
+                                        </p:attrNameLst>
+                                      </p:cBhvr>
+                                      <p:to>
+                                        <p:strVal val="visible"/>
+                                      </p:to>
+                                    </p:set>
+                                  </p:childTnLst>
+                                </p:cTn>
+                              </p:par>
+                            </p:childTnLst>
+                          </p:cTn>
+                        </p:par>
+                      </p:childTnLst>
+                    </p:cTn>
+                  </p:par>
+                  <p:par>
+                    <p:cTn id="7" fill="hold">
+                      <p:stCondLst>
+                        <p:cond delay="indefinite"/>
+                      </p:stCondLst>
+                      <p:childTnLst>
+                        <p:par>
+                          <p:cTn id="8" fill="hold">
+                            <p:stCondLst>
+                              <p:cond delay="0"/>
+                            </p:stCondLst>
+                            <p:childTnLst>
+                              <p:par>
+                                <p:cTn id="9" presetID="1" presetClass="entr" presetSubtype="0" fill="hold" grpId="0" nodeType="clickEffect">
+                                  <p:stCondLst>
+                                    <p:cond delay="0"/>
+                                  </p:stCondLst>
+                                  <p:childTnLst>
+                                    <p:set>
+                                      <p:cBhvr>
+                                        <p:cTn id="10" dur="1" fill="hold">
+                                          <p:stCondLst>
+                                            <p:cond delay="0"/>
+                                          </p:stCondLst>
+                                        </p:cTn>
+                                        <p:tgtEl>
+                                          <p:spTgt spid="5"/>
+                                        </p:tgtEl>
+                                        <p:attrNameLst>
+                                          <p:attrName>style.visibility</p:attrName>
+                                        </p:attrNameLst>
+                                      </p:cBhvr>
+                                      <p:to>
+                                        <p:strVal val="visible"/>
+                                      </p:to>
+                                    </p:set>
+                                  </p:childTnLst>
+                                </p:cTn>
+                              </p:par>
+                            </p:childTnLst>
+                          </p:cTn>
+                        </p:par>
+                      </p:childTnLst>
+                    </p:cTn>
+                  </p:par>
+                  <p:par>
+                    <p:cTn id="11" fill="hold">
+                      <p:stCondLst>
+                        <p:cond delay="indefinite"/>
+                      </p:stCondLst>
+                      <p:childTnLst>
+                        <p:par>
+                          <p:cTn id="12" fill="hold">
+                            <p:stCondLst>
+                              <p:cond delay="0"/>
+                            </p:stCondLst>
+                            <p:childTnLst>
+                              <p:par>
+                                <p:cTn id="13" presetID="1" presetClass="entr" presetSubtype="0" fill="hold" grpId="0" nodeType="clickEffect">
+                                  <p:stCondLst>
+                                    <p:cond delay="0"/>
+                                  </p:stCondLst>
+                                  <p:childTnLst>
+                                    <p:set>
+                                      <p:cBhvr>
+                                        <p:cTn id="14" dur="1" fill="hold">
+                                          <p:stCondLst>
+                                            <p:cond delay="0"/>
+                                          </p:stCondLst>
+                                        </p:cTn>
+                                        <p:tgtEl>
+                                          <p:spTgt spid="9"/>
+                                        </p:tgtEl>
+                                        <p:attrNameLst>
+                                          <p:attrName>style.visibility</p:attrName>
+                                        </p:attrNameLst>
+                                      </p:cBhvr>
+                                      <p:to>
+                                        <p:strVal val="visible"/>
+                                      </p:to>
+                                    </p:set>
+                                  </p:childTnLst>
+                                </p:cTn>
+                              </p:par>
+                            </p:childTnLst>
+                          </p:cTn>
+                        </p:par>
+                      </p:childTnLst>
+                    </p:cTn>
+                  </p:par>
+                  <p:par>
+                    <p:cTn id="15" fill="hold">
+                      <p:stCondLst>
+                        <p:cond delay="indefinite"/>
+                      </p:stCondLst>
+                      <p:childTnLst>
+                        <p:par>
+                          <p:cTn id="16" fill="hold">
+                            <p:stCondLst>
+                              <p:cond delay="0"/>
+                            </p:stCondLst>
+                            <p:childTnLst>
+                              <p:par>
+                                <p:cTn id="17" presetID="1" presetClass="entr" presetSubtype="0" fill="hold" grpId="0" nodeType="clickEffect">
+                                  <p:stCondLst>
+                                    <p:cond delay="0"/>
+                                  </p:stCondLst>
+                                  <p:childTnLst>
+                                    <p:set>
+                                      <p:cBhvr>
+                                        <p:cTn id="18" dur="1" fill="hold">
+                                          <p:stCondLst>
+                                            <p:cond delay="0"/>
+                                          </p:stCondLst>
+                                        </p:cTn>
+                                        <p:tgtEl>
+                                          <p:spTgt spid="10"/>
+                                        </p:tgtEl>
+                                        <p:attrNameLst>
+                                          <p:attrName>style.visibility</p:attrName>
+                                        </p:attrNameLst>
+                                      </p:cBhvr>
+                                      <p:to>
+                                        <p:strVal val="visible"/>
+                                      </p:to>
+                                    </p:set>
+                                  </p:childTnLst>
+                                </p:cTn>
+                              </p:par>
+                            </p:childTnLst>
+                          </p:cTn>
+                        </p:par>
+                      </p:childTnLst>
+                    </p:cTn>
+                  </p:par>
+                </p:childTnLst>
+              </p:cTn>
+              <p:prevCondLst>
+                <p:cond evt="onPrev" delay="0">
+                  <p:tgtEl>
+                    <p:sldTgt/>
+                  </p:tgtEl>
+                </p:cond>
+              </p:prevCondLst>
+              <p:nextCondLst>
+                <p:cond evt="onNext" delay="0">
+                  <p:tgtEl>
+                    <p:sldTgt/>
+                  </p:tgtEl>
+                </p:cond>
+              </p:nextCondLst>
+            </p:seq>
+          </p:childTnLst>
+        </p:cTn>
       </p:par>
     </p:tnLst>
+    <p:bldLst>
+      <p:bldP spid="8" grpId="0"/>
+      <p:bldP spid="9" grpId="0"/>
+      <p:bldP spid="10" grpId="0"/>
+      <p:bldP spid="5" grpId="0"/>
+    </p:bldLst>
   </p:timing>
 </p:sld>
 </file>
@@ -3421,7 +3677,7 @@
           <a:p>
             <a:r>
               <a:rPr lang="en-US" dirty="0" smtClean="0"/>
-              <a:t>Conclusion</a:t>
+              <a:t>Completed work</a:t>
             </a:r>
             <a:endParaRPr lang="en-US" dirty="0"/>
           </a:p>
@@ -3437,370 +3693,164 @@
             <p:ph idx="1"/>
           </p:nvPr>
         </p:nvSpPr>
-        <p:spPr/>
+        <p:spPr>
+          <a:xfrm>
+            <a:off x="838200" y="1825624"/>
+            <a:ext cx="10515600" cy="5092887"/>
+          </a:xfrm>
+        </p:spPr>
         <p:txBody>
           <a:bodyPr/>
           <a:lstStyle/>
           <a:p>
             <a:r>
               <a:rPr lang="en-US" dirty="0" smtClean="0"/>
-              <a:t>FP is worth the learning curve</a:t>
+              <a:t>Selecting from input</a:t>
             </a:r>
           </a:p>
           <a:p>
             <a:pPr lvl="1"/>
             <a:r>
               <a:rPr lang="en-US" dirty="0" smtClean="0"/>
-              <a:t>Way better tutorials than 10 years ago</a:t>
+              <a:t>Multiple instances with atomic select-update</a:t>
             </a:r>
           </a:p>
           <a:p>
             <a:pPr lvl="1"/>
-            <a:endParaRPr lang="en-US" dirty="0"/>
-          </a:p>
-          <a:p>
-            <a:r>
-              <a:rPr lang="en-US" dirty="0" smtClean="0"/>
-              <a:t>FP really does lead to less bugs</a:t>
+            <a:r>
+              <a:rPr lang="en-US" dirty="0" smtClean="0"/>
+              <a:t>Load test ensures input records are not handled twice</a:t>
+            </a:r>
+          </a:p>
+          <a:p>
+            <a:r>
+              <a:rPr lang="en-US" dirty="0" smtClean="0"/>
+              <a:t>Writing to output</a:t>
             </a:r>
           </a:p>
           <a:p>
             <a:pPr lvl="1"/>
             <a:r>
               <a:rPr lang="en-US" dirty="0" smtClean="0"/>
-              <a:t>Less testing/fixing</a:t>
+              <a:t>Updates – working</a:t>
+            </a:r>
+          </a:p>
+          <a:p>
+            <a:pPr lvl="1"/>
+            <a:r>
+              <a:rPr lang="en-US" dirty="0" smtClean="0"/>
+              <a:t>Insert – edge case</a:t>
             </a:r>
           </a:p>
           <a:p>
             <a:pPr lvl="2"/>
             <a:r>
+              <a:rPr lang="en-US" dirty="0" smtClean="0"/>
+              <a:t>Existing DB does not have PK auto increment</a:t>
+            </a:r>
+          </a:p>
+          <a:p>
+            <a:pPr lvl="2"/>
+            <a:r>
+              <a:rPr lang="en-US" dirty="0"/>
+              <a:t>PK collision</a:t>
+            </a:r>
+          </a:p>
+          <a:p>
+            <a:pPr lvl="3"/>
+            <a:r>
+              <a:rPr lang="en-US" dirty="0" smtClean="0"/>
+              <a:t>Detecting and logging</a:t>
+            </a:r>
+          </a:p>
+          <a:p>
+            <a:pPr lvl="3"/>
+            <a:r>
+              <a:rPr lang="en-US" dirty="0" smtClean="0"/>
+              <a:t>Planning to retry these</a:t>
+            </a:r>
+          </a:p>
+          <a:p>
+            <a:pPr lvl="4"/>
+            <a:r>
               <a:rPr lang="en-US" dirty="0" smtClean="0">
                 <a:solidFill>
                   <a:srgbClr val="FFFF00"/>
                 </a:solidFill>
               </a:rPr>
-              <a:t>Faster dev time</a:t>
-            </a:r>
-          </a:p>
-          <a:p>
-            <a:pPr lvl="1"/>
-            <a:r>
-              <a:rPr lang="en-US" dirty="0" smtClean="0"/>
-              <a:t>Less bugs in prod</a:t>
-            </a:r>
+              <a:t>Limiting scope</a:t>
+            </a:r>
+          </a:p>
+          <a:p>
+            <a:pPr lvl="2"/>
+            <a:endParaRPr lang="en-US" dirty="0" smtClean="0"/>
           </a:p>
         </p:txBody>
       </p:sp>
+      <p:pic>
+        <p:nvPicPr>
+          <p:cNvPr id="4" name="Picture 3"/>
+          <p:cNvPicPr>
+            <a:picLocks noChangeAspect="1"/>
+          </p:cNvPicPr>
+          <p:nvPr/>
+        </p:nvPicPr>
+        <p:blipFill>
+          <a:blip r:embed="rId2"/>
+          <a:stretch>
+            <a:fillRect/>
+          </a:stretch>
+        </p:blipFill>
+        <p:spPr>
+          <a:xfrm>
+            <a:off x="7062608" y="3348302"/>
+            <a:ext cx="13079444" cy="6212556"/>
+          </a:xfrm>
+          <a:prstGeom prst="rect">
+            <a:avLst/>
+          </a:prstGeom>
+        </p:spPr>
+      </p:pic>
+      <p:cxnSp>
+        <p:nvCxnSpPr>
+          <p:cNvPr id="6" name="Straight Arrow Connector 5"/>
+          <p:cNvCxnSpPr/>
+          <p:nvPr/>
+        </p:nvCxnSpPr>
+        <p:spPr>
+          <a:xfrm>
+            <a:off x="11604813" y="3112994"/>
+            <a:ext cx="0" cy="1385047"/>
+          </a:xfrm>
+          <a:prstGeom prst="straightConnector1">
+            <a:avLst/>
+          </a:prstGeom>
+          <a:ln w="76200">
+            <a:solidFill>
+              <a:srgbClr val="FF0000"/>
+            </a:solidFill>
+            <a:tailEnd type="triangle"/>
+          </a:ln>
+        </p:spPr>
+        <p:style>
+          <a:lnRef idx="1">
+            <a:schemeClr val="accent1"/>
+          </a:lnRef>
+          <a:fillRef idx="0">
+            <a:schemeClr val="accent1"/>
+          </a:fillRef>
+          <a:effectRef idx="0">
+            <a:schemeClr val="accent1"/>
+          </a:effectRef>
+          <a:fontRef idx="minor">
+            <a:schemeClr val="tx1"/>
+          </a:fontRef>
+        </p:style>
+      </p:cxnSp>
     </p:spTree>
     <p:extLst>
       <p:ext uri="{BB962C8B-B14F-4D97-AF65-F5344CB8AC3E}">
-        <p14:creationId xmlns:p14="http://schemas.microsoft.com/office/powerpoint/2010/main" val="1261155027"/>
-      </p:ext>
-    </p:extLst>
-  </p:cSld>
-  <p:clrMapOvr>
-    <a:masterClrMapping/>
-  </p:clrMapOvr>
-  <p:timing>
-    <p:tnLst>
-      <p:par>
-        <p:cTn id="1" dur="indefinite" restart="never" nodeType="tmRoot"/>
-      </p:par>
-    </p:tnLst>
-  </p:timing>
-</p:sld>
-</file>
-
-<file path=ppt/slides/slide12.xml><?xml version="1.0" encoding="utf-8"?>
-<p:sld xmlns:a="http://schemas.openxmlformats.org/drawingml/2006/main" xmlns:r="http://schemas.openxmlformats.org/officeDocument/2006/relationships" xmlns:p="http://schemas.openxmlformats.org/presentationml/2006/main">
-  <p:cSld>
-    <p:spTree>
-      <p:nvGrpSpPr>
-        <p:cNvPr id="1" name=""/>
-        <p:cNvGrpSpPr/>
-        <p:nvPr/>
-      </p:nvGrpSpPr>
-      <p:grpSpPr>
-        <a:xfrm>
-          <a:off x="0" y="0"/>
-          <a:ext cx="0" cy="0"/>
-          <a:chOff x="0" y="0"/>
-          <a:chExt cx="0" cy="0"/>
-        </a:xfrm>
-      </p:grpSpPr>
-      <p:sp>
-        <p:nvSpPr>
-          <p:cNvPr id="2" name="Title 1"/>
-          <p:cNvSpPr>
-            <a:spLocks noGrp="1"/>
-          </p:cNvSpPr>
-          <p:nvPr>
-            <p:ph type="title"/>
-          </p:nvPr>
-        </p:nvSpPr>
-        <p:spPr/>
-        <p:txBody>
-          <a:bodyPr/>
-          <a:lstStyle/>
-          <a:p>
-            <a:r>
-              <a:rPr lang="en-US" dirty="0" smtClean="0"/>
-              <a:t>Next Steps?</a:t>
-            </a:r>
-            <a:endParaRPr lang="en-US" dirty="0"/>
-          </a:p>
-        </p:txBody>
-      </p:sp>
-      <p:sp>
-        <p:nvSpPr>
-          <p:cNvPr id="3" name="Content Placeholder 2"/>
-          <p:cNvSpPr>
-            <a:spLocks noGrp="1"/>
-          </p:cNvSpPr>
-          <p:nvPr>
-            <p:ph idx="1"/>
-          </p:nvPr>
-        </p:nvSpPr>
-        <p:spPr/>
-        <p:txBody>
-          <a:bodyPr/>
-          <a:lstStyle/>
-          <a:p>
-            <a:r>
-              <a:rPr lang="en-US" dirty="0" smtClean="0"/>
-              <a:t>Start building data imports in F#</a:t>
-            </a:r>
-          </a:p>
-          <a:p>
-            <a:endParaRPr lang="en-US" dirty="0"/>
-          </a:p>
-          <a:p>
-            <a:r>
-              <a:rPr lang="en-US" dirty="0" smtClean="0"/>
-              <a:t>Support dashboard</a:t>
-            </a:r>
-          </a:p>
-          <a:p>
-            <a:pPr lvl="1"/>
-            <a:r>
-              <a:rPr lang="en-US" dirty="0" smtClean="0"/>
-              <a:t>Fable</a:t>
-            </a:r>
-          </a:p>
-          <a:p>
-            <a:pPr lvl="2"/>
-            <a:r>
-              <a:rPr lang="en-US" dirty="0" smtClean="0"/>
-              <a:t>Compiles F# into Node.JS</a:t>
-            </a:r>
-          </a:p>
-          <a:p>
-            <a:pPr lvl="2"/>
-            <a:r>
-              <a:rPr lang="en-US" dirty="0" smtClean="0"/>
-              <a:t>Same language on front/back end</a:t>
-            </a:r>
-          </a:p>
-          <a:p>
-            <a:pPr lvl="1"/>
-            <a:r>
-              <a:rPr lang="en-US" dirty="0" smtClean="0">
-                <a:solidFill>
-                  <a:srgbClr val="FFFF00"/>
-                </a:solidFill>
-              </a:rPr>
-              <a:t>Full stack developer</a:t>
-            </a:r>
-          </a:p>
-          <a:p>
-            <a:pPr lvl="1"/>
-            <a:r>
-              <a:rPr lang="en-US" dirty="0" smtClean="0">
-                <a:solidFill>
-                  <a:srgbClr val="FFFF00"/>
-                </a:solidFill>
-              </a:rPr>
-              <a:t>Design/UX</a:t>
-            </a:r>
-            <a:endParaRPr lang="en-US" dirty="0">
-              <a:solidFill>
-                <a:srgbClr val="FFFF00"/>
-              </a:solidFill>
-            </a:endParaRPr>
-          </a:p>
-        </p:txBody>
-      </p:sp>
-    </p:spTree>
-    <p:extLst>
-      <p:ext uri="{BB962C8B-B14F-4D97-AF65-F5344CB8AC3E}">
-        <p14:creationId xmlns:p14="http://schemas.microsoft.com/office/powerpoint/2010/main" val="3766803100"/>
-      </p:ext>
-    </p:extLst>
-  </p:cSld>
-  <p:clrMapOvr>
-    <a:masterClrMapping/>
-  </p:clrMapOvr>
-  <p:timing>
-    <p:tnLst>
-      <p:par>
-        <p:cTn id="1" dur="indefinite" restart="never" nodeType="tmRoot"/>
-      </p:par>
-    </p:tnLst>
-  </p:timing>
-</p:sld>
-</file>
-
-<file path=ppt/slides/slide2.xml><?xml version="1.0" encoding="utf-8"?>
-<p:sld xmlns:a="http://schemas.openxmlformats.org/drawingml/2006/main" xmlns:r="http://schemas.openxmlformats.org/officeDocument/2006/relationships" xmlns:p="http://schemas.openxmlformats.org/presentationml/2006/main">
-  <p:cSld>
-    <p:spTree>
-      <p:nvGrpSpPr>
-        <p:cNvPr id="1" name=""/>
-        <p:cNvGrpSpPr/>
-        <p:nvPr/>
-      </p:nvGrpSpPr>
-      <p:grpSpPr>
-        <a:xfrm>
-          <a:off x="0" y="0"/>
-          <a:ext cx="0" cy="0"/>
-          <a:chOff x="0" y="0"/>
-          <a:chExt cx="0" cy="0"/>
-        </a:xfrm>
-      </p:grpSpPr>
-      <p:sp>
-        <p:nvSpPr>
-          <p:cNvPr id="2" name="Title 1"/>
-          <p:cNvSpPr>
-            <a:spLocks noGrp="1"/>
-          </p:cNvSpPr>
-          <p:nvPr>
-            <p:ph type="title"/>
-          </p:nvPr>
-        </p:nvSpPr>
-        <p:spPr/>
-        <p:txBody>
-          <a:bodyPr/>
-          <a:lstStyle/>
-          <a:p>
-            <a:r>
-              <a:rPr lang="en-US" dirty="0" smtClean="0"/>
-              <a:t>Real example</a:t>
-            </a:r>
-            <a:endParaRPr lang="en-US" dirty="0"/>
-          </a:p>
-        </p:txBody>
-      </p:sp>
-      <p:sp>
-        <p:nvSpPr>
-          <p:cNvPr id="3" name="Content Placeholder 2"/>
-          <p:cNvSpPr>
-            <a:spLocks noGrp="1"/>
-          </p:cNvSpPr>
-          <p:nvPr>
-            <p:ph idx="1"/>
-          </p:nvPr>
-        </p:nvSpPr>
-        <p:spPr/>
-        <p:txBody>
-          <a:bodyPr>
-            <a:normAutofit fontScale="92500" lnSpcReduction="20000"/>
-          </a:bodyPr>
-          <a:lstStyle/>
-          <a:p>
-            <a:r>
-              <a:rPr lang="en-US" dirty="0" smtClean="0"/>
-              <a:t>Import Customers</a:t>
-            </a:r>
-          </a:p>
-          <a:p>
-            <a:pPr lvl="1"/>
-            <a:r>
-              <a:rPr lang="en-US" dirty="0" smtClean="0"/>
-              <a:t>From SAP</a:t>
-            </a:r>
-          </a:p>
-          <a:p>
-            <a:pPr lvl="1"/>
-            <a:r>
-              <a:rPr lang="en-US" dirty="0" smtClean="0"/>
-              <a:t>To </a:t>
-            </a:r>
-            <a:r>
-              <a:rPr lang="en-US" dirty="0" err="1" smtClean="0"/>
-              <a:t>WeConnect</a:t>
-            </a:r>
-            <a:endParaRPr lang="en-US" dirty="0" smtClean="0"/>
-          </a:p>
-          <a:p>
-            <a:pPr lvl="1"/>
-            <a:endParaRPr lang="en-US" dirty="0"/>
-          </a:p>
-          <a:p>
-            <a:r>
-              <a:rPr lang="en-US" dirty="0" smtClean="0"/>
-              <a:t>SQL </a:t>
-            </a:r>
-            <a:r>
-              <a:rPr lang="en-US" dirty="0" err="1" smtClean="0"/>
-              <a:t>sproc</a:t>
-            </a:r>
-            <a:endParaRPr lang="en-US" dirty="0" smtClean="0"/>
-          </a:p>
-          <a:p>
-            <a:pPr lvl="1"/>
-            <a:r>
-              <a:rPr lang="en-US" dirty="0" smtClean="0"/>
-              <a:t>Cursors, if statements</a:t>
-            </a:r>
-          </a:p>
-          <a:p>
-            <a:pPr lvl="2"/>
-            <a:r>
-              <a:rPr lang="en-US" dirty="0" smtClean="0"/>
-              <a:t>Imperative code in declarative language</a:t>
-            </a:r>
-          </a:p>
-          <a:p>
-            <a:pPr lvl="1"/>
-            <a:r>
-              <a:rPr lang="en-US" dirty="0" smtClean="0"/>
-              <a:t>Can’t set breakpoints</a:t>
-            </a:r>
-          </a:p>
-          <a:p>
-            <a:endParaRPr lang="en-US" dirty="0"/>
-          </a:p>
-          <a:p>
-            <a:r>
-              <a:rPr lang="en-US" dirty="0" smtClean="0"/>
-              <a:t>Not enough logging</a:t>
-            </a:r>
-          </a:p>
-          <a:p>
-            <a:pPr lvl="1"/>
-            <a:r>
-              <a:rPr lang="en-US" dirty="0" smtClean="0"/>
-              <a:t>Support ticket (Customer not imported)</a:t>
-            </a:r>
-          </a:p>
-          <a:p>
-            <a:pPr lvl="1"/>
-            <a:r>
-              <a:rPr lang="en-US" dirty="0" smtClean="0"/>
-              <a:t>Developer has to debug </a:t>
-            </a:r>
-            <a:r>
-              <a:rPr lang="en-US" dirty="0" err="1" smtClean="0"/>
-              <a:t>sproc</a:t>
-            </a:r>
-            <a:endParaRPr lang="en-US" dirty="0"/>
-          </a:p>
-        </p:txBody>
-      </p:sp>
-    </p:spTree>
-    <p:extLst>
-      <p:ext uri="{BB962C8B-B14F-4D97-AF65-F5344CB8AC3E}">
-        <p14:creationId xmlns:p14="http://schemas.microsoft.com/office/powerpoint/2010/main" val="2314594434"/>
+        <p14:creationId xmlns:p14="http://schemas.microsoft.com/office/powerpoint/2010/main" val="2111605369"/>
       </p:ext>
     </p:extLst>
   </p:cSld>
@@ -3841,11 +3891,7 @@
                                           </p:stCondLst>
                                         </p:cTn>
                                         <p:tgtEl>
-                                          <p:spTgt spid="3">
-                                            <p:txEl>
-                                              <p:pRg st="4" end="4"/>
-                                            </p:txEl>
-                                          </p:spTgt>
+                                          <p:spTgt spid="4"/>
                                         </p:tgtEl>
                                         <p:attrNameLst>
                                           <p:attrName>style.visibility</p:attrName>
@@ -3872,184 +3918,7 @@
                                           </p:stCondLst>
                                         </p:cTn>
                                         <p:tgtEl>
-                                          <p:spTgt spid="3">
-                                            <p:txEl>
-                                              <p:pRg st="5" end="5"/>
-                                            </p:txEl>
-                                          </p:spTgt>
-                                        </p:tgtEl>
-                                        <p:attrNameLst>
-                                          <p:attrName>style.visibility</p:attrName>
-                                        </p:attrNameLst>
-                                      </p:cBhvr>
-                                      <p:to>
-                                        <p:strVal val="visible"/>
-                                      </p:to>
-                                    </p:set>
-                                  </p:childTnLst>
-                                </p:cTn>
-                              </p:par>
-                              <p:par>
-                                <p:cTn id="9" presetID="1" presetClass="entr" presetSubtype="0" fill="hold" nodeType="withEffect">
-                                  <p:stCondLst>
-                                    <p:cond delay="0"/>
-                                  </p:stCondLst>
-                                  <p:childTnLst>
-                                    <p:set>
-                                      <p:cBhvr>
-                                        <p:cTn id="10" dur="1" fill="hold">
-                                          <p:stCondLst>
-                                            <p:cond delay="0"/>
-                                          </p:stCondLst>
-                                        </p:cTn>
-                                        <p:tgtEl>
-                                          <p:spTgt spid="3">
-                                            <p:txEl>
-                                              <p:pRg st="6" end="6"/>
-                                            </p:txEl>
-                                          </p:spTgt>
-                                        </p:tgtEl>
-                                        <p:attrNameLst>
-                                          <p:attrName>style.visibility</p:attrName>
-                                        </p:attrNameLst>
-                                      </p:cBhvr>
-                                      <p:to>
-                                        <p:strVal val="visible"/>
-                                      </p:to>
-                                    </p:set>
-                                  </p:childTnLst>
-                                </p:cTn>
-                              </p:par>
-                              <p:par>
-                                <p:cTn id="11" presetID="1" presetClass="entr" presetSubtype="0" fill="hold" nodeType="withEffect">
-                                  <p:stCondLst>
-                                    <p:cond delay="0"/>
-                                  </p:stCondLst>
-                                  <p:childTnLst>
-                                    <p:set>
-                                      <p:cBhvr>
-                                        <p:cTn id="12" dur="1" fill="hold">
-                                          <p:stCondLst>
-                                            <p:cond delay="0"/>
-                                          </p:stCondLst>
-                                        </p:cTn>
-                                        <p:tgtEl>
-                                          <p:spTgt spid="3">
-                                            <p:txEl>
-                                              <p:pRg st="7" end="7"/>
-                                            </p:txEl>
-                                          </p:spTgt>
-                                        </p:tgtEl>
-                                        <p:attrNameLst>
-                                          <p:attrName>style.visibility</p:attrName>
-                                        </p:attrNameLst>
-                                      </p:cBhvr>
-                                      <p:to>
-                                        <p:strVal val="visible"/>
-                                      </p:to>
-                                    </p:set>
-                                  </p:childTnLst>
-                                </p:cTn>
-                              </p:par>
-                            </p:childTnLst>
-                          </p:cTn>
-                        </p:par>
-                      </p:childTnLst>
-                    </p:cTn>
-                  </p:par>
-                  <p:par>
-                    <p:cTn id="13" fill="hold">
-                      <p:stCondLst>
-                        <p:cond delay="indefinite"/>
-                      </p:stCondLst>
-                      <p:childTnLst>
-                        <p:par>
-                          <p:cTn id="14" fill="hold">
-                            <p:stCondLst>
-                              <p:cond delay="0"/>
-                            </p:stCondLst>
-                            <p:childTnLst>
-                              <p:par>
-                                <p:cTn id="15" presetID="1" presetClass="entr" presetSubtype="0" fill="hold" nodeType="clickEffect">
-                                  <p:stCondLst>
-                                    <p:cond delay="0"/>
-                                  </p:stCondLst>
-                                  <p:childTnLst>
-                                    <p:set>
-                                      <p:cBhvr>
-                                        <p:cTn id="16" dur="1" fill="hold">
-                                          <p:stCondLst>
-                                            <p:cond delay="0"/>
-                                          </p:stCondLst>
-                                        </p:cTn>
-                                        <p:tgtEl>
-                                          <p:spTgt spid="3">
-                                            <p:txEl>
-                                              <p:pRg st="9" end="9"/>
-                                            </p:txEl>
-                                          </p:spTgt>
-                                        </p:tgtEl>
-                                        <p:attrNameLst>
-                                          <p:attrName>style.visibility</p:attrName>
-                                        </p:attrNameLst>
-                                      </p:cBhvr>
-                                      <p:to>
-                                        <p:strVal val="visible"/>
-                                      </p:to>
-                                    </p:set>
-                                  </p:childTnLst>
-                                </p:cTn>
-                              </p:par>
-                              <p:par>
-                                <p:cTn id="17" presetID="1" presetClass="entr" presetSubtype="0" fill="hold" nodeType="withEffect">
-                                  <p:stCondLst>
-                                    <p:cond delay="0"/>
-                                  </p:stCondLst>
-                                  <p:childTnLst>
-                                    <p:set>
-                                      <p:cBhvr>
-                                        <p:cTn id="18" dur="1" fill="hold">
-                                          <p:stCondLst>
-                                            <p:cond delay="0"/>
-                                          </p:stCondLst>
-                                        </p:cTn>
-                                        <p:tgtEl>
-                                          <p:spTgt spid="3">
-                                            <p:txEl>
-                                              <p:pRg st="10" end="10"/>
-                                            </p:txEl>
-                                          </p:spTgt>
-                                        </p:tgtEl>
-                                        <p:attrNameLst>
-                                          <p:attrName>style.visibility</p:attrName>
-                                        </p:attrNameLst>
-                                      </p:cBhvr>
-                                      <p:to>
-                                        <p:strVal val="visible"/>
-                                      </p:to>
-                                    </p:set>
-                                  </p:childTnLst>
-                                </p:cTn>
-                              </p:par>
-                              <p:par>
-                                <p:cTn id="19" presetID="1" presetClass="entr" presetSubtype="0" fill="hold" nodeType="withEffect">
-                                  <p:stCondLst>
-                                    <p:cond delay="0"/>
-                                  </p:stCondLst>
-                                  <p:childTnLst>
-                                    <p:set>
-                                      <p:cBhvr>
-                                        <p:cTn id="20" dur="1" fill="hold">
-                                          <p:stCondLst>
-                                            <p:cond delay="0"/>
-                                          </p:stCondLst>
-                                        </p:cTn>
-                                        <p:tgtEl>
-                                          <p:spTgt spid="3">
-                                            <p:txEl>
-                                              <p:pRg st="11" end="11"/>
-                                            </p:txEl>
-                                          </p:spTgt>
+                                          <p:spTgt spid="6"/>
                                         </p:tgtEl>
                                         <p:attrNameLst>
                                           <p:attrName>style.visibility</p:attrName>
@@ -4093,7 +3962,7 @@
 </p:sld>
 </file>
 
-<file path=ppt/slides/slide3.xml><?xml version="1.0" encoding="utf-8"?>
+<file path=ppt/slides/slide12.xml><?xml version="1.0" encoding="utf-8"?>
 <p:sld xmlns:a="http://schemas.openxmlformats.org/drawingml/2006/main" xmlns:r="http://schemas.openxmlformats.org/officeDocument/2006/relationships" xmlns:p="http://schemas.openxmlformats.org/presentationml/2006/main">
   <p:cSld>
     <p:spTree>
@@ -4127,7 +3996,348 @@
           <a:p>
             <a:r>
               <a:rPr lang="en-US" dirty="0" smtClean="0"/>
-              <a:t>Why Functional?</a:t>
+              <a:t>Features coming soon</a:t>
+            </a:r>
+            <a:endParaRPr lang="en-US" dirty="0"/>
+          </a:p>
+        </p:txBody>
+      </p:sp>
+      <p:sp>
+        <p:nvSpPr>
+          <p:cNvPr id="3" name="Content Placeholder 2"/>
+          <p:cNvSpPr>
+            <a:spLocks noGrp="1"/>
+          </p:cNvSpPr>
+          <p:nvPr>
+            <p:ph idx="1"/>
+          </p:nvPr>
+        </p:nvSpPr>
+        <p:spPr>
+          <a:xfrm>
+            <a:off x="7317377" y="1690688"/>
+            <a:ext cx="6163491" cy="4953998"/>
+          </a:xfrm>
+        </p:spPr>
+        <p:txBody>
+          <a:bodyPr/>
+          <a:lstStyle/>
+          <a:p>
+            <a:r>
+              <a:rPr lang="en-US" dirty="0" smtClean="0"/>
+              <a:t>Unit Tests</a:t>
+            </a:r>
+            <a:endParaRPr lang="en-US" dirty="0"/>
+          </a:p>
+        </p:txBody>
+      </p:sp>
+      <p:sp>
+        <p:nvSpPr>
+          <p:cNvPr id="4" name="Content Placeholder 2"/>
+          <p:cNvSpPr txBox="1">
+            <a:spLocks/>
+          </p:cNvSpPr>
+          <p:nvPr/>
+        </p:nvSpPr>
+        <p:spPr>
+          <a:xfrm>
+            <a:off x="990600" y="1978025"/>
+            <a:ext cx="6163491" cy="4953998"/>
+          </a:xfrm>
+          <a:prstGeom prst="rect">
+            <a:avLst/>
+          </a:prstGeom>
+        </p:spPr>
+        <p:txBody>
+          <a:bodyPr vert="horz" lIns="91440" tIns="45720" rIns="91440" bIns="45720" rtlCol="0">
+            <a:normAutofit/>
+          </a:bodyPr>
+          <a:lstStyle>
+            <a:lvl1pPr marL="228600" indent="-228600" algn="l" defTabSz="914400" rtl="0" eaLnBrk="1" latinLnBrk="0" hangingPunct="1">
+              <a:lnSpc>
+                <a:spcPct val="90000"/>
+              </a:lnSpc>
+              <a:spcBef>
+                <a:spcPts val="1000"/>
+              </a:spcBef>
+              <a:buFont typeface="Arial" panose="020B0604020202020204" pitchFamily="34" charset="0"/>
+              <a:buChar char="•"/>
+              <a:defRPr sz="2800" kern="1200">
+                <a:solidFill>
+                  <a:schemeClr val="tx1"/>
+                </a:solidFill>
+                <a:latin typeface="+mn-lt"/>
+                <a:ea typeface="+mn-ea"/>
+                <a:cs typeface="+mn-cs"/>
+              </a:defRPr>
+            </a:lvl1pPr>
+            <a:lvl2pPr marL="685800" indent="-228600" algn="l" defTabSz="914400" rtl="0" eaLnBrk="1" latinLnBrk="0" hangingPunct="1">
+              <a:lnSpc>
+                <a:spcPct val="90000"/>
+              </a:lnSpc>
+              <a:spcBef>
+                <a:spcPts val="500"/>
+              </a:spcBef>
+              <a:buFont typeface="Arial" panose="020B0604020202020204" pitchFamily="34" charset="0"/>
+              <a:buChar char="•"/>
+              <a:defRPr sz="2400" kern="1200">
+                <a:solidFill>
+                  <a:schemeClr val="tx1"/>
+                </a:solidFill>
+                <a:latin typeface="+mn-lt"/>
+                <a:ea typeface="+mn-ea"/>
+                <a:cs typeface="+mn-cs"/>
+              </a:defRPr>
+            </a:lvl2pPr>
+            <a:lvl3pPr marL="1143000" indent="-228600" algn="l" defTabSz="914400" rtl="0" eaLnBrk="1" latinLnBrk="0" hangingPunct="1">
+              <a:lnSpc>
+                <a:spcPct val="90000"/>
+              </a:lnSpc>
+              <a:spcBef>
+                <a:spcPts val="500"/>
+              </a:spcBef>
+              <a:buFont typeface="Arial" panose="020B0604020202020204" pitchFamily="34" charset="0"/>
+              <a:buChar char="•"/>
+              <a:defRPr sz="2000" kern="1200">
+                <a:solidFill>
+                  <a:schemeClr val="tx1"/>
+                </a:solidFill>
+                <a:latin typeface="+mn-lt"/>
+                <a:ea typeface="+mn-ea"/>
+                <a:cs typeface="+mn-cs"/>
+              </a:defRPr>
+            </a:lvl3pPr>
+            <a:lvl4pPr marL="1600200" indent="-228600" algn="l" defTabSz="914400" rtl="0" eaLnBrk="1" latinLnBrk="0" hangingPunct="1">
+              <a:lnSpc>
+                <a:spcPct val="90000"/>
+              </a:lnSpc>
+              <a:spcBef>
+                <a:spcPts val="500"/>
+              </a:spcBef>
+              <a:buFont typeface="Arial" panose="020B0604020202020204" pitchFamily="34" charset="0"/>
+              <a:buChar char="•"/>
+              <a:defRPr sz="1800" kern="1200">
+                <a:solidFill>
+                  <a:schemeClr val="tx1"/>
+                </a:solidFill>
+                <a:latin typeface="+mn-lt"/>
+                <a:ea typeface="+mn-ea"/>
+                <a:cs typeface="+mn-cs"/>
+              </a:defRPr>
+            </a:lvl4pPr>
+            <a:lvl5pPr marL="2057400" indent="-228600" algn="l" defTabSz="914400" rtl="0" eaLnBrk="1" latinLnBrk="0" hangingPunct="1">
+              <a:lnSpc>
+                <a:spcPct val="90000"/>
+              </a:lnSpc>
+              <a:spcBef>
+                <a:spcPts val="500"/>
+              </a:spcBef>
+              <a:buFont typeface="Arial" panose="020B0604020202020204" pitchFamily="34" charset="0"/>
+              <a:buChar char="•"/>
+              <a:defRPr sz="1800" kern="1200">
+                <a:solidFill>
+                  <a:schemeClr val="tx1"/>
+                </a:solidFill>
+                <a:latin typeface="+mn-lt"/>
+                <a:ea typeface="+mn-ea"/>
+                <a:cs typeface="+mn-cs"/>
+              </a:defRPr>
+            </a:lvl5pPr>
+            <a:lvl6pPr marL="2514600" indent="-228600" algn="l" defTabSz="914400" rtl="0" eaLnBrk="1" latinLnBrk="0" hangingPunct="1">
+              <a:lnSpc>
+                <a:spcPct val="90000"/>
+              </a:lnSpc>
+              <a:spcBef>
+                <a:spcPts val="500"/>
+              </a:spcBef>
+              <a:buFont typeface="Arial" panose="020B0604020202020204" pitchFamily="34" charset="0"/>
+              <a:buChar char="•"/>
+              <a:defRPr sz="1800" kern="1200">
+                <a:solidFill>
+                  <a:schemeClr val="tx1"/>
+                </a:solidFill>
+                <a:latin typeface="+mn-lt"/>
+                <a:ea typeface="+mn-ea"/>
+                <a:cs typeface="+mn-cs"/>
+              </a:defRPr>
+            </a:lvl6pPr>
+            <a:lvl7pPr marL="2971800" indent="-228600" algn="l" defTabSz="914400" rtl="0" eaLnBrk="1" latinLnBrk="0" hangingPunct="1">
+              <a:lnSpc>
+                <a:spcPct val="90000"/>
+              </a:lnSpc>
+              <a:spcBef>
+                <a:spcPts val="500"/>
+              </a:spcBef>
+              <a:buFont typeface="Arial" panose="020B0604020202020204" pitchFamily="34" charset="0"/>
+              <a:buChar char="•"/>
+              <a:defRPr sz="1800" kern="1200">
+                <a:solidFill>
+                  <a:schemeClr val="tx1"/>
+                </a:solidFill>
+                <a:latin typeface="+mn-lt"/>
+                <a:ea typeface="+mn-ea"/>
+                <a:cs typeface="+mn-cs"/>
+              </a:defRPr>
+            </a:lvl7pPr>
+            <a:lvl8pPr marL="3429000" indent="-228600" algn="l" defTabSz="914400" rtl="0" eaLnBrk="1" latinLnBrk="0" hangingPunct="1">
+              <a:lnSpc>
+                <a:spcPct val="90000"/>
+              </a:lnSpc>
+              <a:spcBef>
+                <a:spcPts val="500"/>
+              </a:spcBef>
+              <a:buFont typeface="Arial" panose="020B0604020202020204" pitchFamily="34" charset="0"/>
+              <a:buChar char="•"/>
+              <a:defRPr sz="1800" kern="1200">
+                <a:solidFill>
+                  <a:schemeClr val="tx1"/>
+                </a:solidFill>
+                <a:latin typeface="+mn-lt"/>
+                <a:ea typeface="+mn-ea"/>
+                <a:cs typeface="+mn-cs"/>
+              </a:defRPr>
+            </a:lvl8pPr>
+            <a:lvl9pPr marL="3886200" indent="-228600" algn="l" defTabSz="914400" rtl="0" eaLnBrk="1" latinLnBrk="0" hangingPunct="1">
+              <a:lnSpc>
+                <a:spcPct val="90000"/>
+              </a:lnSpc>
+              <a:spcBef>
+                <a:spcPts val="500"/>
+              </a:spcBef>
+              <a:buFont typeface="Arial" panose="020B0604020202020204" pitchFamily="34" charset="0"/>
+              <a:buChar char="•"/>
+              <a:defRPr sz="1800" kern="1200">
+                <a:solidFill>
+                  <a:schemeClr val="tx1"/>
+                </a:solidFill>
+                <a:latin typeface="+mn-lt"/>
+                <a:ea typeface="+mn-ea"/>
+                <a:cs typeface="+mn-cs"/>
+              </a:defRPr>
+            </a:lvl9pPr>
+          </a:lstStyle>
+          <a:p>
+            <a:r>
+              <a:rPr lang="en-US" dirty="0" smtClean="0"/>
+              <a:t>Update status of input records</a:t>
+            </a:r>
+          </a:p>
+          <a:p>
+            <a:pPr lvl="1"/>
+            <a:r>
+              <a:rPr lang="en-US" dirty="0" smtClean="0"/>
+              <a:t>Delete successful records</a:t>
+            </a:r>
+          </a:p>
+          <a:p>
+            <a:pPr lvl="1"/>
+            <a:r>
+              <a:rPr lang="en-US" dirty="0" smtClean="0"/>
+              <a:t>Mark as failed if failed</a:t>
+            </a:r>
+          </a:p>
+          <a:p>
+            <a:pPr lvl="1"/>
+            <a:r>
+              <a:rPr lang="en-US" dirty="0" smtClean="0"/>
+              <a:t>Retry PK collisions</a:t>
+            </a:r>
+          </a:p>
+          <a:p>
+            <a:r>
+              <a:rPr lang="en-US" dirty="0" smtClean="0"/>
+              <a:t>Log to DB instead of console</a:t>
+            </a:r>
+          </a:p>
+          <a:p>
+            <a:r>
+              <a:rPr lang="en-US" dirty="0" smtClean="0"/>
+              <a:t>Multiple threads</a:t>
+            </a:r>
+          </a:p>
+          <a:p>
+            <a:r>
+              <a:rPr lang="en-US" dirty="0" smtClean="0"/>
+              <a:t>Better load test</a:t>
+            </a:r>
+          </a:p>
+          <a:p>
+            <a:pPr lvl="1"/>
+            <a:r>
+              <a:rPr lang="en-US" dirty="0" smtClean="0"/>
+              <a:t>10 instances: don’t always get PK collision</a:t>
+            </a:r>
+          </a:p>
+          <a:p>
+            <a:pPr lvl="1"/>
+            <a:r>
+              <a:rPr lang="en-US" dirty="0" smtClean="0"/>
+              <a:t>20 instances: timeout when loading input</a:t>
+            </a:r>
+          </a:p>
+          <a:p>
+            <a:r>
+              <a:rPr lang="en-US" dirty="0" smtClean="0"/>
+              <a:t>Code cleanup</a:t>
+            </a:r>
+            <a:endParaRPr lang="en-US" dirty="0"/>
+          </a:p>
+        </p:txBody>
+      </p:sp>
+    </p:spTree>
+    <p:extLst>
+      <p:ext uri="{BB962C8B-B14F-4D97-AF65-F5344CB8AC3E}">
+        <p14:creationId xmlns:p14="http://schemas.microsoft.com/office/powerpoint/2010/main" val="65708568"/>
+      </p:ext>
+    </p:extLst>
+  </p:cSld>
+  <p:clrMapOvr>
+    <a:masterClrMapping/>
+  </p:clrMapOvr>
+  <p:timing>
+    <p:tnLst>
+      <p:par>
+        <p:cTn id="1" dur="indefinite" restart="never" nodeType="tmRoot"/>
+      </p:par>
+    </p:tnLst>
+  </p:timing>
+</p:sld>
+</file>
+
+<file path=ppt/slides/slide13.xml><?xml version="1.0" encoding="utf-8"?>
+<p:sld xmlns:a="http://schemas.openxmlformats.org/drawingml/2006/main" xmlns:r="http://schemas.openxmlformats.org/officeDocument/2006/relationships" xmlns:p="http://schemas.openxmlformats.org/presentationml/2006/main">
+  <p:cSld>
+    <p:spTree>
+      <p:nvGrpSpPr>
+        <p:cNvPr id="1" name=""/>
+        <p:cNvGrpSpPr/>
+        <p:nvPr/>
+      </p:nvGrpSpPr>
+      <p:grpSpPr>
+        <a:xfrm>
+          <a:off x="0" y="0"/>
+          <a:ext cx="0" cy="0"/>
+          <a:chOff x="0" y="0"/>
+          <a:chExt cx="0" cy="0"/>
+        </a:xfrm>
+      </p:grpSpPr>
+      <p:sp>
+        <p:nvSpPr>
+          <p:cNvPr id="2" name="Title 1"/>
+          <p:cNvSpPr>
+            <a:spLocks noGrp="1"/>
+          </p:cNvSpPr>
+          <p:nvPr>
+            <p:ph type="title"/>
+          </p:nvPr>
+        </p:nvSpPr>
+        <p:spPr/>
+        <p:txBody>
+          <a:bodyPr/>
+          <a:lstStyle/>
+          <a:p>
+            <a:r>
+              <a:rPr lang="en-US" dirty="0" smtClean="0"/>
+              <a:t>Conclusion</a:t>
             </a:r>
             <a:endParaRPr lang="en-US" dirty="0"/>
           </a:p>
@@ -4145,121 +4355,62 @@
         </p:nvSpPr>
         <p:spPr/>
         <p:txBody>
-          <a:bodyPr>
-            <a:normAutofit fontScale="92500" lnSpcReduction="20000"/>
-          </a:bodyPr>
+          <a:bodyPr/>
           <a:lstStyle/>
           <a:p>
             <a:r>
               <a:rPr lang="en-US" dirty="0" smtClean="0"/>
-              <a:t>Fast Development time</a:t>
-            </a:r>
-          </a:p>
-          <a:p>
-            <a:r>
-              <a:rPr lang="en-US" dirty="0" smtClean="0"/>
-              <a:t>More reliable software</a:t>
+              <a:t>FP is worth the learning curve</a:t>
             </a:r>
           </a:p>
           <a:p>
             <a:pPr lvl="1"/>
             <a:r>
               <a:rPr lang="en-US" dirty="0" smtClean="0"/>
-              <a:t>Default immutability (don’t overwrite existing values)</a:t>
-            </a:r>
-          </a:p>
-          <a:p>
-            <a:pPr lvl="1"/>
-            <a:r>
-              <a:rPr lang="en-US" dirty="0" smtClean="0"/>
-              <a:t>Less time spent testing and fixing</a:t>
-            </a:r>
-          </a:p>
-          <a:p>
-            <a:pPr lvl="2"/>
-            <a:r>
-              <a:rPr lang="en-US" dirty="0" smtClean="0"/>
-              <a:t>Not enjoyable</a:t>
-            </a:r>
-          </a:p>
-          <a:p>
-            <a:pPr lvl="2"/>
-            <a:r>
-              <a:rPr lang="en-US" dirty="0" smtClean="0"/>
-              <a:t>Hard to find edge cases</a:t>
-            </a:r>
-          </a:p>
-          <a:p>
-            <a:pPr lvl="2"/>
-            <a:r>
-              <a:rPr lang="en-US" dirty="0" smtClean="0"/>
-              <a:t>Hard to estimate</a:t>
-            </a:r>
-          </a:p>
-          <a:p>
-            <a:pPr lvl="1"/>
-            <a:endParaRPr lang="en-US" dirty="0" smtClean="0"/>
-          </a:p>
-          <a:p>
-            <a:r>
-              <a:rPr lang="en-US" dirty="0"/>
-              <a:t>C#/Java</a:t>
-            </a:r>
-          </a:p>
-          <a:p>
-            <a:pPr lvl="1"/>
-            <a:r>
-              <a:rPr lang="en-US" dirty="0" smtClean="0"/>
-              <a:t>Side effects</a:t>
-            </a:r>
-          </a:p>
-          <a:p>
-            <a:pPr lvl="2"/>
-            <a:r>
-              <a:rPr lang="en-US" dirty="0" smtClean="0"/>
-              <a:t>less predictable code</a:t>
-            </a:r>
-          </a:p>
-          <a:p>
-            <a:pPr lvl="1"/>
-            <a:r>
-              <a:rPr lang="en-US" dirty="0" smtClean="0"/>
-              <a:t>Verbose syntax – {} () []</a:t>
-            </a:r>
-          </a:p>
-          <a:p>
-            <a:pPr lvl="1"/>
-            <a:r>
-              <a:rPr lang="en-US" dirty="0" smtClean="0"/>
-              <a:t>Lots of files</a:t>
-            </a:r>
-          </a:p>
-          <a:p>
-            <a:pPr lvl="1"/>
-            <a:r>
-              <a:rPr lang="en-US" dirty="0" smtClean="0"/>
-              <a:t>Lots of infrastructure (interfaces, factories)</a:t>
-            </a:r>
-            <a:endParaRPr lang="en-US" dirty="0"/>
-          </a:p>
-          <a:p>
-            <a:pPr lvl="1"/>
-            <a:endParaRPr lang="en-US" dirty="0" smtClean="0"/>
+              <a:t>Way better tutorials than 10 years ago</a:t>
+            </a:r>
           </a:p>
           <a:p>
             <a:pPr lvl="1"/>
             <a:endParaRPr lang="en-US" dirty="0"/>
           </a:p>
           <a:p>
+            <a:r>
+              <a:rPr lang="en-US" dirty="0" smtClean="0"/>
+              <a:t>FP really does lead to less bugs</a:t>
+            </a:r>
+          </a:p>
+          <a:p>
             <a:pPr lvl="1"/>
-            <a:endParaRPr lang="en-US" dirty="0"/>
+            <a:r>
+              <a:rPr lang="en-US" dirty="0" smtClean="0"/>
+              <a:t>Less testing/fixing</a:t>
+            </a:r>
+          </a:p>
+          <a:p>
+            <a:pPr lvl="2"/>
+            <a:r>
+              <a:rPr lang="en-US" dirty="0" smtClean="0">
+                <a:solidFill>
+                  <a:srgbClr val="FFFF00"/>
+                </a:solidFill>
+              </a:rPr>
+              <a:t>Faster dev time</a:t>
+            </a:r>
+          </a:p>
+          <a:p>
+            <a:pPr lvl="1"/>
+            <a:r>
+              <a:rPr lang="en-US" dirty="0" smtClean="0"/>
+              <a:t>Less bugs in prod</a:t>
+            </a:r>
           </a:p>
         </p:txBody>
       </p:sp>
     </p:spTree>
     <p:extLst>
       <p:ext uri="{BB962C8B-B14F-4D97-AF65-F5344CB8AC3E}">
-        <p14:creationId xmlns:p14="http://schemas.microsoft.com/office/powerpoint/2010/main" val="1076629627"/>
+        <p14:creationId xmlns:p14="http://schemas.microsoft.com/office/powerpoint/2010/main" val="1261155027"/>
       </p:ext>
     </p:extLst>
   </p:cSld>
@@ -4269,416 +4420,238 @@
   <p:timing>
     <p:tnLst>
       <p:par>
-        <p:cTn id="1" dur="indefinite" restart="never" nodeType="tmRoot">
-          <p:childTnLst>
-            <p:seq concurrent="1" nextAc="seek">
-              <p:cTn id="2" dur="indefinite" nodeType="mainSeq">
-                <p:childTnLst>
-                  <p:par>
-                    <p:cTn id="3" fill="hold">
-                      <p:stCondLst>
-                        <p:cond delay="indefinite"/>
-                      </p:stCondLst>
-                      <p:childTnLst>
-                        <p:par>
-                          <p:cTn id="4" fill="hold">
-                            <p:stCondLst>
-                              <p:cond delay="0"/>
-                            </p:stCondLst>
-                            <p:childTnLst>
-                              <p:par>
-                                <p:cTn id="5" presetID="1" presetClass="entr" presetSubtype="0" fill="hold" nodeType="clickEffect">
-                                  <p:stCondLst>
-                                    <p:cond delay="0"/>
-                                  </p:stCondLst>
-                                  <p:childTnLst>
-                                    <p:set>
-                                      <p:cBhvr>
-                                        <p:cTn id="6" dur="1" fill="hold">
-                                          <p:stCondLst>
-                                            <p:cond delay="0"/>
-                                          </p:stCondLst>
-                                        </p:cTn>
-                                        <p:tgtEl>
-                                          <p:spTgt spid="3">
-                                            <p:txEl>
-                                              <p:pRg st="2" end="2"/>
-                                            </p:txEl>
-                                          </p:spTgt>
-                                        </p:tgtEl>
-                                        <p:attrNameLst>
-                                          <p:attrName>style.visibility</p:attrName>
-                                        </p:attrNameLst>
-                                      </p:cBhvr>
-                                      <p:to>
-                                        <p:strVal val="visible"/>
-                                      </p:to>
-                                    </p:set>
-                                  </p:childTnLst>
-                                </p:cTn>
-                              </p:par>
-                              <p:par>
-                                <p:cTn id="7" presetID="1" presetClass="entr" presetSubtype="0" fill="hold" nodeType="withEffect">
-                                  <p:stCondLst>
-                                    <p:cond delay="0"/>
-                                  </p:stCondLst>
-                                  <p:childTnLst>
-                                    <p:set>
-                                      <p:cBhvr>
-                                        <p:cTn id="8" dur="1" fill="hold">
-                                          <p:stCondLst>
-                                            <p:cond delay="0"/>
-                                          </p:stCondLst>
-                                        </p:cTn>
-                                        <p:tgtEl>
-                                          <p:spTgt spid="3">
-                                            <p:txEl>
-                                              <p:pRg st="3" end="3"/>
-                                            </p:txEl>
-                                          </p:spTgt>
-                                        </p:tgtEl>
-                                        <p:attrNameLst>
-                                          <p:attrName>style.visibility</p:attrName>
-                                        </p:attrNameLst>
-                                      </p:cBhvr>
-                                      <p:to>
-                                        <p:strVal val="visible"/>
-                                      </p:to>
-                                    </p:set>
-                                  </p:childTnLst>
-                                </p:cTn>
-                              </p:par>
-                              <p:par>
-                                <p:cTn id="9" presetID="1" presetClass="entr" presetSubtype="0" fill="hold" nodeType="withEffect">
-                                  <p:stCondLst>
-                                    <p:cond delay="0"/>
-                                  </p:stCondLst>
-                                  <p:childTnLst>
-                                    <p:set>
-                                      <p:cBhvr>
-                                        <p:cTn id="10" dur="1" fill="hold">
-                                          <p:stCondLst>
-                                            <p:cond delay="0"/>
-                                          </p:stCondLst>
-                                        </p:cTn>
-                                        <p:tgtEl>
-                                          <p:spTgt spid="3">
-                                            <p:txEl>
-                                              <p:pRg st="4" end="4"/>
-                                            </p:txEl>
-                                          </p:spTgt>
-                                        </p:tgtEl>
-                                        <p:attrNameLst>
-                                          <p:attrName>style.visibility</p:attrName>
-                                        </p:attrNameLst>
-                                      </p:cBhvr>
-                                      <p:to>
-                                        <p:strVal val="visible"/>
-                                      </p:to>
-                                    </p:set>
-                                  </p:childTnLst>
-                                </p:cTn>
-                              </p:par>
-                              <p:par>
-                                <p:cTn id="11" presetID="1" presetClass="entr" presetSubtype="0" fill="hold" nodeType="withEffect">
-                                  <p:stCondLst>
-                                    <p:cond delay="0"/>
-                                  </p:stCondLst>
-                                  <p:childTnLst>
-                                    <p:set>
-                                      <p:cBhvr>
-                                        <p:cTn id="12" dur="1" fill="hold">
-                                          <p:stCondLst>
-                                            <p:cond delay="0"/>
-                                          </p:stCondLst>
-                                        </p:cTn>
-                                        <p:tgtEl>
-                                          <p:spTgt spid="3">
-                                            <p:txEl>
-                                              <p:pRg st="5" end="5"/>
-                                            </p:txEl>
-                                          </p:spTgt>
-                                        </p:tgtEl>
-                                        <p:attrNameLst>
-                                          <p:attrName>style.visibility</p:attrName>
-                                        </p:attrNameLst>
-                                      </p:cBhvr>
-                                      <p:to>
-                                        <p:strVal val="visible"/>
-                                      </p:to>
-                                    </p:set>
-                                  </p:childTnLst>
-                                </p:cTn>
-                              </p:par>
-                              <p:par>
-                                <p:cTn id="13" presetID="1" presetClass="entr" presetSubtype="0" fill="hold" nodeType="withEffect">
-                                  <p:stCondLst>
-                                    <p:cond delay="0"/>
-                                  </p:stCondLst>
-                                  <p:childTnLst>
-                                    <p:set>
-                                      <p:cBhvr>
-                                        <p:cTn id="14" dur="1" fill="hold">
-                                          <p:stCondLst>
-                                            <p:cond delay="0"/>
-                                          </p:stCondLst>
-                                        </p:cTn>
-                                        <p:tgtEl>
-                                          <p:spTgt spid="3">
-                                            <p:txEl>
-                                              <p:pRg st="6" end="6"/>
-                                            </p:txEl>
-                                          </p:spTgt>
-                                        </p:tgtEl>
-                                        <p:attrNameLst>
-                                          <p:attrName>style.visibility</p:attrName>
-                                        </p:attrNameLst>
-                                      </p:cBhvr>
-                                      <p:to>
-                                        <p:strVal val="visible"/>
-                                      </p:to>
-                                    </p:set>
-                                  </p:childTnLst>
-                                </p:cTn>
-                              </p:par>
-                            </p:childTnLst>
-                          </p:cTn>
-                        </p:par>
-                      </p:childTnLst>
-                    </p:cTn>
-                  </p:par>
-                  <p:par>
-                    <p:cTn id="15" fill="hold">
-                      <p:stCondLst>
-                        <p:cond delay="indefinite"/>
-                      </p:stCondLst>
-                      <p:childTnLst>
-                        <p:par>
-                          <p:cTn id="16" fill="hold">
-                            <p:stCondLst>
-                              <p:cond delay="0"/>
-                            </p:stCondLst>
-                            <p:childTnLst>
-                              <p:par>
-                                <p:cTn id="17" presetID="1" presetClass="entr" presetSubtype="0" fill="hold" nodeType="clickEffect">
-                                  <p:stCondLst>
-                                    <p:cond delay="0"/>
-                                  </p:stCondLst>
-                                  <p:childTnLst>
-                                    <p:set>
-                                      <p:cBhvr>
-                                        <p:cTn id="18" dur="1" fill="hold">
-                                          <p:stCondLst>
-                                            <p:cond delay="0"/>
-                                          </p:stCondLst>
-                                        </p:cTn>
-                                        <p:tgtEl>
-                                          <p:spTgt spid="3">
-                                            <p:txEl>
-                                              <p:pRg st="8" end="8"/>
-                                            </p:txEl>
-                                          </p:spTgt>
-                                        </p:tgtEl>
-                                        <p:attrNameLst>
-                                          <p:attrName>style.visibility</p:attrName>
-                                        </p:attrNameLst>
-                                      </p:cBhvr>
-                                      <p:to>
-                                        <p:strVal val="visible"/>
-                                      </p:to>
-                                    </p:set>
-                                  </p:childTnLst>
-                                </p:cTn>
-                              </p:par>
-                              <p:par>
-                                <p:cTn id="19" presetID="1" presetClass="entr" presetSubtype="0" fill="hold" nodeType="withEffect">
-                                  <p:stCondLst>
-                                    <p:cond delay="0"/>
-                                  </p:stCondLst>
-                                  <p:childTnLst>
-                                    <p:set>
-                                      <p:cBhvr>
-                                        <p:cTn id="20" dur="1" fill="hold">
-                                          <p:stCondLst>
-                                            <p:cond delay="0"/>
-                                          </p:stCondLst>
-                                        </p:cTn>
-                                        <p:tgtEl>
-                                          <p:spTgt spid="3">
-                                            <p:txEl>
-                                              <p:pRg st="9" end="9"/>
-                                            </p:txEl>
-                                          </p:spTgt>
-                                        </p:tgtEl>
-                                        <p:attrNameLst>
-                                          <p:attrName>style.visibility</p:attrName>
-                                        </p:attrNameLst>
-                                      </p:cBhvr>
-                                      <p:to>
-                                        <p:strVal val="visible"/>
-                                      </p:to>
-                                    </p:set>
-                                  </p:childTnLst>
-                                </p:cTn>
-                              </p:par>
-                              <p:par>
-                                <p:cTn id="21" presetID="1" presetClass="entr" presetSubtype="0" fill="hold" nodeType="withEffect">
-                                  <p:stCondLst>
-                                    <p:cond delay="0"/>
-                                  </p:stCondLst>
-                                  <p:childTnLst>
-                                    <p:set>
-                                      <p:cBhvr>
-                                        <p:cTn id="22" dur="1" fill="hold">
-                                          <p:stCondLst>
-                                            <p:cond delay="0"/>
-                                          </p:stCondLst>
-                                        </p:cTn>
-                                        <p:tgtEl>
-                                          <p:spTgt spid="3">
-                                            <p:txEl>
-                                              <p:pRg st="10" end="10"/>
-                                            </p:txEl>
-                                          </p:spTgt>
-                                        </p:tgtEl>
-                                        <p:attrNameLst>
-                                          <p:attrName>style.visibility</p:attrName>
-                                        </p:attrNameLst>
-                                      </p:cBhvr>
-                                      <p:to>
-                                        <p:strVal val="visible"/>
-                                      </p:to>
-                                    </p:set>
-                                  </p:childTnLst>
-                                </p:cTn>
-                              </p:par>
-                              <p:par>
-                                <p:cTn id="23" presetID="1" presetClass="entr" presetSubtype="0" fill="hold" nodeType="withEffect">
-                                  <p:stCondLst>
-                                    <p:cond delay="0"/>
-                                  </p:stCondLst>
-                                  <p:childTnLst>
-                                    <p:set>
-                                      <p:cBhvr>
-                                        <p:cTn id="24" dur="1" fill="hold">
-                                          <p:stCondLst>
-                                            <p:cond delay="0"/>
-                                          </p:stCondLst>
-                                        </p:cTn>
-                                        <p:tgtEl>
-                                          <p:spTgt spid="3">
-                                            <p:txEl>
-                                              <p:pRg st="11" end="11"/>
-                                            </p:txEl>
-                                          </p:spTgt>
-                                        </p:tgtEl>
-                                        <p:attrNameLst>
-                                          <p:attrName>style.visibility</p:attrName>
-                                        </p:attrNameLst>
-                                      </p:cBhvr>
-                                      <p:to>
-                                        <p:strVal val="visible"/>
-                                      </p:to>
-                                    </p:set>
-                                  </p:childTnLst>
-                                </p:cTn>
-                              </p:par>
-                              <p:par>
-                                <p:cTn id="25" presetID="1" presetClass="entr" presetSubtype="0" fill="hold" nodeType="withEffect">
-                                  <p:stCondLst>
-                                    <p:cond delay="0"/>
-                                  </p:stCondLst>
-                                  <p:childTnLst>
-                                    <p:set>
-                                      <p:cBhvr>
-                                        <p:cTn id="26" dur="1" fill="hold">
-                                          <p:stCondLst>
-                                            <p:cond delay="0"/>
-                                          </p:stCondLst>
-                                        </p:cTn>
-                                        <p:tgtEl>
-                                          <p:spTgt spid="3">
-                                            <p:txEl>
-                                              <p:pRg st="12" end="12"/>
-                                            </p:txEl>
-                                          </p:spTgt>
-                                        </p:tgtEl>
-                                        <p:attrNameLst>
-                                          <p:attrName>style.visibility</p:attrName>
-                                        </p:attrNameLst>
-                                      </p:cBhvr>
-                                      <p:to>
-                                        <p:strVal val="visible"/>
-                                      </p:to>
-                                    </p:set>
-                                  </p:childTnLst>
-                                </p:cTn>
-                              </p:par>
-                              <p:par>
-                                <p:cTn id="27" presetID="1" presetClass="entr" presetSubtype="0" fill="hold" nodeType="withEffect">
-                                  <p:stCondLst>
-                                    <p:cond delay="0"/>
-                                  </p:stCondLst>
-                                  <p:childTnLst>
-                                    <p:set>
-                                      <p:cBhvr>
-                                        <p:cTn id="28" dur="1" fill="hold">
-                                          <p:stCondLst>
-                                            <p:cond delay="0"/>
-                                          </p:stCondLst>
-                                        </p:cTn>
-                                        <p:tgtEl>
-                                          <p:spTgt spid="3">
-                                            <p:txEl>
-                                              <p:pRg st="13" end="13"/>
-                                            </p:txEl>
-                                          </p:spTgt>
-                                        </p:tgtEl>
-                                        <p:attrNameLst>
-                                          <p:attrName>style.visibility</p:attrName>
-                                        </p:attrNameLst>
-                                      </p:cBhvr>
-                                      <p:to>
-                                        <p:strVal val="visible"/>
-                                      </p:to>
-                                    </p:set>
-                                  </p:childTnLst>
-                                </p:cTn>
-                              </p:par>
-                            </p:childTnLst>
-                          </p:cTn>
-                        </p:par>
-                      </p:childTnLst>
-                    </p:cTn>
-                  </p:par>
-                </p:childTnLst>
-              </p:cTn>
-              <p:prevCondLst>
-                <p:cond evt="onPrev" delay="0">
-                  <p:tgtEl>
-                    <p:sldTgt/>
-                  </p:tgtEl>
-                </p:cond>
-              </p:prevCondLst>
-              <p:nextCondLst>
-                <p:cond evt="onNext" delay="0">
-                  <p:tgtEl>
-                    <p:sldTgt/>
-                  </p:tgtEl>
-                </p:cond>
-              </p:nextCondLst>
-            </p:seq>
-          </p:childTnLst>
-        </p:cTn>
+        <p:cTn id="1" dur="indefinite" restart="never" nodeType="tmRoot"/>
       </p:par>
     </p:tnLst>
   </p:timing>
 </p:sld>
 </file>
 
-<file path=ppt/slides/slide4.xml><?xml version="1.0" encoding="utf-8"?>
+<file path=ppt/slides/slide14.xml><?xml version="1.0" encoding="utf-8"?>
 <p:sld xmlns:a="http://schemas.openxmlformats.org/drawingml/2006/main" xmlns:r="http://schemas.openxmlformats.org/officeDocument/2006/relationships" xmlns:p="http://schemas.openxmlformats.org/presentationml/2006/main">
   <p:cSld>
+    <p:spTree>
+      <p:nvGrpSpPr>
+        <p:cNvPr id="1" name=""/>
+        <p:cNvGrpSpPr/>
+        <p:nvPr/>
+      </p:nvGrpSpPr>
+      <p:grpSpPr>
+        <a:xfrm>
+          <a:off x="0" y="0"/>
+          <a:ext cx="0" cy="0"/>
+          <a:chOff x="0" y="0"/>
+          <a:chExt cx="0" cy="0"/>
+        </a:xfrm>
+      </p:grpSpPr>
+      <p:sp>
+        <p:nvSpPr>
+          <p:cNvPr id="2" name="Title 1"/>
+          <p:cNvSpPr>
+            <a:spLocks noGrp="1"/>
+          </p:cNvSpPr>
+          <p:nvPr>
+            <p:ph type="title"/>
+          </p:nvPr>
+        </p:nvSpPr>
+        <p:spPr/>
+        <p:txBody>
+          <a:bodyPr/>
+          <a:lstStyle/>
+          <a:p>
+            <a:r>
+              <a:rPr lang="en-US" dirty="0" smtClean="0"/>
+              <a:t>Next Steps?</a:t>
+            </a:r>
+            <a:endParaRPr lang="en-US" dirty="0"/>
+          </a:p>
+        </p:txBody>
+      </p:sp>
+      <p:sp>
+        <p:nvSpPr>
+          <p:cNvPr id="3" name="Content Placeholder 2"/>
+          <p:cNvSpPr>
+            <a:spLocks noGrp="1"/>
+          </p:cNvSpPr>
+          <p:nvPr>
+            <p:ph idx="1"/>
+          </p:nvPr>
+        </p:nvSpPr>
+        <p:spPr/>
+        <p:txBody>
+          <a:bodyPr/>
+          <a:lstStyle/>
+          <a:p>
+            <a:r>
+              <a:rPr lang="en-US" dirty="0" smtClean="0"/>
+              <a:t>Start building data imports in F#</a:t>
+            </a:r>
+          </a:p>
+          <a:p>
+            <a:endParaRPr lang="en-US" dirty="0"/>
+          </a:p>
+          <a:p>
+            <a:r>
+              <a:rPr lang="en-US" dirty="0" smtClean="0"/>
+              <a:t>Support dashboard</a:t>
+            </a:r>
+          </a:p>
+          <a:p>
+            <a:pPr lvl="1"/>
+            <a:r>
+              <a:rPr lang="en-US" dirty="0" smtClean="0"/>
+              <a:t>Fable</a:t>
+            </a:r>
+          </a:p>
+          <a:p>
+            <a:pPr lvl="2"/>
+            <a:r>
+              <a:rPr lang="en-US" dirty="0" smtClean="0"/>
+              <a:t>Compiles F# into Node.JS</a:t>
+            </a:r>
+          </a:p>
+          <a:p>
+            <a:pPr lvl="2"/>
+            <a:r>
+              <a:rPr lang="en-US" dirty="0" smtClean="0"/>
+              <a:t>Same language on front/back end</a:t>
+            </a:r>
+          </a:p>
+          <a:p>
+            <a:pPr lvl="1"/>
+            <a:r>
+              <a:rPr lang="en-US" dirty="0" smtClean="0">
+                <a:solidFill>
+                  <a:srgbClr val="FFFF00"/>
+                </a:solidFill>
+              </a:rPr>
+              <a:t>Full stack developer</a:t>
+            </a:r>
+          </a:p>
+          <a:p>
+            <a:pPr lvl="1"/>
+            <a:r>
+              <a:rPr lang="en-US" dirty="0" smtClean="0">
+                <a:solidFill>
+                  <a:srgbClr val="FFFF00"/>
+                </a:solidFill>
+              </a:rPr>
+              <a:t>Design/UX</a:t>
+            </a:r>
+            <a:endParaRPr lang="en-US" dirty="0">
+              <a:solidFill>
+                <a:srgbClr val="FFFF00"/>
+              </a:solidFill>
+            </a:endParaRPr>
+          </a:p>
+        </p:txBody>
+      </p:sp>
+    </p:spTree>
+    <p:extLst>
+      <p:ext uri="{BB962C8B-B14F-4D97-AF65-F5344CB8AC3E}">
+        <p14:creationId xmlns:p14="http://schemas.microsoft.com/office/powerpoint/2010/main" val="3766803100"/>
+      </p:ext>
+    </p:extLst>
+  </p:cSld>
+  <p:clrMapOvr>
+    <a:masterClrMapping/>
+  </p:clrMapOvr>
+  <p:timing>
+    <p:tnLst>
+      <p:par>
+        <p:cTn id="1" dur="indefinite" restart="never" nodeType="tmRoot"/>
+      </p:par>
+    </p:tnLst>
+  </p:timing>
+</p:sld>
+</file>
+
+<file path=ppt/slides/slide15.xml><?xml version="1.0" encoding="utf-8"?>
+<p:sld xmlns:a="http://schemas.openxmlformats.org/drawingml/2006/main" xmlns:r="http://schemas.openxmlformats.org/officeDocument/2006/relationships" xmlns:p="http://schemas.openxmlformats.org/presentationml/2006/main">
+  <p:cSld>
+    <p:spTree>
+      <p:nvGrpSpPr>
+        <p:cNvPr id="1" name=""/>
+        <p:cNvGrpSpPr/>
+        <p:nvPr/>
+      </p:nvGrpSpPr>
+      <p:grpSpPr>
+        <a:xfrm>
+          <a:off x="0" y="0"/>
+          <a:ext cx="0" cy="0"/>
+          <a:chOff x="0" y="0"/>
+          <a:chExt cx="0" cy="0"/>
+        </a:xfrm>
+      </p:grpSpPr>
+      <p:sp>
+        <p:nvSpPr>
+          <p:cNvPr id="2" name="Title 1"/>
+          <p:cNvSpPr>
+            <a:spLocks noGrp="1"/>
+          </p:cNvSpPr>
+          <p:nvPr>
+            <p:ph type="title"/>
+          </p:nvPr>
+        </p:nvSpPr>
+        <p:spPr/>
+        <p:txBody>
+          <a:bodyPr/>
+          <a:lstStyle/>
+          <a:p>
+            <a:endParaRPr lang="en-US"/>
+          </a:p>
+        </p:txBody>
+      </p:sp>
+      <p:sp>
+        <p:nvSpPr>
+          <p:cNvPr id="3" name="Content Placeholder 2"/>
+          <p:cNvSpPr>
+            <a:spLocks noGrp="1"/>
+          </p:cNvSpPr>
+          <p:nvPr>
+            <p:ph idx="1"/>
+          </p:nvPr>
+        </p:nvSpPr>
+        <p:spPr/>
+        <p:txBody>
+          <a:bodyPr/>
+          <a:lstStyle/>
+          <a:p>
+            <a:endParaRPr lang="en-US"/>
+          </a:p>
+        </p:txBody>
+      </p:sp>
+    </p:spTree>
+    <p:extLst>
+      <p:ext uri="{BB962C8B-B14F-4D97-AF65-F5344CB8AC3E}">
+        <p14:creationId xmlns:p14="http://schemas.microsoft.com/office/powerpoint/2010/main" val="345145945"/>
+      </p:ext>
+    </p:extLst>
+  </p:cSld>
+  <p:clrMapOvr>
+    <a:masterClrMapping/>
+  </p:clrMapOvr>
+  <p:timing>
+    <p:tnLst>
+      <p:par>
+        <p:cTn id="1" dur="indefinite" restart="never" nodeType="tmRoot"/>
+      </p:par>
+    </p:tnLst>
+  </p:timing>
+</p:sld>
+</file>
+
+<file path=ppt/slides/slide16.xml><?xml version="1.0" encoding="utf-8"?>
+<p:sld xmlns:a="http://schemas.openxmlformats.org/drawingml/2006/main" xmlns:r="http://schemas.openxmlformats.org/officeDocument/2006/relationships" xmlns:p="http://schemas.openxmlformats.org/presentationml/2006/main">
+  <p:cSld>
+    <p:bg>
+      <p:bgPr>
+        <a:solidFill>
+          <a:schemeClr val="accent4"/>
+        </a:solidFill>
+        <a:effectLst/>
+      </p:bgPr>
+    </p:bg>
     <p:spTree>
       <p:nvGrpSpPr>
         <p:cNvPr id="1" name=""/>
@@ -5785,7 +5758,3108 @@
 </p:sld>
 </file>
 
+<file path=ppt/slides/slide2.xml><?xml version="1.0" encoding="utf-8"?>
+<p:sld xmlns:a="http://schemas.openxmlformats.org/drawingml/2006/main" xmlns:r="http://schemas.openxmlformats.org/officeDocument/2006/relationships" xmlns:p="http://schemas.openxmlformats.org/presentationml/2006/main">
+  <p:cSld>
+    <p:spTree>
+      <p:nvGrpSpPr>
+        <p:cNvPr id="1" name=""/>
+        <p:cNvGrpSpPr/>
+        <p:nvPr/>
+      </p:nvGrpSpPr>
+      <p:grpSpPr>
+        <a:xfrm>
+          <a:off x="0" y="0"/>
+          <a:ext cx="0" cy="0"/>
+          <a:chOff x="0" y="0"/>
+          <a:chExt cx="0" cy="0"/>
+        </a:xfrm>
+      </p:grpSpPr>
+      <p:sp>
+        <p:nvSpPr>
+          <p:cNvPr id="2" name="Title 1"/>
+          <p:cNvSpPr>
+            <a:spLocks noGrp="1"/>
+          </p:cNvSpPr>
+          <p:nvPr>
+            <p:ph type="title"/>
+          </p:nvPr>
+        </p:nvSpPr>
+        <p:spPr/>
+        <p:txBody>
+          <a:bodyPr/>
+          <a:lstStyle/>
+          <a:p>
+            <a:r>
+              <a:rPr lang="en-US" dirty="0" smtClean="0"/>
+              <a:t>Real example</a:t>
+            </a:r>
+            <a:endParaRPr lang="en-US" dirty="0"/>
+          </a:p>
+        </p:txBody>
+      </p:sp>
+      <p:sp>
+        <p:nvSpPr>
+          <p:cNvPr id="3" name="Content Placeholder 2"/>
+          <p:cNvSpPr>
+            <a:spLocks noGrp="1"/>
+          </p:cNvSpPr>
+          <p:nvPr>
+            <p:ph idx="1"/>
+          </p:nvPr>
+        </p:nvSpPr>
+        <p:spPr/>
+        <p:txBody>
+          <a:bodyPr>
+            <a:normAutofit fontScale="92500" lnSpcReduction="20000"/>
+          </a:bodyPr>
+          <a:lstStyle/>
+          <a:p>
+            <a:r>
+              <a:rPr lang="en-US" dirty="0" smtClean="0"/>
+              <a:t>Import Customers</a:t>
+            </a:r>
+          </a:p>
+          <a:p>
+            <a:pPr lvl="1"/>
+            <a:r>
+              <a:rPr lang="en-US" dirty="0" smtClean="0"/>
+              <a:t>From SAP</a:t>
+            </a:r>
+          </a:p>
+          <a:p>
+            <a:pPr lvl="1"/>
+            <a:r>
+              <a:rPr lang="en-US" dirty="0" smtClean="0"/>
+              <a:t>To </a:t>
+            </a:r>
+            <a:r>
+              <a:rPr lang="en-US" dirty="0" err="1" smtClean="0"/>
+              <a:t>WeConnect</a:t>
+            </a:r>
+            <a:endParaRPr lang="en-US" dirty="0" smtClean="0"/>
+          </a:p>
+          <a:p>
+            <a:pPr lvl="1"/>
+            <a:endParaRPr lang="en-US" dirty="0"/>
+          </a:p>
+          <a:p>
+            <a:r>
+              <a:rPr lang="en-US" dirty="0" smtClean="0"/>
+              <a:t>SQL </a:t>
+            </a:r>
+            <a:r>
+              <a:rPr lang="en-US" dirty="0" err="1" smtClean="0"/>
+              <a:t>sproc</a:t>
+            </a:r>
+            <a:endParaRPr lang="en-US" dirty="0" smtClean="0"/>
+          </a:p>
+          <a:p>
+            <a:pPr lvl="1"/>
+            <a:r>
+              <a:rPr lang="en-US" dirty="0" smtClean="0"/>
+              <a:t>Cursors, if statements</a:t>
+            </a:r>
+          </a:p>
+          <a:p>
+            <a:pPr lvl="2"/>
+            <a:r>
+              <a:rPr lang="en-US" dirty="0" smtClean="0"/>
+              <a:t>Imperative code in declarative language</a:t>
+            </a:r>
+          </a:p>
+          <a:p>
+            <a:pPr lvl="1"/>
+            <a:r>
+              <a:rPr lang="en-US" dirty="0" smtClean="0"/>
+              <a:t>Can’t set breakpoints</a:t>
+            </a:r>
+          </a:p>
+          <a:p>
+            <a:endParaRPr lang="en-US" dirty="0"/>
+          </a:p>
+          <a:p>
+            <a:r>
+              <a:rPr lang="en-US" dirty="0" smtClean="0"/>
+              <a:t>Not enough logging</a:t>
+            </a:r>
+          </a:p>
+          <a:p>
+            <a:pPr lvl="1"/>
+            <a:r>
+              <a:rPr lang="en-US" dirty="0" smtClean="0"/>
+              <a:t>Support ticket (Customer not imported)</a:t>
+            </a:r>
+          </a:p>
+          <a:p>
+            <a:pPr lvl="1"/>
+            <a:r>
+              <a:rPr lang="en-US" dirty="0" smtClean="0"/>
+              <a:t>Developer has to debug </a:t>
+            </a:r>
+            <a:r>
+              <a:rPr lang="en-US" dirty="0" err="1" smtClean="0"/>
+              <a:t>sproc</a:t>
+            </a:r>
+            <a:endParaRPr lang="en-US" dirty="0"/>
+          </a:p>
+        </p:txBody>
+      </p:sp>
+    </p:spTree>
+    <p:extLst>
+      <p:ext uri="{BB962C8B-B14F-4D97-AF65-F5344CB8AC3E}">
+        <p14:creationId xmlns:p14="http://schemas.microsoft.com/office/powerpoint/2010/main" val="2314594434"/>
+      </p:ext>
+    </p:extLst>
+  </p:cSld>
+  <p:clrMapOvr>
+    <a:masterClrMapping/>
+  </p:clrMapOvr>
+  <p:timing>
+    <p:tnLst>
+      <p:par>
+        <p:cTn id="1" dur="indefinite" restart="never" nodeType="tmRoot">
+          <p:childTnLst>
+            <p:seq concurrent="1" nextAc="seek">
+              <p:cTn id="2" dur="indefinite" nodeType="mainSeq">
+                <p:childTnLst>
+                  <p:par>
+                    <p:cTn id="3" fill="hold">
+                      <p:stCondLst>
+                        <p:cond delay="indefinite"/>
+                      </p:stCondLst>
+                      <p:childTnLst>
+                        <p:par>
+                          <p:cTn id="4" fill="hold">
+                            <p:stCondLst>
+                              <p:cond delay="0"/>
+                            </p:stCondLst>
+                            <p:childTnLst>
+                              <p:par>
+                                <p:cTn id="5" presetID="1" presetClass="entr" presetSubtype="0" fill="hold" nodeType="clickEffect">
+                                  <p:stCondLst>
+                                    <p:cond delay="0"/>
+                                  </p:stCondLst>
+                                  <p:childTnLst>
+                                    <p:set>
+                                      <p:cBhvr>
+                                        <p:cTn id="6" dur="1" fill="hold">
+                                          <p:stCondLst>
+                                            <p:cond delay="0"/>
+                                          </p:stCondLst>
+                                        </p:cTn>
+                                        <p:tgtEl>
+                                          <p:spTgt spid="3">
+                                            <p:txEl>
+                                              <p:pRg st="4" end="4"/>
+                                            </p:txEl>
+                                          </p:spTgt>
+                                        </p:tgtEl>
+                                        <p:attrNameLst>
+                                          <p:attrName>style.visibility</p:attrName>
+                                        </p:attrNameLst>
+                                      </p:cBhvr>
+                                      <p:to>
+                                        <p:strVal val="visible"/>
+                                      </p:to>
+                                    </p:set>
+                                  </p:childTnLst>
+                                </p:cTn>
+                              </p:par>
+                              <p:par>
+                                <p:cTn id="7" presetID="1" presetClass="entr" presetSubtype="0" fill="hold" nodeType="withEffect">
+                                  <p:stCondLst>
+                                    <p:cond delay="0"/>
+                                  </p:stCondLst>
+                                  <p:childTnLst>
+                                    <p:set>
+                                      <p:cBhvr>
+                                        <p:cTn id="8" dur="1" fill="hold">
+                                          <p:stCondLst>
+                                            <p:cond delay="0"/>
+                                          </p:stCondLst>
+                                        </p:cTn>
+                                        <p:tgtEl>
+                                          <p:spTgt spid="3">
+                                            <p:txEl>
+                                              <p:pRg st="5" end="5"/>
+                                            </p:txEl>
+                                          </p:spTgt>
+                                        </p:tgtEl>
+                                        <p:attrNameLst>
+                                          <p:attrName>style.visibility</p:attrName>
+                                        </p:attrNameLst>
+                                      </p:cBhvr>
+                                      <p:to>
+                                        <p:strVal val="visible"/>
+                                      </p:to>
+                                    </p:set>
+                                  </p:childTnLst>
+                                </p:cTn>
+                              </p:par>
+                              <p:par>
+                                <p:cTn id="9" presetID="1" presetClass="entr" presetSubtype="0" fill="hold" nodeType="withEffect">
+                                  <p:stCondLst>
+                                    <p:cond delay="0"/>
+                                  </p:stCondLst>
+                                  <p:childTnLst>
+                                    <p:set>
+                                      <p:cBhvr>
+                                        <p:cTn id="10" dur="1" fill="hold">
+                                          <p:stCondLst>
+                                            <p:cond delay="0"/>
+                                          </p:stCondLst>
+                                        </p:cTn>
+                                        <p:tgtEl>
+                                          <p:spTgt spid="3">
+                                            <p:txEl>
+                                              <p:pRg st="6" end="6"/>
+                                            </p:txEl>
+                                          </p:spTgt>
+                                        </p:tgtEl>
+                                        <p:attrNameLst>
+                                          <p:attrName>style.visibility</p:attrName>
+                                        </p:attrNameLst>
+                                      </p:cBhvr>
+                                      <p:to>
+                                        <p:strVal val="visible"/>
+                                      </p:to>
+                                    </p:set>
+                                  </p:childTnLst>
+                                </p:cTn>
+                              </p:par>
+                              <p:par>
+                                <p:cTn id="11" presetID="1" presetClass="entr" presetSubtype="0" fill="hold" nodeType="withEffect">
+                                  <p:stCondLst>
+                                    <p:cond delay="0"/>
+                                  </p:stCondLst>
+                                  <p:childTnLst>
+                                    <p:set>
+                                      <p:cBhvr>
+                                        <p:cTn id="12" dur="1" fill="hold">
+                                          <p:stCondLst>
+                                            <p:cond delay="0"/>
+                                          </p:stCondLst>
+                                        </p:cTn>
+                                        <p:tgtEl>
+                                          <p:spTgt spid="3">
+                                            <p:txEl>
+                                              <p:pRg st="7" end="7"/>
+                                            </p:txEl>
+                                          </p:spTgt>
+                                        </p:tgtEl>
+                                        <p:attrNameLst>
+                                          <p:attrName>style.visibility</p:attrName>
+                                        </p:attrNameLst>
+                                      </p:cBhvr>
+                                      <p:to>
+                                        <p:strVal val="visible"/>
+                                      </p:to>
+                                    </p:set>
+                                  </p:childTnLst>
+                                </p:cTn>
+                              </p:par>
+                            </p:childTnLst>
+                          </p:cTn>
+                        </p:par>
+                      </p:childTnLst>
+                    </p:cTn>
+                  </p:par>
+                  <p:par>
+                    <p:cTn id="13" fill="hold">
+                      <p:stCondLst>
+                        <p:cond delay="indefinite"/>
+                      </p:stCondLst>
+                      <p:childTnLst>
+                        <p:par>
+                          <p:cTn id="14" fill="hold">
+                            <p:stCondLst>
+                              <p:cond delay="0"/>
+                            </p:stCondLst>
+                            <p:childTnLst>
+                              <p:par>
+                                <p:cTn id="15" presetID="1" presetClass="entr" presetSubtype="0" fill="hold" nodeType="clickEffect">
+                                  <p:stCondLst>
+                                    <p:cond delay="0"/>
+                                  </p:stCondLst>
+                                  <p:childTnLst>
+                                    <p:set>
+                                      <p:cBhvr>
+                                        <p:cTn id="16" dur="1" fill="hold">
+                                          <p:stCondLst>
+                                            <p:cond delay="0"/>
+                                          </p:stCondLst>
+                                        </p:cTn>
+                                        <p:tgtEl>
+                                          <p:spTgt spid="3">
+                                            <p:txEl>
+                                              <p:pRg st="9" end="9"/>
+                                            </p:txEl>
+                                          </p:spTgt>
+                                        </p:tgtEl>
+                                        <p:attrNameLst>
+                                          <p:attrName>style.visibility</p:attrName>
+                                        </p:attrNameLst>
+                                      </p:cBhvr>
+                                      <p:to>
+                                        <p:strVal val="visible"/>
+                                      </p:to>
+                                    </p:set>
+                                  </p:childTnLst>
+                                </p:cTn>
+                              </p:par>
+                              <p:par>
+                                <p:cTn id="17" presetID="1" presetClass="entr" presetSubtype="0" fill="hold" nodeType="withEffect">
+                                  <p:stCondLst>
+                                    <p:cond delay="0"/>
+                                  </p:stCondLst>
+                                  <p:childTnLst>
+                                    <p:set>
+                                      <p:cBhvr>
+                                        <p:cTn id="18" dur="1" fill="hold">
+                                          <p:stCondLst>
+                                            <p:cond delay="0"/>
+                                          </p:stCondLst>
+                                        </p:cTn>
+                                        <p:tgtEl>
+                                          <p:spTgt spid="3">
+                                            <p:txEl>
+                                              <p:pRg st="10" end="10"/>
+                                            </p:txEl>
+                                          </p:spTgt>
+                                        </p:tgtEl>
+                                        <p:attrNameLst>
+                                          <p:attrName>style.visibility</p:attrName>
+                                        </p:attrNameLst>
+                                      </p:cBhvr>
+                                      <p:to>
+                                        <p:strVal val="visible"/>
+                                      </p:to>
+                                    </p:set>
+                                  </p:childTnLst>
+                                </p:cTn>
+                              </p:par>
+                              <p:par>
+                                <p:cTn id="19" presetID="1" presetClass="entr" presetSubtype="0" fill="hold" nodeType="withEffect">
+                                  <p:stCondLst>
+                                    <p:cond delay="0"/>
+                                  </p:stCondLst>
+                                  <p:childTnLst>
+                                    <p:set>
+                                      <p:cBhvr>
+                                        <p:cTn id="20" dur="1" fill="hold">
+                                          <p:stCondLst>
+                                            <p:cond delay="0"/>
+                                          </p:stCondLst>
+                                        </p:cTn>
+                                        <p:tgtEl>
+                                          <p:spTgt spid="3">
+                                            <p:txEl>
+                                              <p:pRg st="11" end="11"/>
+                                            </p:txEl>
+                                          </p:spTgt>
+                                        </p:tgtEl>
+                                        <p:attrNameLst>
+                                          <p:attrName>style.visibility</p:attrName>
+                                        </p:attrNameLst>
+                                      </p:cBhvr>
+                                      <p:to>
+                                        <p:strVal val="visible"/>
+                                      </p:to>
+                                    </p:set>
+                                  </p:childTnLst>
+                                </p:cTn>
+                              </p:par>
+                            </p:childTnLst>
+                          </p:cTn>
+                        </p:par>
+                      </p:childTnLst>
+                    </p:cTn>
+                  </p:par>
+                </p:childTnLst>
+              </p:cTn>
+              <p:prevCondLst>
+                <p:cond evt="onPrev" delay="0">
+                  <p:tgtEl>
+                    <p:sldTgt/>
+                  </p:tgtEl>
+                </p:cond>
+              </p:prevCondLst>
+              <p:nextCondLst>
+                <p:cond evt="onNext" delay="0">
+                  <p:tgtEl>
+                    <p:sldTgt/>
+                  </p:tgtEl>
+                </p:cond>
+              </p:nextCondLst>
+            </p:seq>
+          </p:childTnLst>
+        </p:cTn>
+      </p:par>
+    </p:tnLst>
+  </p:timing>
+</p:sld>
+</file>
+
+<file path=ppt/slides/slide3.xml><?xml version="1.0" encoding="utf-8"?>
+<p:sld xmlns:a="http://schemas.openxmlformats.org/drawingml/2006/main" xmlns:r="http://schemas.openxmlformats.org/officeDocument/2006/relationships" xmlns:p="http://schemas.openxmlformats.org/presentationml/2006/main">
+  <p:cSld>
+    <p:spTree>
+      <p:nvGrpSpPr>
+        <p:cNvPr id="1" name=""/>
+        <p:cNvGrpSpPr/>
+        <p:nvPr/>
+      </p:nvGrpSpPr>
+      <p:grpSpPr>
+        <a:xfrm>
+          <a:off x="0" y="0"/>
+          <a:ext cx="0" cy="0"/>
+          <a:chOff x="0" y="0"/>
+          <a:chExt cx="0" cy="0"/>
+        </a:xfrm>
+      </p:grpSpPr>
+      <p:sp>
+        <p:nvSpPr>
+          <p:cNvPr id="2" name="Title 1"/>
+          <p:cNvSpPr>
+            <a:spLocks noGrp="1"/>
+          </p:cNvSpPr>
+          <p:nvPr>
+            <p:ph type="title"/>
+          </p:nvPr>
+        </p:nvSpPr>
+        <p:spPr/>
+        <p:txBody>
+          <a:bodyPr/>
+          <a:lstStyle/>
+          <a:p>
+            <a:r>
+              <a:rPr lang="en-US" dirty="0" smtClean="0"/>
+              <a:t>Why Functional?</a:t>
+            </a:r>
+            <a:endParaRPr lang="en-US" dirty="0"/>
+          </a:p>
+        </p:txBody>
+      </p:sp>
+      <p:sp>
+        <p:nvSpPr>
+          <p:cNvPr id="3" name="Content Placeholder 2"/>
+          <p:cNvSpPr>
+            <a:spLocks noGrp="1"/>
+          </p:cNvSpPr>
+          <p:nvPr>
+            <p:ph idx="1"/>
+          </p:nvPr>
+        </p:nvSpPr>
+        <p:spPr/>
+        <p:txBody>
+          <a:bodyPr>
+            <a:normAutofit fontScale="92500" lnSpcReduction="20000"/>
+          </a:bodyPr>
+          <a:lstStyle/>
+          <a:p>
+            <a:r>
+              <a:rPr lang="en-US" dirty="0" smtClean="0"/>
+              <a:t>Fast Development time</a:t>
+            </a:r>
+          </a:p>
+          <a:p>
+            <a:r>
+              <a:rPr lang="en-US" dirty="0" smtClean="0"/>
+              <a:t>More reliable software</a:t>
+            </a:r>
+          </a:p>
+          <a:p>
+            <a:pPr lvl="1"/>
+            <a:r>
+              <a:rPr lang="en-US" dirty="0" smtClean="0"/>
+              <a:t>Default immutability (don’t overwrite existing values)</a:t>
+            </a:r>
+          </a:p>
+          <a:p>
+            <a:pPr lvl="1"/>
+            <a:r>
+              <a:rPr lang="en-US" dirty="0" smtClean="0"/>
+              <a:t>Less time spent testing and fixing</a:t>
+            </a:r>
+          </a:p>
+          <a:p>
+            <a:pPr lvl="2"/>
+            <a:r>
+              <a:rPr lang="en-US" dirty="0" smtClean="0"/>
+              <a:t>Not enjoyable</a:t>
+            </a:r>
+          </a:p>
+          <a:p>
+            <a:pPr lvl="2"/>
+            <a:r>
+              <a:rPr lang="en-US" dirty="0" smtClean="0"/>
+              <a:t>Hard to find edge cases</a:t>
+            </a:r>
+          </a:p>
+          <a:p>
+            <a:pPr lvl="2"/>
+            <a:r>
+              <a:rPr lang="en-US" dirty="0" smtClean="0"/>
+              <a:t>Hard to estimate</a:t>
+            </a:r>
+          </a:p>
+          <a:p>
+            <a:pPr lvl="1"/>
+            <a:endParaRPr lang="en-US" dirty="0" smtClean="0"/>
+          </a:p>
+          <a:p>
+            <a:r>
+              <a:rPr lang="en-US" dirty="0"/>
+              <a:t>C#/Java</a:t>
+            </a:r>
+          </a:p>
+          <a:p>
+            <a:pPr lvl="1"/>
+            <a:r>
+              <a:rPr lang="en-US" dirty="0" smtClean="0"/>
+              <a:t>Side effects</a:t>
+            </a:r>
+          </a:p>
+          <a:p>
+            <a:pPr lvl="2"/>
+            <a:r>
+              <a:rPr lang="en-US" dirty="0" smtClean="0"/>
+              <a:t>less predictable code</a:t>
+            </a:r>
+          </a:p>
+          <a:p>
+            <a:pPr lvl="1"/>
+            <a:r>
+              <a:rPr lang="en-US" dirty="0" smtClean="0"/>
+              <a:t>Verbose syntax – {} () </a:t>
+            </a:r>
+            <a:r>
+              <a:rPr lang="en-US" dirty="0" smtClean="0"/>
+              <a:t>[] ;</a:t>
+            </a:r>
+            <a:endParaRPr lang="en-US" dirty="0" smtClean="0"/>
+          </a:p>
+          <a:p>
+            <a:pPr lvl="1"/>
+            <a:r>
+              <a:rPr lang="en-US" dirty="0" smtClean="0"/>
+              <a:t>Lots of </a:t>
+            </a:r>
+            <a:r>
+              <a:rPr lang="en-US" dirty="0" smtClean="0"/>
+              <a:t>files</a:t>
+            </a:r>
+            <a:endParaRPr lang="en-US" dirty="0" smtClean="0"/>
+          </a:p>
+          <a:p>
+            <a:pPr lvl="1"/>
+            <a:endParaRPr lang="en-US" dirty="0"/>
+          </a:p>
+          <a:p>
+            <a:pPr lvl="1"/>
+            <a:endParaRPr lang="en-US" dirty="0"/>
+          </a:p>
+        </p:txBody>
+      </p:sp>
+    </p:spTree>
+    <p:extLst>
+      <p:ext uri="{BB962C8B-B14F-4D97-AF65-F5344CB8AC3E}">
+        <p14:creationId xmlns:p14="http://schemas.microsoft.com/office/powerpoint/2010/main" val="1076629627"/>
+      </p:ext>
+    </p:extLst>
+  </p:cSld>
+  <p:clrMapOvr>
+    <a:masterClrMapping/>
+  </p:clrMapOvr>
+  <p:timing>
+    <p:tnLst>
+      <p:par>
+        <p:cTn id="1" dur="indefinite" restart="never" nodeType="tmRoot">
+          <p:childTnLst>
+            <p:seq concurrent="1" nextAc="seek">
+              <p:cTn id="2" dur="indefinite" nodeType="mainSeq">
+                <p:childTnLst>
+                  <p:par>
+                    <p:cTn id="3" fill="hold">
+                      <p:stCondLst>
+                        <p:cond delay="indefinite"/>
+                      </p:stCondLst>
+                      <p:childTnLst>
+                        <p:par>
+                          <p:cTn id="4" fill="hold">
+                            <p:stCondLst>
+                              <p:cond delay="0"/>
+                            </p:stCondLst>
+                            <p:childTnLst>
+                              <p:par>
+                                <p:cTn id="5" presetID="1" presetClass="entr" presetSubtype="0" fill="hold" nodeType="clickEffect">
+                                  <p:stCondLst>
+                                    <p:cond delay="0"/>
+                                  </p:stCondLst>
+                                  <p:childTnLst>
+                                    <p:set>
+                                      <p:cBhvr>
+                                        <p:cTn id="6" dur="1" fill="hold">
+                                          <p:stCondLst>
+                                            <p:cond delay="0"/>
+                                          </p:stCondLst>
+                                        </p:cTn>
+                                        <p:tgtEl>
+                                          <p:spTgt spid="3">
+                                            <p:txEl>
+                                              <p:pRg st="2" end="2"/>
+                                            </p:txEl>
+                                          </p:spTgt>
+                                        </p:tgtEl>
+                                        <p:attrNameLst>
+                                          <p:attrName>style.visibility</p:attrName>
+                                        </p:attrNameLst>
+                                      </p:cBhvr>
+                                      <p:to>
+                                        <p:strVal val="visible"/>
+                                      </p:to>
+                                    </p:set>
+                                  </p:childTnLst>
+                                </p:cTn>
+                              </p:par>
+                              <p:par>
+                                <p:cTn id="7" presetID="1" presetClass="entr" presetSubtype="0" fill="hold" nodeType="withEffect">
+                                  <p:stCondLst>
+                                    <p:cond delay="0"/>
+                                  </p:stCondLst>
+                                  <p:childTnLst>
+                                    <p:set>
+                                      <p:cBhvr>
+                                        <p:cTn id="8" dur="1" fill="hold">
+                                          <p:stCondLst>
+                                            <p:cond delay="0"/>
+                                          </p:stCondLst>
+                                        </p:cTn>
+                                        <p:tgtEl>
+                                          <p:spTgt spid="3">
+                                            <p:txEl>
+                                              <p:pRg st="3" end="3"/>
+                                            </p:txEl>
+                                          </p:spTgt>
+                                        </p:tgtEl>
+                                        <p:attrNameLst>
+                                          <p:attrName>style.visibility</p:attrName>
+                                        </p:attrNameLst>
+                                      </p:cBhvr>
+                                      <p:to>
+                                        <p:strVal val="visible"/>
+                                      </p:to>
+                                    </p:set>
+                                  </p:childTnLst>
+                                </p:cTn>
+                              </p:par>
+                              <p:par>
+                                <p:cTn id="9" presetID="1" presetClass="entr" presetSubtype="0" fill="hold" nodeType="withEffect">
+                                  <p:stCondLst>
+                                    <p:cond delay="0"/>
+                                  </p:stCondLst>
+                                  <p:childTnLst>
+                                    <p:set>
+                                      <p:cBhvr>
+                                        <p:cTn id="10" dur="1" fill="hold">
+                                          <p:stCondLst>
+                                            <p:cond delay="0"/>
+                                          </p:stCondLst>
+                                        </p:cTn>
+                                        <p:tgtEl>
+                                          <p:spTgt spid="3">
+                                            <p:txEl>
+                                              <p:pRg st="4" end="4"/>
+                                            </p:txEl>
+                                          </p:spTgt>
+                                        </p:tgtEl>
+                                        <p:attrNameLst>
+                                          <p:attrName>style.visibility</p:attrName>
+                                        </p:attrNameLst>
+                                      </p:cBhvr>
+                                      <p:to>
+                                        <p:strVal val="visible"/>
+                                      </p:to>
+                                    </p:set>
+                                  </p:childTnLst>
+                                </p:cTn>
+                              </p:par>
+                              <p:par>
+                                <p:cTn id="11" presetID="1" presetClass="entr" presetSubtype="0" fill="hold" nodeType="withEffect">
+                                  <p:stCondLst>
+                                    <p:cond delay="0"/>
+                                  </p:stCondLst>
+                                  <p:childTnLst>
+                                    <p:set>
+                                      <p:cBhvr>
+                                        <p:cTn id="12" dur="1" fill="hold">
+                                          <p:stCondLst>
+                                            <p:cond delay="0"/>
+                                          </p:stCondLst>
+                                        </p:cTn>
+                                        <p:tgtEl>
+                                          <p:spTgt spid="3">
+                                            <p:txEl>
+                                              <p:pRg st="5" end="5"/>
+                                            </p:txEl>
+                                          </p:spTgt>
+                                        </p:tgtEl>
+                                        <p:attrNameLst>
+                                          <p:attrName>style.visibility</p:attrName>
+                                        </p:attrNameLst>
+                                      </p:cBhvr>
+                                      <p:to>
+                                        <p:strVal val="visible"/>
+                                      </p:to>
+                                    </p:set>
+                                  </p:childTnLst>
+                                </p:cTn>
+                              </p:par>
+                              <p:par>
+                                <p:cTn id="13" presetID="1" presetClass="entr" presetSubtype="0" fill="hold" nodeType="withEffect">
+                                  <p:stCondLst>
+                                    <p:cond delay="0"/>
+                                  </p:stCondLst>
+                                  <p:childTnLst>
+                                    <p:set>
+                                      <p:cBhvr>
+                                        <p:cTn id="14" dur="1" fill="hold">
+                                          <p:stCondLst>
+                                            <p:cond delay="0"/>
+                                          </p:stCondLst>
+                                        </p:cTn>
+                                        <p:tgtEl>
+                                          <p:spTgt spid="3">
+                                            <p:txEl>
+                                              <p:pRg st="6" end="6"/>
+                                            </p:txEl>
+                                          </p:spTgt>
+                                        </p:tgtEl>
+                                        <p:attrNameLst>
+                                          <p:attrName>style.visibility</p:attrName>
+                                        </p:attrNameLst>
+                                      </p:cBhvr>
+                                      <p:to>
+                                        <p:strVal val="visible"/>
+                                      </p:to>
+                                    </p:set>
+                                  </p:childTnLst>
+                                </p:cTn>
+                              </p:par>
+                            </p:childTnLst>
+                          </p:cTn>
+                        </p:par>
+                      </p:childTnLst>
+                    </p:cTn>
+                  </p:par>
+                  <p:par>
+                    <p:cTn id="15" fill="hold">
+                      <p:stCondLst>
+                        <p:cond delay="indefinite"/>
+                      </p:stCondLst>
+                      <p:childTnLst>
+                        <p:par>
+                          <p:cTn id="16" fill="hold">
+                            <p:stCondLst>
+                              <p:cond delay="0"/>
+                            </p:stCondLst>
+                            <p:childTnLst>
+                              <p:par>
+                                <p:cTn id="17" presetID="1" presetClass="entr" presetSubtype="0" fill="hold" nodeType="clickEffect">
+                                  <p:stCondLst>
+                                    <p:cond delay="0"/>
+                                  </p:stCondLst>
+                                  <p:childTnLst>
+                                    <p:set>
+                                      <p:cBhvr>
+                                        <p:cTn id="18" dur="1" fill="hold">
+                                          <p:stCondLst>
+                                            <p:cond delay="0"/>
+                                          </p:stCondLst>
+                                        </p:cTn>
+                                        <p:tgtEl>
+                                          <p:spTgt spid="3">
+                                            <p:txEl>
+                                              <p:pRg st="8" end="8"/>
+                                            </p:txEl>
+                                          </p:spTgt>
+                                        </p:tgtEl>
+                                        <p:attrNameLst>
+                                          <p:attrName>style.visibility</p:attrName>
+                                        </p:attrNameLst>
+                                      </p:cBhvr>
+                                      <p:to>
+                                        <p:strVal val="visible"/>
+                                      </p:to>
+                                    </p:set>
+                                  </p:childTnLst>
+                                </p:cTn>
+                              </p:par>
+                              <p:par>
+                                <p:cTn id="19" presetID="1" presetClass="entr" presetSubtype="0" fill="hold" nodeType="withEffect">
+                                  <p:stCondLst>
+                                    <p:cond delay="0"/>
+                                  </p:stCondLst>
+                                  <p:childTnLst>
+                                    <p:set>
+                                      <p:cBhvr>
+                                        <p:cTn id="20" dur="1" fill="hold">
+                                          <p:stCondLst>
+                                            <p:cond delay="0"/>
+                                          </p:stCondLst>
+                                        </p:cTn>
+                                        <p:tgtEl>
+                                          <p:spTgt spid="3">
+                                            <p:txEl>
+                                              <p:pRg st="9" end="9"/>
+                                            </p:txEl>
+                                          </p:spTgt>
+                                        </p:tgtEl>
+                                        <p:attrNameLst>
+                                          <p:attrName>style.visibility</p:attrName>
+                                        </p:attrNameLst>
+                                      </p:cBhvr>
+                                      <p:to>
+                                        <p:strVal val="visible"/>
+                                      </p:to>
+                                    </p:set>
+                                  </p:childTnLst>
+                                </p:cTn>
+                              </p:par>
+                              <p:par>
+                                <p:cTn id="21" presetID="1" presetClass="entr" presetSubtype="0" fill="hold" nodeType="withEffect">
+                                  <p:stCondLst>
+                                    <p:cond delay="0"/>
+                                  </p:stCondLst>
+                                  <p:childTnLst>
+                                    <p:set>
+                                      <p:cBhvr>
+                                        <p:cTn id="22" dur="1" fill="hold">
+                                          <p:stCondLst>
+                                            <p:cond delay="0"/>
+                                          </p:stCondLst>
+                                        </p:cTn>
+                                        <p:tgtEl>
+                                          <p:spTgt spid="3">
+                                            <p:txEl>
+                                              <p:pRg st="10" end="10"/>
+                                            </p:txEl>
+                                          </p:spTgt>
+                                        </p:tgtEl>
+                                        <p:attrNameLst>
+                                          <p:attrName>style.visibility</p:attrName>
+                                        </p:attrNameLst>
+                                      </p:cBhvr>
+                                      <p:to>
+                                        <p:strVal val="visible"/>
+                                      </p:to>
+                                    </p:set>
+                                  </p:childTnLst>
+                                </p:cTn>
+                              </p:par>
+                              <p:par>
+                                <p:cTn id="23" presetID="1" presetClass="entr" presetSubtype="0" fill="hold" nodeType="withEffect">
+                                  <p:stCondLst>
+                                    <p:cond delay="0"/>
+                                  </p:stCondLst>
+                                  <p:childTnLst>
+                                    <p:set>
+                                      <p:cBhvr>
+                                        <p:cTn id="24" dur="1" fill="hold">
+                                          <p:stCondLst>
+                                            <p:cond delay="0"/>
+                                          </p:stCondLst>
+                                        </p:cTn>
+                                        <p:tgtEl>
+                                          <p:spTgt spid="3">
+                                            <p:txEl>
+                                              <p:pRg st="11" end="11"/>
+                                            </p:txEl>
+                                          </p:spTgt>
+                                        </p:tgtEl>
+                                        <p:attrNameLst>
+                                          <p:attrName>style.visibility</p:attrName>
+                                        </p:attrNameLst>
+                                      </p:cBhvr>
+                                      <p:to>
+                                        <p:strVal val="visible"/>
+                                      </p:to>
+                                    </p:set>
+                                  </p:childTnLst>
+                                </p:cTn>
+                              </p:par>
+                              <p:par>
+                                <p:cTn id="25" presetID="1" presetClass="entr" presetSubtype="0" fill="hold" nodeType="withEffect">
+                                  <p:stCondLst>
+                                    <p:cond delay="0"/>
+                                  </p:stCondLst>
+                                  <p:childTnLst>
+                                    <p:set>
+                                      <p:cBhvr>
+                                        <p:cTn id="26" dur="1" fill="hold">
+                                          <p:stCondLst>
+                                            <p:cond delay="0"/>
+                                          </p:stCondLst>
+                                        </p:cTn>
+                                        <p:tgtEl>
+                                          <p:spTgt spid="3">
+                                            <p:txEl>
+                                              <p:pRg st="12" end="12"/>
+                                            </p:txEl>
+                                          </p:spTgt>
+                                        </p:tgtEl>
+                                        <p:attrNameLst>
+                                          <p:attrName>style.visibility</p:attrName>
+                                        </p:attrNameLst>
+                                      </p:cBhvr>
+                                      <p:to>
+                                        <p:strVal val="visible"/>
+                                      </p:to>
+                                    </p:set>
+                                  </p:childTnLst>
+                                </p:cTn>
+                              </p:par>
+                            </p:childTnLst>
+                          </p:cTn>
+                        </p:par>
+                      </p:childTnLst>
+                    </p:cTn>
+                  </p:par>
+                </p:childTnLst>
+              </p:cTn>
+              <p:prevCondLst>
+                <p:cond evt="onPrev" delay="0">
+                  <p:tgtEl>
+                    <p:sldTgt/>
+                  </p:tgtEl>
+                </p:cond>
+              </p:prevCondLst>
+              <p:nextCondLst>
+                <p:cond evt="onNext" delay="0">
+                  <p:tgtEl>
+                    <p:sldTgt/>
+                  </p:tgtEl>
+                </p:cond>
+              </p:nextCondLst>
+            </p:seq>
+          </p:childTnLst>
+        </p:cTn>
+      </p:par>
+    </p:tnLst>
+  </p:timing>
+</p:sld>
+</file>
+
+<file path=ppt/slides/slide4.xml><?xml version="1.0" encoding="utf-8"?>
+<p:sld xmlns:a="http://schemas.openxmlformats.org/drawingml/2006/main" xmlns:r="http://schemas.openxmlformats.org/officeDocument/2006/relationships" xmlns:p="http://schemas.openxmlformats.org/presentationml/2006/main">
+  <p:cSld>
+    <p:spTree>
+      <p:nvGrpSpPr>
+        <p:cNvPr id="1" name=""/>
+        <p:cNvGrpSpPr/>
+        <p:nvPr/>
+      </p:nvGrpSpPr>
+      <p:grpSpPr>
+        <a:xfrm>
+          <a:off x="0" y="0"/>
+          <a:ext cx="0" cy="0"/>
+          <a:chOff x="0" y="0"/>
+          <a:chExt cx="0" cy="0"/>
+        </a:xfrm>
+      </p:grpSpPr>
+      <p:sp>
+        <p:nvSpPr>
+          <p:cNvPr id="2" name="Title 1"/>
+          <p:cNvSpPr>
+            <a:spLocks noGrp="1"/>
+          </p:cNvSpPr>
+          <p:nvPr>
+            <p:ph type="title"/>
+          </p:nvPr>
+        </p:nvSpPr>
+        <p:spPr/>
+        <p:txBody>
+          <a:bodyPr/>
+          <a:lstStyle/>
+          <a:p>
+            <a:r>
+              <a:rPr lang="en-US" dirty="0" smtClean="0"/>
+              <a:t>Side Effect Example:</a:t>
+            </a:r>
+            <a:endParaRPr lang="en-US" dirty="0"/>
+          </a:p>
+        </p:txBody>
+      </p:sp>
+      <p:sp>
+        <p:nvSpPr>
+          <p:cNvPr id="3" name="Content Placeholder 2"/>
+          <p:cNvSpPr>
+            <a:spLocks noGrp="1"/>
+          </p:cNvSpPr>
+          <p:nvPr>
+            <p:ph idx="1"/>
+          </p:nvPr>
+        </p:nvSpPr>
+        <p:spPr>
+          <a:xfrm>
+            <a:off x="838200" y="1890849"/>
+            <a:ext cx="5229497" cy="4921431"/>
+          </a:xfrm>
+        </p:spPr>
+        <p:txBody>
+          <a:bodyPr/>
+          <a:lstStyle/>
+          <a:p>
+            <a:r>
+              <a:rPr lang="en-US" dirty="0" smtClean="0"/>
+              <a:t>HR app (like </a:t>
+            </a:r>
+            <a:r>
+              <a:rPr lang="en-US" dirty="0" err="1" smtClean="0"/>
+              <a:t>SuccessFactors</a:t>
+            </a:r>
+            <a:r>
+              <a:rPr lang="en-US" dirty="0" smtClean="0"/>
+              <a:t>)</a:t>
+            </a:r>
+          </a:p>
+          <a:p>
+            <a:pPr lvl="1"/>
+            <a:r>
+              <a:rPr lang="en-US" dirty="0" smtClean="0"/>
+              <a:t>Can view employee profile</a:t>
+            </a:r>
+          </a:p>
+          <a:p>
+            <a:pPr lvl="2"/>
+            <a:r>
+              <a:rPr lang="en-US" dirty="0" smtClean="0"/>
+              <a:t>Shows Name, </a:t>
+            </a:r>
+            <a:r>
+              <a:rPr lang="en-US" dirty="0" err="1" smtClean="0"/>
+              <a:t>EmployeeId</a:t>
+            </a:r>
+            <a:r>
+              <a:rPr lang="en-US" dirty="0" smtClean="0"/>
+              <a:t>, etc.</a:t>
+            </a:r>
+          </a:p>
+          <a:p>
+            <a:pPr lvl="1"/>
+            <a:r>
+              <a:rPr lang="en-US" dirty="0" smtClean="0"/>
+              <a:t>Managers have direct reports</a:t>
+            </a:r>
+          </a:p>
+          <a:p>
+            <a:pPr lvl="2"/>
+            <a:r>
+              <a:rPr lang="en-US" dirty="0"/>
+              <a:t>Shows list of direct </a:t>
+            </a:r>
+            <a:r>
+              <a:rPr lang="en-US" dirty="0" smtClean="0"/>
+              <a:t>reports</a:t>
+            </a:r>
+          </a:p>
+          <a:p>
+            <a:pPr lvl="2"/>
+            <a:r>
+              <a:rPr lang="en-US" dirty="0" smtClean="0"/>
+              <a:t>Shows count of direct reports</a:t>
+            </a:r>
+          </a:p>
+          <a:p>
+            <a:endParaRPr lang="en-US" dirty="0" smtClean="0"/>
+          </a:p>
+          <a:p>
+            <a:r>
+              <a:rPr lang="en-US" dirty="0" smtClean="0"/>
+              <a:t>OO language:</a:t>
+            </a:r>
+          </a:p>
+          <a:p>
+            <a:pPr lvl="1"/>
+            <a:r>
+              <a:rPr lang="en-US" dirty="0" smtClean="0"/>
+              <a:t>Load employee from DB</a:t>
+            </a:r>
+          </a:p>
+          <a:p>
+            <a:pPr lvl="1"/>
+            <a:r>
+              <a:rPr lang="en-US" dirty="0" smtClean="0"/>
+              <a:t>Allocate  Employee object</a:t>
+            </a:r>
+          </a:p>
+          <a:p>
+            <a:pPr lvl="1"/>
+            <a:r>
+              <a:rPr lang="en-US" dirty="0" smtClean="0"/>
+              <a:t>then set property values from </a:t>
+            </a:r>
+            <a:r>
+              <a:rPr lang="en-US" dirty="0" err="1" smtClean="0"/>
+              <a:t>DataReader</a:t>
+            </a:r>
+            <a:endParaRPr lang="en-US" dirty="0" smtClean="0"/>
+          </a:p>
+        </p:txBody>
+      </p:sp>
+      <p:sp>
+        <p:nvSpPr>
+          <p:cNvPr id="4" name="Content Placeholder 2"/>
+          <p:cNvSpPr txBox="1">
+            <a:spLocks/>
+          </p:cNvSpPr>
+          <p:nvPr/>
+        </p:nvSpPr>
+        <p:spPr>
+          <a:xfrm>
+            <a:off x="6642463" y="3265715"/>
+            <a:ext cx="5344886" cy="3429000"/>
+          </a:xfrm>
+          <a:prstGeom prst="rect">
+            <a:avLst/>
+          </a:prstGeom>
+        </p:spPr>
+        <p:txBody>
+          <a:bodyPr vert="horz" lIns="91440" tIns="45720" rIns="91440" bIns="45720" rtlCol="0">
+            <a:normAutofit fontScale="92500"/>
+          </a:bodyPr>
+          <a:lstStyle>
+            <a:lvl1pPr marL="228600" indent="-228600" algn="l" defTabSz="914400" rtl="0" eaLnBrk="1" latinLnBrk="0" hangingPunct="1">
+              <a:lnSpc>
+                <a:spcPct val="90000"/>
+              </a:lnSpc>
+              <a:spcBef>
+                <a:spcPts val="1000"/>
+              </a:spcBef>
+              <a:buFont typeface="Arial" panose="020B0604020202020204" pitchFamily="34" charset="0"/>
+              <a:buChar char="•"/>
+              <a:defRPr sz="2800" kern="1200">
+                <a:solidFill>
+                  <a:schemeClr val="tx1"/>
+                </a:solidFill>
+                <a:latin typeface="+mn-lt"/>
+                <a:ea typeface="+mn-ea"/>
+                <a:cs typeface="+mn-cs"/>
+              </a:defRPr>
+            </a:lvl1pPr>
+            <a:lvl2pPr marL="685800" indent="-228600" algn="l" defTabSz="914400" rtl="0" eaLnBrk="1" latinLnBrk="0" hangingPunct="1">
+              <a:lnSpc>
+                <a:spcPct val="90000"/>
+              </a:lnSpc>
+              <a:spcBef>
+                <a:spcPts val="500"/>
+              </a:spcBef>
+              <a:buFont typeface="Arial" panose="020B0604020202020204" pitchFamily="34" charset="0"/>
+              <a:buChar char="•"/>
+              <a:defRPr sz="2400" kern="1200">
+                <a:solidFill>
+                  <a:schemeClr val="tx1"/>
+                </a:solidFill>
+                <a:latin typeface="+mn-lt"/>
+                <a:ea typeface="+mn-ea"/>
+                <a:cs typeface="+mn-cs"/>
+              </a:defRPr>
+            </a:lvl2pPr>
+            <a:lvl3pPr marL="1143000" indent="-228600" algn="l" defTabSz="914400" rtl="0" eaLnBrk="1" latinLnBrk="0" hangingPunct="1">
+              <a:lnSpc>
+                <a:spcPct val="90000"/>
+              </a:lnSpc>
+              <a:spcBef>
+                <a:spcPts val="500"/>
+              </a:spcBef>
+              <a:buFont typeface="Arial" panose="020B0604020202020204" pitchFamily="34" charset="0"/>
+              <a:buChar char="•"/>
+              <a:defRPr sz="2000" kern="1200">
+                <a:solidFill>
+                  <a:schemeClr val="tx1"/>
+                </a:solidFill>
+                <a:latin typeface="+mn-lt"/>
+                <a:ea typeface="+mn-ea"/>
+                <a:cs typeface="+mn-cs"/>
+              </a:defRPr>
+            </a:lvl3pPr>
+            <a:lvl4pPr marL="1600200" indent="-228600" algn="l" defTabSz="914400" rtl="0" eaLnBrk="1" latinLnBrk="0" hangingPunct="1">
+              <a:lnSpc>
+                <a:spcPct val="90000"/>
+              </a:lnSpc>
+              <a:spcBef>
+                <a:spcPts val="500"/>
+              </a:spcBef>
+              <a:buFont typeface="Arial" panose="020B0604020202020204" pitchFamily="34" charset="0"/>
+              <a:buChar char="•"/>
+              <a:defRPr sz="1800" kern="1200">
+                <a:solidFill>
+                  <a:schemeClr val="tx1"/>
+                </a:solidFill>
+                <a:latin typeface="+mn-lt"/>
+                <a:ea typeface="+mn-ea"/>
+                <a:cs typeface="+mn-cs"/>
+              </a:defRPr>
+            </a:lvl4pPr>
+            <a:lvl5pPr marL="2057400" indent="-228600" algn="l" defTabSz="914400" rtl="0" eaLnBrk="1" latinLnBrk="0" hangingPunct="1">
+              <a:lnSpc>
+                <a:spcPct val="90000"/>
+              </a:lnSpc>
+              <a:spcBef>
+                <a:spcPts val="500"/>
+              </a:spcBef>
+              <a:buFont typeface="Arial" panose="020B0604020202020204" pitchFamily="34" charset="0"/>
+              <a:buChar char="•"/>
+              <a:defRPr sz="1800" kern="1200">
+                <a:solidFill>
+                  <a:schemeClr val="tx1"/>
+                </a:solidFill>
+                <a:latin typeface="+mn-lt"/>
+                <a:ea typeface="+mn-ea"/>
+                <a:cs typeface="+mn-cs"/>
+              </a:defRPr>
+            </a:lvl5pPr>
+            <a:lvl6pPr marL="2514600" indent="-228600" algn="l" defTabSz="914400" rtl="0" eaLnBrk="1" latinLnBrk="0" hangingPunct="1">
+              <a:lnSpc>
+                <a:spcPct val="90000"/>
+              </a:lnSpc>
+              <a:spcBef>
+                <a:spcPts val="500"/>
+              </a:spcBef>
+              <a:buFont typeface="Arial" panose="020B0604020202020204" pitchFamily="34" charset="0"/>
+              <a:buChar char="•"/>
+              <a:defRPr sz="1800" kern="1200">
+                <a:solidFill>
+                  <a:schemeClr val="tx1"/>
+                </a:solidFill>
+                <a:latin typeface="+mn-lt"/>
+                <a:ea typeface="+mn-ea"/>
+                <a:cs typeface="+mn-cs"/>
+              </a:defRPr>
+            </a:lvl6pPr>
+            <a:lvl7pPr marL="2971800" indent="-228600" algn="l" defTabSz="914400" rtl="0" eaLnBrk="1" latinLnBrk="0" hangingPunct="1">
+              <a:lnSpc>
+                <a:spcPct val="90000"/>
+              </a:lnSpc>
+              <a:spcBef>
+                <a:spcPts val="500"/>
+              </a:spcBef>
+              <a:buFont typeface="Arial" panose="020B0604020202020204" pitchFamily="34" charset="0"/>
+              <a:buChar char="•"/>
+              <a:defRPr sz="1800" kern="1200">
+                <a:solidFill>
+                  <a:schemeClr val="tx1"/>
+                </a:solidFill>
+                <a:latin typeface="+mn-lt"/>
+                <a:ea typeface="+mn-ea"/>
+                <a:cs typeface="+mn-cs"/>
+              </a:defRPr>
+            </a:lvl7pPr>
+            <a:lvl8pPr marL="3429000" indent="-228600" algn="l" defTabSz="914400" rtl="0" eaLnBrk="1" latinLnBrk="0" hangingPunct="1">
+              <a:lnSpc>
+                <a:spcPct val="90000"/>
+              </a:lnSpc>
+              <a:spcBef>
+                <a:spcPts val="500"/>
+              </a:spcBef>
+              <a:buFont typeface="Arial" panose="020B0604020202020204" pitchFamily="34" charset="0"/>
+              <a:buChar char="•"/>
+              <a:defRPr sz="1800" kern="1200">
+                <a:solidFill>
+                  <a:schemeClr val="tx1"/>
+                </a:solidFill>
+                <a:latin typeface="+mn-lt"/>
+                <a:ea typeface="+mn-ea"/>
+                <a:cs typeface="+mn-cs"/>
+              </a:defRPr>
+            </a:lvl8pPr>
+            <a:lvl9pPr marL="3886200" indent="-228600" algn="l" defTabSz="914400" rtl="0" eaLnBrk="1" latinLnBrk="0" hangingPunct="1">
+              <a:lnSpc>
+                <a:spcPct val="90000"/>
+              </a:lnSpc>
+              <a:spcBef>
+                <a:spcPts val="500"/>
+              </a:spcBef>
+              <a:buFont typeface="Arial" panose="020B0604020202020204" pitchFamily="34" charset="0"/>
+              <a:buChar char="•"/>
+              <a:defRPr sz="1800" kern="1200">
+                <a:solidFill>
+                  <a:schemeClr val="tx1"/>
+                </a:solidFill>
+                <a:latin typeface="+mn-lt"/>
+                <a:ea typeface="+mn-ea"/>
+                <a:cs typeface="+mn-cs"/>
+              </a:defRPr>
+            </a:lvl9pPr>
+          </a:lstStyle>
+          <a:p>
+            <a:r>
+              <a:rPr lang="en-US" dirty="0" smtClean="0">
+                <a:solidFill>
+                  <a:srgbClr val="00B0F0"/>
+                </a:solidFill>
+              </a:rPr>
+              <a:t>Expected Data:</a:t>
+            </a:r>
+          </a:p>
+          <a:p>
+            <a:pPr lvl="1"/>
+            <a:r>
+              <a:rPr lang="en-US" dirty="0" err="1" smtClean="0">
+                <a:solidFill>
+                  <a:srgbClr val="00B0F0"/>
+                </a:solidFill>
+              </a:rPr>
+              <a:t>DirectReports</a:t>
+            </a:r>
+            <a:r>
+              <a:rPr lang="en-US" dirty="0" smtClean="0">
+                <a:solidFill>
+                  <a:srgbClr val="00B0F0"/>
+                </a:solidFill>
+              </a:rPr>
+              <a:t> is only null if </a:t>
+            </a:r>
+            <a:r>
+              <a:rPr lang="en-US" dirty="0" err="1" smtClean="0">
+                <a:solidFill>
+                  <a:srgbClr val="00B0F0"/>
+                </a:solidFill>
+              </a:rPr>
+              <a:t>IsManager</a:t>
+            </a:r>
+            <a:r>
+              <a:rPr lang="en-US" dirty="0" smtClean="0">
+                <a:solidFill>
+                  <a:srgbClr val="00B0F0"/>
+                </a:solidFill>
+              </a:rPr>
+              <a:t> is false</a:t>
+            </a:r>
+          </a:p>
+          <a:p>
+            <a:r>
+              <a:rPr lang="en-US" dirty="0" smtClean="0"/>
+              <a:t>Actual Data:</a:t>
+            </a:r>
+          </a:p>
+          <a:p>
+            <a:pPr lvl="1"/>
+            <a:r>
+              <a:rPr lang="en-US" dirty="0" smtClean="0"/>
+              <a:t>Employee has title of Manager</a:t>
+            </a:r>
+          </a:p>
+          <a:p>
+            <a:pPr lvl="1"/>
+            <a:r>
+              <a:rPr lang="en-US" dirty="0" smtClean="0"/>
+              <a:t>But hasn’t been assigned any direct reports yet</a:t>
+            </a:r>
+            <a:endParaRPr lang="en-US" dirty="0"/>
+          </a:p>
+          <a:p>
+            <a:pPr lvl="1"/>
+            <a:r>
+              <a:rPr lang="en-US" dirty="0" err="1" smtClean="0">
+                <a:solidFill>
+                  <a:srgbClr val="FF0000"/>
+                </a:solidFill>
+              </a:rPr>
+              <a:t>NullReferenceException</a:t>
+            </a:r>
+            <a:r>
+              <a:rPr lang="en-US" dirty="0" smtClean="0">
+                <a:solidFill>
+                  <a:srgbClr val="FF0000"/>
+                </a:solidFill>
+              </a:rPr>
+              <a:t> when trying to show count of direct reports</a:t>
+            </a:r>
+          </a:p>
+          <a:p>
+            <a:pPr lvl="1"/>
+            <a:endParaRPr lang="en-US" dirty="0"/>
+          </a:p>
+          <a:p>
+            <a:pPr marL="0" indent="0">
+              <a:buNone/>
+            </a:pPr>
+            <a:endParaRPr lang="en-US" dirty="0" smtClean="0"/>
+          </a:p>
+          <a:p>
+            <a:pPr lvl="2"/>
+            <a:endParaRPr lang="en-US" dirty="0"/>
+          </a:p>
+        </p:txBody>
+      </p:sp>
+      <p:sp>
+        <p:nvSpPr>
+          <p:cNvPr id="6" name="Content Placeholder 2"/>
+          <p:cNvSpPr txBox="1">
+            <a:spLocks/>
+          </p:cNvSpPr>
+          <p:nvPr/>
+        </p:nvSpPr>
+        <p:spPr>
+          <a:xfrm>
+            <a:off x="6642463" y="600892"/>
+            <a:ext cx="5344886" cy="2579914"/>
+          </a:xfrm>
+          <a:prstGeom prst="rect">
+            <a:avLst/>
+          </a:prstGeom>
+        </p:spPr>
+        <p:txBody>
+          <a:bodyPr vert="horz" lIns="91440" tIns="45720" rIns="91440" bIns="45720" rtlCol="0">
+            <a:normAutofit/>
+          </a:bodyPr>
+          <a:lstStyle>
+            <a:lvl1pPr marL="228600" indent="-228600" algn="l" defTabSz="914400" rtl="0" eaLnBrk="1" latinLnBrk="0" hangingPunct="1">
+              <a:lnSpc>
+                <a:spcPct val="90000"/>
+              </a:lnSpc>
+              <a:spcBef>
+                <a:spcPts val="1000"/>
+              </a:spcBef>
+              <a:buFont typeface="Arial" panose="020B0604020202020204" pitchFamily="34" charset="0"/>
+              <a:buChar char="•"/>
+              <a:defRPr sz="2800" kern="1200">
+                <a:solidFill>
+                  <a:schemeClr val="tx1"/>
+                </a:solidFill>
+                <a:latin typeface="+mn-lt"/>
+                <a:ea typeface="+mn-ea"/>
+                <a:cs typeface="+mn-cs"/>
+              </a:defRPr>
+            </a:lvl1pPr>
+            <a:lvl2pPr marL="685800" indent="-228600" algn="l" defTabSz="914400" rtl="0" eaLnBrk="1" latinLnBrk="0" hangingPunct="1">
+              <a:lnSpc>
+                <a:spcPct val="90000"/>
+              </a:lnSpc>
+              <a:spcBef>
+                <a:spcPts val="500"/>
+              </a:spcBef>
+              <a:buFont typeface="Arial" panose="020B0604020202020204" pitchFamily="34" charset="0"/>
+              <a:buChar char="•"/>
+              <a:defRPr sz="2400" kern="1200">
+                <a:solidFill>
+                  <a:schemeClr val="tx1"/>
+                </a:solidFill>
+                <a:latin typeface="+mn-lt"/>
+                <a:ea typeface="+mn-ea"/>
+                <a:cs typeface="+mn-cs"/>
+              </a:defRPr>
+            </a:lvl2pPr>
+            <a:lvl3pPr marL="1143000" indent="-228600" algn="l" defTabSz="914400" rtl="0" eaLnBrk="1" latinLnBrk="0" hangingPunct="1">
+              <a:lnSpc>
+                <a:spcPct val="90000"/>
+              </a:lnSpc>
+              <a:spcBef>
+                <a:spcPts val="500"/>
+              </a:spcBef>
+              <a:buFont typeface="Arial" panose="020B0604020202020204" pitchFamily="34" charset="0"/>
+              <a:buChar char="•"/>
+              <a:defRPr sz="2000" kern="1200">
+                <a:solidFill>
+                  <a:schemeClr val="tx1"/>
+                </a:solidFill>
+                <a:latin typeface="+mn-lt"/>
+                <a:ea typeface="+mn-ea"/>
+                <a:cs typeface="+mn-cs"/>
+              </a:defRPr>
+            </a:lvl3pPr>
+            <a:lvl4pPr marL="1600200" indent="-228600" algn="l" defTabSz="914400" rtl="0" eaLnBrk="1" latinLnBrk="0" hangingPunct="1">
+              <a:lnSpc>
+                <a:spcPct val="90000"/>
+              </a:lnSpc>
+              <a:spcBef>
+                <a:spcPts val="500"/>
+              </a:spcBef>
+              <a:buFont typeface="Arial" panose="020B0604020202020204" pitchFamily="34" charset="0"/>
+              <a:buChar char="•"/>
+              <a:defRPr sz="1800" kern="1200">
+                <a:solidFill>
+                  <a:schemeClr val="tx1"/>
+                </a:solidFill>
+                <a:latin typeface="+mn-lt"/>
+                <a:ea typeface="+mn-ea"/>
+                <a:cs typeface="+mn-cs"/>
+              </a:defRPr>
+            </a:lvl4pPr>
+            <a:lvl5pPr marL="2057400" indent="-228600" algn="l" defTabSz="914400" rtl="0" eaLnBrk="1" latinLnBrk="0" hangingPunct="1">
+              <a:lnSpc>
+                <a:spcPct val="90000"/>
+              </a:lnSpc>
+              <a:spcBef>
+                <a:spcPts val="500"/>
+              </a:spcBef>
+              <a:buFont typeface="Arial" panose="020B0604020202020204" pitchFamily="34" charset="0"/>
+              <a:buChar char="•"/>
+              <a:defRPr sz="1800" kern="1200">
+                <a:solidFill>
+                  <a:schemeClr val="tx1"/>
+                </a:solidFill>
+                <a:latin typeface="+mn-lt"/>
+                <a:ea typeface="+mn-ea"/>
+                <a:cs typeface="+mn-cs"/>
+              </a:defRPr>
+            </a:lvl5pPr>
+            <a:lvl6pPr marL="2514600" indent="-228600" algn="l" defTabSz="914400" rtl="0" eaLnBrk="1" latinLnBrk="0" hangingPunct="1">
+              <a:lnSpc>
+                <a:spcPct val="90000"/>
+              </a:lnSpc>
+              <a:spcBef>
+                <a:spcPts val="500"/>
+              </a:spcBef>
+              <a:buFont typeface="Arial" panose="020B0604020202020204" pitchFamily="34" charset="0"/>
+              <a:buChar char="•"/>
+              <a:defRPr sz="1800" kern="1200">
+                <a:solidFill>
+                  <a:schemeClr val="tx1"/>
+                </a:solidFill>
+                <a:latin typeface="+mn-lt"/>
+                <a:ea typeface="+mn-ea"/>
+                <a:cs typeface="+mn-cs"/>
+              </a:defRPr>
+            </a:lvl6pPr>
+            <a:lvl7pPr marL="2971800" indent="-228600" algn="l" defTabSz="914400" rtl="0" eaLnBrk="1" latinLnBrk="0" hangingPunct="1">
+              <a:lnSpc>
+                <a:spcPct val="90000"/>
+              </a:lnSpc>
+              <a:spcBef>
+                <a:spcPts val="500"/>
+              </a:spcBef>
+              <a:buFont typeface="Arial" panose="020B0604020202020204" pitchFamily="34" charset="0"/>
+              <a:buChar char="•"/>
+              <a:defRPr sz="1800" kern="1200">
+                <a:solidFill>
+                  <a:schemeClr val="tx1"/>
+                </a:solidFill>
+                <a:latin typeface="+mn-lt"/>
+                <a:ea typeface="+mn-ea"/>
+                <a:cs typeface="+mn-cs"/>
+              </a:defRPr>
+            </a:lvl7pPr>
+            <a:lvl8pPr marL="3429000" indent="-228600" algn="l" defTabSz="914400" rtl="0" eaLnBrk="1" latinLnBrk="0" hangingPunct="1">
+              <a:lnSpc>
+                <a:spcPct val="90000"/>
+              </a:lnSpc>
+              <a:spcBef>
+                <a:spcPts val="500"/>
+              </a:spcBef>
+              <a:buFont typeface="Arial" panose="020B0604020202020204" pitchFamily="34" charset="0"/>
+              <a:buChar char="•"/>
+              <a:defRPr sz="1800" kern="1200">
+                <a:solidFill>
+                  <a:schemeClr val="tx1"/>
+                </a:solidFill>
+                <a:latin typeface="+mn-lt"/>
+                <a:ea typeface="+mn-ea"/>
+                <a:cs typeface="+mn-cs"/>
+              </a:defRPr>
+            </a:lvl8pPr>
+            <a:lvl9pPr marL="3886200" indent="-228600" algn="l" defTabSz="914400" rtl="0" eaLnBrk="1" latinLnBrk="0" hangingPunct="1">
+              <a:lnSpc>
+                <a:spcPct val="90000"/>
+              </a:lnSpc>
+              <a:spcBef>
+                <a:spcPts val="500"/>
+              </a:spcBef>
+              <a:buFont typeface="Arial" panose="020B0604020202020204" pitchFamily="34" charset="0"/>
+              <a:buChar char="•"/>
+              <a:defRPr sz="1800" kern="1200">
+                <a:solidFill>
+                  <a:schemeClr val="tx1"/>
+                </a:solidFill>
+                <a:latin typeface="+mn-lt"/>
+                <a:ea typeface="+mn-ea"/>
+                <a:cs typeface="+mn-cs"/>
+              </a:defRPr>
+            </a:lvl9pPr>
+          </a:lstStyle>
+          <a:p>
+            <a:r>
+              <a:rPr lang="en-US" dirty="0" smtClean="0"/>
+              <a:t>class Employee:</a:t>
+            </a:r>
+          </a:p>
+          <a:p>
+            <a:pPr lvl="1"/>
+            <a:r>
+              <a:rPr lang="en-US" dirty="0" err="1"/>
+              <a:t>int</a:t>
+            </a:r>
+            <a:r>
+              <a:rPr lang="en-US" dirty="0"/>
+              <a:t> </a:t>
+            </a:r>
+            <a:r>
+              <a:rPr lang="en-US" dirty="0" smtClean="0"/>
+              <a:t>Id</a:t>
+            </a:r>
+          </a:p>
+          <a:p>
+            <a:pPr lvl="1"/>
+            <a:r>
+              <a:rPr lang="en-US" dirty="0" smtClean="0"/>
+              <a:t>string </a:t>
+            </a:r>
+            <a:r>
+              <a:rPr lang="en-US" dirty="0" err="1" smtClean="0"/>
+              <a:t>FirstName</a:t>
+            </a:r>
+            <a:endParaRPr lang="en-US" dirty="0" smtClean="0"/>
+          </a:p>
+          <a:p>
+            <a:pPr lvl="1"/>
+            <a:r>
+              <a:rPr lang="en-US" dirty="0" smtClean="0"/>
+              <a:t>string </a:t>
+            </a:r>
+            <a:r>
+              <a:rPr lang="en-US" dirty="0" err="1" smtClean="0"/>
+              <a:t>LastName</a:t>
+            </a:r>
+            <a:endParaRPr lang="en-US" dirty="0" smtClean="0"/>
+          </a:p>
+          <a:p>
+            <a:pPr lvl="1"/>
+            <a:r>
+              <a:rPr lang="en-US" dirty="0" smtClean="0"/>
+              <a:t>bool </a:t>
+            </a:r>
+            <a:r>
+              <a:rPr lang="en-US" dirty="0" err="1" smtClean="0"/>
+              <a:t>IsManager</a:t>
+            </a:r>
+            <a:r>
+              <a:rPr lang="en-US" dirty="0" smtClean="0"/>
+              <a:t> </a:t>
+            </a:r>
+            <a:r>
+              <a:rPr lang="en-US" dirty="0"/>
+              <a:t>= false</a:t>
+            </a:r>
+          </a:p>
+          <a:p>
+            <a:pPr lvl="1"/>
+            <a:r>
+              <a:rPr lang="en-US" dirty="0"/>
+              <a:t>List&lt;Employee&gt; </a:t>
+            </a:r>
+            <a:r>
+              <a:rPr lang="en-US" dirty="0" err="1"/>
+              <a:t>DirectReports</a:t>
+            </a:r>
+            <a:r>
+              <a:rPr lang="en-US" dirty="0"/>
+              <a:t> = null</a:t>
+            </a:r>
+          </a:p>
+          <a:p>
+            <a:pPr lvl="1"/>
+            <a:endParaRPr lang="en-US" dirty="0" smtClean="0"/>
+          </a:p>
+          <a:p>
+            <a:pPr lvl="1"/>
+            <a:endParaRPr lang="en-US" dirty="0"/>
+          </a:p>
+          <a:p>
+            <a:pPr marL="0" indent="0">
+              <a:buNone/>
+            </a:pPr>
+            <a:endParaRPr lang="en-US" dirty="0" smtClean="0"/>
+          </a:p>
+          <a:p>
+            <a:pPr lvl="2"/>
+            <a:endParaRPr lang="en-US" dirty="0"/>
+          </a:p>
+        </p:txBody>
+      </p:sp>
+    </p:spTree>
+    <p:extLst>
+      <p:ext uri="{BB962C8B-B14F-4D97-AF65-F5344CB8AC3E}">
+        <p14:creationId xmlns:p14="http://schemas.microsoft.com/office/powerpoint/2010/main" val="1074832120"/>
+      </p:ext>
+    </p:extLst>
+  </p:cSld>
+  <p:clrMapOvr>
+    <a:masterClrMapping/>
+  </p:clrMapOvr>
+  <p:timing>
+    <p:tnLst>
+      <p:par>
+        <p:cTn id="1" dur="indefinite" restart="never" nodeType="tmRoot">
+          <p:childTnLst>
+            <p:seq concurrent="1" nextAc="seek">
+              <p:cTn id="2" dur="indefinite" nodeType="mainSeq">
+                <p:childTnLst>
+                  <p:par>
+                    <p:cTn id="3" fill="hold">
+                      <p:stCondLst>
+                        <p:cond delay="indefinite"/>
+                      </p:stCondLst>
+                      <p:childTnLst>
+                        <p:par>
+                          <p:cTn id="4" fill="hold">
+                            <p:stCondLst>
+                              <p:cond delay="0"/>
+                            </p:stCondLst>
+                            <p:childTnLst>
+                              <p:par>
+                                <p:cTn id="5" presetID="1" presetClass="entr" presetSubtype="0" fill="hold" nodeType="clickEffect">
+                                  <p:stCondLst>
+                                    <p:cond delay="0"/>
+                                  </p:stCondLst>
+                                  <p:childTnLst>
+                                    <p:set>
+                                      <p:cBhvr>
+                                        <p:cTn id="6" dur="1" fill="hold">
+                                          <p:stCondLst>
+                                            <p:cond delay="0"/>
+                                          </p:stCondLst>
+                                        </p:cTn>
+                                        <p:tgtEl>
+                                          <p:spTgt spid="3">
+                                            <p:txEl>
+                                              <p:pRg st="7" end="7"/>
+                                            </p:txEl>
+                                          </p:spTgt>
+                                        </p:tgtEl>
+                                        <p:attrNameLst>
+                                          <p:attrName>style.visibility</p:attrName>
+                                        </p:attrNameLst>
+                                      </p:cBhvr>
+                                      <p:to>
+                                        <p:strVal val="visible"/>
+                                      </p:to>
+                                    </p:set>
+                                  </p:childTnLst>
+                                </p:cTn>
+                              </p:par>
+                              <p:par>
+                                <p:cTn id="7" presetID="1" presetClass="entr" presetSubtype="0" fill="hold" nodeType="withEffect">
+                                  <p:stCondLst>
+                                    <p:cond delay="0"/>
+                                  </p:stCondLst>
+                                  <p:childTnLst>
+                                    <p:set>
+                                      <p:cBhvr>
+                                        <p:cTn id="8" dur="1" fill="hold">
+                                          <p:stCondLst>
+                                            <p:cond delay="0"/>
+                                          </p:stCondLst>
+                                        </p:cTn>
+                                        <p:tgtEl>
+                                          <p:spTgt spid="3">
+                                            <p:txEl>
+                                              <p:pRg st="8" end="8"/>
+                                            </p:txEl>
+                                          </p:spTgt>
+                                        </p:tgtEl>
+                                        <p:attrNameLst>
+                                          <p:attrName>style.visibility</p:attrName>
+                                        </p:attrNameLst>
+                                      </p:cBhvr>
+                                      <p:to>
+                                        <p:strVal val="visible"/>
+                                      </p:to>
+                                    </p:set>
+                                  </p:childTnLst>
+                                </p:cTn>
+                              </p:par>
+                              <p:par>
+                                <p:cTn id="9" presetID="1" presetClass="entr" presetSubtype="0" fill="hold" nodeType="withEffect">
+                                  <p:stCondLst>
+                                    <p:cond delay="0"/>
+                                  </p:stCondLst>
+                                  <p:childTnLst>
+                                    <p:set>
+                                      <p:cBhvr>
+                                        <p:cTn id="10" dur="1" fill="hold">
+                                          <p:stCondLst>
+                                            <p:cond delay="0"/>
+                                          </p:stCondLst>
+                                        </p:cTn>
+                                        <p:tgtEl>
+                                          <p:spTgt spid="3">
+                                            <p:txEl>
+                                              <p:pRg st="9" end="9"/>
+                                            </p:txEl>
+                                          </p:spTgt>
+                                        </p:tgtEl>
+                                        <p:attrNameLst>
+                                          <p:attrName>style.visibility</p:attrName>
+                                        </p:attrNameLst>
+                                      </p:cBhvr>
+                                      <p:to>
+                                        <p:strVal val="visible"/>
+                                      </p:to>
+                                    </p:set>
+                                  </p:childTnLst>
+                                </p:cTn>
+                              </p:par>
+                              <p:par>
+                                <p:cTn id="11" presetID="1" presetClass="entr" presetSubtype="0" fill="hold" nodeType="withEffect">
+                                  <p:stCondLst>
+                                    <p:cond delay="0"/>
+                                  </p:stCondLst>
+                                  <p:childTnLst>
+                                    <p:set>
+                                      <p:cBhvr>
+                                        <p:cTn id="12" dur="1" fill="hold">
+                                          <p:stCondLst>
+                                            <p:cond delay="0"/>
+                                          </p:stCondLst>
+                                        </p:cTn>
+                                        <p:tgtEl>
+                                          <p:spTgt spid="3">
+                                            <p:txEl>
+                                              <p:pRg st="10" end="10"/>
+                                            </p:txEl>
+                                          </p:spTgt>
+                                        </p:tgtEl>
+                                        <p:attrNameLst>
+                                          <p:attrName>style.visibility</p:attrName>
+                                        </p:attrNameLst>
+                                      </p:cBhvr>
+                                      <p:to>
+                                        <p:strVal val="visible"/>
+                                      </p:to>
+                                    </p:set>
+                                  </p:childTnLst>
+                                </p:cTn>
+                              </p:par>
+                            </p:childTnLst>
+                          </p:cTn>
+                        </p:par>
+                      </p:childTnLst>
+                    </p:cTn>
+                  </p:par>
+                  <p:par>
+                    <p:cTn id="13" fill="hold">
+                      <p:stCondLst>
+                        <p:cond delay="indefinite"/>
+                      </p:stCondLst>
+                      <p:childTnLst>
+                        <p:par>
+                          <p:cTn id="14" fill="hold">
+                            <p:stCondLst>
+                              <p:cond delay="0"/>
+                            </p:stCondLst>
+                            <p:childTnLst>
+                              <p:par>
+                                <p:cTn id="15" presetID="1" presetClass="entr" presetSubtype="0" fill="hold" nodeType="clickEffect">
+                                  <p:stCondLst>
+                                    <p:cond delay="0"/>
+                                  </p:stCondLst>
+                                  <p:childTnLst>
+                                    <p:set>
+                                      <p:cBhvr>
+                                        <p:cTn id="16" dur="1" fill="hold">
+                                          <p:stCondLst>
+                                            <p:cond delay="0"/>
+                                          </p:stCondLst>
+                                        </p:cTn>
+                                        <p:tgtEl>
+                                          <p:spTgt spid="6">
+                                            <p:txEl>
+                                              <p:pRg st="0" end="0"/>
+                                            </p:txEl>
+                                          </p:spTgt>
+                                        </p:tgtEl>
+                                        <p:attrNameLst>
+                                          <p:attrName>style.visibility</p:attrName>
+                                        </p:attrNameLst>
+                                      </p:cBhvr>
+                                      <p:to>
+                                        <p:strVal val="visible"/>
+                                      </p:to>
+                                    </p:set>
+                                  </p:childTnLst>
+                                </p:cTn>
+                              </p:par>
+                              <p:par>
+                                <p:cTn id="17" presetID="1" presetClass="entr" presetSubtype="0" fill="hold" nodeType="withEffect">
+                                  <p:stCondLst>
+                                    <p:cond delay="0"/>
+                                  </p:stCondLst>
+                                  <p:childTnLst>
+                                    <p:set>
+                                      <p:cBhvr>
+                                        <p:cTn id="18" dur="1" fill="hold">
+                                          <p:stCondLst>
+                                            <p:cond delay="0"/>
+                                          </p:stCondLst>
+                                        </p:cTn>
+                                        <p:tgtEl>
+                                          <p:spTgt spid="6">
+                                            <p:txEl>
+                                              <p:pRg st="1" end="1"/>
+                                            </p:txEl>
+                                          </p:spTgt>
+                                        </p:tgtEl>
+                                        <p:attrNameLst>
+                                          <p:attrName>style.visibility</p:attrName>
+                                        </p:attrNameLst>
+                                      </p:cBhvr>
+                                      <p:to>
+                                        <p:strVal val="visible"/>
+                                      </p:to>
+                                    </p:set>
+                                  </p:childTnLst>
+                                </p:cTn>
+                              </p:par>
+                              <p:par>
+                                <p:cTn id="19" presetID="1" presetClass="entr" presetSubtype="0" fill="hold" nodeType="withEffect">
+                                  <p:stCondLst>
+                                    <p:cond delay="0"/>
+                                  </p:stCondLst>
+                                  <p:childTnLst>
+                                    <p:set>
+                                      <p:cBhvr>
+                                        <p:cTn id="20" dur="1" fill="hold">
+                                          <p:stCondLst>
+                                            <p:cond delay="0"/>
+                                          </p:stCondLst>
+                                        </p:cTn>
+                                        <p:tgtEl>
+                                          <p:spTgt spid="6">
+                                            <p:txEl>
+                                              <p:pRg st="2" end="2"/>
+                                            </p:txEl>
+                                          </p:spTgt>
+                                        </p:tgtEl>
+                                        <p:attrNameLst>
+                                          <p:attrName>style.visibility</p:attrName>
+                                        </p:attrNameLst>
+                                      </p:cBhvr>
+                                      <p:to>
+                                        <p:strVal val="visible"/>
+                                      </p:to>
+                                    </p:set>
+                                  </p:childTnLst>
+                                </p:cTn>
+                              </p:par>
+                              <p:par>
+                                <p:cTn id="21" presetID="1" presetClass="entr" presetSubtype="0" fill="hold" nodeType="withEffect">
+                                  <p:stCondLst>
+                                    <p:cond delay="0"/>
+                                  </p:stCondLst>
+                                  <p:childTnLst>
+                                    <p:set>
+                                      <p:cBhvr>
+                                        <p:cTn id="22" dur="1" fill="hold">
+                                          <p:stCondLst>
+                                            <p:cond delay="0"/>
+                                          </p:stCondLst>
+                                        </p:cTn>
+                                        <p:tgtEl>
+                                          <p:spTgt spid="6">
+                                            <p:txEl>
+                                              <p:pRg st="3" end="3"/>
+                                            </p:txEl>
+                                          </p:spTgt>
+                                        </p:tgtEl>
+                                        <p:attrNameLst>
+                                          <p:attrName>style.visibility</p:attrName>
+                                        </p:attrNameLst>
+                                      </p:cBhvr>
+                                      <p:to>
+                                        <p:strVal val="visible"/>
+                                      </p:to>
+                                    </p:set>
+                                  </p:childTnLst>
+                                </p:cTn>
+                              </p:par>
+                              <p:par>
+                                <p:cTn id="23" presetID="1" presetClass="entr" presetSubtype="0" fill="hold" nodeType="withEffect">
+                                  <p:stCondLst>
+                                    <p:cond delay="0"/>
+                                  </p:stCondLst>
+                                  <p:childTnLst>
+                                    <p:set>
+                                      <p:cBhvr>
+                                        <p:cTn id="24" dur="1" fill="hold">
+                                          <p:stCondLst>
+                                            <p:cond delay="0"/>
+                                          </p:stCondLst>
+                                        </p:cTn>
+                                        <p:tgtEl>
+                                          <p:spTgt spid="6">
+                                            <p:txEl>
+                                              <p:pRg st="4" end="4"/>
+                                            </p:txEl>
+                                          </p:spTgt>
+                                        </p:tgtEl>
+                                        <p:attrNameLst>
+                                          <p:attrName>style.visibility</p:attrName>
+                                        </p:attrNameLst>
+                                      </p:cBhvr>
+                                      <p:to>
+                                        <p:strVal val="visible"/>
+                                      </p:to>
+                                    </p:set>
+                                  </p:childTnLst>
+                                </p:cTn>
+                              </p:par>
+                              <p:par>
+                                <p:cTn id="25" presetID="1" presetClass="entr" presetSubtype="0" fill="hold" nodeType="withEffect">
+                                  <p:stCondLst>
+                                    <p:cond delay="0"/>
+                                  </p:stCondLst>
+                                  <p:childTnLst>
+                                    <p:set>
+                                      <p:cBhvr>
+                                        <p:cTn id="26" dur="1" fill="hold">
+                                          <p:stCondLst>
+                                            <p:cond delay="0"/>
+                                          </p:stCondLst>
+                                        </p:cTn>
+                                        <p:tgtEl>
+                                          <p:spTgt spid="6">
+                                            <p:txEl>
+                                              <p:pRg st="5" end="5"/>
+                                            </p:txEl>
+                                          </p:spTgt>
+                                        </p:tgtEl>
+                                        <p:attrNameLst>
+                                          <p:attrName>style.visibility</p:attrName>
+                                        </p:attrNameLst>
+                                      </p:cBhvr>
+                                      <p:to>
+                                        <p:strVal val="visible"/>
+                                      </p:to>
+                                    </p:set>
+                                  </p:childTnLst>
+                                </p:cTn>
+                              </p:par>
+                            </p:childTnLst>
+                          </p:cTn>
+                        </p:par>
+                      </p:childTnLst>
+                    </p:cTn>
+                  </p:par>
+                  <p:par>
+                    <p:cTn id="27" fill="hold">
+                      <p:stCondLst>
+                        <p:cond delay="indefinite"/>
+                      </p:stCondLst>
+                      <p:childTnLst>
+                        <p:par>
+                          <p:cTn id="28" fill="hold">
+                            <p:stCondLst>
+                              <p:cond delay="0"/>
+                            </p:stCondLst>
+                            <p:childTnLst>
+                              <p:par>
+                                <p:cTn id="29" presetID="1" presetClass="entr" presetSubtype="0" fill="hold" grpId="0" nodeType="clickEffect">
+                                  <p:stCondLst>
+                                    <p:cond delay="0"/>
+                                  </p:stCondLst>
+                                  <p:childTnLst>
+                                    <p:set>
+                                      <p:cBhvr>
+                                        <p:cTn id="30" dur="1" fill="hold">
+                                          <p:stCondLst>
+                                            <p:cond delay="0"/>
+                                          </p:stCondLst>
+                                        </p:cTn>
+                                        <p:tgtEl>
+                                          <p:spTgt spid="4"/>
+                                        </p:tgtEl>
+                                        <p:attrNameLst>
+                                          <p:attrName>style.visibility</p:attrName>
+                                        </p:attrNameLst>
+                                      </p:cBhvr>
+                                      <p:to>
+                                        <p:strVal val="visible"/>
+                                      </p:to>
+                                    </p:set>
+                                  </p:childTnLst>
+                                </p:cTn>
+                              </p:par>
+                            </p:childTnLst>
+                          </p:cTn>
+                        </p:par>
+                      </p:childTnLst>
+                    </p:cTn>
+                  </p:par>
+                </p:childTnLst>
+              </p:cTn>
+              <p:prevCondLst>
+                <p:cond evt="onPrev" delay="0">
+                  <p:tgtEl>
+                    <p:sldTgt/>
+                  </p:tgtEl>
+                </p:cond>
+              </p:prevCondLst>
+              <p:nextCondLst>
+                <p:cond evt="onNext" delay="0">
+                  <p:tgtEl>
+                    <p:sldTgt/>
+                  </p:tgtEl>
+                </p:cond>
+              </p:nextCondLst>
+            </p:seq>
+          </p:childTnLst>
+        </p:cTn>
+      </p:par>
+    </p:tnLst>
+    <p:bldLst>
+      <p:bldP spid="4" grpId="0"/>
+    </p:bldLst>
+  </p:timing>
+</p:sld>
+</file>
+
 <file path=ppt/slides/slide5.xml><?xml version="1.0" encoding="utf-8"?>
+<p:sld xmlns:a="http://schemas.openxmlformats.org/drawingml/2006/main" xmlns:r="http://schemas.openxmlformats.org/officeDocument/2006/relationships" xmlns:p="http://schemas.openxmlformats.org/presentationml/2006/main">
+  <p:cSld>
+    <p:spTree>
+      <p:nvGrpSpPr>
+        <p:cNvPr id="1" name=""/>
+        <p:cNvGrpSpPr/>
+        <p:nvPr/>
+      </p:nvGrpSpPr>
+      <p:grpSpPr>
+        <a:xfrm>
+          <a:off x="0" y="0"/>
+          <a:ext cx="0" cy="0"/>
+          <a:chOff x="0" y="0"/>
+          <a:chExt cx="0" cy="0"/>
+        </a:xfrm>
+      </p:grpSpPr>
+      <p:sp>
+        <p:nvSpPr>
+          <p:cNvPr id="2" name="Title 1"/>
+          <p:cNvSpPr>
+            <a:spLocks noGrp="1"/>
+          </p:cNvSpPr>
+          <p:nvPr>
+            <p:ph type="title"/>
+          </p:nvPr>
+        </p:nvSpPr>
+        <p:spPr/>
+        <p:txBody>
+          <a:bodyPr/>
+          <a:lstStyle/>
+          <a:p>
+            <a:r>
+              <a:rPr lang="en-US" dirty="0" smtClean="0"/>
+              <a:t>Functional Language</a:t>
+            </a:r>
+            <a:endParaRPr lang="en-US" dirty="0"/>
+          </a:p>
+        </p:txBody>
+      </p:sp>
+      <p:sp>
+        <p:nvSpPr>
+          <p:cNvPr id="3" name="Content Placeholder 2"/>
+          <p:cNvSpPr>
+            <a:spLocks noGrp="1"/>
+          </p:cNvSpPr>
+          <p:nvPr>
+            <p:ph idx="1"/>
+          </p:nvPr>
+        </p:nvSpPr>
+        <p:spPr>
+          <a:xfrm>
+            <a:off x="838200" y="1825625"/>
+            <a:ext cx="10515600" cy="4790712"/>
+          </a:xfrm>
+        </p:spPr>
+        <p:txBody>
+          <a:bodyPr/>
+          <a:lstStyle/>
+          <a:p>
+            <a:r>
+              <a:rPr lang="en-US" dirty="0" smtClean="0"/>
+              <a:t>Can’t allocate an object until you have values for all fields</a:t>
+            </a:r>
+          </a:p>
+          <a:p>
+            <a:pPr lvl="1"/>
+            <a:r>
+              <a:rPr lang="en-US" dirty="0" err="1" smtClean="0"/>
+              <a:t>Nullable</a:t>
+            </a:r>
+            <a:r>
+              <a:rPr lang="en-US" dirty="0" smtClean="0"/>
+              <a:t> fields must be declared at compile time</a:t>
+            </a:r>
+          </a:p>
+          <a:p>
+            <a:pPr lvl="1"/>
+            <a:r>
+              <a:rPr lang="en-US" dirty="0" smtClean="0">
+                <a:solidFill>
+                  <a:srgbClr val="00B0F0"/>
+                </a:solidFill>
+              </a:rPr>
+              <a:t>Actually not </a:t>
+            </a:r>
+            <a:r>
+              <a:rPr lang="en-US" dirty="0" err="1" smtClean="0">
+                <a:solidFill>
+                  <a:srgbClr val="00B0F0"/>
+                </a:solidFill>
+              </a:rPr>
+              <a:t>nullable</a:t>
+            </a:r>
+            <a:endParaRPr lang="en-US" dirty="0" smtClean="0">
+              <a:solidFill>
+                <a:srgbClr val="00B0F0"/>
+              </a:solidFill>
+            </a:endParaRPr>
+          </a:p>
+          <a:p>
+            <a:pPr lvl="2"/>
+            <a:r>
+              <a:rPr lang="en-US" dirty="0" smtClean="0">
+                <a:solidFill>
+                  <a:srgbClr val="00B0F0"/>
+                </a:solidFill>
+              </a:rPr>
+              <a:t>Option types</a:t>
+            </a:r>
+          </a:p>
+          <a:p>
+            <a:pPr lvl="3"/>
+            <a:r>
+              <a:rPr lang="en-US" dirty="0" smtClean="0">
+                <a:solidFill>
+                  <a:srgbClr val="00B0F0"/>
+                </a:solidFill>
+              </a:rPr>
+              <a:t>Some</a:t>
+            </a:r>
+          </a:p>
+          <a:p>
+            <a:pPr lvl="3"/>
+            <a:r>
+              <a:rPr lang="en-US" dirty="0" smtClean="0">
+                <a:solidFill>
+                  <a:srgbClr val="00B0F0"/>
+                </a:solidFill>
+              </a:rPr>
+              <a:t>None</a:t>
+            </a:r>
+          </a:p>
+          <a:p>
+            <a:pPr lvl="2"/>
+            <a:r>
+              <a:rPr lang="en-US" dirty="0" smtClean="0">
+                <a:solidFill>
+                  <a:srgbClr val="FFFF00"/>
+                </a:solidFill>
+              </a:rPr>
+              <a:t>Compiler warning if you don’t check for None</a:t>
+            </a:r>
+          </a:p>
+          <a:p>
+            <a:r>
+              <a:rPr lang="en-US" dirty="0" smtClean="0"/>
+              <a:t>Realize at compile time:</a:t>
+            </a:r>
+          </a:p>
+          <a:p>
+            <a:pPr lvl="1"/>
+            <a:r>
+              <a:rPr lang="en-US" dirty="0" smtClean="0"/>
+              <a:t>It’s possible to be a manager with no direct reports</a:t>
+            </a:r>
+          </a:p>
+          <a:p>
+            <a:pPr lvl="1"/>
+            <a:r>
+              <a:rPr lang="en-US" dirty="0" smtClean="0"/>
+              <a:t>OR: add UI validation so it’s impossible to set </a:t>
+            </a:r>
+            <a:r>
+              <a:rPr lang="en-US" dirty="0" err="1" smtClean="0"/>
+              <a:t>IsManager</a:t>
+            </a:r>
+            <a:r>
+              <a:rPr lang="en-US" dirty="0" smtClean="0"/>
+              <a:t> = true without adding Direct Reports</a:t>
+            </a:r>
+          </a:p>
+          <a:p>
+            <a:pPr lvl="2"/>
+            <a:r>
+              <a:rPr lang="en-US" dirty="0" smtClean="0">
+                <a:solidFill>
+                  <a:srgbClr val="FF0000"/>
+                </a:solidFill>
+              </a:rPr>
+              <a:t>Probably doesn’t match real life requirements</a:t>
+            </a:r>
+            <a:endParaRPr lang="en-US" dirty="0">
+              <a:solidFill>
+                <a:srgbClr val="FF0000"/>
+              </a:solidFill>
+            </a:endParaRPr>
+          </a:p>
+        </p:txBody>
+      </p:sp>
+    </p:spTree>
+    <p:extLst>
+      <p:ext uri="{BB962C8B-B14F-4D97-AF65-F5344CB8AC3E}">
+        <p14:creationId xmlns:p14="http://schemas.microsoft.com/office/powerpoint/2010/main" val="854597836"/>
+      </p:ext>
+    </p:extLst>
+  </p:cSld>
+  <p:clrMapOvr>
+    <a:masterClrMapping/>
+  </p:clrMapOvr>
+  <p:timing>
+    <p:tnLst>
+      <p:par>
+        <p:cTn id="1" dur="indefinite" restart="never" nodeType="tmRoot">
+          <p:childTnLst>
+            <p:seq concurrent="1" nextAc="seek">
+              <p:cTn id="2" dur="indefinite" nodeType="mainSeq">
+                <p:childTnLst>
+                  <p:par>
+                    <p:cTn id="3" fill="hold">
+                      <p:stCondLst>
+                        <p:cond delay="indefinite"/>
+                      </p:stCondLst>
+                      <p:childTnLst>
+                        <p:par>
+                          <p:cTn id="4" fill="hold">
+                            <p:stCondLst>
+                              <p:cond delay="0"/>
+                            </p:stCondLst>
+                            <p:childTnLst>
+                              <p:par>
+                                <p:cTn id="5" presetID="1" presetClass="entr" presetSubtype="0" fill="hold" nodeType="clickEffect">
+                                  <p:stCondLst>
+                                    <p:cond delay="0"/>
+                                  </p:stCondLst>
+                                  <p:childTnLst>
+                                    <p:set>
+                                      <p:cBhvr>
+                                        <p:cTn id="6" dur="1" fill="hold">
+                                          <p:stCondLst>
+                                            <p:cond delay="0"/>
+                                          </p:stCondLst>
+                                        </p:cTn>
+                                        <p:tgtEl>
+                                          <p:spTgt spid="3">
+                                            <p:txEl>
+                                              <p:pRg st="2" end="2"/>
+                                            </p:txEl>
+                                          </p:spTgt>
+                                        </p:tgtEl>
+                                        <p:attrNameLst>
+                                          <p:attrName>style.visibility</p:attrName>
+                                        </p:attrNameLst>
+                                      </p:cBhvr>
+                                      <p:to>
+                                        <p:strVal val="visible"/>
+                                      </p:to>
+                                    </p:set>
+                                  </p:childTnLst>
+                                </p:cTn>
+                              </p:par>
+                              <p:par>
+                                <p:cTn id="7" presetID="1" presetClass="entr" presetSubtype="0" fill="hold" nodeType="withEffect">
+                                  <p:stCondLst>
+                                    <p:cond delay="0"/>
+                                  </p:stCondLst>
+                                  <p:childTnLst>
+                                    <p:set>
+                                      <p:cBhvr>
+                                        <p:cTn id="8" dur="1" fill="hold">
+                                          <p:stCondLst>
+                                            <p:cond delay="0"/>
+                                          </p:stCondLst>
+                                        </p:cTn>
+                                        <p:tgtEl>
+                                          <p:spTgt spid="3">
+                                            <p:txEl>
+                                              <p:pRg st="3" end="3"/>
+                                            </p:txEl>
+                                          </p:spTgt>
+                                        </p:tgtEl>
+                                        <p:attrNameLst>
+                                          <p:attrName>style.visibility</p:attrName>
+                                        </p:attrNameLst>
+                                      </p:cBhvr>
+                                      <p:to>
+                                        <p:strVal val="visible"/>
+                                      </p:to>
+                                    </p:set>
+                                  </p:childTnLst>
+                                </p:cTn>
+                              </p:par>
+                              <p:par>
+                                <p:cTn id="9" presetID="1" presetClass="entr" presetSubtype="0" fill="hold" nodeType="withEffect">
+                                  <p:stCondLst>
+                                    <p:cond delay="0"/>
+                                  </p:stCondLst>
+                                  <p:childTnLst>
+                                    <p:set>
+                                      <p:cBhvr>
+                                        <p:cTn id="10" dur="1" fill="hold">
+                                          <p:stCondLst>
+                                            <p:cond delay="0"/>
+                                          </p:stCondLst>
+                                        </p:cTn>
+                                        <p:tgtEl>
+                                          <p:spTgt spid="3">
+                                            <p:txEl>
+                                              <p:pRg st="4" end="4"/>
+                                            </p:txEl>
+                                          </p:spTgt>
+                                        </p:tgtEl>
+                                        <p:attrNameLst>
+                                          <p:attrName>style.visibility</p:attrName>
+                                        </p:attrNameLst>
+                                      </p:cBhvr>
+                                      <p:to>
+                                        <p:strVal val="visible"/>
+                                      </p:to>
+                                    </p:set>
+                                  </p:childTnLst>
+                                </p:cTn>
+                              </p:par>
+                              <p:par>
+                                <p:cTn id="11" presetID="1" presetClass="entr" presetSubtype="0" fill="hold" nodeType="withEffect">
+                                  <p:stCondLst>
+                                    <p:cond delay="0"/>
+                                  </p:stCondLst>
+                                  <p:childTnLst>
+                                    <p:set>
+                                      <p:cBhvr>
+                                        <p:cTn id="12" dur="1" fill="hold">
+                                          <p:stCondLst>
+                                            <p:cond delay="0"/>
+                                          </p:stCondLst>
+                                        </p:cTn>
+                                        <p:tgtEl>
+                                          <p:spTgt spid="3">
+                                            <p:txEl>
+                                              <p:pRg st="5" end="5"/>
+                                            </p:txEl>
+                                          </p:spTgt>
+                                        </p:tgtEl>
+                                        <p:attrNameLst>
+                                          <p:attrName>style.visibility</p:attrName>
+                                        </p:attrNameLst>
+                                      </p:cBhvr>
+                                      <p:to>
+                                        <p:strVal val="visible"/>
+                                      </p:to>
+                                    </p:set>
+                                  </p:childTnLst>
+                                </p:cTn>
+                              </p:par>
+                              <p:par>
+                                <p:cTn id="13" presetID="1" presetClass="entr" presetSubtype="0" fill="hold" nodeType="withEffect">
+                                  <p:stCondLst>
+                                    <p:cond delay="0"/>
+                                  </p:stCondLst>
+                                  <p:childTnLst>
+                                    <p:set>
+                                      <p:cBhvr>
+                                        <p:cTn id="14" dur="1" fill="hold">
+                                          <p:stCondLst>
+                                            <p:cond delay="0"/>
+                                          </p:stCondLst>
+                                        </p:cTn>
+                                        <p:tgtEl>
+                                          <p:spTgt spid="3">
+                                            <p:txEl>
+                                              <p:pRg st="6" end="6"/>
+                                            </p:txEl>
+                                          </p:spTgt>
+                                        </p:tgtEl>
+                                        <p:attrNameLst>
+                                          <p:attrName>style.visibility</p:attrName>
+                                        </p:attrNameLst>
+                                      </p:cBhvr>
+                                      <p:to>
+                                        <p:strVal val="visible"/>
+                                      </p:to>
+                                    </p:set>
+                                  </p:childTnLst>
+                                </p:cTn>
+                              </p:par>
+                            </p:childTnLst>
+                          </p:cTn>
+                        </p:par>
+                      </p:childTnLst>
+                    </p:cTn>
+                  </p:par>
+                  <p:par>
+                    <p:cTn id="15" fill="hold">
+                      <p:stCondLst>
+                        <p:cond delay="indefinite"/>
+                      </p:stCondLst>
+                      <p:childTnLst>
+                        <p:par>
+                          <p:cTn id="16" fill="hold">
+                            <p:stCondLst>
+                              <p:cond delay="0"/>
+                            </p:stCondLst>
+                            <p:childTnLst>
+                              <p:par>
+                                <p:cTn id="17" presetID="1" presetClass="entr" presetSubtype="0" fill="hold" nodeType="clickEffect">
+                                  <p:stCondLst>
+                                    <p:cond delay="0"/>
+                                  </p:stCondLst>
+                                  <p:childTnLst>
+                                    <p:set>
+                                      <p:cBhvr>
+                                        <p:cTn id="18" dur="1" fill="hold">
+                                          <p:stCondLst>
+                                            <p:cond delay="0"/>
+                                          </p:stCondLst>
+                                        </p:cTn>
+                                        <p:tgtEl>
+                                          <p:spTgt spid="3">
+                                            <p:txEl>
+                                              <p:pRg st="7" end="7"/>
+                                            </p:txEl>
+                                          </p:spTgt>
+                                        </p:tgtEl>
+                                        <p:attrNameLst>
+                                          <p:attrName>style.visibility</p:attrName>
+                                        </p:attrNameLst>
+                                      </p:cBhvr>
+                                      <p:to>
+                                        <p:strVal val="visible"/>
+                                      </p:to>
+                                    </p:set>
+                                  </p:childTnLst>
+                                </p:cTn>
+                              </p:par>
+                              <p:par>
+                                <p:cTn id="19" presetID="1" presetClass="entr" presetSubtype="0" fill="hold" nodeType="withEffect">
+                                  <p:stCondLst>
+                                    <p:cond delay="0"/>
+                                  </p:stCondLst>
+                                  <p:childTnLst>
+                                    <p:set>
+                                      <p:cBhvr>
+                                        <p:cTn id="20" dur="1" fill="hold">
+                                          <p:stCondLst>
+                                            <p:cond delay="0"/>
+                                          </p:stCondLst>
+                                        </p:cTn>
+                                        <p:tgtEl>
+                                          <p:spTgt spid="3">
+                                            <p:txEl>
+                                              <p:pRg st="8" end="8"/>
+                                            </p:txEl>
+                                          </p:spTgt>
+                                        </p:tgtEl>
+                                        <p:attrNameLst>
+                                          <p:attrName>style.visibility</p:attrName>
+                                        </p:attrNameLst>
+                                      </p:cBhvr>
+                                      <p:to>
+                                        <p:strVal val="visible"/>
+                                      </p:to>
+                                    </p:set>
+                                  </p:childTnLst>
+                                </p:cTn>
+                              </p:par>
+                            </p:childTnLst>
+                          </p:cTn>
+                        </p:par>
+                      </p:childTnLst>
+                    </p:cTn>
+                  </p:par>
+                  <p:par>
+                    <p:cTn id="21" fill="hold">
+                      <p:stCondLst>
+                        <p:cond delay="indefinite"/>
+                      </p:stCondLst>
+                      <p:childTnLst>
+                        <p:par>
+                          <p:cTn id="22" fill="hold">
+                            <p:stCondLst>
+                              <p:cond delay="0"/>
+                            </p:stCondLst>
+                            <p:childTnLst>
+                              <p:par>
+                                <p:cTn id="23" presetID="1" presetClass="entr" presetSubtype="0" fill="hold" nodeType="clickEffect">
+                                  <p:stCondLst>
+                                    <p:cond delay="0"/>
+                                  </p:stCondLst>
+                                  <p:childTnLst>
+                                    <p:set>
+                                      <p:cBhvr>
+                                        <p:cTn id="24" dur="1" fill="hold">
+                                          <p:stCondLst>
+                                            <p:cond delay="0"/>
+                                          </p:stCondLst>
+                                        </p:cTn>
+                                        <p:tgtEl>
+                                          <p:spTgt spid="3">
+                                            <p:txEl>
+                                              <p:pRg st="9" end="9"/>
+                                            </p:txEl>
+                                          </p:spTgt>
+                                        </p:tgtEl>
+                                        <p:attrNameLst>
+                                          <p:attrName>style.visibility</p:attrName>
+                                        </p:attrNameLst>
+                                      </p:cBhvr>
+                                      <p:to>
+                                        <p:strVal val="visible"/>
+                                      </p:to>
+                                    </p:set>
+                                  </p:childTnLst>
+                                </p:cTn>
+                              </p:par>
+                              <p:par>
+                                <p:cTn id="25" presetID="1" presetClass="entr" presetSubtype="0" fill="hold" nodeType="withEffect">
+                                  <p:stCondLst>
+                                    <p:cond delay="0"/>
+                                  </p:stCondLst>
+                                  <p:childTnLst>
+                                    <p:set>
+                                      <p:cBhvr>
+                                        <p:cTn id="26" dur="1" fill="hold">
+                                          <p:stCondLst>
+                                            <p:cond delay="0"/>
+                                          </p:stCondLst>
+                                        </p:cTn>
+                                        <p:tgtEl>
+                                          <p:spTgt spid="3">
+                                            <p:txEl>
+                                              <p:pRg st="10" end="10"/>
+                                            </p:txEl>
+                                          </p:spTgt>
+                                        </p:tgtEl>
+                                        <p:attrNameLst>
+                                          <p:attrName>style.visibility</p:attrName>
+                                        </p:attrNameLst>
+                                      </p:cBhvr>
+                                      <p:to>
+                                        <p:strVal val="visible"/>
+                                      </p:to>
+                                    </p:set>
+                                  </p:childTnLst>
+                                </p:cTn>
+                              </p:par>
+                            </p:childTnLst>
+                          </p:cTn>
+                        </p:par>
+                      </p:childTnLst>
+                    </p:cTn>
+                  </p:par>
+                </p:childTnLst>
+              </p:cTn>
+              <p:prevCondLst>
+                <p:cond evt="onPrev" delay="0">
+                  <p:tgtEl>
+                    <p:sldTgt/>
+                  </p:tgtEl>
+                </p:cond>
+              </p:prevCondLst>
+              <p:nextCondLst>
+                <p:cond evt="onNext" delay="0">
+                  <p:tgtEl>
+                    <p:sldTgt/>
+                  </p:tgtEl>
+                </p:cond>
+              </p:nextCondLst>
+            </p:seq>
+          </p:childTnLst>
+        </p:cTn>
+      </p:par>
+    </p:tnLst>
+  </p:timing>
+</p:sld>
+</file>
+
+<file path=ppt/slides/slide6.xml><?xml version="1.0" encoding="utf-8"?>
+<p:sld xmlns:a="http://schemas.openxmlformats.org/drawingml/2006/main" xmlns:r="http://schemas.openxmlformats.org/officeDocument/2006/relationships" xmlns:p="http://schemas.openxmlformats.org/presentationml/2006/main">
+  <p:cSld>
+    <p:spTree>
+      <p:nvGrpSpPr>
+        <p:cNvPr id="1" name=""/>
+        <p:cNvGrpSpPr/>
+        <p:nvPr/>
+      </p:nvGrpSpPr>
+      <p:grpSpPr>
+        <a:xfrm>
+          <a:off x="0" y="0"/>
+          <a:ext cx="0" cy="0"/>
+          <a:chOff x="0" y="0"/>
+          <a:chExt cx="0" cy="0"/>
+        </a:xfrm>
+      </p:grpSpPr>
+      <p:sp>
+        <p:nvSpPr>
+          <p:cNvPr id="2" name="Title 1"/>
+          <p:cNvSpPr>
+            <a:spLocks noGrp="1"/>
+          </p:cNvSpPr>
+          <p:nvPr>
+            <p:ph type="title"/>
+          </p:nvPr>
+        </p:nvSpPr>
+        <p:spPr/>
+        <p:txBody>
+          <a:bodyPr/>
+          <a:lstStyle/>
+          <a:p>
+            <a:r>
+              <a:rPr lang="en-US" dirty="0" smtClean="0"/>
+              <a:t>Type Systems</a:t>
+            </a:r>
+            <a:endParaRPr lang="en-US" dirty="0"/>
+          </a:p>
+        </p:txBody>
+      </p:sp>
+      <p:sp>
+        <p:nvSpPr>
+          <p:cNvPr id="3" name="Content Placeholder 2"/>
+          <p:cNvSpPr>
+            <a:spLocks noGrp="1"/>
+          </p:cNvSpPr>
+          <p:nvPr>
+            <p:ph idx="1"/>
+          </p:nvPr>
+        </p:nvSpPr>
+        <p:spPr>
+          <a:xfrm>
+            <a:off x="838200" y="1825625"/>
+            <a:ext cx="10515600" cy="4908278"/>
+          </a:xfrm>
+        </p:spPr>
+        <p:txBody>
+          <a:bodyPr/>
+          <a:lstStyle/>
+          <a:p>
+            <a:r>
+              <a:rPr lang="en-US" dirty="0" smtClean="0"/>
+              <a:t>Both Paradigms:</a:t>
+            </a:r>
+          </a:p>
+          <a:p>
+            <a:r>
+              <a:rPr lang="en-US" dirty="0" smtClean="0"/>
+              <a:t>Hierarchical types</a:t>
+            </a:r>
+          </a:p>
+          <a:p>
+            <a:pPr lvl="1"/>
+            <a:r>
+              <a:rPr lang="en-US" dirty="0" smtClean="0"/>
+              <a:t>base class: Employee</a:t>
+            </a:r>
+          </a:p>
+          <a:p>
+            <a:pPr lvl="1"/>
+            <a:r>
+              <a:rPr lang="en-US" dirty="0" smtClean="0"/>
+              <a:t>derived class: Manager</a:t>
+            </a:r>
+          </a:p>
+          <a:p>
+            <a:pPr lvl="2"/>
+            <a:r>
+              <a:rPr lang="en-US" dirty="0" smtClean="0"/>
+              <a:t>Only Manager has </a:t>
+            </a:r>
+            <a:r>
+              <a:rPr lang="en-US" dirty="0" err="1" smtClean="0"/>
+              <a:t>DirectReports</a:t>
+            </a:r>
+            <a:r>
+              <a:rPr lang="en-US" dirty="0" smtClean="0"/>
+              <a:t> property</a:t>
+            </a:r>
+          </a:p>
+          <a:p>
+            <a:pPr lvl="2"/>
+            <a:r>
+              <a:rPr lang="en-US" dirty="0" smtClean="0">
+                <a:solidFill>
+                  <a:srgbClr val="FF0000"/>
+                </a:solidFill>
+              </a:rPr>
+              <a:t>Property can still be null</a:t>
+            </a:r>
+          </a:p>
+          <a:p>
+            <a:endParaRPr lang="en-US" dirty="0"/>
+          </a:p>
+          <a:p>
+            <a:r>
+              <a:rPr lang="en-US" dirty="0" smtClean="0"/>
+              <a:t>Flat types</a:t>
+            </a:r>
+          </a:p>
+          <a:p>
+            <a:pPr lvl="1"/>
+            <a:r>
+              <a:rPr lang="en-US" dirty="0" smtClean="0"/>
+              <a:t>Match DB model better</a:t>
+            </a:r>
+          </a:p>
+          <a:p>
+            <a:pPr lvl="2"/>
+            <a:r>
+              <a:rPr lang="en-US" dirty="0" smtClean="0"/>
+              <a:t>Relational</a:t>
+            </a:r>
+          </a:p>
+          <a:p>
+            <a:pPr lvl="2"/>
+            <a:r>
+              <a:rPr lang="en-US" dirty="0" smtClean="0"/>
+              <a:t>Document</a:t>
+            </a:r>
+            <a:endParaRPr lang="en-US" dirty="0"/>
+          </a:p>
+        </p:txBody>
+      </p:sp>
+    </p:spTree>
+    <p:extLst>
+      <p:ext uri="{BB962C8B-B14F-4D97-AF65-F5344CB8AC3E}">
+        <p14:creationId xmlns:p14="http://schemas.microsoft.com/office/powerpoint/2010/main" val="1152506816"/>
+      </p:ext>
+    </p:extLst>
+  </p:cSld>
+  <p:clrMapOvr>
+    <a:masterClrMapping/>
+  </p:clrMapOvr>
+  <p:timing>
+    <p:tnLst>
+      <p:par>
+        <p:cTn id="1" dur="indefinite" restart="never" nodeType="tmRoot">
+          <p:childTnLst>
+            <p:seq concurrent="1" nextAc="seek">
+              <p:cTn id="2" dur="indefinite" nodeType="mainSeq">
+                <p:childTnLst>
+                  <p:par>
+                    <p:cTn id="3" fill="hold">
+                      <p:stCondLst>
+                        <p:cond delay="indefinite"/>
+                      </p:stCondLst>
+                      <p:childTnLst>
+                        <p:par>
+                          <p:cTn id="4" fill="hold">
+                            <p:stCondLst>
+                              <p:cond delay="0"/>
+                            </p:stCondLst>
+                            <p:childTnLst>
+                              <p:par>
+                                <p:cTn id="5" presetID="1" presetClass="entr" presetSubtype="0" fill="hold" nodeType="clickEffect">
+                                  <p:stCondLst>
+                                    <p:cond delay="0"/>
+                                  </p:stCondLst>
+                                  <p:childTnLst>
+                                    <p:set>
+                                      <p:cBhvr>
+                                        <p:cTn id="6" dur="1" fill="hold">
+                                          <p:stCondLst>
+                                            <p:cond delay="0"/>
+                                          </p:stCondLst>
+                                        </p:cTn>
+                                        <p:tgtEl>
+                                          <p:spTgt spid="3">
+                                            <p:txEl>
+                                              <p:pRg st="5" end="5"/>
+                                            </p:txEl>
+                                          </p:spTgt>
+                                        </p:tgtEl>
+                                        <p:attrNameLst>
+                                          <p:attrName>style.visibility</p:attrName>
+                                        </p:attrNameLst>
+                                      </p:cBhvr>
+                                      <p:to>
+                                        <p:strVal val="visible"/>
+                                      </p:to>
+                                    </p:set>
+                                  </p:childTnLst>
+                                </p:cTn>
+                              </p:par>
+                            </p:childTnLst>
+                          </p:cTn>
+                        </p:par>
+                      </p:childTnLst>
+                    </p:cTn>
+                  </p:par>
+                  <p:par>
+                    <p:cTn id="7" fill="hold">
+                      <p:stCondLst>
+                        <p:cond delay="indefinite"/>
+                      </p:stCondLst>
+                      <p:childTnLst>
+                        <p:par>
+                          <p:cTn id="8" fill="hold">
+                            <p:stCondLst>
+                              <p:cond delay="0"/>
+                            </p:stCondLst>
+                            <p:childTnLst>
+                              <p:par>
+                                <p:cTn id="9" presetID="1" presetClass="entr" presetSubtype="0" fill="hold" nodeType="clickEffect">
+                                  <p:stCondLst>
+                                    <p:cond delay="0"/>
+                                  </p:stCondLst>
+                                  <p:childTnLst>
+                                    <p:set>
+                                      <p:cBhvr>
+                                        <p:cTn id="10" dur="1" fill="hold">
+                                          <p:stCondLst>
+                                            <p:cond delay="0"/>
+                                          </p:stCondLst>
+                                        </p:cTn>
+                                        <p:tgtEl>
+                                          <p:spTgt spid="3">
+                                            <p:txEl>
+                                              <p:pRg st="7" end="7"/>
+                                            </p:txEl>
+                                          </p:spTgt>
+                                        </p:tgtEl>
+                                        <p:attrNameLst>
+                                          <p:attrName>style.visibility</p:attrName>
+                                        </p:attrNameLst>
+                                      </p:cBhvr>
+                                      <p:to>
+                                        <p:strVal val="visible"/>
+                                      </p:to>
+                                    </p:set>
+                                  </p:childTnLst>
+                                </p:cTn>
+                              </p:par>
+                              <p:par>
+                                <p:cTn id="11" presetID="1" presetClass="entr" presetSubtype="0" fill="hold" nodeType="withEffect">
+                                  <p:stCondLst>
+                                    <p:cond delay="0"/>
+                                  </p:stCondLst>
+                                  <p:childTnLst>
+                                    <p:set>
+                                      <p:cBhvr>
+                                        <p:cTn id="12" dur="1" fill="hold">
+                                          <p:stCondLst>
+                                            <p:cond delay="0"/>
+                                          </p:stCondLst>
+                                        </p:cTn>
+                                        <p:tgtEl>
+                                          <p:spTgt spid="3">
+                                            <p:txEl>
+                                              <p:pRg st="8" end="8"/>
+                                            </p:txEl>
+                                          </p:spTgt>
+                                        </p:tgtEl>
+                                        <p:attrNameLst>
+                                          <p:attrName>style.visibility</p:attrName>
+                                        </p:attrNameLst>
+                                      </p:cBhvr>
+                                      <p:to>
+                                        <p:strVal val="visible"/>
+                                      </p:to>
+                                    </p:set>
+                                  </p:childTnLst>
+                                </p:cTn>
+                              </p:par>
+                              <p:par>
+                                <p:cTn id="13" presetID="1" presetClass="entr" presetSubtype="0" fill="hold" nodeType="withEffect">
+                                  <p:stCondLst>
+                                    <p:cond delay="0"/>
+                                  </p:stCondLst>
+                                  <p:childTnLst>
+                                    <p:set>
+                                      <p:cBhvr>
+                                        <p:cTn id="14" dur="1" fill="hold">
+                                          <p:stCondLst>
+                                            <p:cond delay="0"/>
+                                          </p:stCondLst>
+                                        </p:cTn>
+                                        <p:tgtEl>
+                                          <p:spTgt spid="3">
+                                            <p:txEl>
+                                              <p:pRg st="9" end="9"/>
+                                            </p:txEl>
+                                          </p:spTgt>
+                                        </p:tgtEl>
+                                        <p:attrNameLst>
+                                          <p:attrName>style.visibility</p:attrName>
+                                        </p:attrNameLst>
+                                      </p:cBhvr>
+                                      <p:to>
+                                        <p:strVal val="visible"/>
+                                      </p:to>
+                                    </p:set>
+                                  </p:childTnLst>
+                                </p:cTn>
+                              </p:par>
+                              <p:par>
+                                <p:cTn id="15" presetID="1" presetClass="entr" presetSubtype="0" fill="hold" nodeType="withEffect">
+                                  <p:stCondLst>
+                                    <p:cond delay="0"/>
+                                  </p:stCondLst>
+                                  <p:childTnLst>
+                                    <p:set>
+                                      <p:cBhvr>
+                                        <p:cTn id="16" dur="1" fill="hold">
+                                          <p:stCondLst>
+                                            <p:cond delay="0"/>
+                                          </p:stCondLst>
+                                        </p:cTn>
+                                        <p:tgtEl>
+                                          <p:spTgt spid="3">
+                                            <p:txEl>
+                                              <p:pRg st="10" end="10"/>
+                                            </p:txEl>
+                                          </p:spTgt>
+                                        </p:tgtEl>
+                                        <p:attrNameLst>
+                                          <p:attrName>style.visibility</p:attrName>
+                                        </p:attrNameLst>
+                                      </p:cBhvr>
+                                      <p:to>
+                                        <p:strVal val="visible"/>
+                                      </p:to>
+                                    </p:set>
+                                  </p:childTnLst>
+                                </p:cTn>
+                              </p:par>
+                            </p:childTnLst>
+                          </p:cTn>
+                        </p:par>
+                      </p:childTnLst>
+                    </p:cTn>
+                  </p:par>
+                </p:childTnLst>
+              </p:cTn>
+              <p:prevCondLst>
+                <p:cond evt="onPrev" delay="0">
+                  <p:tgtEl>
+                    <p:sldTgt/>
+                  </p:tgtEl>
+                </p:cond>
+              </p:prevCondLst>
+              <p:nextCondLst>
+                <p:cond evt="onNext" delay="0">
+                  <p:tgtEl>
+                    <p:sldTgt/>
+                  </p:tgtEl>
+                </p:cond>
+              </p:nextCondLst>
+            </p:seq>
+          </p:childTnLst>
+        </p:cTn>
+      </p:par>
+    </p:tnLst>
+  </p:timing>
+</p:sld>
+</file>
+
+<file path=ppt/slides/slide7.xml><?xml version="1.0" encoding="utf-8"?>
 <p:sld xmlns:a="http://schemas.openxmlformats.org/drawingml/2006/main" xmlns:r="http://schemas.openxmlformats.org/officeDocument/2006/relationships" xmlns:p="http://schemas.openxmlformats.org/presentationml/2006/main">
   <p:cSld>
     <p:spTree>
@@ -6333,7 +9407,7 @@
 </p:sld>
 </file>
 
-<file path=ppt/slides/slide6.xml><?xml version="1.0" encoding="utf-8"?>
+<file path=ppt/slides/slide8.xml><?xml version="1.0" encoding="utf-8"?>
 <p:sld xmlns:a="http://schemas.openxmlformats.org/drawingml/2006/main" xmlns:r="http://schemas.openxmlformats.org/officeDocument/2006/relationships" xmlns:p="http://schemas.openxmlformats.org/presentationml/2006/main">
   <p:cSld>
     <p:spTree>
@@ -6732,11 +9806,7 @@
             <a:pPr lvl="1"/>
             <a:r>
               <a:rPr lang="en-US" dirty="0" smtClean="0"/>
-              <a:t>Return delta and update list in side effect </a:t>
-            </a:r>
-            <a:r>
-              <a:rPr lang="en-US" dirty="0" smtClean="0"/>
-              <a:t>layer</a:t>
+              <a:t>Return delta and update list in side effect layer</a:t>
             </a:r>
           </a:p>
           <a:p>
@@ -7324,785 +10394,6 @@
 </p:sld>
 </file>
 
-<file path=ppt/slides/slide7.xml><?xml version="1.0" encoding="utf-8"?>
-<p:sld xmlns:a="http://schemas.openxmlformats.org/drawingml/2006/main" xmlns:r="http://schemas.openxmlformats.org/officeDocument/2006/relationships" xmlns:p="http://schemas.openxmlformats.org/presentationml/2006/main">
-  <p:cSld>
-    <p:spTree>
-      <p:nvGrpSpPr>
-        <p:cNvPr id="1" name=""/>
-        <p:cNvGrpSpPr/>
-        <p:nvPr/>
-      </p:nvGrpSpPr>
-      <p:grpSpPr>
-        <a:xfrm>
-          <a:off x="0" y="0"/>
-          <a:ext cx="0" cy="0"/>
-          <a:chOff x="0" y="0"/>
-          <a:chExt cx="0" cy="0"/>
-        </a:xfrm>
-      </p:grpSpPr>
-      <p:sp>
-        <p:nvSpPr>
-          <p:cNvPr id="2" name="Title 1"/>
-          <p:cNvSpPr>
-            <a:spLocks noGrp="1"/>
-          </p:cNvSpPr>
-          <p:nvPr>
-            <p:ph type="title"/>
-          </p:nvPr>
-        </p:nvSpPr>
-        <p:spPr/>
-        <p:txBody>
-          <a:bodyPr/>
-          <a:lstStyle/>
-          <a:p>
-            <a:r>
-              <a:rPr lang="en-US" dirty="0" smtClean="0"/>
-              <a:t>Would you rather?</a:t>
-            </a:r>
-            <a:endParaRPr lang="en-US" dirty="0"/>
-          </a:p>
-        </p:txBody>
-      </p:sp>
-      <p:sp>
-        <p:nvSpPr>
-          <p:cNvPr id="3" name="Content Placeholder 2"/>
-          <p:cNvSpPr>
-            <a:spLocks noGrp="1"/>
-          </p:cNvSpPr>
-          <p:nvPr>
-            <p:ph idx="1"/>
-          </p:nvPr>
-        </p:nvSpPr>
-        <p:spPr/>
-        <p:txBody>
-          <a:bodyPr/>
-          <a:lstStyle/>
-          <a:p>
-            <a:r>
-              <a:rPr lang="en-US" dirty="0" smtClean="0">
-                <a:solidFill>
-                  <a:srgbClr val="FF0000"/>
-                </a:solidFill>
-              </a:rPr>
-              <a:t>Fix a bug in prod?</a:t>
-            </a:r>
-          </a:p>
-          <a:p>
-            <a:endParaRPr lang="en-US" dirty="0"/>
-          </a:p>
-          <a:p>
-            <a:r>
-              <a:rPr lang="en-US" dirty="0" smtClean="0">
-                <a:solidFill>
-                  <a:schemeClr val="accent4">
-                    <a:lumMod val="60000"/>
-                    <a:lumOff val="40000"/>
-                  </a:schemeClr>
-                </a:solidFill>
-              </a:rPr>
-              <a:t>Fix a performance issue in prod?</a:t>
-            </a:r>
-          </a:p>
-          <a:p>
-            <a:pPr lvl="1"/>
-            <a:r>
-              <a:rPr lang="en-US" dirty="0" smtClean="0"/>
-              <a:t>Load test before prod</a:t>
-            </a:r>
-          </a:p>
-          <a:p>
-            <a:pPr lvl="1"/>
-            <a:r>
-              <a:rPr lang="en-US" dirty="0" smtClean="0">
-                <a:solidFill>
-                  <a:schemeClr val="accent1">
-                    <a:lumMod val="60000"/>
-                    <a:lumOff val="40000"/>
-                  </a:schemeClr>
-                </a:solidFill>
-              </a:rPr>
-              <a:t>Throughput</a:t>
-            </a:r>
-            <a:r>
-              <a:rPr lang="en-US" dirty="0" smtClean="0"/>
-              <a:t> &lt;&gt; </a:t>
-            </a:r>
-            <a:r>
-              <a:rPr lang="en-US" dirty="0" smtClean="0">
-                <a:solidFill>
-                  <a:schemeClr val="accent5">
-                    <a:lumMod val="60000"/>
-                    <a:lumOff val="40000"/>
-                  </a:schemeClr>
-                </a:solidFill>
-              </a:rPr>
-              <a:t>performance</a:t>
-            </a:r>
-          </a:p>
-          <a:p>
-            <a:pPr lvl="2"/>
-            <a:r>
-              <a:rPr lang="en-US" dirty="0" smtClean="0"/>
-              <a:t>Parallel processing</a:t>
-            </a:r>
-          </a:p>
-          <a:p>
-            <a:pPr lvl="2"/>
-            <a:endParaRPr lang="en-US" dirty="0"/>
-          </a:p>
-          <a:p>
-            <a:pPr lvl="1"/>
-            <a:r>
-              <a:rPr lang="en-US" dirty="0" smtClean="0">
-                <a:solidFill>
-                  <a:schemeClr val="accent1">
-                    <a:lumMod val="60000"/>
-                    <a:lumOff val="40000"/>
-                  </a:schemeClr>
-                </a:solidFill>
-              </a:rPr>
-              <a:t>How many records per second </a:t>
-            </a:r>
-            <a:r>
-              <a:rPr lang="en-US" dirty="0" smtClean="0"/>
-              <a:t>&lt;&gt; </a:t>
-            </a:r>
-            <a:r>
-              <a:rPr lang="en-US" dirty="0" smtClean="0">
-                <a:solidFill>
-                  <a:schemeClr val="accent5">
-                    <a:lumMod val="60000"/>
-                    <a:lumOff val="40000"/>
-                  </a:schemeClr>
-                </a:solidFill>
-              </a:rPr>
-              <a:t>how many seconds for an individual record</a:t>
-            </a:r>
-            <a:endParaRPr lang="en-US" dirty="0">
-              <a:solidFill>
-                <a:schemeClr val="accent5">
-                  <a:lumMod val="60000"/>
-                  <a:lumOff val="40000"/>
-                </a:schemeClr>
-              </a:solidFill>
-            </a:endParaRPr>
-          </a:p>
-        </p:txBody>
-      </p:sp>
-    </p:spTree>
-    <p:extLst>
-      <p:ext uri="{BB962C8B-B14F-4D97-AF65-F5344CB8AC3E}">
-        <p14:creationId xmlns:p14="http://schemas.microsoft.com/office/powerpoint/2010/main" val="2335820934"/>
-      </p:ext>
-    </p:extLst>
-  </p:cSld>
-  <p:clrMapOvr>
-    <a:masterClrMapping/>
-  </p:clrMapOvr>
-  <p:timing>
-    <p:tnLst>
-      <p:par>
-        <p:cTn id="1" dur="indefinite" restart="never" nodeType="tmRoot"/>
-      </p:par>
-    </p:tnLst>
-  </p:timing>
-</p:sld>
-</file>
-
-<file path=ppt/slides/slide8.xml><?xml version="1.0" encoding="utf-8"?>
-<p:sld xmlns:a="http://schemas.openxmlformats.org/drawingml/2006/main" xmlns:r="http://schemas.openxmlformats.org/officeDocument/2006/relationships" xmlns:p="http://schemas.openxmlformats.org/presentationml/2006/main">
-  <p:cSld>
-    <p:spTree>
-      <p:nvGrpSpPr>
-        <p:cNvPr id="1" name=""/>
-        <p:cNvGrpSpPr/>
-        <p:nvPr/>
-      </p:nvGrpSpPr>
-      <p:grpSpPr>
-        <a:xfrm>
-          <a:off x="0" y="0"/>
-          <a:ext cx="0" cy="0"/>
-          <a:chOff x="0" y="0"/>
-          <a:chExt cx="0" cy="0"/>
-        </a:xfrm>
-      </p:grpSpPr>
-      <p:sp>
-        <p:nvSpPr>
-          <p:cNvPr id="2" name="Title 1"/>
-          <p:cNvSpPr>
-            <a:spLocks noGrp="1"/>
-          </p:cNvSpPr>
-          <p:nvPr>
-            <p:ph type="title"/>
-          </p:nvPr>
-        </p:nvSpPr>
-        <p:spPr/>
-        <p:txBody>
-          <a:bodyPr/>
-          <a:lstStyle/>
-          <a:p>
-            <a:r>
-              <a:rPr lang="en-US" dirty="0" smtClean="0"/>
-              <a:t>Results</a:t>
-            </a:r>
-            <a:endParaRPr lang="en-US" dirty="0"/>
-          </a:p>
-        </p:txBody>
-      </p:sp>
-      <p:pic>
-        <p:nvPicPr>
-          <p:cNvPr id="4" name="Picture 3"/>
-          <p:cNvPicPr>
-            <a:picLocks noChangeAspect="1"/>
-          </p:cNvPicPr>
-          <p:nvPr/>
-        </p:nvPicPr>
-        <p:blipFill>
-          <a:blip r:embed="rId2"/>
-          <a:stretch>
-            <a:fillRect/>
-          </a:stretch>
-        </p:blipFill>
-        <p:spPr>
-          <a:xfrm>
-            <a:off x="3178189" y="2996493"/>
-            <a:ext cx="7849381" cy="2130679"/>
-          </a:xfrm>
-          <a:prstGeom prst="rect">
-            <a:avLst/>
-          </a:prstGeom>
-        </p:spPr>
-      </p:pic>
-      <p:pic>
-        <p:nvPicPr>
-          <p:cNvPr id="6" name="Picture 5"/>
-          <p:cNvPicPr>
-            <a:picLocks noChangeAspect="1"/>
-          </p:cNvPicPr>
-          <p:nvPr/>
-        </p:nvPicPr>
-        <p:blipFill>
-          <a:blip r:embed="rId3"/>
-          <a:stretch>
-            <a:fillRect/>
-          </a:stretch>
-        </p:blipFill>
-        <p:spPr>
-          <a:xfrm>
-            <a:off x="3178189" y="3839933"/>
-            <a:ext cx="7170159" cy="1731376"/>
-          </a:xfrm>
-          <a:prstGeom prst="rect">
-            <a:avLst/>
-          </a:prstGeom>
-        </p:spPr>
-      </p:pic>
-      <p:pic>
-        <p:nvPicPr>
-          <p:cNvPr id="7" name="Picture 6"/>
-          <p:cNvPicPr>
-            <a:picLocks noChangeAspect="1"/>
-          </p:cNvPicPr>
-          <p:nvPr/>
-        </p:nvPicPr>
-        <p:blipFill>
-          <a:blip r:embed="rId4"/>
-          <a:stretch>
-            <a:fillRect/>
-          </a:stretch>
-        </p:blipFill>
-        <p:spPr>
-          <a:xfrm>
-            <a:off x="3178188" y="5653903"/>
-            <a:ext cx="9216097" cy="1014686"/>
-          </a:xfrm>
-          <a:prstGeom prst="rect">
-            <a:avLst/>
-          </a:prstGeom>
-        </p:spPr>
-      </p:pic>
-      <p:sp>
-        <p:nvSpPr>
-          <p:cNvPr id="8" name="TextBox 7"/>
-          <p:cNvSpPr txBox="1"/>
-          <p:nvPr/>
-        </p:nvSpPr>
-        <p:spPr>
-          <a:xfrm>
-            <a:off x="195944" y="1570201"/>
-            <a:ext cx="6159136" cy="1200329"/>
-          </a:xfrm>
-          <a:prstGeom prst="rect">
-            <a:avLst/>
-          </a:prstGeom>
-          <a:noFill/>
-        </p:spPr>
-        <p:txBody>
-          <a:bodyPr wrap="square" rtlCol="0">
-            <a:spAutoFit/>
-          </a:bodyPr>
-          <a:lstStyle/>
-          <a:p>
-            <a:pPr marL="285750" indent="-285750">
-              <a:buFont typeface="Arial" panose="020B0604020202020204" pitchFamily="34" charset="0"/>
-              <a:buChar char="•"/>
-            </a:pPr>
-            <a:r>
-              <a:rPr lang="en-US" sz="2400" dirty="0" smtClean="0"/>
-              <a:t>So far, 1 bug in F# code</a:t>
-            </a:r>
-          </a:p>
-          <a:p>
-            <a:pPr marL="1200150" lvl="2" indent="-285750">
-              <a:buFont typeface="Arial" panose="020B0604020202020204" pitchFamily="34" charset="0"/>
-              <a:buChar char="•"/>
-            </a:pPr>
-            <a:r>
-              <a:rPr lang="en-US" sz="2400" dirty="0" smtClean="0"/>
-              <a:t>Wrong value in hardcoded string</a:t>
-            </a:r>
-          </a:p>
-          <a:p>
-            <a:pPr marL="1200150" lvl="2" indent="-285750">
-              <a:buFont typeface="Arial" panose="020B0604020202020204" pitchFamily="34" charset="0"/>
-              <a:buChar char="•"/>
-            </a:pPr>
-            <a:r>
-              <a:rPr lang="en-US" sz="2400" dirty="0" smtClean="0">
-                <a:solidFill>
-                  <a:srgbClr val="FF0000"/>
-                </a:solidFill>
-              </a:rPr>
-              <a:t>Bad data</a:t>
-            </a:r>
-            <a:endParaRPr lang="en-US" sz="2400" dirty="0">
-              <a:solidFill>
-                <a:srgbClr val="FF0000"/>
-              </a:solidFill>
-            </a:endParaRPr>
-          </a:p>
-        </p:txBody>
-      </p:sp>
-      <p:sp>
-        <p:nvSpPr>
-          <p:cNvPr id="9" name="TextBox 8"/>
-          <p:cNvSpPr txBox="1"/>
-          <p:nvPr/>
-        </p:nvSpPr>
-        <p:spPr>
-          <a:xfrm>
-            <a:off x="195942" y="3173913"/>
-            <a:ext cx="3154485" cy="1569660"/>
-          </a:xfrm>
-          <a:prstGeom prst="rect">
-            <a:avLst/>
-          </a:prstGeom>
-          <a:noFill/>
-        </p:spPr>
-        <p:txBody>
-          <a:bodyPr wrap="square" rtlCol="0">
-            <a:spAutoFit/>
-          </a:bodyPr>
-          <a:lstStyle/>
-          <a:p>
-            <a:pPr marL="285750" indent="-285750">
-              <a:buFont typeface="Arial" panose="020B0604020202020204" pitchFamily="34" charset="0"/>
-              <a:buChar char="•"/>
-            </a:pPr>
-            <a:r>
-              <a:rPr lang="en-US" sz="2400" dirty="0" smtClean="0"/>
-              <a:t>SQL code</a:t>
-            </a:r>
-          </a:p>
-          <a:p>
-            <a:pPr marL="742950" lvl="1" indent="-285750">
-              <a:buFont typeface="Arial" panose="020B0604020202020204" pitchFamily="34" charset="0"/>
-              <a:buChar char="•"/>
-            </a:pPr>
-            <a:r>
-              <a:rPr lang="en-US" sz="2400" dirty="0" smtClean="0"/>
-              <a:t>Syntax errors</a:t>
-            </a:r>
-          </a:p>
-          <a:p>
-            <a:pPr marL="742950" lvl="1" indent="-285750">
-              <a:buFont typeface="Arial" panose="020B0604020202020204" pitchFamily="34" charset="0"/>
-              <a:buChar char="•"/>
-            </a:pPr>
-            <a:r>
-              <a:rPr lang="en-US" sz="2400" dirty="0" smtClean="0"/>
-              <a:t>Timeout in load test</a:t>
-            </a:r>
-            <a:endParaRPr lang="en-US" sz="2400" dirty="0"/>
-          </a:p>
-        </p:txBody>
-      </p:sp>
-      <p:sp>
-        <p:nvSpPr>
-          <p:cNvPr id="10" name="TextBox 9"/>
-          <p:cNvSpPr txBox="1"/>
-          <p:nvPr/>
-        </p:nvSpPr>
-        <p:spPr>
-          <a:xfrm>
-            <a:off x="195941" y="5555113"/>
-            <a:ext cx="3154485" cy="830997"/>
-          </a:xfrm>
-          <a:prstGeom prst="rect">
-            <a:avLst/>
-          </a:prstGeom>
-          <a:noFill/>
-        </p:spPr>
-        <p:txBody>
-          <a:bodyPr wrap="square" rtlCol="0">
-            <a:spAutoFit/>
-          </a:bodyPr>
-          <a:lstStyle/>
-          <a:p>
-            <a:pPr marL="285750" indent="-285750">
-              <a:buFont typeface="Arial" panose="020B0604020202020204" pitchFamily="34" charset="0"/>
-              <a:buChar char="•"/>
-            </a:pPr>
-            <a:r>
-              <a:rPr lang="en-US" sz="2400" dirty="0" smtClean="0"/>
-              <a:t>Improved log messages</a:t>
-            </a:r>
-            <a:endParaRPr lang="en-US" sz="2400" dirty="0"/>
-          </a:p>
-        </p:txBody>
-      </p:sp>
-      <p:sp>
-        <p:nvSpPr>
-          <p:cNvPr id="3" name="TextBox 2"/>
-          <p:cNvSpPr txBox="1"/>
-          <p:nvPr/>
-        </p:nvSpPr>
-        <p:spPr>
-          <a:xfrm>
-            <a:off x="10110651" y="3572673"/>
-            <a:ext cx="1972492" cy="369332"/>
-          </a:xfrm>
-          <a:prstGeom prst="rect">
-            <a:avLst/>
-          </a:prstGeom>
-          <a:noFill/>
-        </p:spPr>
-        <p:txBody>
-          <a:bodyPr wrap="square" rtlCol="0">
-            <a:spAutoFit/>
-          </a:bodyPr>
-          <a:lstStyle/>
-          <a:p>
-            <a:r>
-              <a:rPr lang="en-US" dirty="0" smtClean="0">
-                <a:solidFill>
-                  <a:srgbClr val="FF0000"/>
-                </a:solidFill>
-              </a:rPr>
-              <a:t>HAPPY PATH</a:t>
-            </a:r>
-            <a:endParaRPr lang="en-US" dirty="0">
-              <a:solidFill>
-                <a:srgbClr val="FF0000"/>
-              </a:solidFill>
-            </a:endParaRPr>
-          </a:p>
-        </p:txBody>
-      </p:sp>
-      <p:sp>
-        <p:nvSpPr>
-          <p:cNvPr id="5" name="TextBox 4"/>
-          <p:cNvSpPr txBox="1"/>
-          <p:nvPr/>
-        </p:nvSpPr>
-        <p:spPr>
-          <a:xfrm>
-            <a:off x="6211388" y="1344238"/>
-            <a:ext cx="5142412" cy="830997"/>
-          </a:xfrm>
-          <a:prstGeom prst="rect">
-            <a:avLst/>
-          </a:prstGeom>
-          <a:noFill/>
-        </p:spPr>
-        <p:txBody>
-          <a:bodyPr wrap="square" rtlCol="0">
-            <a:spAutoFit/>
-          </a:bodyPr>
-          <a:lstStyle/>
-          <a:p>
-            <a:pPr marL="285750" indent="-285750">
-              <a:buFont typeface="Arial" panose="020B0604020202020204" pitchFamily="34" charset="0"/>
-              <a:buChar char="•"/>
-            </a:pPr>
-            <a:r>
-              <a:rPr lang="en-US" sz="2400" dirty="0" smtClean="0">
-                <a:solidFill>
-                  <a:srgbClr val="FFFF00"/>
-                </a:solidFill>
-              </a:rPr>
-              <a:t>C#</a:t>
-            </a:r>
-          </a:p>
-          <a:p>
-            <a:pPr marL="742950" lvl="1" indent="-285750">
-              <a:buFont typeface="Arial" panose="020B0604020202020204" pitchFamily="34" charset="0"/>
-              <a:buChar char="•"/>
-            </a:pPr>
-            <a:r>
-              <a:rPr lang="en-US" sz="2400" dirty="0" err="1" smtClean="0">
-                <a:solidFill>
-                  <a:srgbClr val="FFFF00"/>
-                </a:solidFill>
-              </a:rPr>
-              <a:t>NotImplementedException</a:t>
-            </a:r>
-            <a:r>
-              <a:rPr lang="en-US" sz="2400" dirty="0" smtClean="0">
-                <a:solidFill>
-                  <a:srgbClr val="FFFF00"/>
-                </a:solidFill>
-              </a:rPr>
-              <a:t> x 10</a:t>
-            </a:r>
-            <a:endParaRPr lang="en-US" sz="2400" dirty="0">
-              <a:solidFill>
-                <a:srgbClr val="FFFF00"/>
-              </a:solidFill>
-            </a:endParaRPr>
-          </a:p>
-        </p:txBody>
-      </p:sp>
-    </p:spTree>
-    <p:extLst>
-      <p:ext uri="{BB962C8B-B14F-4D97-AF65-F5344CB8AC3E}">
-        <p14:creationId xmlns:p14="http://schemas.microsoft.com/office/powerpoint/2010/main" val="1656716845"/>
-      </p:ext>
-    </p:extLst>
-  </p:cSld>
-  <p:clrMapOvr>
-    <a:masterClrMapping/>
-  </p:clrMapOvr>
-  <p:timing>
-    <p:tnLst>
-      <p:par>
-        <p:cTn id="1" dur="indefinite" restart="never" nodeType="tmRoot">
-          <p:childTnLst>
-            <p:seq concurrent="1" nextAc="seek">
-              <p:cTn id="2" dur="indefinite" nodeType="mainSeq">
-                <p:childTnLst>
-                  <p:par>
-                    <p:cTn id="3" fill="hold">
-                      <p:stCondLst>
-                        <p:cond delay="indefinite"/>
-                      </p:stCondLst>
-                      <p:childTnLst>
-                        <p:par>
-                          <p:cTn id="4" fill="hold">
-                            <p:stCondLst>
-                              <p:cond delay="0"/>
-                            </p:stCondLst>
-                            <p:childTnLst>
-                              <p:par>
-                                <p:cTn id="5" presetID="1" presetClass="entr" presetSubtype="0" fill="hold" grpId="0" nodeType="clickEffect">
-                                  <p:stCondLst>
-                                    <p:cond delay="0"/>
-                                  </p:stCondLst>
-                                  <p:childTnLst>
-                                    <p:set>
-                                      <p:cBhvr>
-                                        <p:cTn id="6" dur="1" fill="hold">
-                                          <p:stCondLst>
-                                            <p:cond delay="0"/>
-                                          </p:stCondLst>
-                                        </p:cTn>
-                                        <p:tgtEl>
-                                          <p:spTgt spid="8"/>
-                                        </p:tgtEl>
-                                        <p:attrNameLst>
-                                          <p:attrName>style.visibility</p:attrName>
-                                        </p:attrNameLst>
-                                      </p:cBhvr>
-                                      <p:to>
-                                        <p:strVal val="visible"/>
-                                      </p:to>
-                                    </p:set>
-                                  </p:childTnLst>
-                                </p:cTn>
-                              </p:par>
-                            </p:childTnLst>
-                          </p:cTn>
-                        </p:par>
-                      </p:childTnLst>
-                    </p:cTn>
-                  </p:par>
-                  <p:par>
-                    <p:cTn id="7" fill="hold">
-                      <p:stCondLst>
-                        <p:cond delay="indefinite"/>
-                      </p:stCondLst>
-                      <p:childTnLst>
-                        <p:par>
-                          <p:cTn id="8" fill="hold">
-                            <p:stCondLst>
-                              <p:cond delay="0"/>
-                            </p:stCondLst>
-                            <p:childTnLst>
-                              <p:par>
-                                <p:cTn id="9" presetID="1" presetClass="entr" presetSubtype="0" fill="hold" grpId="0" nodeType="clickEffect">
-                                  <p:stCondLst>
-                                    <p:cond delay="0"/>
-                                  </p:stCondLst>
-                                  <p:childTnLst>
-                                    <p:set>
-                                      <p:cBhvr>
-                                        <p:cTn id="10" dur="1" fill="hold">
-                                          <p:stCondLst>
-                                            <p:cond delay="0"/>
-                                          </p:stCondLst>
-                                        </p:cTn>
-                                        <p:tgtEl>
-                                          <p:spTgt spid="5"/>
-                                        </p:tgtEl>
-                                        <p:attrNameLst>
-                                          <p:attrName>style.visibility</p:attrName>
-                                        </p:attrNameLst>
-                                      </p:cBhvr>
-                                      <p:to>
-                                        <p:strVal val="visible"/>
-                                      </p:to>
-                                    </p:set>
-                                  </p:childTnLst>
-                                </p:cTn>
-                              </p:par>
-                            </p:childTnLst>
-                          </p:cTn>
-                        </p:par>
-                      </p:childTnLst>
-                    </p:cTn>
-                  </p:par>
-                  <p:par>
-                    <p:cTn id="11" fill="hold">
-                      <p:stCondLst>
-                        <p:cond delay="indefinite"/>
-                      </p:stCondLst>
-                      <p:childTnLst>
-                        <p:par>
-                          <p:cTn id="12" fill="hold">
-                            <p:stCondLst>
-                              <p:cond delay="0"/>
-                            </p:stCondLst>
-                            <p:childTnLst>
-                              <p:par>
-                                <p:cTn id="13" presetID="1" presetClass="entr" presetSubtype="0" fill="hold" grpId="0" nodeType="clickEffect">
-                                  <p:stCondLst>
-                                    <p:cond delay="0"/>
-                                  </p:stCondLst>
-                                  <p:childTnLst>
-                                    <p:set>
-                                      <p:cBhvr>
-                                        <p:cTn id="14" dur="1" fill="hold">
-                                          <p:stCondLst>
-                                            <p:cond delay="0"/>
-                                          </p:stCondLst>
-                                        </p:cTn>
-                                        <p:tgtEl>
-                                          <p:spTgt spid="9"/>
-                                        </p:tgtEl>
-                                        <p:attrNameLst>
-                                          <p:attrName>style.visibility</p:attrName>
-                                        </p:attrNameLst>
-                                      </p:cBhvr>
-                                      <p:to>
-                                        <p:strVal val="visible"/>
-                                      </p:to>
-                                    </p:set>
-                                  </p:childTnLst>
-                                </p:cTn>
-                              </p:par>
-                            </p:childTnLst>
-                          </p:cTn>
-                        </p:par>
-                      </p:childTnLst>
-                    </p:cTn>
-                  </p:par>
-                  <p:par>
-                    <p:cTn id="15" fill="hold">
-                      <p:stCondLst>
-                        <p:cond delay="indefinite"/>
-                      </p:stCondLst>
-                      <p:childTnLst>
-                        <p:par>
-                          <p:cTn id="16" fill="hold">
-                            <p:stCondLst>
-                              <p:cond delay="0"/>
-                            </p:stCondLst>
-                            <p:childTnLst>
-                              <p:par>
-                                <p:cTn id="17" presetID="1" presetClass="entr" presetSubtype="0" fill="hold" grpId="0" nodeType="clickEffect">
-                                  <p:stCondLst>
-                                    <p:cond delay="0"/>
-                                  </p:stCondLst>
-                                  <p:childTnLst>
-                                    <p:set>
-                                      <p:cBhvr>
-                                        <p:cTn id="18" dur="1" fill="hold">
-                                          <p:stCondLst>
-                                            <p:cond delay="0"/>
-                                          </p:stCondLst>
-                                        </p:cTn>
-                                        <p:tgtEl>
-                                          <p:spTgt spid="10"/>
-                                        </p:tgtEl>
-                                        <p:attrNameLst>
-                                          <p:attrName>style.visibility</p:attrName>
-                                        </p:attrNameLst>
-                                      </p:cBhvr>
-                                      <p:to>
-                                        <p:strVal val="visible"/>
-                                      </p:to>
-                                    </p:set>
-                                  </p:childTnLst>
-                                </p:cTn>
-                              </p:par>
-                            </p:childTnLst>
-                          </p:cTn>
-                        </p:par>
-                      </p:childTnLst>
-                    </p:cTn>
-                  </p:par>
-                </p:childTnLst>
-              </p:cTn>
-              <p:prevCondLst>
-                <p:cond evt="onPrev" delay="0">
-                  <p:tgtEl>
-                    <p:sldTgt/>
-                  </p:tgtEl>
-                </p:cond>
-              </p:prevCondLst>
-              <p:nextCondLst>
-                <p:cond evt="onNext" delay="0">
-                  <p:tgtEl>
-                    <p:sldTgt/>
-                  </p:tgtEl>
-                </p:cond>
-              </p:nextCondLst>
-            </p:seq>
-          </p:childTnLst>
-        </p:cTn>
-      </p:par>
-    </p:tnLst>
-    <p:bldLst>
-      <p:bldP spid="8" grpId="0"/>
-      <p:bldP spid="9" grpId="0"/>
-      <p:bldP spid="10" grpId="0"/>
-      <p:bldP spid="5" grpId="0"/>
-    </p:bldLst>
-  </p:timing>
-</p:sld>
-</file>
-
 <file path=ppt/slides/slide9.xml><?xml version="1.0" encoding="utf-8"?>
 <p:sld xmlns:a="http://schemas.openxmlformats.org/drawingml/2006/main" xmlns:r="http://schemas.openxmlformats.org/officeDocument/2006/relationships" xmlns:p="http://schemas.openxmlformats.org/presentationml/2006/main">
   <p:cSld>
@@ -8137,7 +10428,7 @@
           <a:p>
             <a:r>
               <a:rPr lang="en-US" dirty="0" smtClean="0"/>
-              <a:t>Completed work</a:t>
+              <a:t>Would you rather?</a:t>
             </a:r>
             <a:endParaRPr lang="en-US" dirty="0"/>
           </a:p>
@@ -8153,164 +10444,126 @@
             <p:ph idx="1"/>
           </p:nvPr>
         </p:nvSpPr>
-        <p:spPr>
-          <a:xfrm>
-            <a:off x="838200" y="1825624"/>
-            <a:ext cx="10515600" cy="5092887"/>
-          </a:xfrm>
-        </p:spPr>
+        <p:spPr/>
         <p:txBody>
           <a:bodyPr/>
           <a:lstStyle/>
           <a:p>
             <a:r>
-              <a:rPr lang="en-US" dirty="0" smtClean="0"/>
-              <a:t>Selecting from input</a:t>
+              <a:rPr lang="en-US" dirty="0" smtClean="0">
+                <a:solidFill>
+                  <a:srgbClr val="FF0000"/>
+                </a:solidFill>
+              </a:rPr>
+              <a:t>Fix a bug in prod?</a:t>
+            </a:r>
+          </a:p>
+          <a:p>
+            <a:endParaRPr lang="en-US" dirty="0"/>
+          </a:p>
+          <a:p>
+            <a:r>
+              <a:rPr lang="en-US" dirty="0" smtClean="0">
+                <a:solidFill>
+                  <a:schemeClr val="accent4">
+                    <a:lumMod val="60000"/>
+                    <a:lumOff val="40000"/>
+                  </a:schemeClr>
+                </a:solidFill>
+              </a:rPr>
+              <a:t>Fix a performance issue in prod?</a:t>
             </a:r>
           </a:p>
           <a:p>
             <a:pPr lvl="1"/>
             <a:r>
               <a:rPr lang="en-US" dirty="0" smtClean="0"/>
-              <a:t>Multiple instances with atomic select-update</a:t>
+              <a:t>Load test before prod</a:t>
             </a:r>
           </a:p>
           <a:p>
             <a:pPr lvl="1"/>
             <a:r>
-              <a:rPr lang="en-US" dirty="0" smtClean="0"/>
-              <a:t>Load test ensures input records are not handled twice</a:t>
-            </a:r>
-          </a:p>
-          <a:p>
-            <a:r>
-              <a:rPr lang="en-US" dirty="0" smtClean="0"/>
-              <a:t>Writing to output</a:t>
-            </a:r>
+              <a:rPr lang="en-US" dirty="0" smtClean="0">
+                <a:solidFill>
+                  <a:schemeClr val="accent1">
+                    <a:lumMod val="60000"/>
+                    <a:lumOff val="40000"/>
+                  </a:schemeClr>
+                </a:solidFill>
+              </a:rPr>
+              <a:t>Throughput</a:t>
+            </a:r>
+            <a:r>
+              <a:rPr lang="en-US" dirty="0" smtClean="0"/>
+              <a:t> &lt;&gt; </a:t>
+            </a:r>
+            <a:r>
+              <a:rPr lang="en-US" dirty="0" smtClean="0">
+                <a:solidFill>
+                  <a:schemeClr val="accent5">
+                    <a:lumMod val="60000"/>
+                    <a:lumOff val="40000"/>
+                  </a:schemeClr>
+                </a:solidFill>
+              </a:rPr>
+              <a:t>performance</a:t>
+            </a:r>
+          </a:p>
+          <a:p>
+            <a:pPr lvl="2"/>
+            <a:r>
+              <a:rPr lang="en-US" dirty="0" smtClean="0"/>
+              <a:t>Parallel processing</a:t>
+            </a:r>
+          </a:p>
+          <a:p>
+            <a:pPr lvl="2"/>
+            <a:endParaRPr lang="en-US" dirty="0"/>
           </a:p>
           <a:p>
             <a:pPr lvl="1"/>
             <a:r>
-              <a:rPr lang="en-US" dirty="0" smtClean="0"/>
-              <a:t>Updates – working</a:t>
-            </a:r>
-          </a:p>
-          <a:p>
-            <a:pPr lvl="1"/>
-            <a:r>
-              <a:rPr lang="en-US" dirty="0" smtClean="0"/>
-              <a:t>Insert – edge case</a:t>
-            </a:r>
-          </a:p>
-          <a:p>
-            <a:pPr lvl="2"/>
-            <a:r>
-              <a:rPr lang="en-US" dirty="0" smtClean="0"/>
-              <a:t>Existing DB does not have PK auto increment</a:t>
-            </a:r>
-          </a:p>
-          <a:p>
-            <a:pPr lvl="2"/>
-            <a:r>
-              <a:rPr lang="en-US" dirty="0"/>
-              <a:t>PK collision</a:t>
-            </a:r>
-          </a:p>
-          <a:p>
-            <a:pPr lvl="3"/>
-            <a:r>
-              <a:rPr lang="en-US" dirty="0" smtClean="0"/>
-              <a:t>Detecting and logging</a:t>
-            </a:r>
-          </a:p>
-          <a:p>
-            <a:pPr lvl="3"/>
-            <a:r>
-              <a:rPr lang="en-US" dirty="0" smtClean="0"/>
-              <a:t>Planning to retry these</a:t>
-            </a:r>
-          </a:p>
-          <a:p>
-            <a:pPr lvl="4"/>
-            <a:r>
               <a:rPr lang="en-US" dirty="0" smtClean="0">
                 <a:solidFill>
-                  <a:srgbClr val="FFFF00"/>
+                  <a:schemeClr val="accent1">
+                    <a:lumMod val="60000"/>
+                    <a:lumOff val="40000"/>
+                  </a:schemeClr>
                 </a:solidFill>
               </a:rPr>
-              <a:t>Limiting scope</a:t>
-            </a:r>
-          </a:p>
-          <a:p>
-            <a:pPr lvl="2"/>
-            <a:endParaRPr lang="en-US" dirty="0" smtClean="0"/>
+              <a:t>How many records per second </a:t>
+            </a:r>
+            <a:r>
+              <a:rPr lang="en-US" dirty="0" smtClean="0"/>
+              <a:t>&lt;&gt; </a:t>
+            </a:r>
+            <a:r>
+              <a:rPr lang="en-US" dirty="0" smtClean="0">
+                <a:solidFill>
+                  <a:schemeClr val="accent5">
+                    <a:lumMod val="60000"/>
+                    <a:lumOff val="40000"/>
+                  </a:schemeClr>
+                </a:solidFill>
+              </a:rPr>
+              <a:t>how many seconds for an individual record</a:t>
+            </a:r>
+            <a:endParaRPr lang="en-US" dirty="0">
+              <a:solidFill>
+                <a:schemeClr val="accent5">
+                  <a:lumMod val="60000"/>
+                  <a:lumOff val="40000"/>
+                </a:schemeClr>
+              </a:solidFill>
+            </a:endParaRPr>
           </a:p>
         </p:txBody>
       </p:sp>
-      <p:pic>
-        <p:nvPicPr>
-          <p:cNvPr id="4" name="Picture 3"/>
-          <p:cNvPicPr>
-            <a:picLocks noChangeAspect="1"/>
-          </p:cNvPicPr>
-          <p:nvPr/>
-        </p:nvPicPr>
-        <p:blipFill>
-          <a:blip r:embed="rId2"/>
-          <a:stretch>
-            <a:fillRect/>
-          </a:stretch>
-        </p:blipFill>
-        <p:spPr>
-          <a:xfrm>
-            <a:off x="7062608" y="3348302"/>
-            <a:ext cx="13079444" cy="6212556"/>
-          </a:xfrm>
-          <a:prstGeom prst="rect">
-            <a:avLst/>
-          </a:prstGeom>
-        </p:spPr>
-      </p:pic>
-      <p:cxnSp>
-        <p:nvCxnSpPr>
-          <p:cNvPr id="6" name="Straight Arrow Connector 5"/>
-          <p:cNvCxnSpPr/>
-          <p:nvPr/>
-        </p:nvCxnSpPr>
-        <p:spPr>
-          <a:xfrm>
-            <a:off x="11604813" y="3112994"/>
-            <a:ext cx="0" cy="1385047"/>
-          </a:xfrm>
-          <a:prstGeom prst="straightConnector1">
-            <a:avLst/>
-          </a:prstGeom>
-          <a:ln w="76200">
-            <a:solidFill>
-              <a:srgbClr val="FF0000"/>
-            </a:solidFill>
-            <a:tailEnd type="triangle"/>
-          </a:ln>
-        </p:spPr>
-        <p:style>
-          <a:lnRef idx="1">
-            <a:schemeClr val="accent1"/>
-          </a:lnRef>
-          <a:fillRef idx="0">
-            <a:schemeClr val="accent1"/>
-          </a:fillRef>
-          <a:effectRef idx="0">
-            <a:schemeClr val="accent1"/>
-          </a:effectRef>
-          <a:fontRef idx="minor">
-            <a:schemeClr val="tx1"/>
-          </a:fontRef>
-        </p:style>
-      </p:cxnSp>
     </p:spTree>
     <p:extLst>
       <p:ext uri="{BB962C8B-B14F-4D97-AF65-F5344CB8AC3E}">
-        <p14:creationId xmlns:p14="http://schemas.microsoft.com/office/powerpoint/2010/main" val="2111605369"/>
+        <p14:creationId xmlns:p14="http://schemas.microsoft.com/office/powerpoint/2010/main" val="2335820934"/>
       </p:ext>
     </p:extLst>
   </p:cSld>
@@ -8320,102 +10573,7 @@
   <p:timing>
     <p:tnLst>
       <p:par>
-        <p:cTn id="1" dur="indefinite" restart="never" nodeType="tmRoot">
-          <p:childTnLst>
-            <p:seq concurrent="1" nextAc="seek">
-              <p:cTn id="2" dur="indefinite" nodeType="mainSeq">
-                <p:childTnLst>
-                  <p:par>
-                    <p:cTn id="3" fill="hold">
-                      <p:stCondLst>
-                        <p:cond delay="indefinite"/>
-                      </p:stCondLst>
-                      <p:childTnLst>
-                        <p:par>
-                          <p:cTn id="4" fill="hold">
-                            <p:stCondLst>
-                              <p:cond delay="0"/>
-                            </p:stCondLst>
-                            <p:childTnLst>
-                              <p:par>
-                                <p:cTn id="5" presetID="1" presetClass="entr" presetSubtype="0" fill="hold" nodeType="clickEffect">
-                                  <p:stCondLst>
-                                    <p:cond delay="0"/>
-                                  </p:stCondLst>
-                                  <p:childTnLst>
-                                    <p:set>
-                                      <p:cBhvr>
-                                        <p:cTn id="6" dur="1" fill="hold">
-                                          <p:stCondLst>
-                                            <p:cond delay="0"/>
-                                          </p:stCondLst>
-                                        </p:cTn>
-                                        <p:tgtEl>
-                                          <p:spTgt spid="4"/>
-                                        </p:tgtEl>
-                                        <p:attrNameLst>
-                                          <p:attrName>style.visibility</p:attrName>
-                                        </p:attrNameLst>
-                                      </p:cBhvr>
-                                      <p:to>
-                                        <p:strVal val="visible"/>
-                                      </p:to>
-                                    </p:set>
-                                  </p:childTnLst>
-                                </p:cTn>
-                              </p:par>
-                              <p:par>
-                                <p:cTn id="7" presetID="1" presetClass="entr" presetSubtype="0" fill="hold" nodeType="withEffect">
-                                  <p:stCondLst>
-                                    <p:cond delay="0"/>
-                                  </p:stCondLst>
-                                  <p:childTnLst>
-                                    <p:set>
-                                      <p:cBhvr>
-                                        <p:cTn id="8" dur="1" fill="hold">
-                                          <p:stCondLst>
-                                            <p:cond delay="0"/>
-                                          </p:stCondLst>
-                                        </p:cTn>
-                                        <p:tgtEl>
-                                          <p:spTgt spid="6"/>
-                                        </p:tgtEl>
-                                        <p:attrNameLst>
-                                          <p:attrName>style.visibility</p:attrName>
-                                        </p:attrNameLst>
-                                      </p:cBhvr>
-                                      <p:to>
-                                        <p:strVal val="visible"/>
-                                      </p:to>
-                                    </p:set>
-                                  </p:childTnLst>
-                                </p:cTn>
-                              </p:par>
-                            </p:childTnLst>
-                          </p:cTn>
-                        </p:par>
-                      </p:childTnLst>
-                    </p:cTn>
-                  </p:par>
-                </p:childTnLst>
-              </p:cTn>
-              <p:prevCondLst>
-                <p:cond evt="onPrev" delay="0">
-                  <p:tgtEl>
-                    <p:sldTgt/>
-                  </p:tgtEl>
-                </p:cond>
-              </p:prevCondLst>
-              <p:nextCondLst>
-                <p:cond evt="onNext" delay="0">
-                  <p:tgtEl>
-                    <p:sldTgt/>
-                  </p:tgtEl>
-                </p:cond>
-              </p:nextCondLst>
-            </p:seq>
-          </p:childTnLst>
-        </p:cTn>
+        <p:cTn id="1" dur="indefinite" restart="never" nodeType="tmRoot"/>
       </p:par>
     </p:tnLst>
   </p:timing>

--- a/presentations/FSharpETLDemo.pptx
+++ b/presentations/FSharpETLDemo.pptx
@@ -10,17 +10,17 @@
     <p:sldId id="258" r:id="rId4"/>
     <p:sldId id="268" r:id="rId5"/>
     <p:sldId id="269" r:id="rId6"/>
-    <p:sldId id="271" r:id="rId7"/>
+    <p:sldId id="260" r:id="rId7"/>
     <p:sldId id="261" r:id="rId8"/>
-    <p:sldId id="260" r:id="rId9"/>
-    <p:sldId id="267" r:id="rId10"/>
-    <p:sldId id="262" r:id="rId11"/>
-    <p:sldId id="263" r:id="rId12"/>
-    <p:sldId id="264" r:id="rId13"/>
-    <p:sldId id="265" r:id="rId14"/>
-    <p:sldId id="266" r:id="rId15"/>
-    <p:sldId id="270" r:id="rId16"/>
-    <p:sldId id="259" r:id="rId17"/>
+    <p:sldId id="262" r:id="rId9"/>
+    <p:sldId id="271" r:id="rId10"/>
+    <p:sldId id="272" r:id="rId11"/>
+    <p:sldId id="264" r:id="rId12"/>
+    <p:sldId id="265" r:id="rId13"/>
+    <p:sldId id="266" r:id="rId14"/>
+    <p:sldId id="270" r:id="rId15"/>
+    <p:sldId id="259" r:id="rId16"/>
+    <p:sldId id="263" r:id="rId17"/>
   </p:sldIdLst>
   <p:sldSz cx="12192000" cy="6858000"/>
   <p:notesSz cx="6858000" cy="9144000"/>
@@ -258,7 +258,7 @@
           <a:p>
             <a:fld id="{E3E23F6F-70BB-4CE2-BC6C-175C09BC2746}" type="datetimeFigureOut">
               <a:rPr lang="en-US" smtClean="0"/>
-              <a:t>1/23/2020</a:t>
+              <a:t>1/24/2020</a:t>
             </a:fld>
             <a:endParaRPr lang="en-US"/>
           </a:p>
@@ -428,7 +428,7 @@
           <a:p>
             <a:fld id="{E3E23F6F-70BB-4CE2-BC6C-175C09BC2746}" type="datetimeFigureOut">
               <a:rPr lang="en-US" smtClean="0"/>
-              <a:t>1/23/2020</a:t>
+              <a:t>1/24/2020</a:t>
             </a:fld>
             <a:endParaRPr lang="en-US"/>
           </a:p>
@@ -608,7 +608,7 @@
           <a:p>
             <a:fld id="{E3E23F6F-70BB-4CE2-BC6C-175C09BC2746}" type="datetimeFigureOut">
               <a:rPr lang="en-US" smtClean="0"/>
-              <a:t>1/23/2020</a:t>
+              <a:t>1/24/2020</a:t>
             </a:fld>
             <a:endParaRPr lang="en-US"/>
           </a:p>
@@ -778,7 +778,7 @@
           <a:p>
             <a:fld id="{E3E23F6F-70BB-4CE2-BC6C-175C09BC2746}" type="datetimeFigureOut">
               <a:rPr lang="en-US" smtClean="0"/>
-              <a:t>1/23/2020</a:t>
+              <a:t>1/24/2020</a:t>
             </a:fld>
             <a:endParaRPr lang="en-US"/>
           </a:p>
@@ -1024,7 +1024,7 @@
           <a:p>
             <a:fld id="{E3E23F6F-70BB-4CE2-BC6C-175C09BC2746}" type="datetimeFigureOut">
               <a:rPr lang="en-US" smtClean="0"/>
-              <a:t>1/23/2020</a:t>
+              <a:t>1/24/2020</a:t>
             </a:fld>
             <a:endParaRPr lang="en-US"/>
           </a:p>
@@ -1256,7 +1256,7 @@
           <a:p>
             <a:fld id="{E3E23F6F-70BB-4CE2-BC6C-175C09BC2746}" type="datetimeFigureOut">
               <a:rPr lang="en-US" smtClean="0"/>
-              <a:t>1/23/2020</a:t>
+              <a:t>1/24/2020</a:t>
             </a:fld>
             <a:endParaRPr lang="en-US"/>
           </a:p>
@@ -1623,7 +1623,7 @@
           <a:p>
             <a:fld id="{E3E23F6F-70BB-4CE2-BC6C-175C09BC2746}" type="datetimeFigureOut">
               <a:rPr lang="en-US" smtClean="0"/>
-              <a:t>1/23/2020</a:t>
+              <a:t>1/24/2020</a:t>
             </a:fld>
             <a:endParaRPr lang="en-US"/>
           </a:p>
@@ -1741,7 +1741,7 @@
           <a:p>
             <a:fld id="{E3E23F6F-70BB-4CE2-BC6C-175C09BC2746}" type="datetimeFigureOut">
               <a:rPr lang="en-US" smtClean="0"/>
-              <a:t>1/23/2020</a:t>
+              <a:t>1/24/2020</a:t>
             </a:fld>
             <a:endParaRPr lang="en-US"/>
           </a:p>
@@ -1836,7 +1836,7 @@
           <a:p>
             <a:fld id="{E3E23F6F-70BB-4CE2-BC6C-175C09BC2746}" type="datetimeFigureOut">
               <a:rPr lang="en-US" smtClean="0"/>
-              <a:t>1/23/2020</a:t>
+              <a:t>1/24/2020</a:t>
             </a:fld>
             <a:endParaRPr lang="en-US"/>
           </a:p>
@@ -2113,7 +2113,7 @@
           <a:p>
             <a:fld id="{E3E23F6F-70BB-4CE2-BC6C-175C09BC2746}" type="datetimeFigureOut">
               <a:rPr lang="en-US" smtClean="0"/>
-              <a:t>1/23/2020</a:t>
+              <a:t>1/24/2020</a:t>
             </a:fld>
             <a:endParaRPr lang="en-US"/>
           </a:p>
@@ -2370,7 +2370,7 @@
           <a:p>
             <a:fld id="{E3E23F6F-70BB-4CE2-BC6C-175C09BC2746}" type="datetimeFigureOut">
               <a:rPr lang="en-US" smtClean="0"/>
-              <a:t>1/23/2020</a:t>
+              <a:t>1/24/2020</a:t>
             </a:fld>
             <a:endParaRPr lang="en-US"/>
           </a:p>
@@ -2583,7 +2583,7 @@
           <a:p>
             <a:fld id="{E3E23F6F-70BB-4CE2-BC6C-175C09BC2746}" type="datetimeFigureOut">
               <a:rPr lang="en-US" smtClean="0"/>
-              <a:t>1/23/2020</a:t>
+              <a:t>1/24/2020</a:t>
             </a:fld>
             <a:endParaRPr lang="en-US"/>
           </a:p>
@@ -3084,600 +3084,7 @@
           <a:p>
             <a:r>
               <a:rPr lang="en-US" dirty="0" smtClean="0"/>
-              <a:t>Results</a:t>
-            </a:r>
-            <a:endParaRPr lang="en-US" dirty="0"/>
-          </a:p>
-        </p:txBody>
-      </p:sp>
-      <p:pic>
-        <p:nvPicPr>
-          <p:cNvPr id="4" name="Picture 3"/>
-          <p:cNvPicPr>
-            <a:picLocks noChangeAspect="1"/>
-          </p:cNvPicPr>
-          <p:nvPr/>
-        </p:nvPicPr>
-        <p:blipFill>
-          <a:blip r:embed="rId2"/>
-          <a:stretch>
-            <a:fillRect/>
-          </a:stretch>
-        </p:blipFill>
-        <p:spPr>
-          <a:xfrm>
-            <a:off x="3178189" y="2996493"/>
-            <a:ext cx="7849381" cy="2130679"/>
-          </a:xfrm>
-          <a:prstGeom prst="rect">
-            <a:avLst/>
-          </a:prstGeom>
-        </p:spPr>
-      </p:pic>
-      <p:pic>
-        <p:nvPicPr>
-          <p:cNvPr id="6" name="Picture 5"/>
-          <p:cNvPicPr>
-            <a:picLocks noChangeAspect="1"/>
-          </p:cNvPicPr>
-          <p:nvPr/>
-        </p:nvPicPr>
-        <p:blipFill>
-          <a:blip r:embed="rId3"/>
-          <a:stretch>
-            <a:fillRect/>
-          </a:stretch>
-        </p:blipFill>
-        <p:spPr>
-          <a:xfrm>
-            <a:off x="3178189" y="3839933"/>
-            <a:ext cx="7170159" cy="1731376"/>
-          </a:xfrm>
-          <a:prstGeom prst="rect">
-            <a:avLst/>
-          </a:prstGeom>
-        </p:spPr>
-      </p:pic>
-      <p:pic>
-        <p:nvPicPr>
-          <p:cNvPr id="7" name="Picture 6"/>
-          <p:cNvPicPr>
-            <a:picLocks noChangeAspect="1"/>
-          </p:cNvPicPr>
-          <p:nvPr/>
-        </p:nvPicPr>
-        <p:blipFill>
-          <a:blip r:embed="rId4"/>
-          <a:stretch>
-            <a:fillRect/>
-          </a:stretch>
-        </p:blipFill>
-        <p:spPr>
-          <a:xfrm>
-            <a:off x="3178188" y="5653903"/>
-            <a:ext cx="9216097" cy="1014686"/>
-          </a:xfrm>
-          <a:prstGeom prst="rect">
-            <a:avLst/>
-          </a:prstGeom>
-        </p:spPr>
-      </p:pic>
-      <p:sp>
-        <p:nvSpPr>
-          <p:cNvPr id="8" name="TextBox 7"/>
-          <p:cNvSpPr txBox="1"/>
-          <p:nvPr/>
-        </p:nvSpPr>
-        <p:spPr>
-          <a:xfrm>
-            <a:off x="195944" y="1570201"/>
-            <a:ext cx="6159136" cy="1200329"/>
-          </a:xfrm>
-          <a:prstGeom prst="rect">
-            <a:avLst/>
-          </a:prstGeom>
-          <a:noFill/>
-        </p:spPr>
-        <p:txBody>
-          <a:bodyPr wrap="square" rtlCol="0">
-            <a:spAutoFit/>
-          </a:bodyPr>
-          <a:lstStyle/>
-          <a:p>
-            <a:pPr marL="285750" indent="-285750">
-              <a:buFont typeface="Arial" panose="020B0604020202020204" pitchFamily="34" charset="0"/>
-              <a:buChar char="•"/>
-            </a:pPr>
-            <a:r>
-              <a:rPr lang="en-US" sz="2400" dirty="0" smtClean="0"/>
-              <a:t>So far, 1 bug in F# code</a:t>
-            </a:r>
-          </a:p>
-          <a:p>
-            <a:pPr marL="1200150" lvl="2" indent="-285750">
-              <a:buFont typeface="Arial" panose="020B0604020202020204" pitchFamily="34" charset="0"/>
-              <a:buChar char="•"/>
-            </a:pPr>
-            <a:r>
-              <a:rPr lang="en-US" sz="2400" dirty="0" smtClean="0"/>
-              <a:t>Wrong value in hardcoded string</a:t>
-            </a:r>
-          </a:p>
-          <a:p>
-            <a:pPr marL="1200150" lvl="2" indent="-285750">
-              <a:buFont typeface="Arial" panose="020B0604020202020204" pitchFamily="34" charset="0"/>
-              <a:buChar char="•"/>
-            </a:pPr>
-            <a:r>
-              <a:rPr lang="en-US" sz="2400" dirty="0" smtClean="0">
-                <a:solidFill>
-                  <a:srgbClr val="FF0000"/>
-                </a:solidFill>
-              </a:rPr>
-              <a:t>Bad data</a:t>
-            </a:r>
-            <a:endParaRPr lang="en-US" sz="2400" dirty="0">
-              <a:solidFill>
-                <a:srgbClr val="FF0000"/>
-              </a:solidFill>
-            </a:endParaRPr>
-          </a:p>
-        </p:txBody>
-      </p:sp>
-      <p:sp>
-        <p:nvSpPr>
-          <p:cNvPr id="9" name="TextBox 8"/>
-          <p:cNvSpPr txBox="1"/>
-          <p:nvPr/>
-        </p:nvSpPr>
-        <p:spPr>
-          <a:xfrm>
-            <a:off x="195942" y="3173913"/>
-            <a:ext cx="3154485" cy="1569660"/>
-          </a:xfrm>
-          <a:prstGeom prst="rect">
-            <a:avLst/>
-          </a:prstGeom>
-          <a:noFill/>
-        </p:spPr>
-        <p:txBody>
-          <a:bodyPr wrap="square" rtlCol="0">
-            <a:spAutoFit/>
-          </a:bodyPr>
-          <a:lstStyle/>
-          <a:p>
-            <a:pPr marL="285750" indent="-285750">
-              <a:buFont typeface="Arial" panose="020B0604020202020204" pitchFamily="34" charset="0"/>
-              <a:buChar char="•"/>
-            </a:pPr>
-            <a:r>
-              <a:rPr lang="en-US" sz="2400" dirty="0" smtClean="0"/>
-              <a:t>SQL code</a:t>
-            </a:r>
-          </a:p>
-          <a:p>
-            <a:pPr marL="742950" lvl="1" indent="-285750">
-              <a:buFont typeface="Arial" panose="020B0604020202020204" pitchFamily="34" charset="0"/>
-              <a:buChar char="•"/>
-            </a:pPr>
-            <a:r>
-              <a:rPr lang="en-US" sz="2400" dirty="0" smtClean="0"/>
-              <a:t>Syntax errors</a:t>
-            </a:r>
-          </a:p>
-          <a:p>
-            <a:pPr marL="742950" lvl="1" indent="-285750">
-              <a:buFont typeface="Arial" panose="020B0604020202020204" pitchFamily="34" charset="0"/>
-              <a:buChar char="•"/>
-            </a:pPr>
-            <a:r>
-              <a:rPr lang="en-US" sz="2400" dirty="0" smtClean="0"/>
-              <a:t>Timeout in load test</a:t>
-            </a:r>
-            <a:endParaRPr lang="en-US" sz="2400" dirty="0"/>
-          </a:p>
-        </p:txBody>
-      </p:sp>
-      <p:sp>
-        <p:nvSpPr>
-          <p:cNvPr id="10" name="TextBox 9"/>
-          <p:cNvSpPr txBox="1"/>
-          <p:nvPr/>
-        </p:nvSpPr>
-        <p:spPr>
-          <a:xfrm>
-            <a:off x="195941" y="5555113"/>
-            <a:ext cx="3154485" cy="830997"/>
-          </a:xfrm>
-          <a:prstGeom prst="rect">
-            <a:avLst/>
-          </a:prstGeom>
-          <a:noFill/>
-        </p:spPr>
-        <p:txBody>
-          <a:bodyPr wrap="square" rtlCol="0">
-            <a:spAutoFit/>
-          </a:bodyPr>
-          <a:lstStyle/>
-          <a:p>
-            <a:pPr marL="285750" indent="-285750">
-              <a:buFont typeface="Arial" panose="020B0604020202020204" pitchFamily="34" charset="0"/>
-              <a:buChar char="•"/>
-            </a:pPr>
-            <a:r>
-              <a:rPr lang="en-US" sz="2400" dirty="0" smtClean="0"/>
-              <a:t>Improved log messages</a:t>
-            </a:r>
-            <a:endParaRPr lang="en-US" sz="2400" dirty="0"/>
-          </a:p>
-        </p:txBody>
-      </p:sp>
-      <p:sp>
-        <p:nvSpPr>
-          <p:cNvPr id="3" name="TextBox 2"/>
-          <p:cNvSpPr txBox="1"/>
-          <p:nvPr/>
-        </p:nvSpPr>
-        <p:spPr>
-          <a:xfrm>
-            <a:off x="10110651" y="3572673"/>
-            <a:ext cx="1972492" cy="369332"/>
-          </a:xfrm>
-          <a:prstGeom prst="rect">
-            <a:avLst/>
-          </a:prstGeom>
-          <a:noFill/>
-        </p:spPr>
-        <p:txBody>
-          <a:bodyPr wrap="square" rtlCol="0">
-            <a:spAutoFit/>
-          </a:bodyPr>
-          <a:lstStyle/>
-          <a:p>
-            <a:r>
-              <a:rPr lang="en-US" dirty="0" smtClean="0">
-                <a:solidFill>
-                  <a:srgbClr val="FF0000"/>
-                </a:solidFill>
-              </a:rPr>
-              <a:t>HAPPY PATH</a:t>
-            </a:r>
-            <a:endParaRPr lang="en-US" dirty="0">
-              <a:solidFill>
-                <a:srgbClr val="FF0000"/>
-              </a:solidFill>
-            </a:endParaRPr>
-          </a:p>
-        </p:txBody>
-      </p:sp>
-      <p:sp>
-        <p:nvSpPr>
-          <p:cNvPr id="5" name="TextBox 4"/>
-          <p:cNvSpPr txBox="1"/>
-          <p:nvPr/>
-        </p:nvSpPr>
-        <p:spPr>
-          <a:xfrm>
-            <a:off x="6211388" y="1344238"/>
-            <a:ext cx="5142412" cy="830997"/>
-          </a:xfrm>
-          <a:prstGeom prst="rect">
-            <a:avLst/>
-          </a:prstGeom>
-          <a:noFill/>
-        </p:spPr>
-        <p:txBody>
-          <a:bodyPr wrap="square" rtlCol="0">
-            <a:spAutoFit/>
-          </a:bodyPr>
-          <a:lstStyle/>
-          <a:p>
-            <a:pPr marL="285750" indent="-285750">
-              <a:buFont typeface="Arial" panose="020B0604020202020204" pitchFamily="34" charset="0"/>
-              <a:buChar char="•"/>
-            </a:pPr>
-            <a:r>
-              <a:rPr lang="en-US" sz="2400" dirty="0" smtClean="0">
-                <a:solidFill>
-                  <a:srgbClr val="FFFF00"/>
-                </a:solidFill>
-              </a:rPr>
-              <a:t>C#</a:t>
-            </a:r>
-          </a:p>
-          <a:p>
-            <a:pPr marL="742950" lvl="1" indent="-285750">
-              <a:buFont typeface="Arial" panose="020B0604020202020204" pitchFamily="34" charset="0"/>
-              <a:buChar char="•"/>
-            </a:pPr>
-            <a:r>
-              <a:rPr lang="en-US" sz="2400" dirty="0" err="1" smtClean="0">
-                <a:solidFill>
-                  <a:srgbClr val="FFFF00"/>
-                </a:solidFill>
-              </a:rPr>
-              <a:t>NotImplementedException</a:t>
-            </a:r>
-            <a:r>
-              <a:rPr lang="en-US" sz="2400" dirty="0" smtClean="0">
-                <a:solidFill>
-                  <a:srgbClr val="FFFF00"/>
-                </a:solidFill>
-              </a:rPr>
-              <a:t> x 10</a:t>
-            </a:r>
-            <a:endParaRPr lang="en-US" sz="2400" dirty="0">
-              <a:solidFill>
-                <a:srgbClr val="FFFF00"/>
-              </a:solidFill>
-            </a:endParaRPr>
-          </a:p>
-        </p:txBody>
-      </p:sp>
-    </p:spTree>
-    <p:extLst>
-      <p:ext uri="{BB962C8B-B14F-4D97-AF65-F5344CB8AC3E}">
-        <p14:creationId xmlns:p14="http://schemas.microsoft.com/office/powerpoint/2010/main" val="1656716845"/>
-      </p:ext>
-    </p:extLst>
-  </p:cSld>
-  <p:clrMapOvr>
-    <a:masterClrMapping/>
-  </p:clrMapOvr>
-  <p:timing>
-    <p:tnLst>
-      <p:par>
-        <p:cTn id="1" dur="indefinite" restart="never" nodeType="tmRoot">
-          <p:childTnLst>
-            <p:seq concurrent="1" nextAc="seek">
-              <p:cTn id="2" dur="indefinite" nodeType="mainSeq">
-                <p:childTnLst>
-                  <p:par>
-                    <p:cTn id="3" fill="hold">
-                      <p:stCondLst>
-                        <p:cond delay="indefinite"/>
-                      </p:stCondLst>
-                      <p:childTnLst>
-                        <p:par>
-                          <p:cTn id="4" fill="hold">
-                            <p:stCondLst>
-                              <p:cond delay="0"/>
-                            </p:stCondLst>
-                            <p:childTnLst>
-                              <p:par>
-                                <p:cTn id="5" presetID="1" presetClass="entr" presetSubtype="0" fill="hold" grpId="0" nodeType="clickEffect">
-                                  <p:stCondLst>
-                                    <p:cond delay="0"/>
-                                  </p:stCondLst>
-                                  <p:childTnLst>
-                                    <p:set>
-                                      <p:cBhvr>
-                                        <p:cTn id="6" dur="1" fill="hold">
-                                          <p:stCondLst>
-                                            <p:cond delay="0"/>
-                                          </p:stCondLst>
-                                        </p:cTn>
-                                        <p:tgtEl>
-                                          <p:spTgt spid="8"/>
-                                        </p:tgtEl>
-                                        <p:attrNameLst>
-                                          <p:attrName>style.visibility</p:attrName>
-                                        </p:attrNameLst>
-                                      </p:cBhvr>
-                                      <p:to>
-                                        <p:strVal val="visible"/>
-                                      </p:to>
-                                    </p:set>
-                                  </p:childTnLst>
-                                </p:cTn>
-                              </p:par>
-                            </p:childTnLst>
-                          </p:cTn>
-                        </p:par>
-                      </p:childTnLst>
-                    </p:cTn>
-                  </p:par>
-                  <p:par>
-                    <p:cTn id="7" fill="hold">
-                      <p:stCondLst>
-                        <p:cond delay="indefinite"/>
-                      </p:stCondLst>
-                      <p:childTnLst>
-                        <p:par>
-                          <p:cTn id="8" fill="hold">
-                            <p:stCondLst>
-                              <p:cond delay="0"/>
-                            </p:stCondLst>
-                            <p:childTnLst>
-                              <p:par>
-                                <p:cTn id="9" presetID="1" presetClass="entr" presetSubtype="0" fill="hold" grpId="0" nodeType="clickEffect">
-                                  <p:stCondLst>
-                                    <p:cond delay="0"/>
-                                  </p:stCondLst>
-                                  <p:childTnLst>
-                                    <p:set>
-                                      <p:cBhvr>
-                                        <p:cTn id="10" dur="1" fill="hold">
-                                          <p:stCondLst>
-                                            <p:cond delay="0"/>
-                                          </p:stCondLst>
-                                        </p:cTn>
-                                        <p:tgtEl>
-                                          <p:spTgt spid="5"/>
-                                        </p:tgtEl>
-                                        <p:attrNameLst>
-                                          <p:attrName>style.visibility</p:attrName>
-                                        </p:attrNameLst>
-                                      </p:cBhvr>
-                                      <p:to>
-                                        <p:strVal val="visible"/>
-                                      </p:to>
-                                    </p:set>
-                                  </p:childTnLst>
-                                </p:cTn>
-                              </p:par>
-                            </p:childTnLst>
-                          </p:cTn>
-                        </p:par>
-                      </p:childTnLst>
-                    </p:cTn>
-                  </p:par>
-                  <p:par>
-                    <p:cTn id="11" fill="hold">
-                      <p:stCondLst>
-                        <p:cond delay="indefinite"/>
-                      </p:stCondLst>
-                      <p:childTnLst>
-                        <p:par>
-                          <p:cTn id="12" fill="hold">
-                            <p:stCondLst>
-                              <p:cond delay="0"/>
-                            </p:stCondLst>
-                            <p:childTnLst>
-                              <p:par>
-                                <p:cTn id="13" presetID="1" presetClass="entr" presetSubtype="0" fill="hold" grpId="0" nodeType="clickEffect">
-                                  <p:stCondLst>
-                                    <p:cond delay="0"/>
-                                  </p:stCondLst>
-                                  <p:childTnLst>
-                                    <p:set>
-                                      <p:cBhvr>
-                                        <p:cTn id="14" dur="1" fill="hold">
-                                          <p:stCondLst>
-                                            <p:cond delay="0"/>
-                                          </p:stCondLst>
-                                        </p:cTn>
-                                        <p:tgtEl>
-                                          <p:spTgt spid="9"/>
-                                        </p:tgtEl>
-                                        <p:attrNameLst>
-                                          <p:attrName>style.visibility</p:attrName>
-                                        </p:attrNameLst>
-                                      </p:cBhvr>
-                                      <p:to>
-                                        <p:strVal val="visible"/>
-                                      </p:to>
-                                    </p:set>
-                                  </p:childTnLst>
-                                </p:cTn>
-                              </p:par>
-                            </p:childTnLst>
-                          </p:cTn>
-                        </p:par>
-                      </p:childTnLst>
-                    </p:cTn>
-                  </p:par>
-                  <p:par>
-                    <p:cTn id="15" fill="hold">
-                      <p:stCondLst>
-                        <p:cond delay="indefinite"/>
-                      </p:stCondLst>
-                      <p:childTnLst>
-                        <p:par>
-                          <p:cTn id="16" fill="hold">
-                            <p:stCondLst>
-                              <p:cond delay="0"/>
-                            </p:stCondLst>
-                            <p:childTnLst>
-                              <p:par>
-                                <p:cTn id="17" presetID="1" presetClass="entr" presetSubtype="0" fill="hold" grpId="0" nodeType="clickEffect">
-                                  <p:stCondLst>
-                                    <p:cond delay="0"/>
-                                  </p:stCondLst>
-                                  <p:childTnLst>
-                                    <p:set>
-                                      <p:cBhvr>
-                                        <p:cTn id="18" dur="1" fill="hold">
-                                          <p:stCondLst>
-                                            <p:cond delay="0"/>
-                                          </p:stCondLst>
-                                        </p:cTn>
-                                        <p:tgtEl>
-                                          <p:spTgt spid="10"/>
-                                        </p:tgtEl>
-                                        <p:attrNameLst>
-                                          <p:attrName>style.visibility</p:attrName>
-                                        </p:attrNameLst>
-                                      </p:cBhvr>
-                                      <p:to>
-                                        <p:strVal val="visible"/>
-                                      </p:to>
-                                    </p:set>
-                                  </p:childTnLst>
-                                </p:cTn>
-                              </p:par>
-                            </p:childTnLst>
-                          </p:cTn>
-                        </p:par>
-                      </p:childTnLst>
-                    </p:cTn>
-                  </p:par>
-                </p:childTnLst>
-              </p:cTn>
-              <p:prevCondLst>
-                <p:cond evt="onPrev" delay="0">
-                  <p:tgtEl>
-                    <p:sldTgt/>
-                  </p:tgtEl>
-                </p:cond>
-              </p:prevCondLst>
-              <p:nextCondLst>
-                <p:cond evt="onNext" delay="0">
-                  <p:tgtEl>
-                    <p:sldTgt/>
-                  </p:tgtEl>
-                </p:cond>
-              </p:nextCondLst>
-            </p:seq>
-          </p:childTnLst>
-        </p:cTn>
-      </p:par>
-    </p:tnLst>
-    <p:bldLst>
-      <p:bldP spid="8" grpId="0"/>
-      <p:bldP spid="9" grpId="0"/>
-      <p:bldP spid="10" grpId="0"/>
-      <p:bldP spid="5" grpId="0"/>
-    </p:bldLst>
-  </p:timing>
-</p:sld>
-</file>
-
-<file path=ppt/slides/slide11.xml><?xml version="1.0" encoding="utf-8"?>
-<p:sld xmlns:a="http://schemas.openxmlformats.org/drawingml/2006/main" xmlns:r="http://schemas.openxmlformats.org/officeDocument/2006/relationships" xmlns:p="http://schemas.openxmlformats.org/presentationml/2006/main">
-  <p:cSld>
-    <p:spTree>
-      <p:nvGrpSpPr>
-        <p:cNvPr id="1" name=""/>
-        <p:cNvGrpSpPr/>
-        <p:nvPr/>
-      </p:nvGrpSpPr>
-      <p:grpSpPr>
-        <a:xfrm>
-          <a:off x="0" y="0"/>
-          <a:ext cx="0" cy="0"/>
-          <a:chOff x="0" y="0"/>
-          <a:chExt cx="0" cy="0"/>
-        </a:xfrm>
-      </p:grpSpPr>
-      <p:sp>
-        <p:nvSpPr>
-          <p:cNvPr id="2" name="Title 1"/>
-          <p:cNvSpPr>
-            <a:spLocks noGrp="1"/>
-          </p:cNvSpPr>
-          <p:nvPr>
-            <p:ph type="title"/>
-          </p:nvPr>
-        </p:nvSpPr>
-        <p:spPr/>
-        <p:txBody>
-          <a:bodyPr/>
-          <a:lstStyle/>
-          <a:p>
-            <a:r>
-              <a:rPr lang="en-US" dirty="0" smtClean="0"/>
-              <a:t>Completed work</a:t>
+              <a:t>What I have learned</a:t>
             </a:r>
             <a:endParaRPr lang="en-US" dirty="0"/>
           </a:p>
@@ -3693,164 +3100,71 @@
             <p:ph idx="1"/>
           </p:nvPr>
         </p:nvSpPr>
-        <p:spPr>
-          <a:xfrm>
-            <a:off x="838200" y="1825624"/>
-            <a:ext cx="10515600" cy="5092887"/>
-          </a:xfrm>
-        </p:spPr>
+        <p:spPr/>
         <p:txBody>
           <a:bodyPr/>
           <a:lstStyle/>
           <a:p>
             <a:r>
               <a:rPr lang="en-US" dirty="0" smtClean="0"/>
-              <a:t>Selecting from input</a:t>
+              <a:t>How to structure business app</a:t>
             </a:r>
           </a:p>
           <a:p>
             <a:pPr lvl="1"/>
             <a:r>
               <a:rPr lang="en-US" dirty="0" smtClean="0"/>
-              <a:t>Multiple instances with atomic select-update</a:t>
+              <a:t>Services</a:t>
             </a:r>
           </a:p>
           <a:p>
             <a:pPr lvl="1"/>
             <a:r>
               <a:rPr lang="en-US" dirty="0" smtClean="0"/>
-              <a:t>Load test ensures input records are not handled twice</a:t>
-            </a:r>
-          </a:p>
-          <a:p>
-            <a:r>
-              <a:rPr lang="en-US" dirty="0" smtClean="0"/>
-              <a:t>Writing to output</a:t>
+              <a:t>Repositories</a:t>
             </a:r>
           </a:p>
           <a:p>
             <a:pPr lvl="1"/>
             <a:r>
               <a:rPr lang="en-US" dirty="0" smtClean="0"/>
-              <a:t>Updates – working</a:t>
+              <a:t>Factories</a:t>
             </a:r>
           </a:p>
           <a:p>
             <a:pPr lvl="1"/>
             <a:r>
               <a:rPr lang="en-US" dirty="0" smtClean="0"/>
-              <a:t>Insert – edge case</a:t>
+              <a:t>Injection</a:t>
+            </a:r>
+          </a:p>
+          <a:p>
+            <a:pPr lvl="1"/>
+            <a:r>
+              <a:rPr lang="en-US" dirty="0" smtClean="0"/>
+              <a:t>UTs</a:t>
+            </a:r>
+          </a:p>
+          <a:p>
+            <a:pPr lvl="1"/>
+            <a:r>
+              <a:rPr lang="en-US" dirty="0" smtClean="0"/>
+              <a:t>Error Handling</a:t>
             </a:r>
           </a:p>
           <a:p>
             <a:pPr lvl="2"/>
             <a:r>
               <a:rPr lang="en-US" dirty="0" smtClean="0"/>
-              <a:t>Existing DB does not have PK auto increment</a:t>
-            </a:r>
-          </a:p>
-          <a:p>
-            <a:pPr lvl="2"/>
-            <a:r>
-              <a:rPr lang="en-US" dirty="0"/>
-              <a:t>PK collision</a:t>
-            </a:r>
-          </a:p>
-          <a:p>
-            <a:pPr lvl="3"/>
-            <a:r>
-              <a:rPr lang="en-US" dirty="0" smtClean="0"/>
-              <a:t>Detecting and logging</a:t>
-            </a:r>
-          </a:p>
-          <a:p>
-            <a:pPr lvl="3"/>
-            <a:r>
-              <a:rPr lang="en-US" dirty="0" smtClean="0"/>
-              <a:t>Planning to retry these</a:t>
-            </a:r>
-          </a:p>
-          <a:p>
-            <a:pPr lvl="4"/>
-            <a:r>
-              <a:rPr lang="en-US" dirty="0" smtClean="0">
-                <a:solidFill>
-                  <a:srgbClr val="FFFF00"/>
-                </a:solidFill>
-              </a:rPr>
-              <a:t>Limiting scope</a:t>
-            </a:r>
-          </a:p>
-          <a:p>
-            <a:pPr lvl="2"/>
-            <a:endParaRPr lang="en-US" dirty="0" smtClean="0"/>
+              <a:t>Recover from Exceptions and resume normal control flow</a:t>
+            </a:r>
           </a:p>
         </p:txBody>
       </p:sp>
-      <p:pic>
-        <p:nvPicPr>
-          <p:cNvPr id="4" name="Picture 3"/>
-          <p:cNvPicPr>
-            <a:picLocks noChangeAspect="1"/>
-          </p:cNvPicPr>
-          <p:nvPr/>
-        </p:nvPicPr>
-        <p:blipFill>
-          <a:blip r:embed="rId2"/>
-          <a:stretch>
-            <a:fillRect/>
-          </a:stretch>
-        </p:blipFill>
-        <p:spPr>
-          <a:xfrm>
-            <a:off x="7062608" y="3348302"/>
-            <a:ext cx="13079444" cy="6212556"/>
-          </a:xfrm>
-          <a:prstGeom prst="rect">
-            <a:avLst/>
-          </a:prstGeom>
-        </p:spPr>
-      </p:pic>
-      <p:cxnSp>
-        <p:nvCxnSpPr>
-          <p:cNvPr id="6" name="Straight Arrow Connector 5"/>
-          <p:cNvCxnSpPr/>
-          <p:nvPr/>
-        </p:nvCxnSpPr>
-        <p:spPr>
-          <a:xfrm>
-            <a:off x="11604813" y="3112994"/>
-            <a:ext cx="0" cy="1385047"/>
-          </a:xfrm>
-          <a:prstGeom prst="straightConnector1">
-            <a:avLst/>
-          </a:prstGeom>
-          <a:ln w="76200">
-            <a:solidFill>
-              <a:srgbClr val="FF0000"/>
-            </a:solidFill>
-            <a:tailEnd type="triangle"/>
-          </a:ln>
-        </p:spPr>
-        <p:style>
-          <a:lnRef idx="1">
-            <a:schemeClr val="accent1"/>
-          </a:lnRef>
-          <a:fillRef idx="0">
-            <a:schemeClr val="accent1"/>
-          </a:fillRef>
-          <a:effectRef idx="0">
-            <a:schemeClr val="accent1"/>
-          </a:effectRef>
-          <a:fontRef idx="minor">
-            <a:schemeClr val="tx1"/>
-          </a:fontRef>
-        </p:style>
-      </p:cxnSp>
     </p:spTree>
     <p:extLst>
       <p:ext uri="{BB962C8B-B14F-4D97-AF65-F5344CB8AC3E}">
-        <p14:creationId xmlns:p14="http://schemas.microsoft.com/office/powerpoint/2010/main" val="2111605369"/>
+        <p14:creationId xmlns:p14="http://schemas.microsoft.com/office/powerpoint/2010/main" val="2058795275"/>
       </p:ext>
     </p:extLst>
   </p:cSld>
@@ -3891,7 +3205,11 @@
                                           </p:stCondLst>
                                         </p:cTn>
                                         <p:tgtEl>
-                                          <p:spTgt spid="4"/>
+                                          <p:spTgt spid="3">
+                                            <p:txEl>
+                                              <p:pRg st="1" end="1"/>
+                                            </p:txEl>
+                                          </p:spTgt>
                                         </p:tgtEl>
                                         <p:attrNameLst>
                                           <p:attrName>style.visibility</p:attrName>
@@ -3913,6 +3231,579 @@
                                     <p:set>
                                       <p:cBhvr>
                                         <p:cTn id="8" dur="1" fill="hold">
+                                          <p:stCondLst>
+                                            <p:cond delay="0"/>
+                                          </p:stCondLst>
+                                        </p:cTn>
+                                        <p:tgtEl>
+                                          <p:spTgt spid="3">
+                                            <p:txEl>
+                                              <p:pRg st="2" end="2"/>
+                                            </p:txEl>
+                                          </p:spTgt>
+                                        </p:tgtEl>
+                                        <p:attrNameLst>
+                                          <p:attrName>style.visibility</p:attrName>
+                                        </p:attrNameLst>
+                                      </p:cBhvr>
+                                      <p:to>
+                                        <p:strVal val="visible"/>
+                                      </p:to>
+                                    </p:set>
+                                  </p:childTnLst>
+                                </p:cTn>
+                              </p:par>
+                              <p:par>
+                                <p:cTn id="9" presetID="1" presetClass="entr" presetSubtype="0" fill="hold" nodeType="withEffect">
+                                  <p:stCondLst>
+                                    <p:cond delay="0"/>
+                                  </p:stCondLst>
+                                  <p:childTnLst>
+                                    <p:set>
+                                      <p:cBhvr>
+                                        <p:cTn id="10" dur="1" fill="hold">
+                                          <p:stCondLst>
+                                            <p:cond delay="0"/>
+                                          </p:stCondLst>
+                                        </p:cTn>
+                                        <p:tgtEl>
+                                          <p:spTgt spid="3">
+                                            <p:txEl>
+                                              <p:pRg st="3" end="3"/>
+                                            </p:txEl>
+                                          </p:spTgt>
+                                        </p:tgtEl>
+                                        <p:attrNameLst>
+                                          <p:attrName>style.visibility</p:attrName>
+                                        </p:attrNameLst>
+                                      </p:cBhvr>
+                                      <p:to>
+                                        <p:strVal val="visible"/>
+                                      </p:to>
+                                    </p:set>
+                                  </p:childTnLst>
+                                </p:cTn>
+                              </p:par>
+                            </p:childTnLst>
+                          </p:cTn>
+                        </p:par>
+                      </p:childTnLst>
+                    </p:cTn>
+                  </p:par>
+                  <p:par>
+                    <p:cTn id="11" fill="hold">
+                      <p:stCondLst>
+                        <p:cond delay="indefinite"/>
+                      </p:stCondLst>
+                      <p:childTnLst>
+                        <p:par>
+                          <p:cTn id="12" fill="hold">
+                            <p:stCondLst>
+                              <p:cond delay="0"/>
+                            </p:stCondLst>
+                            <p:childTnLst>
+                              <p:par>
+                                <p:cTn id="13" presetID="1" presetClass="entr" presetSubtype="0" fill="hold" nodeType="clickEffect">
+                                  <p:stCondLst>
+                                    <p:cond delay="0"/>
+                                  </p:stCondLst>
+                                  <p:childTnLst>
+                                    <p:set>
+                                      <p:cBhvr>
+                                        <p:cTn id="14" dur="1" fill="hold">
+                                          <p:stCondLst>
+                                            <p:cond delay="0"/>
+                                          </p:stCondLst>
+                                        </p:cTn>
+                                        <p:tgtEl>
+                                          <p:spTgt spid="3">
+                                            <p:txEl>
+                                              <p:pRg st="4" end="4"/>
+                                            </p:txEl>
+                                          </p:spTgt>
+                                        </p:tgtEl>
+                                        <p:attrNameLst>
+                                          <p:attrName>style.visibility</p:attrName>
+                                        </p:attrNameLst>
+                                      </p:cBhvr>
+                                      <p:to>
+                                        <p:strVal val="visible"/>
+                                      </p:to>
+                                    </p:set>
+                                  </p:childTnLst>
+                                </p:cTn>
+                              </p:par>
+                              <p:par>
+                                <p:cTn id="15" presetID="1" presetClass="entr" presetSubtype="0" fill="hold" nodeType="withEffect">
+                                  <p:stCondLst>
+                                    <p:cond delay="0"/>
+                                  </p:stCondLst>
+                                  <p:childTnLst>
+                                    <p:set>
+                                      <p:cBhvr>
+                                        <p:cTn id="16" dur="1" fill="hold">
+                                          <p:stCondLst>
+                                            <p:cond delay="0"/>
+                                          </p:stCondLst>
+                                        </p:cTn>
+                                        <p:tgtEl>
+                                          <p:spTgt spid="3">
+                                            <p:txEl>
+                                              <p:pRg st="5" end="5"/>
+                                            </p:txEl>
+                                          </p:spTgt>
+                                        </p:tgtEl>
+                                        <p:attrNameLst>
+                                          <p:attrName>style.visibility</p:attrName>
+                                        </p:attrNameLst>
+                                      </p:cBhvr>
+                                      <p:to>
+                                        <p:strVal val="visible"/>
+                                      </p:to>
+                                    </p:set>
+                                  </p:childTnLst>
+                                </p:cTn>
+                              </p:par>
+                            </p:childTnLst>
+                          </p:cTn>
+                        </p:par>
+                      </p:childTnLst>
+                    </p:cTn>
+                  </p:par>
+                  <p:par>
+                    <p:cTn id="17" fill="hold">
+                      <p:stCondLst>
+                        <p:cond delay="indefinite"/>
+                      </p:stCondLst>
+                      <p:childTnLst>
+                        <p:par>
+                          <p:cTn id="18" fill="hold">
+                            <p:stCondLst>
+                              <p:cond delay="0"/>
+                            </p:stCondLst>
+                            <p:childTnLst>
+                              <p:par>
+                                <p:cTn id="19" presetID="1" presetClass="entr" presetSubtype="0" fill="hold" nodeType="clickEffect">
+                                  <p:stCondLst>
+                                    <p:cond delay="0"/>
+                                  </p:stCondLst>
+                                  <p:childTnLst>
+                                    <p:set>
+                                      <p:cBhvr>
+                                        <p:cTn id="20" dur="1" fill="hold">
+                                          <p:stCondLst>
+                                            <p:cond delay="0"/>
+                                          </p:stCondLst>
+                                        </p:cTn>
+                                        <p:tgtEl>
+                                          <p:spTgt spid="3">
+                                            <p:txEl>
+                                              <p:pRg st="6" end="6"/>
+                                            </p:txEl>
+                                          </p:spTgt>
+                                        </p:tgtEl>
+                                        <p:attrNameLst>
+                                          <p:attrName>style.visibility</p:attrName>
+                                        </p:attrNameLst>
+                                      </p:cBhvr>
+                                      <p:to>
+                                        <p:strVal val="visible"/>
+                                      </p:to>
+                                    </p:set>
+                                  </p:childTnLst>
+                                </p:cTn>
+                              </p:par>
+                              <p:par>
+                                <p:cTn id="21" presetID="1" presetClass="entr" presetSubtype="0" fill="hold" nodeType="withEffect">
+                                  <p:stCondLst>
+                                    <p:cond delay="0"/>
+                                  </p:stCondLst>
+                                  <p:childTnLst>
+                                    <p:set>
+                                      <p:cBhvr>
+                                        <p:cTn id="22" dur="1" fill="hold">
+                                          <p:stCondLst>
+                                            <p:cond delay="0"/>
+                                          </p:stCondLst>
+                                        </p:cTn>
+                                        <p:tgtEl>
+                                          <p:spTgt spid="3">
+                                            <p:txEl>
+                                              <p:pRg st="7" end="7"/>
+                                            </p:txEl>
+                                          </p:spTgt>
+                                        </p:tgtEl>
+                                        <p:attrNameLst>
+                                          <p:attrName>style.visibility</p:attrName>
+                                        </p:attrNameLst>
+                                      </p:cBhvr>
+                                      <p:to>
+                                        <p:strVal val="visible"/>
+                                      </p:to>
+                                    </p:set>
+                                  </p:childTnLst>
+                                </p:cTn>
+                              </p:par>
+                            </p:childTnLst>
+                          </p:cTn>
+                        </p:par>
+                      </p:childTnLst>
+                    </p:cTn>
+                  </p:par>
+                </p:childTnLst>
+              </p:cTn>
+              <p:prevCondLst>
+                <p:cond evt="onPrev" delay="0">
+                  <p:tgtEl>
+                    <p:sldTgt/>
+                  </p:tgtEl>
+                </p:cond>
+              </p:prevCondLst>
+              <p:nextCondLst>
+                <p:cond evt="onNext" delay="0">
+                  <p:tgtEl>
+                    <p:sldTgt/>
+                  </p:tgtEl>
+                </p:cond>
+              </p:nextCondLst>
+            </p:seq>
+          </p:childTnLst>
+        </p:cTn>
+      </p:par>
+    </p:tnLst>
+  </p:timing>
+</p:sld>
+</file>
+
+<file path=ppt/slides/slide11.xml><?xml version="1.0" encoding="utf-8"?>
+<p:sld xmlns:a="http://schemas.openxmlformats.org/drawingml/2006/main" xmlns:r="http://schemas.openxmlformats.org/officeDocument/2006/relationships" xmlns:p="http://schemas.openxmlformats.org/presentationml/2006/main">
+  <p:cSld>
+    <p:spTree>
+      <p:nvGrpSpPr>
+        <p:cNvPr id="1" name=""/>
+        <p:cNvGrpSpPr/>
+        <p:nvPr/>
+      </p:nvGrpSpPr>
+      <p:grpSpPr>
+        <a:xfrm>
+          <a:off x="0" y="0"/>
+          <a:ext cx="0" cy="0"/>
+          <a:chOff x="0" y="0"/>
+          <a:chExt cx="0" cy="0"/>
+        </a:xfrm>
+      </p:grpSpPr>
+      <p:sp>
+        <p:nvSpPr>
+          <p:cNvPr id="2" name="Title 1"/>
+          <p:cNvSpPr>
+            <a:spLocks noGrp="1"/>
+          </p:cNvSpPr>
+          <p:nvPr>
+            <p:ph type="title"/>
+          </p:nvPr>
+        </p:nvSpPr>
+        <p:spPr/>
+        <p:txBody>
+          <a:bodyPr/>
+          <a:lstStyle/>
+          <a:p>
+            <a:r>
+              <a:rPr lang="en-US" dirty="0" smtClean="0"/>
+              <a:t>Still to Research</a:t>
+            </a:r>
+            <a:endParaRPr lang="en-US" dirty="0"/>
+          </a:p>
+        </p:txBody>
+      </p:sp>
+      <p:sp>
+        <p:nvSpPr>
+          <p:cNvPr id="4" name="Content Placeholder 2"/>
+          <p:cNvSpPr txBox="1">
+            <a:spLocks/>
+          </p:cNvSpPr>
+          <p:nvPr/>
+        </p:nvSpPr>
+        <p:spPr>
+          <a:xfrm>
+            <a:off x="990600" y="1690688"/>
+            <a:ext cx="6163491" cy="5241335"/>
+          </a:xfrm>
+          <a:prstGeom prst="rect">
+            <a:avLst/>
+          </a:prstGeom>
+        </p:spPr>
+        <p:txBody>
+          <a:bodyPr vert="horz" lIns="91440" tIns="45720" rIns="91440" bIns="45720" rtlCol="0">
+            <a:normAutofit/>
+          </a:bodyPr>
+          <a:lstStyle>
+            <a:lvl1pPr marL="228600" indent="-228600" algn="l" defTabSz="914400" rtl="0" eaLnBrk="1" latinLnBrk="0" hangingPunct="1">
+              <a:lnSpc>
+                <a:spcPct val="90000"/>
+              </a:lnSpc>
+              <a:spcBef>
+                <a:spcPts val="1000"/>
+              </a:spcBef>
+              <a:buFont typeface="Arial" panose="020B0604020202020204" pitchFamily="34" charset="0"/>
+              <a:buChar char="•"/>
+              <a:defRPr sz="2800" kern="1200">
+                <a:solidFill>
+                  <a:schemeClr val="tx1"/>
+                </a:solidFill>
+                <a:latin typeface="+mn-lt"/>
+                <a:ea typeface="+mn-ea"/>
+                <a:cs typeface="+mn-cs"/>
+              </a:defRPr>
+            </a:lvl1pPr>
+            <a:lvl2pPr marL="685800" indent="-228600" algn="l" defTabSz="914400" rtl="0" eaLnBrk="1" latinLnBrk="0" hangingPunct="1">
+              <a:lnSpc>
+                <a:spcPct val="90000"/>
+              </a:lnSpc>
+              <a:spcBef>
+                <a:spcPts val="500"/>
+              </a:spcBef>
+              <a:buFont typeface="Arial" panose="020B0604020202020204" pitchFamily="34" charset="0"/>
+              <a:buChar char="•"/>
+              <a:defRPr sz="2400" kern="1200">
+                <a:solidFill>
+                  <a:schemeClr val="tx1"/>
+                </a:solidFill>
+                <a:latin typeface="+mn-lt"/>
+                <a:ea typeface="+mn-ea"/>
+                <a:cs typeface="+mn-cs"/>
+              </a:defRPr>
+            </a:lvl2pPr>
+            <a:lvl3pPr marL="1143000" indent="-228600" algn="l" defTabSz="914400" rtl="0" eaLnBrk="1" latinLnBrk="0" hangingPunct="1">
+              <a:lnSpc>
+                <a:spcPct val="90000"/>
+              </a:lnSpc>
+              <a:spcBef>
+                <a:spcPts val="500"/>
+              </a:spcBef>
+              <a:buFont typeface="Arial" panose="020B0604020202020204" pitchFamily="34" charset="0"/>
+              <a:buChar char="•"/>
+              <a:defRPr sz="2000" kern="1200">
+                <a:solidFill>
+                  <a:schemeClr val="tx1"/>
+                </a:solidFill>
+                <a:latin typeface="+mn-lt"/>
+                <a:ea typeface="+mn-ea"/>
+                <a:cs typeface="+mn-cs"/>
+              </a:defRPr>
+            </a:lvl3pPr>
+            <a:lvl4pPr marL="1600200" indent="-228600" algn="l" defTabSz="914400" rtl="0" eaLnBrk="1" latinLnBrk="0" hangingPunct="1">
+              <a:lnSpc>
+                <a:spcPct val="90000"/>
+              </a:lnSpc>
+              <a:spcBef>
+                <a:spcPts val="500"/>
+              </a:spcBef>
+              <a:buFont typeface="Arial" panose="020B0604020202020204" pitchFamily="34" charset="0"/>
+              <a:buChar char="•"/>
+              <a:defRPr sz="1800" kern="1200">
+                <a:solidFill>
+                  <a:schemeClr val="tx1"/>
+                </a:solidFill>
+                <a:latin typeface="+mn-lt"/>
+                <a:ea typeface="+mn-ea"/>
+                <a:cs typeface="+mn-cs"/>
+              </a:defRPr>
+            </a:lvl4pPr>
+            <a:lvl5pPr marL="2057400" indent="-228600" algn="l" defTabSz="914400" rtl="0" eaLnBrk="1" latinLnBrk="0" hangingPunct="1">
+              <a:lnSpc>
+                <a:spcPct val="90000"/>
+              </a:lnSpc>
+              <a:spcBef>
+                <a:spcPts val="500"/>
+              </a:spcBef>
+              <a:buFont typeface="Arial" panose="020B0604020202020204" pitchFamily="34" charset="0"/>
+              <a:buChar char="•"/>
+              <a:defRPr sz="1800" kern="1200">
+                <a:solidFill>
+                  <a:schemeClr val="tx1"/>
+                </a:solidFill>
+                <a:latin typeface="+mn-lt"/>
+                <a:ea typeface="+mn-ea"/>
+                <a:cs typeface="+mn-cs"/>
+              </a:defRPr>
+            </a:lvl5pPr>
+            <a:lvl6pPr marL="2514600" indent="-228600" algn="l" defTabSz="914400" rtl="0" eaLnBrk="1" latinLnBrk="0" hangingPunct="1">
+              <a:lnSpc>
+                <a:spcPct val="90000"/>
+              </a:lnSpc>
+              <a:spcBef>
+                <a:spcPts val="500"/>
+              </a:spcBef>
+              <a:buFont typeface="Arial" panose="020B0604020202020204" pitchFamily="34" charset="0"/>
+              <a:buChar char="•"/>
+              <a:defRPr sz="1800" kern="1200">
+                <a:solidFill>
+                  <a:schemeClr val="tx1"/>
+                </a:solidFill>
+                <a:latin typeface="+mn-lt"/>
+                <a:ea typeface="+mn-ea"/>
+                <a:cs typeface="+mn-cs"/>
+              </a:defRPr>
+            </a:lvl6pPr>
+            <a:lvl7pPr marL="2971800" indent="-228600" algn="l" defTabSz="914400" rtl="0" eaLnBrk="1" latinLnBrk="0" hangingPunct="1">
+              <a:lnSpc>
+                <a:spcPct val="90000"/>
+              </a:lnSpc>
+              <a:spcBef>
+                <a:spcPts val="500"/>
+              </a:spcBef>
+              <a:buFont typeface="Arial" panose="020B0604020202020204" pitchFamily="34" charset="0"/>
+              <a:buChar char="•"/>
+              <a:defRPr sz="1800" kern="1200">
+                <a:solidFill>
+                  <a:schemeClr val="tx1"/>
+                </a:solidFill>
+                <a:latin typeface="+mn-lt"/>
+                <a:ea typeface="+mn-ea"/>
+                <a:cs typeface="+mn-cs"/>
+              </a:defRPr>
+            </a:lvl7pPr>
+            <a:lvl8pPr marL="3429000" indent="-228600" algn="l" defTabSz="914400" rtl="0" eaLnBrk="1" latinLnBrk="0" hangingPunct="1">
+              <a:lnSpc>
+                <a:spcPct val="90000"/>
+              </a:lnSpc>
+              <a:spcBef>
+                <a:spcPts val="500"/>
+              </a:spcBef>
+              <a:buFont typeface="Arial" panose="020B0604020202020204" pitchFamily="34" charset="0"/>
+              <a:buChar char="•"/>
+              <a:defRPr sz="1800" kern="1200">
+                <a:solidFill>
+                  <a:schemeClr val="tx1"/>
+                </a:solidFill>
+                <a:latin typeface="+mn-lt"/>
+                <a:ea typeface="+mn-ea"/>
+                <a:cs typeface="+mn-cs"/>
+              </a:defRPr>
+            </a:lvl8pPr>
+            <a:lvl9pPr marL="3886200" indent="-228600" algn="l" defTabSz="914400" rtl="0" eaLnBrk="1" latinLnBrk="0" hangingPunct="1">
+              <a:lnSpc>
+                <a:spcPct val="90000"/>
+              </a:lnSpc>
+              <a:spcBef>
+                <a:spcPts val="500"/>
+              </a:spcBef>
+              <a:buFont typeface="Arial" panose="020B0604020202020204" pitchFamily="34" charset="0"/>
+              <a:buChar char="•"/>
+              <a:defRPr sz="1800" kern="1200">
+                <a:solidFill>
+                  <a:schemeClr val="tx1"/>
+                </a:solidFill>
+                <a:latin typeface="+mn-lt"/>
+                <a:ea typeface="+mn-ea"/>
+                <a:cs typeface="+mn-cs"/>
+              </a:defRPr>
+            </a:lvl9pPr>
+          </a:lstStyle>
+          <a:p>
+            <a:r>
+              <a:rPr lang="en-US" dirty="0" smtClean="0"/>
+              <a:t>Compile to EXE</a:t>
+            </a:r>
+          </a:p>
+          <a:p>
+            <a:r>
+              <a:rPr lang="en-US" dirty="0" smtClean="0"/>
+              <a:t>Create compile-time constants</a:t>
+            </a:r>
+          </a:p>
+          <a:p>
+            <a:r>
+              <a:rPr lang="en-US" dirty="0" smtClean="0"/>
+              <a:t>How to create anonymous records?</a:t>
+            </a:r>
+          </a:p>
+          <a:p>
+            <a:r>
+              <a:rPr lang="en-US" dirty="0" smtClean="0"/>
+              <a:t>Returning existing object creates new object</a:t>
+            </a:r>
+            <a:endParaRPr lang="en-US" dirty="0"/>
+          </a:p>
+        </p:txBody>
+      </p:sp>
+      <p:sp>
+        <p:nvSpPr>
+          <p:cNvPr id="6" name="TextBox 5"/>
+          <p:cNvSpPr txBox="1"/>
+          <p:nvPr/>
+        </p:nvSpPr>
+        <p:spPr>
+          <a:xfrm>
+            <a:off x="7502238" y="2581997"/>
+            <a:ext cx="4036291" cy="1323439"/>
+          </a:xfrm>
+          <a:prstGeom prst="rect">
+            <a:avLst/>
+          </a:prstGeom>
+          <a:noFill/>
+        </p:spPr>
+        <p:txBody>
+          <a:bodyPr wrap="square" rtlCol="0">
+            <a:spAutoFit/>
+          </a:bodyPr>
+          <a:lstStyle/>
+          <a:p>
+            <a:r>
+              <a:rPr lang="en-US" sz="4000" dirty="0" smtClean="0">
+                <a:solidFill>
+                  <a:srgbClr val="FF0000"/>
+                </a:solidFill>
+              </a:rPr>
+              <a:t>Ready to start a prod app in F#</a:t>
+            </a:r>
+            <a:endParaRPr lang="en-US" sz="4000" dirty="0">
+              <a:solidFill>
+                <a:srgbClr val="FF0000"/>
+              </a:solidFill>
+            </a:endParaRPr>
+          </a:p>
+        </p:txBody>
+      </p:sp>
+    </p:spTree>
+    <p:extLst>
+      <p:ext uri="{BB962C8B-B14F-4D97-AF65-F5344CB8AC3E}">
+        <p14:creationId xmlns:p14="http://schemas.microsoft.com/office/powerpoint/2010/main" val="65708568"/>
+      </p:ext>
+    </p:extLst>
+  </p:cSld>
+  <p:clrMapOvr>
+    <a:masterClrMapping/>
+  </p:clrMapOvr>
+  <p:timing>
+    <p:tnLst>
+      <p:par>
+        <p:cTn id="1" dur="indefinite" restart="never" nodeType="tmRoot">
+          <p:childTnLst>
+            <p:seq concurrent="1" nextAc="seek">
+              <p:cTn id="2" dur="indefinite" nodeType="mainSeq">
+                <p:childTnLst>
+                  <p:par>
+                    <p:cTn id="3" fill="hold">
+                      <p:stCondLst>
+                        <p:cond delay="indefinite"/>
+                      </p:stCondLst>
+                      <p:childTnLst>
+                        <p:par>
+                          <p:cTn id="4" fill="hold">
+                            <p:stCondLst>
+                              <p:cond delay="0"/>
+                            </p:stCondLst>
+                            <p:childTnLst>
+                              <p:par>
+                                <p:cTn id="5" presetID="1" presetClass="entr" presetSubtype="0" fill="hold" grpId="0" nodeType="clickEffect">
+                                  <p:stCondLst>
+                                    <p:cond delay="0"/>
+                                  </p:stCondLst>
+                                  <p:childTnLst>
+                                    <p:set>
+                                      <p:cBhvr>
+                                        <p:cTn id="6" dur="1" fill="hold">
                                           <p:stCondLst>
                                             <p:cond delay="0"/>
                                           </p:stCondLst>
@@ -3958,6 +3849,9 @@
         </p:cTn>
       </p:par>
     </p:tnLst>
+    <p:bldLst>
+      <p:bldP spid="6" grpId="0"/>
+    </p:bldLst>
   </p:timing>
 </p:sld>
 </file>
@@ -3996,7 +3890,7 @@
           <a:p>
             <a:r>
               <a:rPr lang="en-US" dirty="0" smtClean="0"/>
-              <a:t>Features coming soon</a:t>
+              <a:t>Conclusion</a:t>
             </a:r>
             <a:endParaRPr lang="en-US" dirty="0"/>
           </a:p>
@@ -4014,271 +3908,109 @@
         </p:nvSpPr>
         <p:spPr>
           <a:xfrm>
-            <a:off x="7317377" y="1690688"/>
-            <a:ext cx="6163491" cy="4953998"/>
+            <a:off x="838200" y="1825624"/>
+            <a:ext cx="10515600" cy="5032375"/>
           </a:xfrm>
         </p:spPr>
         <p:txBody>
-          <a:bodyPr/>
-          <a:lstStyle/>
-          <a:p>
-            <a:r>
-              <a:rPr lang="en-US" dirty="0" smtClean="0"/>
-              <a:t>Unit Tests</a:t>
-            </a:r>
-            <a:endParaRPr lang="en-US" dirty="0"/>
-          </a:p>
-        </p:txBody>
-      </p:sp>
-      <p:sp>
-        <p:nvSpPr>
-          <p:cNvPr id="4" name="Content Placeholder 2"/>
-          <p:cNvSpPr txBox="1">
-            <a:spLocks/>
-          </p:cNvSpPr>
-          <p:nvPr/>
-        </p:nvSpPr>
-        <p:spPr>
-          <a:xfrm>
-            <a:off x="990600" y="1978025"/>
-            <a:ext cx="6163491" cy="4953998"/>
-          </a:xfrm>
-          <a:prstGeom prst="rect">
-            <a:avLst/>
-          </a:prstGeom>
-        </p:spPr>
-        <p:txBody>
-          <a:bodyPr vert="horz" lIns="91440" tIns="45720" rIns="91440" bIns="45720" rtlCol="0">
+          <a:bodyPr>
             <a:normAutofit/>
           </a:bodyPr>
-          <a:lstStyle>
-            <a:lvl1pPr marL="228600" indent="-228600" algn="l" defTabSz="914400" rtl="0" eaLnBrk="1" latinLnBrk="0" hangingPunct="1">
-              <a:lnSpc>
-                <a:spcPct val="90000"/>
-              </a:lnSpc>
-              <a:spcBef>
-                <a:spcPts val="1000"/>
-              </a:spcBef>
-              <a:buFont typeface="Arial" panose="020B0604020202020204" pitchFamily="34" charset="0"/>
-              <a:buChar char="•"/>
-              <a:defRPr sz="2800" kern="1200">
-                <a:solidFill>
-                  <a:schemeClr val="tx1"/>
-                </a:solidFill>
-                <a:latin typeface="+mn-lt"/>
-                <a:ea typeface="+mn-ea"/>
-                <a:cs typeface="+mn-cs"/>
-              </a:defRPr>
-            </a:lvl1pPr>
-            <a:lvl2pPr marL="685800" indent="-228600" algn="l" defTabSz="914400" rtl="0" eaLnBrk="1" latinLnBrk="0" hangingPunct="1">
-              <a:lnSpc>
-                <a:spcPct val="90000"/>
-              </a:lnSpc>
-              <a:spcBef>
-                <a:spcPts val="500"/>
-              </a:spcBef>
-              <a:buFont typeface="Arial" panose="020B0604020202020204" pitchFamily="34" charset="0"/>
-              <a:buChar char="•"/>
-              <a:defRPr sz="2400" kern="1200">
-                <a:solidFill>
-                  <a:schemeClr val="tx1"/>
-                </a:solidFill>
-                <a:latin typeface="+mn-lt"/>
-                <a:ea typeface="+mn-ea"/>
-                <a:cs typeface="+mn-cs"/>
-              </a:defRPr>
-            </a:lvl2pPr>
-            <a:lvl3pPr marL="1143000" indent="-228600" algn="l" defTabSz="914400" rtl="0" eaLnBrk="1" latinLnBrk="0" hangingPunct="1">
-              <a:lnSpc>
-                <a:spcPct val="90000"/>
-              </a:lnSpc>
-              <a:spcBef>
-                <a:spcPts val="500"/>
-              </a:spcBef>
-              <a:buFont typeface="Arial" panose="020B0604020202020204" pitchFamily="34" charset="0"/>
-              <a:buChar char="•"/>
-              <a:defRPr sz="2000" kern="1200">
-                <a:solidFill>
-                  <a:schemeClr val="tx1"/>
-                </a:solidFill>
-                <a:latin typeface="+mn-lt"/>
-                <a:ea typeface="+mn-ea"/>
-                <a:cs typeface="+mn-cs"/>
-              </a:defRPr>
-            </a:lvl3pPr>
-            <a:lvl4pPr marL="1600200" indent="-228600" algn="l" defTabSz="914400" rtl="0" eaLnBrk="1" latinLnBrk="0" hangingPunct="1">
-              <a:lnSpc>
-                <a:spcPct val="90000"/>
-              </a:lnSpc>
-              <a:spcBef>
-                <a:spcPts val="500"/>
-              </a:spcBef>
-              <a:buFont typeface="Arial" panose="020B0604020202020204" pitchFamily="34" charset="0"/>
-              <a:buChar char="•"/>
-              <a:defRPr sz="1800" kern="1200">
-                <a:solidFill>
-                  <a:schemeClr val="tx1"/>
-                </a:solidFill>
-                <a:latin typeface="+mn-lt"/>
-                <a:ea typeface="+mn-ea"/>
-                <a:cs typeface="+mn-cs"/>
-              </a:defRPr>
-            </a:lvl4pPr>
-            <a:lvl5pPr marL="2057400" indent="-228600" algn="l" defTabSz="914400" rtl="0" eaLnBrk="1" latinLnBrk="0" hangingPunct="1">
-              <a:lnSpc>
-                <a:spcPct val="90000"/>
-              </a:lnSpc>
-              <a:spcBef>
-                <a:spcPts val="500"/>
-              </a:spcBef>
-              <a:buFont typeface="Arial" panose="020B0604020202020204" pitchFamily="34" charset="0"/>
-              <a:buChar char="•"/>
-              <a:defRPr sz="1800" kern="1200">
-                <a:solidFill>
-                  <a:schemeClr val="tx1"/>
-                </a:solidFill>
-                <a:latin typeface="+mn-lt"/>
-                <a:ea typeface="+mn-ea"/>
-                <a:cs typeface="+mn-cs"/>
-              </a:defRPr>
-            </a:lvl5pPr>
-            <a:lvl6pPr marL="2514600" indent="-228600" algn="l" defTabSz="914400" rtl="0" eaLnBrk="1" latinLnBrk="0" hangingPunct="1">
-              <a:lnSpc>
-                <a:spcPct val="90000"/>
-              </a:lnSpc>
-              <a:spcBef>
-                <a:spcPts val="500"/>
-              </a:spcBef>
-              <a:buFont typeface="Arial" panose="020B0604020202020204" pitchFamily="34" charset="0"/>
-              <a:buChar char="•"/>
-              <a:defRPr sz="1800" kern="1200">
-                <a:solidFill>
-                  <a:schemeClr val="tx1"/>
-                </a:solidFill>
-                <a:latin typeface="+mn-lt"/>
-                <a:ea typeface="+mn-ea"/>
-                <a:cs typeface="+mn-cs"/>
-              </a:defRPr>
-            </a:lvl6pPr>
-            <a:lvl7pPr marL="2971800" indent="-228600" algn="l" defTabSz="914400" rtl="0" eaLnBrk="1" latinLnBrk="0" hangingPunct="1">
-              <a:lnSpc>
-                <a:spcPct val="90000"/>
-              </a:lnSpc>
-              <a:spcBef>
-                <a:spcPts val="500"/>
-              </a:spcBef>
-              <a:buFont typeface="Arial" panose="020B0604020202020204" pitchFamily="34" charset="0"/>
-              <a:buChar char="•"/>
-              <a:defRPr sz="1800" kern="1200">
-                <a:solidFill>
-                  <a:schemeClr val="tx1"/>
-                </a:solidFill>
-                <a:latin typeface="+mn-lt"/>
-                <a:ea typeface="+mn-ea"/>
-                <a:cs typeface="+mn-cs"/>
-              </a:defRPr>
-            </a:lvl7pPr>
-            <a:lvl8pPr marL="3429000" indent="-228600" algn="l" defTabSz="914400" rtl="0" eaLnBrk="1" latinLnBrk="0" hangingPunct="1">
-              <a:lnSpc>
-                <a:spcPct val="90000"/>
-              </a:lnSpc>
-              <a:spcBef>
-                <a:spcPts val="500"/>
-              </a:spcBef>
-              <a:buFont typeface="Arial" panose="020B0604020202020204" pitchFamily="34" charset="0"/>
-              <a:buChar char="•"/>
-              <a:defRPr sz="1800" kern="1200">
-                <a:solidFill>
-                  <a:schemeClr val="tx1"/>
-                </a:solidFill>
-                <a:latin typeface="+mn-lt"/>
-                <a:ea typeface="+mn-ea"/>
-                <a:cs typeface="+mn-cs"/>
-              </a:defRPr>
-            </a:lvl8pPr>
-            <a:lvl9pPr marL="3886200" indent="-228600" algn="l" defTabSz="914400" rtl="0" eaLnBrk="1" latinLnBrk="0" hangingPunct="1">
-              <a:lnSpc>
-                <a:spcPct val="90000"/>
-              </a:lnSpc>
-              <a:spcBef>
-                <a:spcPts val="500"/>
-              </a:spcBef>
-              <a:buFont typeface="Arial" panose="020B0604020202020204" pitchFamily="34" charset="0"/>
-              <a:buChar char="•"/>
-              <a:defRPr sz="1800" kern="1200">
-                <a:solidFill>
-                  <a:schemeClr val="tx1"/>
-                </a:solidFill>
-                <a:latin typeface="+mn-lt"/>
-                <a:ea typeface="+mn-ea"/>
-                <a:cs typeface="+mn-cs"/>
-              </a:defRPr>
-            </a:lvl9pPr>
-          </a:lstStyle>
-          <a:p>
-            <a:r>
-              <a:rPr lang="en-US" dirty="0" smtClean="0"/>
-              <a:t>Update status of input records</a:t>
+          <a:lstStyle/>
+          <a:p>
+            <a:r>
+              <a:rPr lang="en-US" dirty="0" smtClean="0"/>
+              <a:t>FP is worth the learning </a:t>
+            </a:r>
+            <a:r>
+              <a:rPr lang="en-US" dirty="0" smtClean="0"/>
+              <a:t>curve</a:t>
             </a:r>
           </a:p>
           <a:p>
             <a:pPr lvl="1"/>
             <a:r>
               <a:rPr lang="en-US" dirty="0" smtClean="0"/>
-              <a:t>Delete successful records</a:t>
-            </a:r>
+              <a:t>1 dev already knows it</a:t>
+            </a:r>
+            <a:endParaRPr lang="en-US" dirty="0" smtClean="0"/>
           </a:p>
           <a:p>
             <a:pPr lvl="1"/>
             <a:r>
               <a:rPr lang="en-US" dirty="0" smtClean="0"/>
-              <a:t>Mark as failed if failed</a:t>
+              <a:t>Way better tutorials than 10 years </a:t>
+            </a:r>
+            <a:r>
+              <a:rPr lang="en-US" dirty="0" smtClean="0"/>
+              <a:t>ago</a:t>
             </a:r>
           </a:p>
           <a:p>
             <a:pPr lvl="1"/>
-            <a:r>
-              <a:rPr lang="en-US" dirty="0" smtClean="0"/>
-              <a:t>Retry PK collisions</a:t>
-            </a:r>
-          </a:p>
-          <a:p>
-            <a:r>
-              <a:rPr lang="en-US" dirty="0" smtClean="0"/>
-              <a:t>Log to DB instead of console</a:t>
-            </a:r>
-          </a:p>
-          <a:p>
-            <a:r>
-              <a:rPr lang="en-US" dirty="0" smtClean="0"/>
-              <a:t>Multiple threads</a:t>
-            </a:r>
-          </a:p>
-          <a:p>
-            <a:r>
-              <a:rPr lang="en-US" dirty="0" smtClean="0"/>
-              <a:t>Better load test</a:t>
+            <a:endParaRPr lang="en-US" dirty="0"/>
+          </a:p>
+          <a:p>
+            <a:r>
+              <a:rPr lang="en-US" dirty="0" smtClean="0"/>
+              <a:t>FP really does lead to less bugs</a:t>
             </a:r>
           </a:p>
           <a:p>
             <a:pPr lvl="1"/>
             <a:r>
               <a:rPr lang="en-US" dirty="0" smtClean="0"/>
-              <a:t>10 instances: don’t always get PK collision</a:t>
-            </a:r>
+              <a:t>Less testing/fixing</a:t>
+            </a:r>
+          </a:p>
+          <a:p>
+            <a:pPr lvl="2"/>
+            <a:r>
+              <a:rPr lang="en-US" dirty="0" smtClean="0">
+                <a:solidFill>
+                  <a:srgbClr val="FFFF00"/>
+                </a:solidFill>
+              </a:rPr>
+              <a:t>Faster dev </a:t>
+            </a:r>
+            <a:r>
+              <a:rPr lang="en-US" dirty="0" smtClean="0">
+                <a:solidFill>
+                  <a:srgbClr val="FFFF00"/>
+                </a:solidFill>
+              </a:rPr>
+              <a:t>time</a:t>
+            </a:r>
+          </a:p>
+          <a:p>
+            <a:pPr lvl="2"/>
+            <a:r>
+              <a:rPr lang="en-US" dirty="0" smtClean="0">
+                <a:solidFill>
+                  <a:srgbClr val="FFFF00"/>
+                </a:solidFill>
+              </a:rPr>
+              <a:t>Once you overcome learning curve</a:t>
+            </a:r>
+            <a:endParaRPr lang="en-US" dirty="0" smtClean="0">
+              <a:solidFill>
+                <a:srgbClr val="FFFF00"/>
+              </a:solidFill>
+            </a:endParaRPr>
           </a:p>
           <a:p>
             <a:pPr lvl="1"/>
             <a:r>
               <a:rPr lang="en-US" dirty="0" smtClean="0"/>
-              <a:t>20 instances: timeout when loading input</a:t>
-            </a:r>
-          </a:p>
-          <a:p>
-            <a:r>
-              <a:rPr lang="en-US" dirty="0" smtClean="0"/>
-              <a:t>Code cleanup</a:t>
-            </a:r>
+              <a:t>Less bugs in </a:t>
+            </a:r>
+            <a:r>
+              <a:rPr lang="en-US" dirty="0" smtClean="0"/>
+              <a:t>prod</a:t>
+            </a:r>
+          </a:p>
+          <a:p>
+            <a:pPr lvl="1"/>
             <a:endParaRPr lang="en-US" dirty="0"/>
           </a:p>
         </p:txBody>
@@ -4286,7 +4018,7 @@
     </p:spTree>
     <p:extLst>
       <p:ext uri="{BB962C8B-B14F-4D97-AF65-F5344CB8AC3E}">
-        <p14:creationId xmlns:p14="http://schemas.microsoft.com/office/powerpoint/2010/main" val="65708568"/>
+        <p14:creationId xmlns:p14="http://schemas.microsoft.com/office/powerpoint/2010/main" val="1261155027"/>
       </p:ext>
     </p:extLst>
   </p:cSld>
@@ -4337,7 +4069,7 @@
           <a:p>
             <a:r>
               <a:rPr lang="en-US" dirty="0" smtClean="0"/>
-              <a:t>Conclusion</a:t>
+              <a:t>Next Steps?</a:t>
             </a:r>
             <a:endParaRPr lang="en-US" dirty="0"/>
           </a:p>
@@ -4360,57 +4092,72 @@
           <a:p>
             <a:r>
               <a:rPr lang="en-US" dirty="0" smtClean="0"/>
-              <a:t>FP is worth the learning curve</a:t>
+              <a:t>Start building data imports in F#</a:t>
+            </a:r>
+          </a:p>
+          <a:p>
+            <a:endParaRPr lang="en-US" dirty="0"/>
+          </a:p>
+          <a:p>
+            <a:r>
+              <a:rPr lang="en-US" dirty="0" smtClean="0"/>
+              <a:t>Support dashboard</a:t>
             </a:r>
           </a:p>
           <a:p>
             <a:pPr lvl="1"/>
             <a:r>
               <a:rPr lang="en-US" dirty="0" smtClean="0"/>
-              <a:t>Way better tutorials than 10 years ago</a:t>
+              <a:t>Fable</a:t>
+            </a:r>
+          </a:p>
+          <a:p>
+            <a:pPr lvl="2"/>
+            <a:r>
+              <a:rPr lang="en-US" dirty="0" smtClean="0"/>
+              <a:t>Compiles F# into Node.JS</a:t>
+            </a:r>
+          </a:p>
+          <a:p>
+            <a:pPr lvl="2"/>
+            <a:r>
+              <a:rPr lang="en-US" dirty="0" smtClean="0"/>
+              <a:t>Same language on front/back end</a:t>
             </a:r>
           </a:p>
           <a:p>
             <a:pPr lvl="1"/>
-            <a:endParaRPr lang="en-US" dirty="0"/>
-          </a:p>
-          <a:p>
-            <a:r>
-              <a:rPr lang="en-US" dirty="0" smtClean="0"/>
-              <a:t>FP really does lead to less bugs</a:t>
+            <a:r>
+              <a:rPr lang="en-US" dirty="0" smtClean="0">
+                <a:solidFill>
+                  <a:srgbClr val="FFFF00"/>
+                </a:solidFill>
+              </a:rPr>
+              <a:t>Full stack developer</a:t>
             </a:r>
           </a:p>
           <a:p>
             <a:pPr lvl="1"/>
             <a:r>
-              <a:rPr lang="en-US" dirty="0" smtClean="0"/>
-              <a:t>Less testing/fixing</a:t>
-            </a:r>
-          </a:p>
-          <a:p>
-            <a:pPr lvl="2"/>
-            <a:r>
               <a:rPr lang="en-US" dirty="0" smtClean="0">
                 <a:solidFill>
                   <a:srgbClr val="FFFF00"/>
                 </a:solidFill>
               </a:rPr>
-              <a:t>Faster dev time</a:t>
-            </a:r>
-          </a:p>
-          <a:p>
-            <a:pPr lvl="1"/>
-            <a:r>
-              <a:rPr lang="en-US" dirty="0" smtClean="0"/>
-              <a:t>Less bugs in prod</a:t>
-            </a:r>
+              <a:t>Design/UX</a:t>
+            </a:r>
+            <a:endParaRPr lang="en-US" dirty="0">
+              <a:solidFill>
+                <a:srgbClr val="FFFF00"/>
+              </a:solidFill>
+            </a:endParaRPr>
           </a:p>
         </p:txBody>
       </p:sp>
     </p:spTree>
     <p:extLst>
       <p:ext uri="{BB962C8B-B14F-4D97-AF65-F5344CB8AC3E}">
-        <p14:creationId xmlns:p14="http://schemas.microsoft.com/office/powerpoint/2010/main" val="1261155027"/>
+        <p14:creationId xmlns:p14="http://schemas.microsoft.com/office/powerpoint/2010/main" val="3766803100"/>
       </p:ext>
     </p:extLst>
   </p:cSld>
@@ -4459,145 +4206,6 @@
           <a:bodyPr/>
           <a:lstStyle/>
           <a:p>
-            <a:r>
-              <a:rPr lang="en-US" dirty="0" smtClean="0"/>
-              <a:t>Next Steps?</a:t>
-            </a:r>
-            <a:endParaRPr lang="en-US" dirty="0"/>
-          </a:p>
-        </p:txBody>
-      </p:sp>
-      <p:sp>
-        <p:nvSpPr>
-          <p:cNvPr id="3" name="Content Placeholder 2"/>
-          <p:cNvSpPr>
-            <a:spLocks noGrp="1"/>
-          </p:cNvSpPr>
-          <p:nvPr>
-            <p:ph idx="1"/>
-          </p:nvPr>
-        </p:nvSpPr>
-        <p:spPr/>
-        <p:txBody>
-          <a:bodyPr/>
-          <a:lstStyle/>
-          <a:p>
-            <a:r>
-              <a:rPr lang="en-US" dirty="0" smtClean="0"/>
-              <a:t>Start building data imports in F#</a:t>
-            </a:r>
-          </a:p>
-          <a:p>
-            <a:endParaRPr lang="en-US" dirty="0"/>
-          </a:p>
-          <a:p>
-            <a:r>
-              <a:rPr lang="en-US" dirty="0" smtClean="0"/>
-              <a:t>Support dashboard</a:t>
-            </a:r>
-          </a:p>
-          <a:p>
-            <a:pPr lvl="1"/>
-            <a:r>
-              <a:rPr lang="en-US" dirty="0" smtClean="0"/>
-              <a:t>Fable</a:t>
-            </a:r>
-          </a:p>
-          <a:p>
-            <a:pPr lvl="2"/>
-            <a:r>
-              <a:rPr lang="en-US" dirty="0" smtClean="0"/>
-              <a:t>Compiles F# into Node.JS</a:t>
-            </a:r>
-          </a:p>
-          <a:p>
-            <a:pPr lvl="2"/>
-            <a:r>
-              <a:rPr lang="en-US" dirty="0" smtClean="0"/>
-              <a:t>Same language on front/back end</a:t>
-            </a:r>
-          </a:p>
-          <a:p>
-            <a:pPr lvl="1"/>
-            <a:r>
-              <a:rPr lang="en-US" dirty="0" smtClean="0">
-                <a:solidFill>
-                  <a:srgbClr val="FFFF00"/>
-                </a:solidFill>
-              </a:rPr>
-              <a:t>Full stack developer</a:t>
-            </a:r>
-          </a:p>
-          <a:p>
-            <a:pPr lvl="1"/>
-            <a:r>
-              <a:rPr lang="en-US" dirty="0" smtClean="0">
-                <a:solidFill>
-                  <a:srgbClr val="FFFF00"/>
-                </a:solidFill>
-              </a:rPr>
-              <a:t>Design/UX</a:t>
-            </a:r>
-            <a:endParaRPr lang="en-US" dirty="0">
-              <a:solidFill>
-                <a:srgbClr val="FFFF00"/>
-              </a:solidFill>
-            </a:endParaRPr>
-          </a:p>
-        </p:txBody>
-      </p:sp>
-    </p:spTree>
-    <p:extLst>
-      <p:ext uri="{BB962C8B-B14F-4D97-AF65-F5344CB8AC3E}">
-        <p14:creationId xmlns:p14="http://schemas.microsoft.com/office/powerpoint/2010/main" val="3766803100"/>
-      </p:ext>
-    </p:extLst>
-  </p:cSld>
-  <p:clrMapOvr>
-    <a:masterClrMapping/>
-  </p:clrMapOvr>
-  <p:timing>
-    <p:tnLst>
-      <p:par>
-        <p:cTn id="1" dur="indefinite" restart="never" nodeType="tmRoot"/>
-      </p:par>
-    </p:tnLst>
-  </p:timing>
-</p:sld>
-</file>
-
-<file path=ppt/slides/slide15.xml><?xml version="1.0" encoding="utf-8"?>
-<p:sld xmlns:a="http://schemas.openxmlformats.org/drawingml/2006/main" xmlns:r="http://schemas.openxmlformats.org/officeDocument/2006/relationships" xmlns:p="http://schemas.openxmlformats.org/presentationml/2006/main">
-  <p:cSld>
-    <p:spTree>
-      <p:nvGrpSpPr>
-        <p:cNvPr id="1" name=""/>
-        <p:cNvGrpSpPr/>
-        <p:nvPr/>
-      </p:nvGrpSpPr>
-      <p:grpSpPr>
-        <a:xfrm>
-          <a:off x="0" y="0"/>
-          <a:ext cx="0" cy="0"/>
-          <a:chOff x="0" y="0"/>
-          <a:chExt cx="0" cy="0"/>
-        </a:xfrm>
-      </p:grpSpPr>
-      <p:sp>
-        <p:nvSpPr>
-          <p:cNvPr id="2" name="Title 1"/>
-          <p:cNvSpPr>
-            <a:spLocks noGrp="1"/>
-          </p:cNvSpPr>
-          <p:nvPr>
-            <p:ph type="title"/>
-          </p:nvPr>
-        </p:nvSpPr>
-        <p:spPr/>
-        <p:txBody>
-          <a:bodyPr/>
-          <a:lstStyle/>
-          <a:p>
             <a:endParaRPr lang="en-US"/>
           </a:p>
         </p:txBody>
@@ -4641,7 +4249,7 @@
 </p:sld>
 </file>
 
-<file path=ppt/slides/slide16.xml><?xml version="1.0" encoding="utf-8"?>
+<file path=ppt/slides/slide15.xml><?xml version="1.0" encoding="utf-8"?>
 <p:sld xmlns:a="http://schemas.openxmlformats.org/drawingml/2006/main" xmlns:r="http://schemas.openxmlformats.org/officeDocument/2006/relationships" xmlns:p="http://schemas.openxmlformats.org/presentationml/2006/main">
   <p:cSld>
     <p:bg>
@@ -5758,6 +5366,325 @@
 </p:sld>
 </file>
 
+<file path=ppt/slides/slide16.xml><?xml version="1.0" encoding="utf-8"?>
+<p:sld xmlns:a="http://schemas.openxmlformats.org/drawingml/2006/main" xmlns:r="http://schemas.openxmlformats.org/officeDocument/2006/relationships" xmlns:p="http://schemas.openxmlformats.org/presentationml/2006/main">
+  <p:cSld>
+    <p:spTree>
+      <p:nvGrpSpPr>
+        <p:cNvPr id="1" name=""/>
+        <p:cNvGrpSpPr/>
+        <p:nvPr/>
+      </p:nvGrpSpPr>
+      <p:grpSpPr>
+        <a:xfrm>
+          <a:off x="0" y="0"/>
+          <a:ext cx="0" cy="0"/>
+          <a:chOff x="0" y="0"/>
+          <a:chExt cx="0" cy="0"/>
+        </a:xfrm>
+      </p:grpSpPr>
+      <p:sp>
+        <p:nvSpPr>
+          <p:cNvPr id="2" name="Title 1"/>
+          <p:cNvSpPr>
+            <a:spLocks noGrp="1"/>
+          </p:cNvSpPr>
+          <p:nvPr>
+            <p:ph type="title"/>
+          </p:nvPr>
+        </p:nvSpPr>
+        <p:spPr/>
+        <p:txBody>
+          <a:bodyPr/>
+          <a:lstStyle/>
+          <a:p>
+            <a:r>
+              <a:rPr lang="en-US" dirty="0" smtClean="0"/>
+              <a:t>Completed work</a:t>
+            </a:r>
+            <a:endParaRPr lang="en-US" dirty="0"/>
+          </a:p>
+        </p:txBody>
+      </p:sp>
+      <p:sp>
+        <p:nvSpPr>
+          <p:cNvPr id="3" name="Content Placeholder 2"/>
+          <p:cNvSpPr>
+            <a:spLocks noGrp="1"/>
+          </p:cNvSpPr>
+          <p:nvPr>
+            <p:ph idx="1"/>
+          </p:nvPr>
+        </p:nvSpPr>
+        <p:spPr>
+          <a:xfrm>
+            <a:off x="838200" y="1825624"/>
+            <a:ext cx="10515600" cy="5092887"/>
+          </a:xfrm>
+        </p:spPr>
+        <p:txBody>
+          <a:bodyPr/>
+          <a:lstStyle/>
+          <a:p>
+            <a:r>
+              <a:rPr lang="en-US" dirty="0" smtClean="0"/>
+              <a:t>Selecting from input</a:t>
+            </a:r>
+          </a:p>
+          <a:p>
+            <a:pPr lvl="1"/>
+            <a:r>
+              <a:rPr lang="en-US" dirty="0" smtClean="0"/>
+              <a:t>Multiple instances with atomic select-update</a:t>
+            </a:r>
+          </a:p>
+          <a:p>
+            <a:pPr lvl="1"/>
+            <a:r>
+              <a:rPr lang="en-US" dirty="0" smtClean="0"/>
+              <a:t>Load test ensures input records are not handled twice</a:t>
+            </a:r>
+          </a:p>
+          <a:p>
+            <a:r>
+              <a:rPr lang="en-US" dirty="0" smtClean="0"/>
+              <a:t>Writing to output</a:t>
+            </a:r>
+          </a:p>
+          <a:p>
+            <a:pPr lvl="1"/>
+            <a:r>
+              <a:rPr lang="en-US" dirty="0" smtClean="0"/>
+              <a:t>Updates – working</a:t>
+            </a:r>
+          </a:p>
+          <a:p>
+            <a:pPr lvl="1"/>
+            <a:r>
+              <a:rPr lang="en-US" dirty="0" smtClean="0"/>
+              <a:t>Insert – edge case</a:t>
+            </a:r>
+          </a:p>
+          <a:p>
+            <a:pPr lvl="2"/>
+            <a:r>
+              <a:rPr lang="en-US" dirty="0" smtClean="0"/>
+              <a:t>Existing DB does not have PK auto increment</a:t>
+            </a:r>
+          </a:p>
+          <a:p>
+            <a:pPr lvl="2"/>
+            <a:r>
+              <a:rPr lang="en-US" dirty="0"/>
+              <a:t>PK collision</a:t>
+            </a:r>
+          </a:p>
+          <a:p>
+            <a:pPr lvl="3"/>
+            <a:r>
+              <a:rPr lang="en-US" dirty="0" smtClean="0"/>
+              <a:t>Detecting and logging</a:t>
+            </a:r>
+          </a:p>
+          <a:p>
+            <a:pPr lvl="3"/>
+            <a:r>
+              <a:rPr lang="en-US" dirty="0" smtClean="0"/>
+              <a:t>Planning to retry these</a:t>
+            </a:r>
+          </a:p>
+          <a:p>
+            <a:pPr lvl="4"/>
+            <a:r>
+              <a:rPr lang="en-US" dirty="0" smtClean="0">
+                <a:solidFill>
+                  <a:srgbClr val="FFFF00"/>
+                </a:solidFill>
+              </a:rPr>
+              <a:t>Limiting scope</a:t>
+            </a:r>
+          </a:p>
+          <a:p>
+            <a:pPr lvl="2"/>
+            <a:endParaRPr lang="en-US" dirty="0" smtClean="0"/>
+          </a:p>
+        </p:txBody>
+      </p:sp>
+      <p:pic>
+        <p:nvPicPr>
+          <p:cNvPr id="4" name="Picture 3"/>
+          <p:cNvPicPr>
+            <a:picLocks noChangeAspect="1"/>
+          </p:cNvPicPr>
+          <p:nvPr/>
+        </p:nvPicPr>
+        <p:blipFill>
+          <a:blip r:embed="rId2"/>
+          <a:stretch>
+            <a:fillRect/>
+          </a:stretch>
+        </p:blipFill>
+        <p:spPr>
+          <a:xfrm>
+            <a:off x="7062608" y="3348302"/>
+            <a:ext cx="13079444" cy="6212556"/>
+          </a:xfrm>
+          <a:prstGeom prst="rect">
+            <a:avLst/>
+          </a:prstGeom>
+        </p:spPr>
+      </p:pic>
+      <p:cxnSp>
+        <p:nvCxnSpPr>
+          <p:cNvPr id="6" name="Straight Arrow Connector 5"/>
+          <p:cNvCxnSpPr/>
+          <p:nvPr/>
+        </p:nvCxnSpPr>
+        <p:spPr>
+          <a:xfrm>
+            <a:off x="11604813" y="3112994"/>
+            <a:ext cx="0" cy="1385047"/>
+          </a:xfrm>
+          <a:prstGeom prst="straightConnector1">
+            <a:avLst/>
+          </a:prstGeom>
+          <a:ln w="76200">
+            <a:solidFill>
+              <a:srgbClr val="FF0000"/>
+            </a:solidFill>
+            <a:tailEnd type="triangle"/>
+          </a:ln>
+        </p:spPr>
+        <p:style>
+          <a:lnRef idx="1">
+            <a:schemeClr val="accent1"/>
+          </a:lnRef>
+          <a:fillRef idx="0">
+            <a:schemeClr val="accent1"/>
+          </a:fillRef>
+          <a:effectRef idx="0">
+            <a:schemeClr val="accent1"/>
+          </a:effectRef>
+          <a:fontRef idx="minor">
+            <a:schemeClr val="tx1"/>
+          </a:fontRef>
+        </p:style>
+      </p:cxnSp>
+    </p:spTree>
+    <p:extLst>
+      <p:ext uri="{BB962C8B-B14F-4D97-AF65-F5344CB8AC3E}">
+        <p14:creationId xmlns:p14="http://schemas.microsoft.com/office/powerpoint/2010/main" val="2111605369"/>
+      </p:ext>
+    </p:extLst>
+  </p:cSld>
+  <p:clrMapOvr>
+    <a:masterClrMapping/>
+  </p:clrMapOvr>
+  <p:timing>
+    <p:tnLst>
+      <p:par>
+        <p:cTn id="1" dur="indefinite" restart="never" nodeType="tmRoot">
+          <p:childTnLst>
+            <p:seq concurrent="1" nextAc="seek">
+              <p:cTn id="2" dur="indefinite" nodeType="mainSeq">
+                <p:childTnLst>
+                  <p:par>
+                    <p:cTn id="3" fill="hold">
+                      <p:stCondLst>
+                        <p:cond delay="indefinite"/>
+                      </p:stCondLst>
+                      <p:childTnLst>
+                        <p:par>
+                          <p:cTn id="4" fill="hold">
+                            <p:stCondLst>
+                              <p:cond delay="0"/>
+                            </p:stCondLst>
+                            <p:childTnLst>
+                              <p:par>
+                                <p:cTn id="5" presetID="1" presetClass="entr" presetSubtype="0" fill="hold" nodeType="clickEffect">
+                                  <p:stCondLst>
+                                    <p:cond delay="0"/>
+                                  </p:stCondLst>
+                                  <p:childTnLst>
+                                    <p:set>
+                                      <p:cBhvr>
+                                        <p:cTn id="6" dur="1" fill="hold">
+                                          <p:stCondLst>
+                                            <p:cond delay="0"/>
+                                          </p:stCondLst>
+                                        </p:cTn>
+                                        <p:tgtEl>
+                                          <p:spTgt spid="4"/>
+                                        </p:tgtEl>
+                                        <p:attrNameLst>
+                                          <p:attrName>style.visibility</p:attrName>
+                                        </p:attrNameLst>
+                                      </p:cBhvr>
+                                      <p:to>
+                                        <p:strVal val="visible"/>
+                                      </p:to>
+                                    </p:set>
+                                  </p:childTnLst>
+                                </p:cTn>
+                              </p:par>
+                              <p:par>
+                                <p:cTn id="7" presetID="1" presetClass="entr" presetSubtype="0" fill="hold" nodeType="withEffect">
+                                  <p:stCondLst>
+                                    <p:cond delay="0"/>
+                                  </p:stCondLst>
+                                  <p:childTnLst>
+                                    <p:set>
+                                      <p:cBhvr>
+                                        <p:cTn id="8" dur="1" fill="hold">
+                                          <p:stCondLst>
+                                            <p:cond delay="0"/>
+                                          </p:stCondLst>
+                                        </p:cTn>
+                                        <p:tgtEl>
+                                          <p:spTgt spid="6"/>
+                                        </p:tgtEl>
+                                        <p:attrNameLst>
+                                          <p:attrName>style.visibility</p:attrName>
+                                        </p:attrNameLst>
+                                      </p:cBhvr>
+                                      <p:to>
+                                        <p:strVal val="visible"/>
+                                      </p:to>
+                                    </p:set>
+                                  </p:childTnLst>
+                                </p:cTn>
+                              </p:par>
+                            </p:childTnLst>
+                          </p:cTn>
+                        </p:par>
+                      </p:childTnLst>
+                    </p:cTn>
+                  </p:par>
+                </p:childTnLst>
+              </p:cTn>
+              <p:prevCondLst>
+                <p:cond evt="onPrev" delay="0">
+                  <p:tgtEl>
+                    <p:sldTgt/>
+                  </p:tgtEl>
+                </p:cond>
+              </p:prevCondLst>
+              <p:nextCondLst>
+                <p:cond evt="onNext" delay="0">
+                  <p:tgtEl>
+                    <p:sldTgt/>
+                  </p:tgtEl>
+                </p:cond>
+              </p:nextCondLst>
+            </p:seq>
+          </p:childTnLst>
+        </p:cTn>
+      </p:par>
+    </p:tnLst>
+  </p:timing>
+</p:sld>
+</file>
+
 <file path=ppt/slides/slide2.xml><?xml version="1.0" encoding="utf-8"?>
 <p:sld xmlns:a="http://schemas.openxmlformats.org/drawingml/2006/main" xmlns:r="http://schemas.openxmlformats.org/officeDocument/2006/relationships" xmlns:p="http://schemas.openxmlformats.org/presentationml/2006/main">
   <p:cSld>
@@ -6332,25 +6259,15 @@
             <a:pPr lvl="1"/>
             <a:r>
               <a:rPr lang="en-US" dirty="0" smtClean="0"/>
-              <a:t>Verbose syntax – {} () </a:t>
-            </a:r>
-            <a:r>
-              <a:rPr lang="en-US" dirty="0" smtClean="0"/>
-              <a:t>[] ;</a:t>
-            </a:r>
-            <a:endParaRPr lang="en-US" dirty="0" smtClean="0"/>
+              <a:t>Verbose syntax – {} () [] ;</a:t>
+            </a:r>
           </a:p>
           <a:p>
             <a:pPr lvl="1"/>
             <a:r>
               <a:rPr lang="en-US" dirty="0" smtClean="0"/>
-              <a:t>Lots of </a:t>
-            </a:r>
-            <a:r>
-              <a:rPr lang="en-US" dirty="0" smtClean="0"/>
-              <a:t>files</a:t>
-            </a:r>
-            <a:endParaRPr lang="en-US" dirty="0" smtClean="0"/>
+              <a:t>Lots of files</a:t>
+            </a:r>
           </a:p>
           <a:p>
             <a:pPr lvl="1"/>
@@ -8069,39 +7986,13 @@
             <a:pPr lvl="1"/>
             <a:r>
               <a:rPr lang="en-US" dirty="0" smtClean="0"/>
-              <a:t>It’s possible to be a manager with no direct reports</a:t>
-            </a:r>
-          </a:p>
-          <a:p>
-            <a:pPr lvl="1"/>
-            <a:r>
-              <a:rPr lang="en-US" dirty="0" smtClean="0"/>
-              <a:t>OR: add UI validation so it’s impossible to set </a:t>
-            </a:r>
-            <a:r>
-              <a:rPr lang="en-US" dirty="0" err="1" smtClean="0"/>
-              <a:t>IsManager</a:t>
-            </a:r>
-            <a:r>
-              <a:rPr lang="en-US" dirty="0" smtClean="0"/>
-              <a:t> = true without adding Direct Reports</a:t>
-            </a:r>
-          </a:p>
-          <a:p>
-            <a:pPr lvl="2"/>
-            <a:r>
-              <a:rPr lang="en-US" dirty="0" smtClean="0">
-                <a:solidFill>
-                  <a:srgbClr val="FF0000"/>
-                </a:solidFill>
-              </a:rPr>
-              <a:t>Probably doesn’t match real life requirements</a:t>
-            </a:r>
-            <a:endParaRPr lang="en-US" dirty="0">
-              <a:solidFill>
-                <a:srgbClr val="FF0000"/>
-              </a:solidFill>
-            </a:endParaRPr>
+              <a:t>It’s possible to be a manager with no direct </a:t>
+            </a:r>
+            <a:r>
+              <a:rPr lang="en-US" dirty="0" smtClean="0"/>
+              <a:t>reports</a:t>
+            </a:r>
+            <a:endParaRPr lang="en-US" dirty="0" smtClean="0"/>
           </a:p>
         </p:txBody>
       </p:sp>
@@ -8376,86 +8267,6 @@
                       </p:childTnLst>
                     </p:cTn>
                   </p:par>
-                  <p:par>
-                    <p:cTn id="21" fill="hold">
-                      <p:stCondLst>
-                        <p:cond delay="indefinite"/>
-                      </p:stCondLst>
-                      <p:childTnLst>
-                        <p:par>
-                          <p:cTn id="22" fill="hold">
-                            <p:stCondLst>
-                              <p:cond delay="0"/>
-                            </p:stCondLst>
-                            <p:childTnLst>
-                              <p:par>
-                                <p:cTn id="23" presetID="1" presetClass="entr" presetSubtype="0" fill="hold" nodeType="clickEffect">
-                                  <p:stCondLst>
-                                    <p:cond delay="0"/>
-                                  </p:stCondLst>
-                                  <p:childTnLst>
-                                    <p:set>
-                                      <p:cBhvr>
-                                        <p:cTn id="24" dur="1" fill="hold">
-                                          <p:stCondLst>
-                                            <p:cond delay="0"/>
-                                          </p:stCondLst>
-                                        </p:cTn>
-                                        <p:tgtEl>
-                                          <p:spTgt spid="3">
-                                            <p:txEl>
-                                              <p:pRg st="9" end="9"/>
-                                            </p:txEl>
-                                          </p:spTgt>
-                                        </p:tgtEl>
-                                        <p:attrNameLst>
-                                          <p:attrName>style.visibility</p:attrName>
-                                        </p:attrNameLst>
-                                      </p:cBhvr>
-                                      <p:to>
-                                        <p:strVal val="visible"/>
-                                      </p:to>
-                                    </p:set>
-                                  </p:childTnLst>
-                                </p:cTn>
-                              </p:par>
-                              <p:par>
-                                <p:cTn id="25" presetID="1" presetClass="entr" presetSubtype="0" fill="hold" nodeType="withEffect">
-                                  <p:stCondLst>
-                                    <p:cond delay="0"/>
-                                  </p:stCondLst>
-                                  <p:childTnLst>
-                                    <p:set>
-                                      <p:cBhvr>
-                                        <p:cTn id="26" dur="1" fill="hold">
-                                          <p:stCondLst>
-                                            <p:cond delay="0"/>
-                                          </p:stCondLst>
-                                        </p:cTn>
-                                        <p:tgtEl>
-                                          <p:spTgt spid="3">
-                                            <p:txEl>
-                                              <p:pRg st="10" end="10"/>
-                                            </p:txEl>
-                                          </p:spTgt>
-                                        </p:tgtEl>
-                                        <p:attrNameLst>
-                                          <p:attrName>style.visibility</p:attrName>
-                                        </p:attrNameLst>
-                                      </p:cBhvr>
-                                      <p:to>
-                                        <p:strVal val="visible"/>
-                                      </p:to>
-                                    </p:set>
-                                  </p:childTnLst>
-                                </p:cTn>
-                              </p:par>
-                            </p:childTnLst>
-                          </p:cTn>
-                        </p:par>
-                      </p:childTnLst>
-                    </p:cTn>
-                  </p:par>
                 </p:childTnLst>
               </p:cTn>
               <p:prevCondLst>
@@ -8515,7 +8326,7 @@
           <a:p>
             <a:r>
               <a:rPr lang="en-US" dirty="0" smtClean="0"/>
-              <a:t>Type Systems</a:t>
+              <a:t>Pros/Cons</a:t>
             </a:r>
             <a:endParaRPr lang="en-US" dirty="0"/>
           </a:p>
@@ -8533,102 +8344,425 @@
         </p:nvSpPr>
         <p:spPr>
           <a:xfrm>
-            <a:off x="838200" y="1825625"/>
-            <a:ext cx="10515600" cy="4908278"/>
+            <a:off x="195944" y="1430383"/>
+            <a:ext cx="5964712" cy="5296988"/>
           </a:xfrm>
         </p:spPr>
         <p:txBody>
-          <a:bodyPr/>
+          <a:bodyPr>
+            <a:normAutofit/>
+          </a:bodyPr>
           <a:lstStyle/>
           <a:p>
             <a:r>
               <a:rPr lang="en-US" dirty="0" smtClean="0"/>
-              <a:t>Both Paradigms:</a:t>
-            </a:r>
-          </a:p>
-          <a:p>
-            <a:r>
-              <a:rPr lang="en-US" dirty="0" smtClean="0"/>
-              <a:t>Hierarchical types</a:t>
+              <a:t>Benefits of FP:</a:t>
             </a:r>
           </a:p>
           <a:p>
             <a:pPr lvl="1"/>
             <a:r>
               <a:rPr lang="en-US" dirty="0" smtClean="0"/>
-              <a:t>base class: Employee</a:t>
+              <a:t>Less testing and fixing</a:t>
+            </a:r>
+          </a:p>
+          <a:p>
+            <a:pPr lvl="2"/>
+            <a:r>
+              <a:rPr lang="en-US" dirty="0" smtClean="0"/>
+              <a:t>So, faster dev time</a:t>
             </a:r>
           </a:p>
           <a:p>
             <a:pPr lvl="1"/>
             <a:r>
               <a:rPr lang="en-US" dirty="0" smtClean="0"/>
-              <a:t>derived class: Manager</a:t>
+              <a:t>Less chance of releasing a bug</a:t>
+            </a:r>
+          </a:p>
+          <a:p>
+            <a:pPr lvl="1"/>
+            <a:endParaRPr lang="en-US" dirty="0"/>
+          </a:p>
+          <a:p>
+            <a:r>
+              <a:rPr lang="en-US" dirty="0" smtClean="0"/>
+              <a:t>Drawbacks:</a:t>
+            </a:r>
+          </a:p>
+          <a:p>
+            <a:pPr lvl="1"/>
+            <a:r>
+              <a:rPr lang="en-US" dirty="0" smtClean="0"/>
+              <a:t>Steep learning curve</a:t>
             </a:r>
           </a:p>
           <a:p>
             <a:pPr lvl="2"/>
             <a:r>
               <a:rPr lang="en-US" dirty="0" smtClean="0"/>
-              <a:t>Only Manager has </a:t>
-            </a:r>
-            <a:r>
-              <a:rPr lang="en-US" dirty="0" err="1" smtClean="0"/>
-              <a:t>DirectReports</a:t>
-            </a:r>
-            <a:r>
-              <a:rPr lang="en-US" dirty="0" smtClean="0"/>
-              <a:t> property</a:t>
+              <a:t>Terse syntax: </a:t>
+            </a:r>
+            <a:r>
+              <a:rPr lang="en-US" strike="sngStrike" dirty="0" smtClean="0"/>
+              <a:t>{} () []</a:t>
             </a:r>
           </a:p>
           <a:p>
             <a:pPr lvl="2"/>
             <a:r>
+              <a:rPr lang="en-US" dirty="0" smtClean="0"/>
+              <a:t>Output of each function is input to next</a:t>
+            </a:r>
+          </a:p>
+          <a:p>
+            <a:pPr lvl="3"/>
+            <a:r>
               <a:rPr lang="en-US" dirty="0" smtClean="0">
                 <a:solidFill>
-                  <a:srgbClr val="FF0000"/>
+                  <a:srgbClr val="FFFF00"/>
                 </a:solidFill>
               </a:rPr>
-              <a:t>Property can still be null</a:t>
-            </a:r>
-          </a:p>
-          <a:p>
+              <a:t>Different style</a:t>
+            </a:r>
+          </a:p>
+          <a:p>
+            <a:pPr lvl="1"/>
+            <a:r>
+              <a:rPr lang="en-US" dirty="0" smtClean="0"/>
+              <a:t>Performance:</a:t>
+            </a:r>
+          </a:p>
+          <a:p>
+            <a:pPr lvl="2"/>
+            <a:r>
+              <a:rPr lang="en-US" dirty="0" smtClean="0"/>
+              <a:t>More garbage collections</a:t>
+            </a:r>
+          </a:p>
+          <a:p>
+            <a:pPr lvl="2"/>
+            <a:r>
+              <a:rPr lang="en-US" dirty="0" smtClean="0"/>
+              <a:t>Copying more objects (optimized</a:t>
+            </a:r>
+            <a:r>
+              <a:rPr lang="en-US" dirty="0" smtClean="0"/>
+              <a:t>)</a:t>
+            </a:r>
+            <a:endParaRPr lang="en-US" dirty="0" smtClean="0"/>
+          </a:p>
+        </p:txBody>
+      </p:sp>
+      <p:sp>
+        <p:nvSpPr>
+          <p:cNvPr id="6" name="Content Placeholder 2"/>
+          <p:cNvSpPr txBox="1">
+            <a:spLocks/>
+          </p:cNvSpPr>
+          <p:nvPr/>
+        </p:nvSpPr>
+        <p:spPr>
+          <a:xfrm>
+            <a:off x="5786417" y="907833"/>
+            <a:ext cx="5964712" cy="5296988"/>
+          </a:xfrm>
+          <a:prstGeom prst="rect">
+            <a:avLst/>
+          </a:prstGeom>
+        </p:spPr>
+        <p:txBody>
+          <a:bodyPr vert="horz" lIns="91440" tIns="45720" rIns="91440" bIns="45720" rtlCol="0">
+            <a:normAutofit/>
+          </a:bodyPr>
+          <a:lstStyle>
+            <a:lvl1pPr marL="228600" indent="-228600" algn="l" defTabSz="914400" rtl="0" eaLnBrk="1" latinLnBrk="0" hangingPunct="1">
+              <a:lnSpc>
+                <a:spcPct val="90000"/>
+              </a:lnSpc>
+              <a:spcBef>
+                <a:spcPts val="1000"/>
+              </a:spcBef>
+              <a:buFont typeface="Arial" panose="020B0604020202020204" pitchFamily="34" charset="0"/>
+              <a:buChar char="•"/>
+              <a:defRPr sz="2800" kern="1200">
+                <a:solidFill>
+                  <a:schemeClr val="tx1"/>
+                </a:solidFill>
+                <a:latin typeface="+mn-lt"/>
+                <a:ea typeface="+mn-ea"/>
+                <a:cs typeface="+mn-cs"/>
+              </a:defRPr>
+            </a:lvl1pPr>
+            <a:lvl2pPr marL="685800" indent="-228600" algn="l" defTabSz="914400" rtl="0" eaLnBrk="1" latinLnBrk="0" hangingPunct="1">
+              <a:lnSpc>
+                <a:spcPct val="90000"/>
+              </a:lnSpc>
+              <a:spcBef>
+                <a:spcPts val="500"/>
+              </a:spcBef>
+              <a:buFont typeface="Arial" panose="020B0604020202020204" pitchFamily="34" charset="0"/>
+              <a:buChar char="•"/>
+              <a:defRPr sz="2400" kern="1200">
+                <a:solidFill>
+                  <a:schemeClr val="tx1"/>
+                </a:solidFill>
+                <a:latin typeface="+mn-lt"/>
+                <a:ea typeface="+mn-ea"/>
+                <a:cs typeface="+mn-cs"/>
+              </a:defRPr>
+            </a:lvl2pPr>
+            <a:lvl3pPr marL="1143000" indent="-228600" algn="l" defTabSz="914400" rtl="0" eaLnBrk="1" latinLnBrk="0" hangingPunct="1">
+              <a:lnSpc>
+                <a:spcPct val="90000"/>
+              </a:lnSpc>
+              <a:spcBef>
+                <a:spcPts val="500"/>
+              </a:spcBef>
+              <a:buFont typeface="Arial" panose="020B0604020202020204" pitchFamily="34" charset="0"/>
+              <a:buChar char="•"/>
+              <a:defRPr sz="2000" kern="1200">
+                <a:solidFill>
+                  <a:schemeClr val="tx1"/>
+                </a:solidFill>
+                <a:latin typeface="+mn-lt"/>
+                <a:ea typeface="+mn-ea"/>
+                <a:cs typeface="+mn-cs"/>
+              </a:defRPr>
+            </a:lvl3pPr>
+            <a:lvl4pPr marL="1600200" indent="-228600" algn="l" defTabSz="914400" rtl="0" eaLnBrk="1" latinLnBrk="0" hangingPunct="1">
+              <a:lnSpc>
+                <a:spcPct val="90000"/>
+              </a:lnSpc>
+              <a:spcBef>
+                <a:spcPts val="500"/>
+              </a:spcBef>
+              <a:buFont typeface="Arial" panose="020B0604020202020204" pitchFamily="34" charset="0"/>
+              <a:buChar char="•"/>
+              <a:defRPr sz="1800" kern="1200">
+                <a:solidFill>
+                  <a:schemeClr val="tx1"/>
+                </a:solidFill>
+                <a:latin typeface="+mn-lt"/>
+                <a:ea typeface="+mn-ea"/>
+                <a:cs typeface="+mn-cs"/>
+              </a:defRPr>
+            </a:lvl4pPr>
+            <a:lvl5pPr marL="2057400" indent="-228600" algn="l" defTabSz="914400" rtl="0" eaLnBrk="1" latinLnBrk="0" hangingPunct="1">
+              <a:lnSpc>
+                <a:spcPct val="90000"/>
+              </a:lnSpc>
+              <a:spcBef>
+                <a:spcPts val="500"/>
+              </a:spcBef>
+              <a:buFont typeface="Arial" panose="020B0604020202020204" pitchFamily="34" charset="0"/>
+              <a:buChar char="•"/>
+              <a:defRPr sz="1800" kern="1200">
+                <a:solidFill>
+                  <a:schemeClr val="tx1"/>
+                </a:solidFill>
+                <a:latin typeface="+mn-lt"/>
+                <a:ea typeface="+mn-ea"/>
+                <a:cs typeface="+mn-cs"/>
+              </a:defRPr>
+            </a:lvl5pPr>
+            <a:lvl6pPr marL="2514600" indent="-228600" algn="l" defTabSz="914400" rtl="0" eaLnBrk="1" latinLnBrk="0" hangingPunct="1">
+              <a:lnSpc>
+                <a:spcPct val="90000"/>
+              </a:lnSpc>
+              <a:spcBef>
+                <a:spcPts val="500"/>
+              </a:spcBef>
+              <a:buFont typeface="Arial" panose="020B0604020202020204" pitchFamily="34" charset="0"/>
+              <a:buChar char="•"/>
+              <a:defRPr sz="1800" kern="1200">
+                <a:solidFill>
+                  <a:schemeClr val="tx1"/>
+                </a:solidFill>
+                <a:latin typeface="+mn-lt"/>
+                <a:ea typeface="+mn-ea"/>
+                <a:cs typeface="+mn-cs"/>
+              </a:defRPr>
+            </a:lvl6pPr>
+            <a:lvl7pPr marL="2971800" indent="-228600" algn="l" defTabSz="914400" rtl="0" eaLnBrk="1" latinLnBrk="0" hangingPunct="1">
+              <a:lnSpc>
+                <a:spcPct val="90000"/>
+              </a:lnSpc>
+              <a:spcBef>
+                <a:spcPts val="500"/>
+              </a:spcBef>
+              <a:buFont typeface="Arial" panose="020B0604020202020204" pitchFamily="34" charset="0"/>
+              <a:buChar char="•"/>
+              <a:defRPr sz="1800" kern="1200">
+                <a:solidFill>
+                  <a:schemeClr val="tx1"/>
+                </a:solidFill>
+                <a:latin typeface="+mn-lt"/>
+                <a:ea typeface="+mn-ea"/>
+                <a:cs typeface="+mn-cs"/>
+              </a:defRPr>
+            </a:lvl7pPr>
+            <a:lvl8pPr marL="3429000" indent="-228600" algn="l" defTabSz="914400" rtl="0" eaLnBrk="1" latinLnBrk="0" hangingPunct="1">
+              <a:lnSpc>
+                <a:spcPct val="90000"/>
+              </a:lnSpc>
+              <a:spcBef>
+                <a:spcPts val="500"/>
+              </a:spcBef>
+              <a:buFont typeface="Arial" panose="020B0604020202020204" pitchFamily="34" charset="0"/>
+              <a:buChar char="•"/>
+              <a:defRPr sz="1800" kern="1200">
+                <a:solidFill>
+                  <a:schemeClr val="tx1"/>
+                </a:solidFill>
+                <a:latin typeface="+mn-lt"/>
+                <a:ea typeface="+mn-ea"/>
+                <a:cs typeface="+mn-cs"/>
+              </a:defRPr>
+            </a:lvl8pPr>
+            <a:lvl9pPr marL="3886200" indent="-228600" algn="l" defTabSz="914400" rtl="0" eaLnBrk="1" latinLnBrk="0" hangingPunct="1">
+              <a:lnSpc>
+                <a:spcPct val="90000"/>
+              </a:lnSpc>
+              <a:spcBef>
+                <a:spcPts val="500"/>
+              </a:spcBef>
+              <a:buFont typeface="Arial" panose="020B0604020202020204" pitchFamily="34" charset="0"/>
+              <a:buChar char="•"/>
+              <a:defRPr sz="1800" kern="1200">
+                <a:solidFill>
+                  <a:schemeClr val="tx1"/>
+                </a:solidFill>
+                <a:latin typeface="+mn-lt"/>
+                <a:ea typeface="+mn-ea"/>
+                <a:cs typeface="+mn-cs"/>
+              </a:defRPr>
+            </a:lvl9pPr>
+          </a:lstStyle>
+          <a:p>
+            <a:r>
+              <a:rPr lang="en-US" dirty="0" smtClean="0">
+                <a:solidFill>
+                  <a:srgbClr val="00B0F0"/>
+                </a:solidFill>
+              </a:rPr>
+              <a:t>Performance Solutions</a:t>
+            </a:r>
+          </a:p>
+          <a:p>
+            <a:pPr lvl="1"/>
+            <a:r>
+              <a:rPr lang="en-US" dirty="0" smtClean="0">
+                <a:solidFill>
+                  <a:srgbClr val="00B0F0"/>
+                </a:solidFill>
+              </a:rPr>
+              <a:t>More nodes</a:t>
+            </a:r>
+          </a:p>
+          <a:p>
+            <a:pPr lvl="1"/>
+            <a:r>
+              <a:rPr lang="en-US" dirty="0" smtClean="0">
+                <a:solidFill>
+                  <a:srgbClr val="00B0F0"/>
+                </a:solidFill>
+              </a:rPr>
+              <a:t>Choose when to GC</a:t>
+            </a:r>
+          </a:p>
+          <a:p>
+            <a:pPr lvl="1"/>
+            <a:r>
+              <a:rPr lang="en-US" dirty="0" smtClean="0">
+                <a:solidFill>
+                  <a:srgbClr val="00B0F0"/>
+                </a:solidFill>
+              </a:rPr>
+              <a:t>use Mutable types</a:t>
+            </a:r>
+          </a:p>
+          <a:p>
+            <a:pPr lvl="2"/>
+            <a:r>
+              <a:rPr lang="en-US" dirty="0" smtClean="0">
+                <a:solidFill>
+                  <a:srgbClr val="00B0F0"/>
+                </a:solidFill>
+              </a:rPr>
+              <a:t>Worst case</a:t>
+            </a:r>
+          </a:p>
+          <a:p>
+            <a:pPr lvl="2"/>
+            <a:r>
+              <a:rPr lang="en-US" dirty="0" smtClean="0">
+                <a:solidFill>
+                  <a:srgbClr val="00B0F0"/>
+                </a:solidFill>
+              </a:rPr>
+              <a:t>Only 1 feature in whole app</a:t>
+            </a:r>
+          </a:p>
+          <a:p>
+            <a:pPr lvl="3"/>
+            <a:r>
+              <a:rPr lang="en-US" dirty="0" smtClean="0">
+                <a:solidFill>
+                  <a:srgbClr val="00B0F0"/>
+                </a:solidFill>
+              </a:rPr>
+              <a:t>Rest of app is way more reliable</a:t>
+            </a:r>
+          </a:p>
+          <a:p>
+            <a:pPr lvl="3"/>
             <a:endParaRPr lang="en-US" dirty="0"/>
           </a:p>
           <a:p>
-            <a:r>
-              <a:rPr lang="en-US" dirty="0" smtClean="0"/>
-              <a:t>Flat types</a:t>
-            </a:r>
-          </a:p>
-          <a:p>
             <a:pPr lvl="1"/>
             <a:r>
-              <a:rPr lang="en-US" dirty="0" smtClean="0"/>
-              <a:t>Match DB model better</a:t>
+              <a:rPr lang="en-US" dirty="0" smtClean="0">
+                <a:solidFill>
+                  <a:srgbClr val="92D050"/>
+                </a:solidFill>
+              </a:rPr>
+              <a:t>Use Go</a:t>
             </a:r>
           </a:p>
           <a:p>
             <a:pPr lvl="2"/>
             <a:r>
-              <a:rPr lang="en-US" dirty="0" smtClean="0"/>
-              <a:t>Relational</a:t>
+              <a:rPr lang="en-US" dirty="0" smtClean="0">
+                <a:solidFill>
+                  <a:srgbClr val="92D050"/>
+                </a:solidFill>
+              </a:rPr>
+              <a:t>CPU-intensive</a:t>
             </a:r>
           </a:p>
           <a:p>
             <a:pPr lvl="2"/>
             <a:r>
-              <a:rPr lang="en-US" dirty="0" smtClean="0"/>
-              <a:t>Document</a:t>
-            </a:r>
-            <a:endParaRPr lang="en-US" dirty="0"/>
+              <a:rPr lang="en-US" dirty="0" smtClean="0">
+                <a:solidFill>
+                  <a:srgbClr val="92D050"/>
+                </a:solidFill>
+              </a:rPr>
+              <a:t>Can’t be done in parallel</a:t>
+            </a:r>
+            <a:endParaRPr lang="en-US" dirty="0">
+              <a:solidFill>
+                <a:srgbClr val="92D050"/>
+              </a:solidFill>
+            </a:endParaRPr>
           </a:p>
         </p:txBody>
       </p:sp>
     </p:spTree>
     <p:extLst>
       <p:ext uri="{BB962C8B-B14F-4D97-AF65-F5344CB8AC3E}">
-        <p14:creationId xmlns:p14="http://schemas.microsoft.com/office/powerpoint/2010/main" val="1152506816"/>
+        <p14:creationId xmlns:p14="http://schemas.microsoft.com/office/powerpoint/2010/main" val="1322410658"/>
       </p:ext>
     </p:extLst>
   </p:cSld>
@@ -8669,9 +8803,9 @@
                                           </p:stCondLst>
                                         </p:cTn>
                                         <p:tgtEl>
-                                          <p:spTgt spid="3">
+                                          <p:spTgt spid="6">
                                             <p:txEl>
-                                              <p:pRg st="5" end="5"/>
+                                              <p:pRg st="0" end="0"/>
                                             </p:txEl>
                                           </p:spTgt>
                                         </p:tgtEl>
@@ -8686,26 +8820,39 @@
                                   </p:childTnLst>
                                 </p:cTn>
                               </p:par>
-                            </p:childTnLst>
-                          </p:cTn>
-                        </p:par>
-                      </p:childTnLst>
-                    </p:cTn>
-                  </p:par>
-                  <p:par>
-                    <p:cTn id="7" fill="hold">
-                      <p:stCondLst>
-                        <p:cond delay="indefinite"/>
-                      </p:stCondLst>
-                      <p:childTnLst>
-                        <p:par>
-                          <p:cTn id="8" fill="hold">
-                            <p:stCondLst>
-                              <p:cond delay="0"/>
-                            </p:stCondLst>
-                            <p:childTnLst>
                               <p:par>
-                                <p:cTn id="9" presetID="1" presetClass="entr" presetSubtype="0" fill="hold" nodeType="clickEffect">
+                                <p:cTn id="7" presetID="1" presetClass="entr" presetSubtype="0" fill="hold" nodeType="withEffect">
+                                  <p:stCondLst>
+                                    <p:cond delay="0"/>
+                                  </p:stCondLst>
+                                  <p:childTnLst>
+                                    <p:set>
+                                      <p:cBhvr>
+                                        <p:cTn id="8" dur="1" fill="hold">
+                                          <p:stCondLst>
+                                            <p:cond delay="0"/>
+                                          </p:stCondLst>
+                                        </p:cTn>
+                                        <p:tgtEl>
+                                          <p:spTgt spid="6">
+                                            <p:txEl>
+                                              <p:pRg st="1" end="1"/>
+                                            </p:txEl>
+                                          </p:spTgt>
+                                        </p:tgtEl>
+                                        <p:attrNameLst>
+                                          <p:attrName>style.visibility</p:attrName>
+                                        </p:attrNameLst>
+                                      </p:cBhvr>
+                                      <p:to>
+                                        <p:strVal val="visible"/>
+                                      </p:to>
+                                    </p:set>
+                                  </p:childTnLst>
+                                </p:cTn>
+                              </p:par>
+                              <p:par>
+                                <p:cTn id="9" presetID="1" presetClass="entr" presetSubtype="0" fill="hold" nodeType="withEffect">
                                   <p:stCondLst>
                                     <p:cond delay="0"/>
                                   </p:stCondLst>
@@ -8718,9 +8865,9 @@
                                           </p:stCondLst>
                                         </p:cTn>
                                         <p:tgtEl>
-                                          <p:spTgt spid="3">
+                                          <p:spTgt spid="6">
                                             <p:txEl>
-                                              <p:pRg st="7" end="7"/>
+                                              <p:pRg st="2" end="2"/>
                                             </p:txEl>
                                           </p:spTgt>
                                         </p:tgtEl>
@@ -8749,9 +8896,9 @@
                                           </p:stCondLst>
                                         </p:cTn>
                                         <p:tgtEl>
-                                          <p:spTgt spid="3">
+                                          <p:spTgt spid="6">
                                             <p:txEl>
-                                              <p:pRg st="8" end="8"/>
+                                              <p:pRg st="3" end="3"/>
                                             </p:txEl>
                                           </p:spTgt>
                                         </p:tgtEl>
@@ -8780,9 +8927,9 @@
                                           </p:stCondLst>
                                         </p:cTn>
                                         <p:tgtEl>
-                                          <p:spTgt spid="3">
+                                          <p:spTgt spid="6">
                                             <p:txEl>
-                                              <p:pRg st="9" end="9"/>
+                                              <p:pRg st="4" end="4"/>
                                             </p:txEl>
                                           </p:spTgt>
                                         </p:tgtEl>
@@ -8811,7 +8958,149 @@
                                           </p:stCondLst>
                                         </p:cTn>
                                         <p:tgtEl>
-                                          <p:spTgt spid="3">
+                                          <p:spTgt spid="6">
+                                            <p:txEl>
+                                              <p:pRg st="5" end="5"/>
+                                            </p:txEl>
+                                          </p:spTgt>
+                                        </p:tgtEl>
+                                        <p:attrNameLst>
+                                          <p:attrName>style.visibility</p:attrName>
+                                        </p:attrNameLst>
+                                      </p:cBhvr>
+                                      <p:to>
+                                        <p:strVal val="visible"/>
+                                      </p:to>
+                                    </p:set>
+                                  </p:childTnLst>
+                                </p:cTn>
+                              </p:par>
+                              <p:par>
+                                <p:cTn id="17" presetID="1" presetClass="entr" presetSubtype="0" fill="hold" nodeType="withEffect">
+                                  <p:stCondLst>
+                                    <p:cond delay="0"/>
+                                  </p:stCondLst>
+                                  <p:childTnLst>
+                                    <p:set>
+                                      <p:cBhvr>
+                                        <p:cTn id="18" dur="1" fill="hold">
+                                          <p:stCondLst>
+                                            <p:cond delay="0"/>
+                                          </p:stCondLst>
+                                        </p:cTn>
+                                        <p:tgtEl>
+                                          <p:spTgt spid="6">
+                                            <p:txEl>
+                                              <p:pRg st="6" end="6"/>
+                                            </p:txEl>
+                                          </p:spTgt>
+                                        </p:tgtEl>
+                                        <p:attrNameLst>
+                                          <p:attrName>style.visibility</p:attrName>
+                                        </p:attrNameLst>
+                                      </p:cBhvr>
+                                      <p:to>
+                                        <p:strVal val="visible"/>
+                                      </p:to>
+                                    </p:set>
+                                  </p:childTnLst>
+                                </p:cTn>
+                              </p:par>
+                            </p:childTnLst>
+                          </p:cTn>
+                        </p:par>
+                      </p:childTnLst>
+                    </p:cTn>
+                  </p:par>
+                  <p:par>
+                    <p:cTn id="19" fill="hold">
+                      <p:stCondLst>
+                        <p:cond delay="indefinite"/>
+                      </p:stCondLst>
+                      <p:childTnLst>
+                        <p:par>
+                          <p:cTn id="20" fill="hold">
+                            <p:stCondLst>
+                              <p:cond delay="0"/>
+                            </p:stCondLst>
+                            <p:childTnLst>
+                              <p:par>
+                                <p:cTn id="21" presetID="1" presetClass="entr" presetSubtype="0" fill="hold" nodeType="clickEffect">
+                                  <p:stCondLst>
+                                    <p:cond delay="0"/>
+                                  </p:stCondLst>
+                                  <p:childTnLst>
+                                    <p:set>
+                                      <p:cBhvr>
+                                        <p:cTn id="22" dur="1" fill="hold">
+                                          <p:stCondLst>
+                                            <p:cond delay="0"/>
+                                          </p:stCondLst>
+                                        </p:cTn>
+                                        <p:tgtEl>
+                                          <p:spTgt spid="6">
+                                            <p:txEl>
+                                              <p:pRg st="8" end="8"/>
+                                            </p:txEl>
+                                          </p:spTgt>
+                                        </p:tgtEl>
+                                        <p:attrNameLst>
+                                          <p:attrName>style.visibility</p:attrName>
+                                        </p:attrNameLst>
+                                      </p:cBhvr>
+                                      <p:to>
+                                        <p:strVal val="visible"/>
+                                      </p:to>
+                                    </p:set>
+                                  </p:childTnLst>
+                                </p:cTn>
+                              </p:par>
+                              <p:par>
+                                <p:cTn id="23" presetID="1" presetClass="entr" presetSubtype="0" fill="hold" nodeType="withEffect">
+                                  <p:stCondLst>
+                                    <p:cond delay="0"/>
+                                  </p:stCondLst>
+                                  <p:childTnLst>
+                                    <p:set>
+                                      <p:cBhvr>
+                                        <p:cTn id="24" dur="1" fill="hold">
+                                          <p:stCondLst>
+                                            <p:cond delay="0"/>
+                                          </p:stCondLst>
+                                        </p:cTn>
+                                        <p:tgtEl>
+                                          <p:spTgt spid="6">
+                                            <p:txEl>
+                                              <p:pRg st="9" end="9"/>
+                                            </p:txEl>
+                                          </p:spTgt>
+                                        </p:tgtEl>
+                                        <p:attrNameLst>
+                                          <p:attrName>style.visibility</p:attrName>
+                                        </p:attrNameLst>
+                                      </p:cBhvr>
+                                      <p:to>
+                                        <p:strVal val="visible"/>
+                                      </p:to>
+                                    </p:set>
+                                  </p:childTnLst>
+                                </p:cTn>
+                              </p:par>
+                              <p:par>
+                                <p:cTn id="25" presetID="1" presetClass="entr" presetSubtype="0" fill="hold" nodeType="withEffect">
+                                  <p:stCondLst>
+                                    <p:cond delay="0"/>
+                                  </p:stCondLst>
+                                  <p:childTnLst>
+                                    <p:set>
+                                      <p:cBhvr>
+                                        <p:cTn id="26" dur="1" fill="hold">
+                                          <p:stCondLst>
+                                            <p:cond delay="0"/>
+                                          </p:stCondLst>
+                                        </p:cTn>
+                                        <p:tgtEl>
+                                          <p:spTgt spid="6">
                                             <p:txEl>
                                               <p:pRg st="10" end="10"/>
                                             </p:txEl>
@@ -8917,7 +9206,7 @@
         </p:spPr>
         <p:txBody>
           <a:bodyPr>
-            <a:normAutofit lnSpcReduction="10000"/>
+            <a:normAutofit/>
           </a:bodyPr>
           <a:lstStyle/>
           <a:p>
@@ -8937,28 +9226,18 @@
             <a:pPr lvl="2"/>
             <a:r>
               <a:rPr lang="en-US" dirty="0" smtClean="0"/>
-              <a:t>Overwrite the same disk sector where the Customer already is</a:t>
-            </a:r>
-          </a:p>
-          <a:p>
-            <a:pPr lvl="1"/>
-            <a:r>
-              <a:rPr lang="en-US" dirty="0" smtClean="0"/>
-              <a:t>Output to screen:</a:t>
+              <a:t>HDD reads from same RAM address</a:t>
             </a:r>
           </a:p>
           <a:p>
             <a:pPr lvl="2"/>
             <a:r>
               <a:rPr lang="en-US" dirty="0" smtClean="0"/>
-              <a:t>Video card always reads from same memory address</a:t>
-            </a:r>
-          </a:p>
-          <a:p>
-            <a:pPr lvl="2"/>
-            <a:r>
-              <a:rPr lang="en-US" dirty="0" smtClean="0"/>
-              <a:t>Need to overwrite existing RGB values for each pixel</a:t>
+              <a:t>Overwrite </a:t>
+            </a:r>
+            <a:r>
+              <a:rPr lang="en-US" dirty="0" smtClean="0"/>
+              <a:t>the same disk sector where the Customer already is</a:t>
             </a:r>
           </a:p>
           <a:p>
@@ -9441,432 +9720,204 @@
           <a:p>
             <a:r>
               <a:rPr lang="en-US" dirty="0" smtClean="0"/>
-              <a:t>Pros/Cons</a:t>
+              <a:t>Results</a:t>
             </a:r>
             <a:endParaRPr lang="en-US" dirty="0"/>
           </a:p>
         </p:txBody>
       </p:sp>
-      <p:sp>
-        <p:nvSpPr>
-          <p:cNvPr id="3" name="Content Placeholder 2"/>
-          <p:cNvSpPr>
-            <a:spLocks noGrp="1"/>
-          </p:cNvSpPr>
-          <p:nvPr>
-            <p:ph idx="1"/>
-          </p:nvPr>
-        </p:nvSpPr>
+      <p:pic>
+        <p:nvPicPr>
+          <p:cNvPr id="4" name="Picture 3"/>
+          <p:cNvPicPr>
+            <a:picLocks noChangeAspect="1"/>
+          </p:cNvPicPr>
+          <p:nvPr/>
+        </p:nvPicPr>
+        <p:blipFill>
+          <a:blip r:embed="rId2"/>
+          <a:stretch>
+            <a:fillRect/>
+          </a:stretch>
+        </p:blipFill>
         <p:spPr>
           <a:xfrm>
-            <a:off x="195944" y="1430383"/>
-            <a:ext cx="5708468" cy="5296988"/>
-          </a:xfrm>
-        </p:spPr>
-        <p:txBody>
-          <a:bodyPr>
-            <a:normAutofit/>
-          </a:bodyPr>
-          <a:lstStyle/>
-          <a:p>
-            <a:r>
-              <a:rPr lang="en-US" dirty="0" smtClean="0"/>
-              <a:t>Benefits of FP:</a:t>
-            </a:r>
-          </a:p>
-          <a:p>
-            <a:pPr lvl="1"/>
-            <a:r>
-              <a:rPr lang="en-US" dirty="0" smtClean="0"/>
-              <a:t>Less testing and fixing</a:t>
-            </a:r>
-          </a:p>
-          <a:p>
-            <a:pPr lvl="2"/>
-            <a:r>
-              <a:rPr lang="en-US" dirty="0" smtClean="0"/>
-              <a:t>So, faster dev time</a:t>
-            </a:r>
-          </a:p>
-          <a:p>
-            <a:pPr lvl="1"/>
-            <a:r>
-              <a:rPr lang="en-US" dirty="0" smtClean="0"/>
-              <a:t>Less chance of releasing a bug</a:t>
-            </a:r>
-          </a:p>
-          <a:p>
-            <a:pPr lvl="1"/>
-            <a:endParaRPr lang="en-US" dirty="0"/>
-          </a:p>
-          <a:p>
-            <a:r>
-              <a:rPr lang="en-US" dirty="0" smtClean="0"/>
-              <a:t>Drawbacks:</a:t>
-            </a:r>
-          </a:p>
-          <a:p>
-            <a:pPr lvl="1"/>
-            <a:r>
-              <a:rPr lang="en-US" dirty="0" smtClean="0"/>
-              <a:t>Steep learning curve</a:t>
-            </a:r>
-          </a:p>
-          <a:p>
-            <a:pPr lvl="2"/>
-            <a:r>
-              <a:rPr lang="en-US" dirty="0" smtClean="0"/>
-              <a:t>Terse syntax: </a:t>
-            </a:r>
-            <a:r>
-              <a:rPr lang="en-US" strike="sngStrike" dirty="0" smtClean="0"/>
-              <a:t>{} () []</a:t>
-            </a:r>
-          </a:p>
-          <a:p>
-            <a:pPr lvl="2"/>
-            <a:r>
-              <a:rPr lang="en-US" dirty="0" smtClean="0"/>
-              <a:t>Output of each function is input to next</a:t>
-            </a:r>
-          </a:p>
-          <a:p>
-            <a:pPr lvl="3"/>
-            <a:r>
-              <a:rPr lang="en-US" dirty="0" smtClean="0">
-                <a:solidFill>
-                  <a:srgbClr val="FFFF00"/>
-                </a:solidFill>
-              </a:rPr>
-              <a:t>Different style</a:t>
-            </a:r>
-          </a:p>
-          <a:p>
-            <a:pPr lvl="1"/>
-            <a:r>
-              <a:rPr lang="en-US" dirty="0" smtClean="0"/>
-              <a:t>Performance:</a:t>
-            </a:r>
-          </a:p>
-          <a:p>
-            <a:pPr lvl="2"/>
-            <a:r>
-              <a:rPr lang="en-US" dirty="0" smtClean="0"/>
-              <a:t>More garbage collections</a:t>
-            </a:r>
-          </a:p>
-          <a:p>
-            <a:pPr lvl="2"/>
-            <a:r>
-              <a:rPr lang="en-US" dirty="0" smtClean="0"/>
-              <a:t>Copying more objects (optimized)</a:t>
-            </a:r>
-          </a:p>
-          <a:p>
-            <a:pPr lvl="2"/>
-            <a:r>
-              <a:rPr lang="en-US" dirty="0" smtClean="0"/>
-              <a:t>More recursive functions (optimized)</a:t>
-            </a:r>
-            <a:endParaRPr lang="en-US" dirty="0"/>
-          </a:p>
-        </p:txBody>
-      </p:sp>
-      <p:sp>
-        <p:nvSpPr>
-          <p:cNvPr id="4" name="Content Placeholder 2"/>
-          <p:cNvSpPr txBox="1">
-            <a:spLocks/>
-          </p:cNvSpPr>
-          <p:nvPr/>
-        </p:nvSpPr>
-        <p:spPr>
-          <a:xfrm>
-            <a:off x="6405155" y="78377"/>
-            <a:ext cx="5066211" cy="6727372"/>
+            <a:off x="4148008" y="3024201"/>
+            <a:ext cx="7849381" cy="2130679"/>
           </a:xfrm>
           <a:prstGeom prst="rect">
             <a:avLst/>
           </a:prstGeom>
         </p:spPr>
+      </p:pic>
+      <p:pic>
+        <p:nvPicPr>
+          <p:cNvPr id="6" name="Picture 5"/>
+          <p:cNvPicPr>
+            <a:picLocks noChangeAspect="1"/>
+          </p:cNvPicPr>
+          <p:nvPr/>
+        </p:nvPicPr>
+        <p:blipFill>
+          <a:blip r:embed="rId3"/>
+          <a:stretch>
+            <a:fillRect/>
+          </a:stretch>
+        </p:blipFill>
+        <p:spPr>
+          <a:xfrm>
+            <a:off x="4148008" y="3867641"/>
+            <a:ext cx="7170159" cy="1731376"/>
+          </a:xfrm>
+          <a:prstGeom prst="rect">
+            <a:avLst/>
+          </a:prstGeom>
+        </p:spPr>
+      </p:pic>
+      <p:sp>
+        <p:nvSpPr>
+          <p:cNvPr id="8" name="TextBox 7"/>
+          <p:cNvSpPr txBox="1"/>
+          <p:nvPr/>
+        </p:nvSpPr>
+        <p:spPr>
+          <a:xfrm>
+            <a:off x="195944" y="1570201"/>
+            <a:ext cx="6159136" cy="1569660"/>
+          </a:xfrm>
+          <a:prstGeom prst="rect">
+            <a:avLst/>
+          </a:prstGeom>
+          <a:noFill/>
+        </p:spPr>
         <p:txBody>
-          <a:bodyPr vert="horz" lIns="91440" tIns="45720" rIns="91440" bIns="45720" rtlCol="0">
-            <a:normAutofit fontScale="92500"/>
+          <a:bodyPr wrap="square" rtlCol="0">
+            <a:spAutoFit/>
           </a:bodyPr>
-          <a:lstStyle>
-            <a:lvl1pPr marL="228600" indent="-228600" algn="l" defTabSz="914400" rtl="0" eaLnBrk="1" latinLnBrk="0" hangingPunct="1">
-              <a:lnSpc>
-                <a:spcPct val="90000"/>
-              </a:lnSpc>
-              <a:spcBef>
-                <a:spcPts val="1000"/>
-              </a:spcBef>
+          <a:lstStyle/>
+          <a:p>
+            <a:pPr marL="285750" indent="-285750">
               <a:buFont typeface="Arial" panose="020B0604020202020204" pitchFamily="34" charset="0"/>
               <a:buChar char="•"/>
-              <a:defRPr sz="2800" kern="1200">
-                <a:solidFill>
-                  <a:schemeClr val="tx1"/>
-                </a:solidFill>
-                <a:latin typeface="+mn-lt"/>
-                <a:ea typeface="+mn-ea"/>
-                <a:cs typeface="+mn-cs"/>
-              </a:defRPr>
-            </a:lvl1pPr>
-            <a:lvl2pPr marL="685800" indent="-228600" algn="l" defTabSz="914400" rtl="0" eaLnBrk="1" latinLnBrk="0" hangingPunct="1">
-              <a:lnSpc>
-                <a:spcPct val="90000"/>
-              </a:lnSpc>
-              <a:spcBef>
-                <a:spcPts val="500"/>
-              </a:spcBef>
+            </a:pPr>
+            <a:r>
+              <a:rPr lang="en-US" sz="2400" dirty="0" smtClean="0"/>
+              <a:t>So far, </a:t>
+            </a:r>
+            <a:r>
+              <a:rPr lang="en-US" sz="2400" dirty="0" smtClean="0"/>
+              <a:t>2 bugs </a:t>
+            </a:r>
+            <a:r>
+              <a:rPr lang="en-US" sz="2400" dirty="0" smtClean="0"/>
+              <a:t>in F# code</a:t>
+            </a:r>
+          </a:p>
+          <a:p>
+            <a:pPr marL="1200150" lvl="2" indent="-285750">
               <a:buFont typeface="Arial" panose="020B0604020202020204" pitchFamily="34" charset="0"/>
               <a:buChar char="•"/>
-              <a:defRPr sz="2400" kern="1200">
-                <a:solidFill>
-                  <a:schemeClr val="tx1"/>
-                </a:solidFill>
-                <a:latin typeface="+mn-lt"/>
-                <a:ea typeface="+mn-ea"/>
-                <a:cs typeface="+mn-cs"/>
-              </a:defRPr>
-            </a:lvl2pPr>
-            <a:lvl3pPr marL="1143000" indent="-228600" algn="l" defTabSz="914400" rtl="0" eaLnBrk="1" latinLnBrk="0" hangingPunct="1">
-              <a:lnSpc>
-                <a:spcPct val="90000"/>
-              </a:lnSpc>
-              <a:spcBef>
-                <a:spcPts val="500"/>
-              </a:spcBef>
+            </a:pPr>
+            <a:r>
+              <a:rPr lang="en-US" sz="2400" dirty="0" smtClean="0"/>
+              <a:t>Wrong value in hardcoded </a:t>
+            </a:r>
+            <a:r>
+              <a:rPr lang="en-US" sz="2400" dirty="0" smtClean="0"/>
+              <a:t>string</a:t>
+            </a:r>
+          </a:p>
+          <a:p>
+            <a:pPr marL="1200150" lvl="2" indent="-285750">
               <a:buFont typeface="Arial" panose="020B0604020202020204" pitchFamily="34" charset="0"/>
               <a:buChar char="•"/>
-              <a:defRPr sz="2000" kern="1200">
-                <a:solidFill>
-                  <a:schemeClr val="tx1"/>
-                </a:solidFill>
-                <a:latin typeface="+mn-lt"/>
-                <a:ea typeface="+mn-ea"/>
-                <a:cs typeface="+mn-cs"/>
-              </a:defRPr>
-            </a:lvl3pPr>
-            <a:lvl4pPr marL="1600200" indent="-228600" algn="l" defTabSz="914400" rtl="0" eaLnBrk="1" latinLnBrk="0" hangingPunct="1">
-              <a:lnSpc>
-                <a:spcPct val="90000"/>
-              </a:lnSpc>
-              <a:spcBef>
-                <a:spcPts val="500"/>
-              </a:spcBef>
+            </a:pPr>
+            <a:r>
+              <a:rPr lang="en-US" sz="2400" dirty="0" smtClean="0"/>
+              <a:t>Pattern match exception</a:t>
+            </a:r>
+          </a:p>
+          <a:p>
+            <a:pPr marL="1657350" lvl="3" indent="-285750">
               <a:buFont typeface="Arial" panose="020B0604020202020204" pitchFamily="34" charset="0"/>
               <a:buChar char="•"/>
-              <a:defRPr sz="1800" kern="1200">
-                <a:solidFill>
-                  <a:schemeClr val="tx1"/>
-                </a:solidFill>
-                <a:latin typeface="+mn-lt"/>
-                <a:ea typeface="+mn-ea"/>
-                <a:cs typeface="+mn-cs"/>
-              </a:defRPr>
-            </a:lvl4pPr>
-            <a:lvl5pPr marL="2057400" indent="-228600" algn="l" defTabSz="914400" rtl="0" eaLnBrk="1" latinLnBrk="0" hangingPunct="1">
-              <a:lnSpc>
-                <a:spcPct val="90000"/>
-              </a:lnSpc>
-              <a:spcBef>
-                <a:spcPts val="500"/>
-              </a:spcBef>
+            </a:pPr>
+            <a:r>
+              <a:rPr lang="en-US" sz="2400" dirty="0" smtClean="0"/>
+              <a:t>Worse in C#</a:t>
+            </a:r>
+            <a:endParaRPr lang="en-US" sz="2400" dirty="0" smtClean="0"/>
+          </a:p>
+        </p:txBody>
+      </p:sp>
+      <p:sp>
+        <p:nvSpPr>
+          <p:cNvPr id="5" name="TextBox 4"/>
+          <p:cNvSpPr txBox="1"/>
+          <p:nvPr/>
+        </p:nvSpPr>
+        <p:spPr>
+          <a:xfrm>
+            <a:off x="6211388" y="1344238"/>
+            <a:ext cx="5142412" cy="830997"/>
+          </a:xfrm>
+          <a:prstGeom prst="rect">
+            <a:avLst/>
+          </a:prstGeom>
+          <a:noFill/>
+        </p:spPr>
+        <p:txBody>
+          <a:bodyPr wrap="square" rtlCol="0">
+            <a:spAutoFit/>
+          </a:bodyPr>
+          <a:lstStyle/>
+          <a:p>
+            <a:pPr marL="285750" indent="-285750">
               <a:buFont typeface="Arial" panose="020B0604020202020204" pitchFamily="34" charset="0"/>
               <a:buChar char="•"/>
-              <a:defRPr sz="1800" kern="1200">
-                <a:solidFill>
-                  <a:schemeClr val="tx1"/>
-                </a:solidFill>
-                <a:latin typeface="+mn-lt"/>
-                <a:ea typeface="+mn-ea"/>
-                <a:cs typeface="+mn-cs"/>
-              </a:defRPr>
-            </a:lvl5pPr>
-            <a:lvl6pPr marL="2514600" indent="-228600" algn="l" defTabSz="914400" rtl="0" eaLnBrk="1" latinLnBrk="0" hangingPunct="1">
-              <a:lnSpc>
-                <a:spcPct val="90000"/>
-              </a:lnSpc>
-              <a:spcBef>
-                <a:spcPts val="500"/>
-              </a:spcBef>
+            </a:pPr>
+            <a:r>
+              <a:rPr lang="en-US" sz="2400" dirty="0" smtClean="0">
+                <a:solidFill>
+                  <a:srgbClr val="FFFF00"/>
+                </a:solidFill>
+              </a:rPr>
+              <a:t>C#</a:t>
+            </a:r>
+          </a:p>
+          <a:p>
+            <a:pPr marL="742950" lvl="1" indent="-285750">
               <a:buFont typeface="Arial" panose="020B0604020202020204" pitchFamily="34" charset="0"/>
               <a:buChar char="•"/>
-              <a:defRPr sz="1800" kern="1200">
-                <a:solidFill>
-                  <a:schemeClr val="tx1"/>
-                </a:solidFill>
-                <a:latin typeface="+mn-lt"/>
-                <a:ea typeface="+mn-ea"/>
-                <a:cs typeface="+mn-cs"/>
-              </a:defRPr>
-            </a:lvl6pPr>
-            <a:lvl7pPr marL="2971800" indent="-228600" algn="l" defTabSz="914400" rtl="0" eaLnBrk="1" latinLnBrk="0" hangingPunct="1">
-              <a:lnSpc>
-                <a:spcPct val="90000"/>
-              </a:lnSpc>
-              <a:spcBef>
-                <a:spcPts val="500"/>
-              </a:spcBef>
-              <a:buFont typeface="Arial" panose="020B0604020202020204" pitchFamily="34" charset="0"/>
-              <a:buChar char="•"/>
-              <a:defRPr sz="1800" kern="1200">
-                <a:solidFill>
-                  <a:schemeClr val="tx1"/>
-                </a:solidFill>
-                <a:latin typeface="+mn-lt"/>
-                <a:ea typeface="+mn-ea"/>
-                <a:cs typeface="+mn-cs"/>
-              </a:defRPr>
-            </a:lvl7pPr>
-            <a:lvl8pPr marL="3429000" indent="-228600" algn="l" defTabSz="914400" rtl="0" eaLnBrk="1" latinLnBrk="0" hangingPunct="1">
-              <a:lnSpc>
-                <a:spcPct val="90000"/>
-              </a:lnSpc>
-              <a:spcBef>
-                <a:spcPts val="500"/>
-              </a:spcBef>
-              <a:buFont typeface="Arial" panose="020B0604020202020204" pitchFamily="34" charset="0"/>
-              <a:buChar char="•"/>
-              <a:defRPr sz="1800" kern="1200">
-                <a:solidFill>
-                  <a:schemeClr val="tx1"/>
-                </a:solidFill>
-                <a:latin typeface="+mn-lt"/>
-                <a:ea typeface="+mn-ea"/>
-                <a:cs typeface="+mn-cs"/>
-              </a:defRPr>
-            </a:lvl8pPr>
-            <a:lvl9pPr marL="3886200" indent="-228600" algn="l" defTabSz="914400" rtl="0" eaLnBrk="1" latinLnBrk="0" hangingPunct="1">
-              <a:lnSpc>
-                <a:spcPct val="90000"/>
-              </a:lnSpc>
-              <a:spcBef>
-                <a:spcPts val="500"/>
-              </a:spcBef>
-              <a:buFont typeface="Arial" panose="020B0604020202020204" pitchFamily="34" charset="0"/>
-              <a:buChar char="•"/>
-              <a:defRPr sz="1800" kern="1200">
-                <a:solidFill>
-                  <a:schemeClr val="tx1"/>
-                </a:solidFill>
-                <a:latin typeface="+mn-lt"/>
-                <a:ea typeface="+mn-ea"/>
-                <a:cs typeface="+mn-cs"/>
-              </a:defRPr>
-            </a:lvl9pPr>
-          </a:lstStyle>
-          <a:p>
-            <a:r>
-              <a:rPr lang="en-US" dirty="0" smtClean="0"/>
-              <a:t>Performance Scenario:</a:t>
-            </a:r>
-          </a:p>
-          <a:p>
-            <a:pPr lvl="1"/>
-            <a:r>
-              <a:rPr lang="en-US" dirty="0" smtClean="0"/>
-              <a:t>You have an array of 1,000 objects</a:t>
-            </a:r>
-          </a:p>
-          <a:p>
-            <a:pPr lvl="1"/>
-            <a:r>
-              <a:rPr lang="en-US" dirty="0" smtClean="0"/>
-              <a:t>Want to change 1 object</a:t>
-            </a:r>
-          </a:p>
-          <a:p>
-            <a:pPr lvl="1"/>
-            <a:endParaRPr lang="en-US" dirty="0"/>
-          </a:p>
-          <a:p>
-            <a:r>
-              <a:rPr lang="en-US" dirty="0" smtClean="0"/>
-              <a:t>OO: do a side effect</a:t>
-            </a:r>
-          </a:p>
-          <a:p>
-            <a:r>
-              <a:rPr lang="en-US" dirty="0" smtClean="0"/>
-              <a:t>FP: copy a new list</a:t>
-            </a:r>
-          </a:p>
-          <a:p>
-            <a:endParaRPr lang="en-US" dirty="0"/>
-          </a:p>
-          <a:p>
-            <a:r>
-              <a:rPr lang="en-US" dirty="0" smtClean="0"/>
-              <a:t>Workarounds:</a:t>
-            </a:r>
-          </a:p>
-          <a:p>
-            <a:pPr lvl="1"/>
-            <a:r>
-              <a:rPr lang="en-US" dirty="0" smtClean="0"/>
-              <a:t>Return delta and update list in side effect layer</a:t>
-            </a:r>
-          </a:p>
-          <a:p>
-            <a:pPr lvl="1"/>
-            <a:r>
-              <a:rPr lang="en-US" dirty="0" smtClean="0"/>
-              <a:t>Break into sub-objects</a:t>
-            </a:r>
-          </a:p>
-          <a:p>
-            <a:pPr lvl="2"/>
-            <a:r>
-              <a:rPr lang="en-US" dirty="0" smtClean="0"/>
-              <a:t>Customer</a:t>
-            </a:r>
-          </a:p>
-          <a:p>
-            <a:pPr lvl="3"/>
-            <a:r>
-              <a:rPr lang="en-US" dirty="0" err="1" smtClean="0"/>
-              <a:t>NameInfo</a:t>
-            </a:r>
-            <a:endParaRPr lang="en-US" dirty="0" smtClean="0"/>
-          </a:p>
-          <a:p>
-            <a:pPr lvl="3"/>
-            <a:r>
-              <a:rPr lang="en-US" dirty="0" err="1" smtClean="0"/>
-              <a:t>AddressInfo</a:t>
-            </a:r>
-            <a:endParaRPr lang="en-US" dirty="0" smtClean="0"/>
-          </a:p>
-          <a:p>
-            <a:pPr lvl="1"/>
-            <a:r>
-              <a:rPr lang="en-US" dirty="0" smtClean="0"/>
-              <a:t>Use a mutable object</a:t>
-            </a:r>
-          </a:p>
-          <a:p>
-            <a:pPr lvl="2"/>
-            <a:r>
-              <a:rPr lang="en-US" dirty="0" smtClean="0"/>
-              <a:t>Decreases predictability</a:t>
-            </a:r>
-          </a:p>
-          <a:p>
-            <a:pPr lvl="2"/>
-            <a:r>
-              <a:rPr lang="en-US" dirty="0" smtClean="0"/>
-              <a:t>Okay if only referenced when writing to DB</a:t>
-            </a:r>
-            <a:endParaRPr lang="en-US" dirty="0"/>
+            </a:pPr>
+            <a:r>
+              <a:rPr lang="en-US" sz="2400" dirty="0" err="1" smtClean="0">
+                <a:solidFill>
+                  <a:srgbClr val="FFFF00"/>
+                </a:solidFill>
+              </a:rPr>
+              <a:t>NotImplementedException</a:t>
+            </a:r>
+            <a:r>
+              <a:rPr lang="en-US" sz="2400" dirty="0" smtClean="0">
+                <a:solidFill>
+                  <a:srgbClr val="FFFF00"/>
+                </a:solidFill>
+              </a:rPr>
+              <a:t> x 10</a:t>
+            </a:r>
+            <a:endParaRPr lang="en-US" sz="2400" dirty="0">
+              <a:solidFill>
+                <a:srgbClr val="FFFF00"/>
+              </a:solidFill>
+            </a:endParaRPr>
           </a:p>
         </p:txBody>
       </p:sp>
     </p:spTree>
     <p:extLst>
       <p:ext uri="{BB962C8B-B14F-4D97-AF65-F5344CB8AC3E}">
-        <p14:creationId xmlns:p14="http://schemas.microsoft.com/office/powerpoint/2010/main" val="1322410658"/>
+        <p14:creationId xmlns:p14="http://schemas.microsoft.com/office/powerpoint/2010/main" val="1656716845"/>
       </p:ext>
     </p:extLst>
   </p:cSld>
@@ -9894,7 +9945,7 @@
                             </p:stCondLst>
                             <p:childTnLst>
                               <p:par>
-                                <p:cTn id="5" presetID="1" presetClass="entr" presetSubtype="0" fill="hold" nodeType="clickEffect">
+                                <p:cTn id="5" presetID="1" presetClass="entr" presetSubtype="0" fill="hold" grpId="0" nodeType="clickEffect">
                                   <p:stCondLst>
                                     <p:cond delay="0"/>
                                   </p:stCondLst>
@@ -9907,73 +9958,7 @@
                                           </p:stCondLst>
                                         </p:cTn>
                                         <p:tgtEl>
-                                          <p:spTgt spid="4">
-                                            <p:txEl>
-                                              <p:pRg st="0" end="0"/>
-                                            </p:txEl>
-                                          </p:spTgt>
-                                        </p:tgtEl>
-                                        <p:attrNameLst>
-                                          <p:attrName>style.visibility</p:attrName>
-                                        </p:attrNameLst>
-                                      </p:cBhvr>
-                                      <p:to>
-                                        <p:strVal val="visible"/>
-                                      </p:to>
-                                    </p:set>
-                                  </p:childTnLst>
-                                </p:cTn>
-                              </p:par>
-                              <p:par>
-                                <p:cTn id="7" presetID="1" presetClass="entr" presetSubtype="0" fill="hold" nodeType="withEffect">
-                                  <p:stCondLst>
-                                    <p:cond delay="0"/>
-                                  </p:stCondLst>
-                                  <p:childTnLst>
-                                    <p:set>
-                                      <p:cBhvr>
-                                        <p:cTn id="8" dur="1" fill="hold">
-                                          <p:stCondLst>
-                                            <p:cond delay="0"/>
-                                          </p:stCondLst>
-                                        </p:cTn>
-                                        <p:tgtEl>
-                                          <p:spTgt spid="4">
-                                            <p:txEl>
-                                              <p:pRg st="1" end="1"/>
-                                            </p:txEl>
-                                          </p:spTgt>
-                                        </p:tgtEl>
-                                        <p:attrNameLst>
-                                          <p:attrName>style.visibility</p:attrName>
-                                        </p:attrNameLst>
-                                      </p:cBhvr>
-                                      <p:to>
-                                        <p:strVal val="visible"/>
-                                      </p:to>
-                                    </p:set>
-                                  </p:childTnLst>
-                                </p:cTn>
-                              </p:par>
-                              <p:par>
-                                <p:cTn id="9" presetID="1" presetClass="entr" presetSubtype="0" fill="hold" nodeType="withEffect">
-                                  <p:stCondLst>
-                                    <p:cond delay="0"/>
-                                  </p:stCondLst>
-                                  <p:childTnLst>
-                                    <p:set>
-                                      <p:cBhvr>
-                                        <p:cTn id="10" dur="1" fill="hold">
-                                          <p:stCondLst>
-                                            <p:cond delay="0"/>
-                                          </p:stCondLst>
-                                        </p:cTn>
-                                        <p:tgtEl>
-                                          <p:spTgt spid="4">
-                                            <p:txEl>
-                                              <p:pRg st="2" end="2"/>
-                                            </p:txEl>
-                                          </p:spTgt>
+                                          <p:spTgt spid="8"/>
                                         </p:tgtEl>
                                         <p:attrNameLst>
                                           <p:attrName>style.visibility</p:attrName>
@@ -9993,364 +9978,32 @@
                     </p:cTn>
                   </p:par>
                   <p:par>
-                    <p:cTn id="11" fill="hold">
+                    <p:cTn id="7" fill="hold">
                       <p:stCondLst>
                         <p:cond delay="indefinite"/>
                       </p:stCondLst>
                       <p:childTnLst>
                         <p:par>
-                          <p:cTn id="12" fill="hold">
+                          <p:cTn id="8" fill="hold">
                             <p:stCondLst>
                               <p:cond delay="0"/>
                             </p:stCondLst>
                             <p:childTnLst>
                               <p:par>
-                                <p:cTn id="13" presetID="1" presetClass="entr" presetSubtype="0" fill="hold" nodeType="clickEffect">
+                                <p:cTn id="9" presetID="1" presetClass="entr" presetSubtype="0" fill="hold" grpId="0" nodeType="clickEffect">
                                   <p:stCondLst>
                                     <p:cond delay="0"/>
                                   </p:stCondLst>
                                   <p:childTnLst>
                                     <p:set>
                                       <p:cBhvr>
-                                        <p:cTn id="14" dur="1" fill="hold">
+                                        <p:cTn id="10" dur="1" fill="hold">
                                           <p:stCondLst>
                                             <p:cond delay="0"/>
                                           </p:stCondLst>
                                         </p:cTn>
                                         <p:tgtEl>
-                                          <p:spTgt spid="4">
-                                            <p:txEl>
-                                              <p:pRg st="4" end="4"/>
-                                            </p:txEl>
-                                          </p:spTgt>
-                                        </p:tgtEl>
-                                        <p:attrNameLst>
-                                          <p:attrName>style.visibility</p:attrName>
-                                        </p:attrNameLst>
-                                      </p:cBhvr>
-                                      <p:to>
-                                        <p:strVal val="visible"/>
-                                      </p:to>
-                                    </p:set>
-                                  </p:childTnLst>
-                                </p:cTn>
-                              </p:par>
-                              <p:par>
-                                <p:cTn id="15" presetID="1" presetClass="entr" presetSubtype="0" fill="hold" nodeType="withEffect">
-                                  <p:stCondLst>
-                                    <p:cond delay="0"/>
-                                  </p:stCondLst>
-                                  <p:childTnLst>
-                                    <p:set>
-                                      <p:cBhvr>
-                                        <p:cTn id="16" dur="1" fill="hold">
-                                          <p:stCondLst>
-                                            <p:cond delay="0"/>
-                                          </p:stCondLst>
-                                        </p:cTn>
-                                        <p:tgtEl>
-                                          <p:spTgt spid="4">
-                                            <p:txEl>
-                                              <p:pRg st="5" end="5"/>
-                                            </p:txEl>
-                                          </p:spTgt>
-                                        </p:tgtEl>
-                                        <p:attrNameLst>
-                                          <p:attrName>style.visibility</p:attrName>
-                                        </p:attrNameLst>
-                                      </p:cBhvr>
-                                      <p:to>
-                                        <p:strVal val="visible"/>
-                                      </p:to>
-                                    </p:set>
-                                  </p:childTnLst>
-                                </p:cTn>
-                              </p:par>
-                            </p:childTnLst>
-                          </p:cTn>
-                        </p:par>
-                      </p:childTnLst>
-                    </p:cTn>
-                  </p:par>
-                  <p:par>
-                    <p:cTn id="17" fill="hold">
-                      <p:stCondLst>
-                        <p:cond delay="indefinite"/>
-                      </p:stCondLst>
-                      <p:childTnLst>
-                        <p:par>
-                          <p:cTn id="18" fill="hold">
-                            <p:stCondLst>
-                              <p:cond delay="0"/>
-                            </p:stCondLst>
-                            <p:childTnLst>
-                              <p:par>
-                                <p:cTn id="19" presetID="1" presetClass="entr" presetSubtype="0" fill="hold" nodeType="clickEffect">
-                                  <p:stCondLst>
-                                    <p:cond delay="0"/>
-                                  </p:stCondLst>
-                                  <p:childTnLst>
-                                    <p:set>
-                                      <p:cBhvr>
-                                        <p:cTn id="20" dur="1" fill="hold">
-                                          <p:stCondLst>
-                                            <p:cond delay="0"/>
-                                          </p:stCondLst>
-                                        </p:cTn>
-                                        <p:tgtEl>
-                                          <p:spTgt spid="4">
-                                            <p:txEl>
-                                              <p:pRg st="7" end="7"/>
-                                            </p:txEl>
-                                          </p:spTgt>
-                                        </p:tgtEl>
-                                        <p:attrNameLst>
-                                          <p:attrName>style.visibility</p:attrName>
-                                        </p:attrNameLst>
-                                      </p:cBhvr>
-                                      <p:to>
-                                        <p:strVal val="visible"/>
-                                      </p:to>
-                                    </p:set>
-                                  </p:childTnLst>
-                                </p:cTn>
-                              </p:par>
-                              <p:par>
-                                <p:cTn id="21" presetID="1" presetClass="entr" presetSubtype="0" fill="hold" nodeType="withEffect">
-                                  <p:stCondLst>
-                                    <p:cond delay="0"/>
-                                  </p:stCondLst>
-                                  <p:childTnLst>
-                                    <p:set>
-                                      <p:cBhvr>
-                                        <p:cTn id="22" dur="1" fill="hold">
-                                          <p:stCondLst>
-                                            <p:cond delay="0"/>
-                                          </p:stCondLst>
-                                        </p:cTn>
-                                        <p:tgtEl>
-                                          <p:spTgt spid="4">
-                                            <p:txEl>
-                                              <p:pRg st="8" end="8"/>
-                                            </p:txEl>
-                                          </p:spTgt>
-                                        </p:tgtEl>
-                                        <p:attrNameLst>
-                                          <p:attrName>style.visibility</p:attrName>
-                                        </p:attrNameLst>
-                                      </p:cBhvr>
-                                      <p:to>
-                                        <p:strVal val="visible"/>
-                                      </p:to>
-                                    </p:set>
-                                  </p:childTnLst>
-                                </p:cTn>
-                              </p:par>
-                              <p:par>
-                                <p:cTn id="23" presetID="1" presetClass="entr" presetSubtype="0" fill="hold" nodeType="withEffect">
-                                  <p:stCondLst>
-                                    <p:cond delay="0"/>
-                                  </p:stCondLst>
-                                  <p:childTnLst>
-                                    <p:set>
-                                      <p:cBhvr>
-                                        <p:cTn id="24" dur="1" fill="hold">
-                                          <p:stCondLst>
-                                            <p:cond delay="0"/>
-                                          </p:stCondLst>
-                                        </p:cTn>
-                                        <p:tgtEl>
-                                          <p:spTgt spid="4">
-                                            <p:txEl>
-                                              <p:pRg st="9" end="9"/>
-                                            </p:txEl>
-                                          </p:spTgt>
-                                        </p:tgtEl>
-                                        <p:attrNameLst>
-                                          <p:attrName>style.visibility</p:attrName>
-                                        </p:attrNameLst>
-                                      </p:cBhvr>
-                                      <p:to>
-                                        <p:strVal val="visible"/>
-                                      </p:to>
-                                    </p:set>
-                                  </p:childTnLst>
-                                </p:cTn>
-                              </p:par>
-                              <p:par>
-                                <p:cTn id="25" presetID="1" presetClass="entr" presetSubtype="0" fill="hold" nodeType="withEffect">
-                                  <p:stCondLst>
-                                    <p:cond delay="0"/>
-                                  </p:stCondLst>
-                                  <p:childTnLst>
-                                    <p:set>
-                                      <p:cBhvr>
-                                        <p:cTn id="26" dur="1" fill="hold">
-                                          <p:stCondLst>
-                                            <p:cond delay="0"/>
-                                          </p:stCondLst>
-                                        </p:cTn>
-                                        <p:tgtEl>
-                                          <p:spTgt spid="4">
-                                            <p:txEl>
-                                              <p:pRg st="10" end="10"/>
-                                            </p:txEl>
-                                          </p:spTgt>
-                                        </p:tgtEl>
-                                        <p:attrNameLst>
-                                          <p:attrName>style.visibility</p:attrName>
-                                        </p:attrNameLst>
-                                      </p:cBhvr>
-                                      <p:to>
-                                        <p:strVal val="visible"/>
-                                      </p:to>
-                                    </p:set>
-                                  </p:childTnLst>
-                                </p:cTn>
-                              </p:par>
-                              <p:par>
-                                <p:cTn id="27" presetID="1" presetClass="entr" presetSubtype="0" fill="hold" nodeType="withEffect">
-                                  <p:stCondLst>
-                                    <p:cond delay="0"/>
-                                  </p:stCondLst>
-                                  <p:childTnLst>
-                                    <p:set>
-                                      <p:cBhvr>
-                                        <p:cTn id="28" dur="1" fill="hold">
-                                          <p:stCondLst>
-                                            <p:cond delay="0"/>
-                                          </p:stCondLst>
-                                        </p:cTn>
-                                        <p:tgtEl>
-                                          <p:spTgt spid="4">
-                                            <p:txEl>
-                                              <p:pRg st="11" end="11"/>
-                                            </p:txEl>
-                                          </p:spTgt>
-                                        </p:tgtEl>
-                                        <p:attrNameLst>
-                                          <p:attrName>style.visibility</p:attrName>
-                                        </p:attrNameLst>
-                                      </p:cBhvr>
-                                      <p:to>
-                                        <p:strVal val="visible"/>
-                                      </p:to>
-                                    </p:set>
-                                  </p:childTnLst>
-                                </p:cTn>
-                              </p:par>
-                              <p:par>
-                                <p:cTn id="29" presetID="1" presetClass="entr" presetSubtype="0" fill="hold" nodeType="withEffect">
-                                  <p:stCondLst>
-                                    <p:cond delay="0"/>
-                                  </p:stCondLst>
-                                  <p:childTnLst>
-                                    <p:set>
-                                      <p:cBhvr>
-                                        <p:cTn id="30" dur="1" fill="hold">
-                                          <p:stCondLst>
-                                            <p:cond delay="0"/>
-                                          </p:stCondLst>
-                                        </p:cTn>
-                                        <p:tgtEl>
-                                          <p:spTgt spid="4">
-                                            <p:txEl>
-                                              <p:pRg st="12" end="12"/>
-                                            </p:txEl>
-                                          </p:spTgt>
-                                        </p:tgtEl>
-                                        <p:attrNameLst>
-                                          <p:attrName>style.visibility</p:attrName>
-                                        </p:attrNameLst>
-                                      </p:cBhvr>
-                                      <p:to>
-                                        <p:strVal val="visible"/>
-                                      </p:to>
-                                    </p:set>
-                                  </p:childTnLst>
-                                </p:cTn>
-                              </p:par>
-                              <p:par>
-                                <p:cTn id="31" presetID="1" presetClass="entr" presetSubtype="0" fill="hold" nodeType="withEffect">
-                                  <p:stCondLst>
-                                    <p:cond delay="0"/>
-                                  </p:stCondLst>
-                                  <p:childTnLst>
-                                    <p:set>
-                                      <p:cBhvr>
-                                        <p:cTn id="32" dur="1" fill="hold">
-                                          <p:stCondLst>
-                                            <p:cond delay="0"/>
-                                          </p:stCondLst>
-                                        </p:cTn>
-                                        <p:tgtEl>
-                                          <p:spTgt spid="4">
-                                            <p:txEl>
-                                              <p:pRg st="13" end="13"/>
-                                            </p:txEl>
-                                          </p:spTgt>
-                                        </p:tgtEl>
-                                        <p:attrNameLst>
-                                          <p:attrName>style.visibility</p:attrName>
-                                        </p:attrNameLst>
-                                      </p:cBhvr>
-                                      <p:to>
-                                        <p:strVal val="visible"/>
-                                      </p:to>
-                                    </p:set>
-                                  </p:childTnLst>
-                                </p:cTn>
-                              </p:par>
-                              <p:par>
-                                <p:cTn id="33" presetID="1" presetClass="entr" presetSubtype="0" fill="hold" nodeType="withEffect">
-                                  <p:stCondLst>
-                                    <p:cond delay="0"/>
-                                  </p:stCondLst>
-                                  <p:childTnLst>
-                                    <p:set>
-                                      <p:cBhvr>
-                                        <p:cTn id="34" dur="1" fill="hold">
-                                          <p:stCondLst>
-                                            <p:cond delay="0"/>
-                                          </p:stCondLst>
-                                        </p:cTn>
-                                        <p:tgtEl>
-                                          <p:spTgt spid="4">
-                                            <p:txEl>
-                                              <p:pRg st="14" end="14"/>
-                                            </p:txEl>
-                                          </p:spTgt>
-                                        </p:tgtEl>
-                                        <p:attrNameLst>
-                                          <p:attrName>style.visibility</p:attrName>
-                                        </p:attrNameLst>
-                                      </p:cBhvr>
-                                      <p:to>
-                                        <p:strVal val="visible"/>
-                                      </p:to>
-                                    </p:set>
-                                  </p:childTnLst>
-                                </p:cTn>
-                              </p:par>
-                              <p:par>
-                                <p:cTn id="35" presetID="1" presetClass="entr" presetSubtype="0" fill="hold" nodeType="withEffect">
-                                  <p:stCondLst>
-                                    <p:cond delay="0"/>
-                                  </p:stCondLst>
-                                  <p:childTnLst>
-                                    <p:set>
-                                      <p:cBhvr>
-                                        <p:cTn id="36" dur="1" fill="hold">
-                                          <p:stCondLst>
-                                            <p:cond delay="0"/>
-                                          </p:stCondLst>
-                                        </p:cTn>
-                                        <p:tgtEl>
-                                          <p:spTgt spid="4">
-                                            <p:txEl>
-                                              <p:pRg st="15" end="15"/>
-                                            </p:txEl>
-                                          </p:spTgt>
+                                          <p:spTgt spid="5"/>
                                         </p:tgtEl>
                                         <p:attrNameLst>
                                           <p:attrName>style.visibility</p:attrName>
@@ -10390,6 +10043,10 @@
         </p:cTn>
       </p:par>
     </p:tnLst>
+    <p:bldLst>
+      <p:bldP spid="8" grpId="0"/>
+      <p:bldP spid="5" grpId="0"/>
+    </p:bldLst>
   </p:timing>
 </p:sld>
 </file>
@@ -10428,7 +10085,7 @@
           <a:p>
             <a:r>
               <a:rPr lang="en-US" dirty="0" smtClean="0"/>
-              <a:t>Would you rather?</a:t>
+              <a:t>Incomplete app</a:t>
             </a:r>
             <a:endParaRPr lang="en-US" dirty="0"/>
           </a:p>
@@ -10436,7 +10093,7 @@
       </p:sp>
       <p:sp>
         <p:nvSpPr>
-          <p:cNvPr id="3" name="Content Placeholder 2"/>
+          <p:cNvPr id="4" name="Content Placeholder 2"/>
           <p:cNvSpPr>
             <a:spLocks noGrp="1"/>
           </p:cNvSpPr>
@@ -10444,117 +10101,317 @@
             <p:ph idx="1"/>
           </p:nvPr>
         </p:nvSpPr>
-        <p:spPr/>
+        <p:spPr>
+          <a:xfrm>
+            <a:off x="838200" y="1728067"/>
+            <a:ext cx="5772727" cy="2059276"/>
+          </a:xfrm>
+        </p:spPr>
         <p:txBody>
-          <a:bodyPr/>
+          <a:bodyPr>
+            <a:normAutofit/>
+          </a:bodyPr>
           <a:lstStyle/>
           <a:p>
             <a:r>
-              <a:rPr lang="en-US" dirty="0" smtClean="0">
+              <a:rPr lang="en-US" dirty="0" smtClean="0"/>
+              <a:t>Features</a:t>
+            </a:r>
+          </a:p>
+          <a:p>
+            <a:pPr lvl="1"/>
+            <a:r>
+              <a:rPr lang="en-US" dirty="0" smtClean="0"/>
+              <a:t>Missing filtering on </a:t>
+            </a:r>
+            <a:r>
+              <a:rPr lang="en-US" dirty="0" err="1" smtClean="0"/>
+              <a:t>CompanyCode</a:t>
+            </a:r>
+            <a:r>
+              <a:rPr lang="en-US" dirty="0" smtClean="0"/>
+              <a:t> </a:t>
+            </a:r>
+          </a:p>
+          <a:p>
+            <a:pPr lvl="1"/>
+            <a:r>
+              <a:rPr lang="en-US" dirty="0" smtClean="0"/>
+              <a:t>Log </a:t>
+            </a:r>
+            <a:r>
+              <a:rPr lang="en-US" dirty="0"/>
+              <a:t>to DB instead of console</a:t>
+            </a:r>
+          </a:p>
+          <a:p>
+            <a:pPr lvl="1"/>
+            <a:r>
+              <a:rPr lang="en-US" dirty="0"/>
+              <a:t>Multiple </a:t>
+            </a:r>
+            <a:r>
+              <a:rPr lang="en-US" dirty="0" smtClean="0"/>
+              <a:t>threads instead of instances</a:t>
+            </a:r>
+          </a:p>
+        </p:txBody>
+      </p:sp>
+      <p:sp>
+        <p:nvSpPr>
+          <p:cNvPr id="5" name="Content Placeholder 2"/>
+          <p:cNvSpPr txBox="1">
+            <a:spLocks/>
+          </p:cNvSpPr>
+          <p:nvPr/>
+        </p:nvSpPr>
+        <p:spPr>
+          <a:xfrm>
+            <a:off x="838200" y="3916652"/>
+            <a:ext cx="6331529" cy="2308657"/>
+          </a:xfrm>
+          <a:prstGeom prst="rect">
+            <a:avLst/>
+          </a:prstGeom>
+        </p:spPr>
+        <p:txBody>
+          <a:bodyPr vert="horz" lIns="91440" tIns="45720" rIns="91440" bIns="45720" rtlCol="0">
+            <a:normAutofit/>
+          </a:bodyPr>
+          <a:lstStyle>
+            <a:lvl1pPr marL="228600" indent="-228600" algn="l" defTabSz="914400" rtl="0" eaLnBrk="1" latinLnBrk="0" hangingPunct="1">
+              <a:lnSpc>
+                <a:spcPct val="90000"/>
+              </a:lnSpc>
+              <a:spcBef>
+                <a:spcPts val="1000"/>
+              </a:spcBef>
+              <a:buFont typeface="Arial" panose="020B0604020202020204" pitchFamily="34" charset="0"/>
+              <a:buChar char="•"/>
+              <a:defRPr sz="2800" kern="1200">
+                <a:solidFill>
+                  <a:schemeClr val="tx1"/>
+                </a:solidFill>
+                <a:latin typeface="+mn-lt"/>
+                <a:ea typeface="+mn-ea"/>
+                <a:cs typeface="+mn-cs"/>
+              </a:defRPr>
+            </a:lvl1pPr>
+            <a:lvl2pPr marL="685800" indent="-228600" algn="l" defTabSz="914400" rtl="0" eaLnBrk="1" latinLnBrk="0" hangingPunct="1">
+              <a:lnSpc>
+                <a:spcPct val="90000"/>
+              </a:lnSpc>
+              <a:spcBef>
+                <a:spcPts val="500"/>
+              </a:spcBef>
+              <a:buFont typeface="Arial" panose="020B0604020202020204" pitchFamily="34" charset="0"/>
+              <a:buChar char="•"/>
+              <a:defRPr sz="2400" kern="1200">
+                <a:solidFill>
+                  <a:schemeClr val="tx1"/>
+                </a:solidFill>
+                <a:latin typeface="+mn-lt"/>
+                <a:ea typeface="+mn-ea"/>
+                <a:cs typeface="+mn-cs"/>
+              </a:defRPr>
+            </a:lvl2pPr>
+            <a:lvl3pPr marL="1143000" indent="-228600" algn="l" defTabSz="914400" rtl="0" eaLnBrk="1" latinLnBrk="0" hangingPunct="1">
+              <a:lnSpc>
+                <a:spcPct val="90000"/>
+              </a:lnSpc>
+              <a:spcBef>
+                <a:spcPts val="500"/>
+              </a:spcBef>
+              <a:buFont typeface="Arial" panose="020B0604020202020204" pitchFamily="34" charset="0"/>
+              <a:buChar char="•"/>
+              <a:defRPr sz="2000" kern="1200">
+                <a:solidFill>
+                  <a:schemeClr val="tx1"/>
+                </a:solidFill>
+                <a:latin typeface="+mn-lt"/>
+                <a:ea typeface="+mn-ea"/>
+                <a:cs typeface="+mn-cs"/>
+              </a:defRPr>
+            </a:lvl3pPr>
+            <a:lvl4pPr marL="1600200" indent="-228600" algn="l" defTabSz="914400" rtl="0" eaLnBrk="1" latinLnBrk="0" hangingPunct="1">
+              <a:lnSpc>
+                <a:spcPct val="90000"/>
+              </a:lnSpc>
+              <a:spcBef>
+                <a:spcPts val="500"/>
+              </a:spcBef>
+              <a:buFont typeface="Arial" panose="020B0604020202020204" pitchFamily="34" charset="0"/>
+              <a:buChar char="•"/>
+              <a:defRPr sz="1800" kern="1200">
+                <a:solidFill>
+                  <a:schemeClr val="tx1"/>
+                </a:solidFill>
+                <a:latin typeface="+mn-lt"/>
+                <a:ea typeface="+mn-ea"/>
+                <a:cs typeface="+mn-cs"/>
+              </a:defRPr>
+            </a:lvl4pPr>
+            <a:lvl5pPr marL="2057400" indent="-228600" algn="l" defTabSz="914400" rtl="0" eaLnBrk="1" latinLnBrk="0" hangingPunct="1">
+              <a:lnSpc>
+                <a:spcPct val="90000"/>
+              </a:lnSpc>
+              <a:spcBef>
+                <a:spcPts val="500"/>
+              </a:spcBef>
+              <a:buFont typeface="Arial" panose="020B0604020202020204" pitchFamily="34" charset="0"/>
+              <a:buChar char="•"/>
+              <a:defRPr sz="1800" kern="1200">
+                <a:solidFill>
+                  <a:schemeClr val="tx1"/>
+                </a:solidFill>
+                <a:latin typeface="+mn-lt"/>
+                <a:ea typeface="+mn-ea"/>
+                <a:cs typeface="+mn-cs"/>
+              </a:defRPr>
+            </a:lvl5pPr>
+            <a:lvl6pPr marL="2514600" indent="-228600" algn="l" defTabSz="914400" rtl="0" eaLnBrk="1" latinLnBrk="0" hangingPunct="1">
+              <a:lnSpc>
+                <a:spcPct val="90000"/>
+              </a:lnSpc>
+              <a:spcBef>
+                <a:spcPts val="500"/>
+              </a:spcBef>
+              <a:buFont typeface="Arial" panose="020B0604020202020204" pitchFamily="34" charset="0"/>
+              <a:buChar char="•"/>
+              <a:defRPr sz="1800" kern="1200">
+                <a:solidFill>
+                  <a:schemeClr val="tx1"/>
+                </a:solidFill>
+                <a:latin typeface="+mn-lt"/>
+                <a:ea typeface="+mn-ea"/>
+                <a:cs typeface="+mn-cs"/>
+              </a:defRPr>
+            </a:lvl6pPr>
+            <a:lvl7pPr marL="2971800" indent="-228600" algn="l" defTabSz="914400" rtl="0" eaLnBrk="1" latinLnBrk="0" hangingPunct="1">
+              <a:lnSpc>
+                <a:spcPct val="90000"/>
+              </a:lnSpc>
+              <a:spcBef>
+                <a:spcPts val="500"/>
+              </a:spcBef>
+              <a:buFont typeface="Arial" panose="020B0604020202020204" pitchFamily="34" charset="0"/>
+              <a:buChar char="•"/>
+              <a:defRPr sz="1800" kern="1200">
+                <a:solidFill>
+                  <a:schemeClr val="tx1"/>
+                </a:solidFill>
+                <a:latin typeface="+mn-lt"/>
+                <a:ea typeface="+mn-ea"/>
+                <a:cs typeface="+mn-cs"/>
+              </a:defRPr>
+            </a:lvl7pPr>
+            <a:lvl8pPr marL="3429000" indent="-228600" algn="l" defTabSz="914400" rtl="0" eaLnBrk="1" latinLnBrk="0" hangingPunct="1">
+              <a:lnSpc>
+                <a:spcPct val="90000"/>
+              </a:lnSpc>
+              <a:spcBef>
+                <a:spcPts val="500"/>
+              </a:spcBef>
+              <a:buFont typeface="Arial" panose="020B0604020202020204" pitchFamily="34" charset="0"/>
+              <a:buChar char="•"/>
+              <a:defRPr sz="1800" kern="1200">
+                <a:solidFill>
+                  <a:schemeClr val="tx1"/>
+                </a:solidFill>
+                <a:latin typeface="+mn-lt"/>
+                <a:ea typeface="+mn-ea"/>
+                <a:cs typeface="+mn-cs"/>
+              </a:defRPr>
+            </a:lvl8pPr>
+            <a:lvl9pPr marL="3886200" indent="-228600" algn="l" defTabSz="914400" rtl="0" eaLnBrk="1" latinLnBrk="0" hangingPunct="1">
+              <a:lnSpc>
+                <a:spcPct val="90000"/>
+              </a:lnSpc>
+              <a:spcBef>
+                <a:spcPts val="500"/>
+              </a:spcBef>
+              <a:buFont typeface="Arial" panose="020B0604020202020204" pitchFamily="34" charset="0"/>
+              <a:buChar char="•"/>
+              <a:defRPr sz="1800" kern="1200">
+                <a:solidFill>
+                  <a:schemeClr val="tx1"/>
+                </a:solidFill>
+                <a:latin typeface="+mn-lt"/>
+                <a:ea typeface="+mn-ea"/>
+                <a:cs typeface="+mn-cs"/>
+              </a:defRPr>
+            </a:lvl9pPr>
+          </a:lstStyle>
+          <a:p>
+            <a:r>
+              <a:rPr lang="en-US" dirty="0" smtClean="0"/>
+              <a:t>Dev Process</a:t>
+            </a:r>
+          </a:p>
+          <a:p>
+            <a:pPr lvl="1"/>
+            <a:r>
+              <a:rPr lang="en-US" dirty="0" smtClean="0"/>
+              <a:t>Modify DB so SAP team sees no changes</a:t>
+            </a:r>
+          </a:p>
+          <a:p>
+            <a:pPr lvl="1"/>
+            <a:r>
+              <a:rPr lang="en-US" dirty="0" smtClean="0"/>
+              <a:t>Use IDENTITY INSERT in </a:t>
+            </a:r>
+            <a:r>
+              <a:rPr lang="en-US" dirty="0" err="1" smtClean="0"/>
+              <a:t>sql</a:t>
+            </a:r>
+            <a:r>
+              <a:rPr lang="en-US" dirty="0" smtClean="0"/>
+              <a:t> deployment scripts</a:t>
+            </a:r>
+          </a:p>
+          <a:p>
+            <a:pPr lvl="1"/>
+            <a:r>
+              <a:rPr lang="en-US" dirty="0" smtClean="0"/>
+              <a:t>Better load test</a:t>
+            </a:r>
+          </a:p>
+        </p:txBody>
+      </p:sp>
+      <p:sp>
+        <p:nvSpPr>
+          <p:cNvPr id="6" name="TextBox 5"/>
+          <p:cNvSpPr txBox="1"/>
+          <p:nvPr/>
+        </p:nvSpPr>
+        <p:spPr>
+          <a:xfrm>
+            <a:off x="7502238" y="2581997"/>
+            <a:ext cx="4036291" cy="1938992"/>
+          </a:xfrm>
+          <a:prstGeom prst="rect">
+            <a:avLst/>
+          </a:prstGeom>
+          <a:noFill/>
+        </p:spPr>
+        <p:txBody>
+          <a:bodyPr wrap="square" rtlCol="0">
+            <a:spAutoFit/>
+          </a:bodyPr>
+          <a:lstStyle/>
+          <a:p>
+            <a:r>
+              <a:rPr lang="en-US" sz="4000" dirty="0" smtClean="0">
                 <a:solidFill>
                   <a:srgbClr val="FF0000"/>
                 </a:solidFill>
               </a:rPr>
-              <a:t>Fix a bug in prod?</a:t>
-            </a:r>
-          </a:p>
-          <a:p>
-            <a:endParaRPr lang="en-US" dirty="0"/>
-          </a:p>
-          <a:p>
-            <a:r>
-              <a:rPr lang="en-US" dirty="0" smtClean="0">
-                <a:solidFill>
-                  <a:schemeClr val="accent4">
-                    <a:lumMod val="60000"/>
-                    <a:lumOff val="40000"/>
-                  </a:schemeClr>
-                </a:solidFill>
-              </a:rPr>
-              <a:t>Fix a performance issue in prod?</a:t>
-            </a:r>
-          </a:p>
-          <a:p>
-            <a:pPr lvl="1"/>
-            <a:r>
-              <a:rPr lang="en-US" dirty="0" smtClean="0"/>
-              <a:t>Load test before prod</a:t>
-            </a:r>
-          </a:p>
-          <a:p>
-            <a:pPr lvl="1"/>
-            <a:r>
-              <a:rPr lang="en-US" dirty="0" smtClean="0">
-                <a:solidFill>
-                  <a:schemeClr val="accent1">
-                    <a:lumMod val="60000"/>
-                    <a:lumOff val="40000"/>
-                  </a:schemeClr>
-                </a:solidFill>
-              </a:rPr>
-              <a:t>Throughput</a:t>
-            </a:r>
-            <a:r>
-              <a:rPr lang="en-US" dirty="0" smtClean="0"/>
-              <a:t> &lt;&gt; </a:t>
-            </a:r>
-            <a:r>
-              <a:rPr lang="en-US" dirty="0" smtClean="0">
-                <a:solidFill>
-                  <a:schemeClr val="accent5">
-                    <a:lumMod val="60000"/>
-                    <a:lumOff val="40000"/>
-                  </a:schemeClr>
-                </a:solidFill>
-              </a:rPr>
-              <a:t>performance</a:t>
-            </a:r>
-          </a:p>
-          <a:p>
-            <a:pPr lvl="2"/>
-            <a:r>
-              <a:rPr lang="en-US" dirty="0" smtClean="0"/>
-              <a:t>Parallel processing</a:t>
-            </a:r>
-          </a:p>
-          <a:p>
-            <a:pPr lvl="2"/>
-            <a:endParaRPr lang="en-US" dirty="0"/>
-          </a:p>
-          <a:p>
-            <a:pPr lvl="1"/>
-            <a:r>
-              <a:rPr lang="en-US" dirty="0" smtClean="0">
-                <a:solidFill>
-                  <a:schemeClr val="accent1">
-                    <a:lumMod val="60000"/>
-                    <a:lumOff val="40000"/>
-                  </a:schemeClr>
-                </a:solidFill>
-              </a:rPr>
-              <a:t>How many records per second </a:t>
-            </a:r>
-            <a:r>
-              <a:rPr lang="en-US" dirty="0" smtClean="0"/>
-              <a:t>&lt;&gt; </a:t>
-            </a:r>
-            <a:r>
-              <a:rPr lang="en-US" dirty="0" smtClean="0">
-                <a:solidFill>
-                  <a:schemeClr val="accent5">
-                    <a:lumMod val="60000"/>
-                    <a:lumOff val="40000"/>
-                  </a:schemeClr>
-                </a:solidFill>
-              </a:rPr>
-              <a:t>how many seconds for an individual record</a:t>
-            </a:r>
-            <a:endParaRPr lang="en-US" dirty="0">
+              <a:t>Don’t need to implement these to learn F#</a:t>
+            </a:r>
+            <a:endParaRPr lang="en-US" sz="4000" dirty="0">
               <a:solidFill>
-                <a:schemeClr val="accent5">
-                  <a:lumMod val="60000"/>
-                  <a:lumOff val="40000"/>
-                </a:schemeClr>
+                <a:srgbClr val="FF0000"/>
               </a:solidFill>
             </a:endParaRPr>
           </a:p>
@@ -10563,7 +10420,7 @@
     </p:spTree>
     <p:extLst>
       <p:ext uri="{BB962C8B-B14F-4D97-AF65-F5344CB8AC3E}">
-        <p14:creationId xmlns:p14="http://schemas.microsoft.com/office/powerpoint/2010/main" val="2335820934"/>
+        <p14:creationId xmlns:p14="http://schemas.microsoft.com/office/powerpoint/2010/main" val="599433520"/>
       </p:ext>
     </p:extLst>
   </p:cSld>
@@ -10573,9 +10430,80 @@
   <p:timing>
     <p:tnLst>
       <p:par>
-        <p:cTn id="1" dur="indefinite" restart="never" nodeType="tmRoot"/>
+        <p:cTn id="1" dur="indefinite" restart="never" nodeType="tmRoot">
+          <p:childTnLst>
+            <p:seq concurrent="1" nextAc="seek">
+              <p:cTn id="2" dur="indefinite" nodeType="mainSeq">
+                <p:childTnLst>
+                  <p:par>
+                    <p:cTn id="3" fill="hold">
+                      <p:stCondLst>
+                        <p:cond delay="indefinite"/>
+                      </p:stCondLst>
+                      <p:childTnLst>
+                        <p:par>
+                          <p:cTn id="4" fill="hold">
+                            <p:stCondLst>
+                              <p:cond delay="0"/>
+                            </p:stCondLst>
+                            <p:childTnLst>
+                              <p:par>
+                                <p:cTn id="5" presetID="1" presetClass="entr" presetSubtype="0" fill="hold" grpId="0" nodeType="clickEffect">
+                                  <p:stCondLst>
+                                    <p:cond delay="0"/>
+                                  </p:stCondLst>
+                                  <p:childTnLst>
+                                    <p:set>
+                                      <p:cBhvr>
+                                        <p:cTn id="6" dur="1" fill="hold">
+                                          <p:stCondLst>
+                                            <p:cond delay="0"/>
+                                          </p:stCondLst>
+                                        </p:cTn>
+                                        <p:tgtEl>
+                                          <p:spTgt spid="6"/>
+                                        </p:tgtEl>
+                                        <p:attrNameLst>
+                                          <p:attrName>style.visibility</p:attrName>
+                                        </p:attrNameLst>
+                                      </p:cBhvr>
+                                      <p:to>
+                                        <p:strVal val="visible"/>
+                                      </p:to>
+                                    </p:set>
+                                  </p:childTnLst>
+                                </p:cTn>
+                              </p:par>
+                            </p:childTnLst>
+                          </p:cTn>
+                        </p:par>
+                      </p:childTnLst>
+                    </p:cTn>
+                  </p:par>
+                </p:childTnLst>
+              </p:cTn>
+              <p:prevCondLst>
+                <p:cond evt="onPrev" delay="0">
+                  <p:tgtEl>
+                    <p:sldTgt/>
+                  </p:tgtEl>
+                </p:cond>
+              </p:prevCondLst>
+              <p:nextCondLst>
+                <p:cond evt="onNext" delay="0">
+                  <p:tgtEl>
+                    <p:sldTgt/>
+                  </p:tgtEl>
+                </p:cond>
+              </p:nextCondLst>
+            </p:seq>
+          </p:childTnLst>
+        </p:cTn>
       </p:par>
     </p:tnLst>
+    <p:bldLst>
+      <p:bldP spid="6" grpId="0"/>
+    </p:bldLst>
   </p:timing>
 </p:sld>
 </file>

--- a/presentations/FSharpETLDemo.pptx
+++ b/presentations/FSharpETLDemo.pptx
@@ -3920,11 +3920,7 @@
           <a:p>
             <a:r>
               <a:rPr lang="en-US" dirty="0" smtClean="0"/>
-              <a:t>FP is worth the learning </a:t>
-            </a:r>
-            <a:r>
-              <a:rPr lang="en-US" dirty="0" smtClean="0"/>
-              <a:t>curve</a:t>
+              <a:t>FP is worth the learning curve</a:t>
             </a:r>
           </a:p>
           <a:p>
@@ -3933,17 +3929,12 @@
               <a:rPr lang="en-US" dirty="0" smtClean="0"/>
               <a:t>1 dev already knows it</a:t>
             </a:r>
-            <a:endParaRPr lang="en-US" dirty="0" smtClean="0"/>
           </a:p>
           <a:p>
             <a:pPr lvl="1"/>
             <a:r>
               <a:rPr lang="en-US" dirty="0" smtClean="0"/>
-              <a:t>Way better tutorials than 10 years </a:t>
-            </a:r>
-            <a:r>
-              <a:rPr lang="en-US" dirty="0" smtClean="0"/>
-              <a:t>ago</a:t>
+              <a:t>Way better tutorials than 10 years ago</a:t>
             </a:r>
           </a:p>
           <a:p>
@@ -3971,15 +3962,7 @@
                   <a:srgbClr val="FFFF00"/>
                 </a:solidFill>
               </a:rPr>
-              <a:t>Faster dev </a:t>
-            </a:r>
-            <a:r>
-              <a:rPr lang="en-US" dirty="0" smtClean="0">
-                <a:solidFill>
-                  <a:srgbClr val="FFFF00"/>
-                </a:solidFill>
-              </a:rPr>
-              <a:t>time</a:t>
+              <a:t>Faster dev time</a:t>
             </a:r>
           </a:p>
           <a:p>
@@ -3992,21 +3975,12 @@
               </a:rPr>
               <a:t>Once you overcome learning curve</a:t>
             </a:r>
-            <a:endParaRPr lang="en-US" dirty="0" smtClean="0">
-              <a:solidFill>
-                <a:srgbClr val="FFFF00"/>
-              </a:solidFill>
-            </a:endParaRPr>
           </a:p>
           <a:p>
             <a:pPr lvl="1"/>
             <a:r>
               <a:rPr lang="en-US" dirty="0" smtClean="0"/>
-              <a:t>Less bugs in </a:t>
-            </a:r>
-            <a:r>
-              <a:rPr lang="en-US" dirty="0" smtClean="0"/>
-              <a:t>prod</a:t>
+              <a:t>Less bugs in prod</a:t>
             </a:r>
           </a:p>
           <a:p>
@@ -7986,13 +7960,8 @@
             <a:pPr lvl="1"/>
             <a:r>
               <a:rPr lang="en-US" dirty="0" smtClean="0"/>
-              <a:t>It’s possible to be a manager with no direct </a:t>
-            </a:r>
-            <a:r>
-              <a:rPr lang="en-US" dirty="0" smtClean="0"/>
-              <a:t>reports</a:t>
-            </a:r>
-            <a:endParaRPr lang="en-US" dirty="0" smtClean="0"/>
+              <a:t>It’s possible to be a manager with no direct reports</a:t>
+            </a:r>
           </a:p>
         </p:txBody>
       </p:sp>
@@ -8444,13 +8413,8 @@
             <a:pPr lvl="2"/>
             <a:r>
               <a:rPr lang="en-US" dirty="0" smtClean="0"/>
-              <a:t>Copying more objects (optimized</a:t>
-            </a:r>
-            <a:r>
-              <a:rPr lang="en-US" dirty="0" smtClean="0"/>
-              <a:t>)</a:t>
-            </a:r>
-            <a:endParaRPr lang="en-US" dirty="0" smtClean="0"/>
+              <a:t>Copying more objects (optimized)</a:t>
+            </a:r>
           </a:p>
         </p:txBody>
       </p:sp>
@@ -9233,11 +9197,7 @@
             <a:pPr lvl="2"/>
             <a:r>
               <a:rPr lang="en-US" dirty="0" smtClean="0"/>
-              <a:t>Overwrite </a:t>
-            </a:r>
-            <a:r>
-              <a:rPr lang="en-US" dirty="0" smtClean="0"/>
-              <a:t>the same disk sector where the Customer already is</a:t>
+              <a:t>Overwrite the same disk sector where the Customer already is</a:t>
             </a:r>
           </a:p>
           <a:p>
@@ -9802,15 +9762,7 @@
             </a:pPr>
             <a:r>
               <a:rPr lang="en-US" sz="2400" dirty="0" smtClean="0"/>
-              <a:t>So far, </a:t>
-            </a:r>
-            <a:r>
-              <a:rPr lang="en-US" sz="2400" dirty="0" smtClean="0"/>
-              <a:t>2 bugs </a:t>
-            </a:r>
-            <a:r>
-              <a:rPr lang="en-US" sz="2400" dirty="0" smtClean="0"/>
-              <a:t>in F# code</a:t>
+              <a:t>So far, 2 bugs in F# code</a:t>
             </a:r>
           </a:p>
           <a:p>
@@ -9820,11 +9772,7 @@
             </a:pPr>
             <a:r>
               <a:rPr lang="en-US" sz="2400" dirty="0" smtClean="0"/>
-              <a:t>Wrong value in hardcoded </a:t>
-            </a:r>
-            <a:r>
-              <a:rPr lang="en-US" sz="2400" dirty="0" smtClean="0"/>
-              <a:t>string</a:t>
+              <a:t>Wrong value in hardcoded string</a:t>
             </a:r>
           </a:p>
           <a:p>
@@ -9834,7 +9782,11 @@
             </a:pPr>
             <a:r>
               <a:rPr lang="en-US" sz="2400" dirty="0" smtClean="0"/>
-              <a:t>Pattern match exception</a:t>
+              <a:t>Missing Case </a:t>
+            </a:r>
+            <a:r>
+              <a:rPr lang="en-US" sz="2400" dirty="0" smtClean="0"/>
+              <a:t>exception</a:t>
             </a:r>
           </a:p>
           <a:p>
@@ -9844,9 +9796,12 @@
             </a:pPr>
             <a:r>
               <a:rPr lang="en-US" sz="2400" dirty="0" smtClean="0"/>
-              <a:t>Worse in C#</a:t>
-            </a:r>
-            <a:endParaRPr lang="en-US" sz="2400" dirty="0" smtClean="0"/>
+              <a:t>Worse in C</a:t>
+            </a:r>
+            <a:r>
+              <a:rPr lang="en-US" sz="2400" dirty="0" smtClean="0"/>
+              <a:t>#</a:t>
+            </a:r>
           </a:p>
         </p:txBody>
       </p:sp>

--- a/presentations/FSharpETLDemo.pptx
+++ b/presentations/FSharpETLDemo.pptx
@@ -258,7 +258,7 @@
           <a:p>
             <a:fld id="{E3E23F6F-70BB-4CE2-BC6C-175C09BC2746}" type="datetimeFigureOut">
               <a:rPr lang="en-US" smtClean="0"/>
-              <a:t>1/24/2020</a:t>
+              <a:t>1/27/2020</a:t>
             </a:fld>
             <a:endParaRPr lang="en-US"/>
           </a:p>
@@ -428,7 +428,7 @@
           <a:p>
             <a:fld id="{E3E23F6F-70BB-4CE2-BC6C-175C09BC2746}" type="datetimeFigureOut">
               <a:rPr lang="en-US" smtClean="0"/>
-              <a:t>1/24/2020</a:t>
+              <a:t>1/27/2020</a:t>
             </a:fld>
             <a:endParaRPr lang="en-US"/>
           </a:p>
@@ -608,7 +608,7 @@
           <a:p>
             <a:fld id="{E3E23F6F-70BB-4CE2-BC6C-175C09BC2746}" type="datetimeFigureOut">
               <a:rPr lang="en-US" smtClean="0"/>
-              <a:t>1/24/2020</a:t>
+              <a:t>1/27/2020</a:t>
             </a:fld>
             <a:endParaRPr lang="en-US"/>
           </a:p>
@@ -778,7 +778,7 @@
           <a:p>
             <a:fld id="{E3E23F6F-70BB-4CE2-BC6C-175C09BC2746}" type="datetimeFigureOut">
               <a:rPr lang="en-US" smtClean="0"/>
-              <a:t>1/24/2020</a:t>
+              <a:t>1/27/2020</a:t>
             </a:fld>
             <a:endParaRPr lang="en-US"/>
           </a:p>
@@ -1024,7 +1024,7 @@
           <a:p>
             <a:fld id="{E3E23F6F-70BB-4CE2-BC6C-175C09BC2746}" type="datetimeFigureOut">
               <a:rPr lang="en-US" smtClean="0"/>
-              <a:t>1/24/2020</a:t>
+              <a:t>1/27/2020</a:t>
             </a:fld>
             <a:endParaRPr lang="en-US"/>
           </a:p>
@@ -1256,7 +1256,7 @@
           <a:p>
             <a:fld id="{E3E23F6F-70BB-4CE2-BC6C-175C09BC2746}" type="datetimeFigureOut">
               <a:rPr lang="en-US" smtClean="0"/>
-              <a:t>1/24/2020</a:t>
+              <a:t>1/27/2020</a:t>
             </a:fld>
             <a:endParaRPr lang="en-US"/>
           </a:p>
@@ -1623,7 +1623,7 @@
           <a:p>
             <a:fld id="{E3E23F6F-70BB-4CE2-BC6C-175C09BC2746}" type="datetimeFigureOut">
               <a:rPr lang="en-US" smtClean="0"/>
-              <a:t>1/24/2020</a:t>
+              <a:t>1/27/2020</a:t>
             </a:fld>
             <a:endParaRPr lang="en-US"/>
           </a:p>
@@ -1741,7 +1741,7 @@
           <a:p>
             <a:fld id="{E3E23F6F-70BB-4CE2-BC6C-175C09BC2746}" type="datetimeFigureOut">
               <a:rPr lang="en-US" smtClean="0"/>
-              <a:t>1/24/2020</a:t>
+              <a:t>1/27/2020</a:t>
             </a:fld>
             <a:endParaRPr lang="en-US"/>
           </a:p>
@@ -1836,7 +1836,7 @@
           <a:p>
             <a:fld id="{E3E23F6F-70BB-4CE2-BC6C-175C09BC2746}" type="datetimeFigureOut">
               <a:rPr lang="en-US" smtClean="0"/>
-              <a:t>1/24/2020</a:t>
+              <a:t>1/27/2020</a:t>
             </a:fld>
             <a:endParaRPr lang="en-US"/>
           </a:p>
@@ -2113,7 +2113,7 @@
           <a:p>
             <a:fld id="{E3E23F6F-70BB-4CE2-BC6C-175C09BC2746}" type="datetimeFigureOut">
               <a:rPr lang="en-US" smtClean="0"/>
-              <a:t>1/24/2020</a:t>
+              <a:t>1/27/2020</a:t>
             </a:fld>
             <a:endParaRPr lang="en-US"/>
           </a:p>
@@ -2370,7 +2370,7 @@
           <a:p>
             <a:fld id="{E3E23F6F-70BB-4CE2-BC6C-175C09BC2746}" type="datetimeFigureOut">
               <a:rPr lang="en-US" smtClean="0"/>
-              <a:t>1/24/2020</a:t>
+              <a:t>1/27/2020</a:t>
             </a:fld>
             <a:endParaRPr lang="en-US"/>
           </a:p>
@@ -2583,7 +2583,7 @@
           <a:p>
             <a:fld id="{E3E23F6F-70BB-4CE2-BC6C-175C09BC2746}" type="datetimeFigureOut">
               <a:rPr lang="en-US" smtClean="0"/>
-              <a:t>1/24/2020</a:t>
+              <a:t>1/27/2020</a:t>
             </a:fld>
             <a:endParaRPr lang="en-US"/>
           </a:p>
@@ -3100,9 +3100,16 @@
             <p:ph idx="1"/>
           </p:nvPr>
         </p:nvSpPr>
-        <p:spPr/>
+        <p:spPr>
+          <a:xfrm>
+            <a:off x="838200" y="1489166"/>
+            <a:ext cx="10515600" cy="5368833"/>
+          </a:xfrm>
+        </p:spPr>
         <p:txBody>
-          <a:bodyPr/>
+          <a:bodyPr>
+            <a:normAutofit/>
+          </a:bodyPr>
           <a:lstStyle/>
           <a:p>
             <a:r>
@@ -3157,6 +3164,60 @@
             <a:r>
               <a:rPr lang="en-US" dirty="0" smtClean="0"/>
               <a:t>Recover from Exceptions and resume normal control flow</a:t>
+            </a:r>
+          </a:p>
+          <a:p>
+            <a:r>
+              <a:rPr lang="en-US" dirty="0" smtClean="0">
+                <a:solidFill>
+                  <a:srgbClr val="FFFF00"/>
+                </a:solidFill>
+              </a:rPr>
+              <a:t>Dev time:</a:t>
+            </a:r>
+          </a:p>
+          <a:p>
+            <a:pPr lvl="1"/>
+            <a:r>
+              <a:rPr lang="en-US" dirty="0" smtClean="0">
+                <a:solidFill>
+                  <a:srgbClr val="FFFF00"/>
+                </a:solidFill>
+              </a:rPr>
+              <a:t>Equal to C#</a:t>
+            </a:r>
+          </a:p>
+          <a:p>
+            <a:pPr lvl="2"/>
+            <a:r>
+              <a:rPr lang="en-US" dirty="0" smtClean="0">
+                <a:solidFill>
+                  <a:srgbClr val="FFFF00"/>
+                </a:solidFill>
+              </a:rPr>
+              <a:t>Longer to compile, more likely to work</a:t>
+            </a:r>
+          </a:p>
+          <a:p>
+            <a:pPr lvl="2"/>
+            <a:r>
+              <a:rPr lang="en-US" dirty="0" smtClean="0">
+                <a:solidFill>
+                  <a:srgbClr val="FFFF00"/>
+                </a:solidFill>
+              </a:rPr>
+              <a:t>Longer to decide how to structure code</a:t>
+            </a:r>
+          </a:p>
+          <a:p>
+            <a:pPr lvl="1"/>
+            <a:r>
+              <a:rPr lang="en-US" dirty="0" smtClean="0">
+                <a:solidFill>
+                  <a:srgbClr val="FFFF00"/>
+                </a:solidFill>
+              </a:rPr>
+              <a:t>1 month: faster than C#</a:t>
             </a:r>
           </a:p>
         </p:txBody>
@@ -3450,6 +3511,179 @@
                       </p:childTnLst>
                     </p:cTn>
                   </p:par>
+                  <p:par>
+                    <p:cTn id="23" fill="hold">
+                      <p:stCondLst>
+                        <p:cond delay="indefinite"/>
+                      </p:stCondLst>
+                      <p:childTnLst>
+                        <p:par>
+                          <p:cTn id="24" fill="hold">
+                            <p:stCondLst>
+                              <p:cond delay="0"/>
+                            </p:stCondLst>
+                            <p:childTnLst>
+                              <p:par>
+                                <p:cTn id="25" presetID="1" presetClass="entr" presetSubtype="0" fill="hold" nodeType="clickEffect">
+                                  <p:stCondLst>
+                                    <p:cond delay="0"/>
+                                  </p:stCondLst>
+                                  <p:childTnLst>
+                                    <p:set>
+                                      <p:cBhvr>
+                                        <p:cTn id="26" dur="1" fill="hold">
+                                          <p:stCondLst>
+                                            <p:cond delay="0"/>
+                                          </p:stCondLst>
+                                        </p:cTn>
+                                        <p:tgtEl>
+                                          <p:spTgt spid="3">
+                                            <p:txEl>
+                                              <p:pRg st="8" end="8"/>
+                                            </p:txEl>
+                                          </p:spTgt>
+                                        </p:tgtEl>
+                                        <p:attrNameLst>
+                                          <p:attrName>style.visibility</p:attrName>
+                                        </p:attrNameLst>
+                                      </p:cBhvr>
+                                      <p:to>
+                                        <p:strVal val="visible"/>
+                                      </p:to>
+                                    </p:set>
+                                  </p:childTnLst>
+                                </p:cTn>
+                              </p:par>
+                              <p:par>
+                                <p:cTn id="27" presetID="1" presetClass="entr" presetSubtype="0" fill="hold" nodeType="withEffect">
+                                  <p:stCondLst>
+                                    <p:cond delay="0"/>
+                                  </p:stCondLst>
+                                  <p:childTnLst>
+                                    <p:set>
+                                      <p:cBhvr>
+                                        <p:cTn id="28" dur="1" fill="hold">
+                                          <p:stCondLst>
+                                            <p:cond delay="0"/>
+                                          </p:stCondLst>
+                                        </p:cTn>
+                                        <p:tgtEl>
+                                          <p:spTgt spid="3">
+                                            <p:txEl>
+                                              <p:pRg st="9" end="9"/>
+                                            </p:txEl>
+                                          </p:spTgt>
+                                        </p:tgtEl>
+                                        <p:attrNameLst>
+                                          <p:attrName>style.visibility</p:attrName>
+                                        </p:attrNameLst>
+                                      </p:cBhvr>
+                                      <p:to>
+                                        <p:strVal val="visible"/>
+                                      </p:to>
+                                    </p:set>
+                                  </p:childTnLst>
+                                </p:cTn>
+                              </p:par>
+                              <p:par>
+                                <p:cTn id="29" presetID="1" presetClass="entr" presetSubtype="0" fill="hold" nodeType="withEffect">
+                                  <p:stCondLst>
+                                    <p:cond delay="0"/>
+                                  </p:stCondLst>
+                                  <p:childTnLst>
+                                    <p:set>
+                                      <p:cBhvr>
+                                        <p:cTn id="30" dur="1" fill="hold">
+                                          <p:stCondLst>
+                                            <p:cond delay="0"/>
+                                          </p:stCondLst>
+                                        </p:cTn>
+                                        <p:tgtEl>
+                                          <p:spTgt spid="3">
+                                            <p:txEl>
+                                              <p:pRg st="10" end="10"/>
+                                            </p:txEl>
+                                          </p:spTgt>
+                                        </p:tgtEl>
+                                        <p:attrNameLst>
+                                          <p:attrName>style.visibility</p:attrName>
+                                        </p:attrNameLst>
+                                      </p:cBhvr>
+                                      <p:to>
+                                        <p:strVal val="visible"/>
+                                      </p:to>
+                                    </p:set>
+                                  </p:childTnLst>
+                                </p:cTn>
+                              </p:par>
+                              <p:par>
+                                <p:cTn id="31" presetID="1" presetClass="entr" presetSubtype="0" fill="hold" nodeType="withEffect">
+                                  <p:stCondLst>
+                                    <p:cond delay="0"/>
+                                  </p:stCondLst>
+                                  <p:childTnLst>
+                                    <p:set>
+                                      <p:cBhvr>
+                                        <p:cTn id="32" dur="1" fill="hold">
+                                          <p:stCondLst>
+                                            <p:cond delay="0"/>
+                                          </p:stCondLst>
+                                        </p:cTn>
+                                        <p:tgtEl>
+                                          <p:spTgt spid="3">
+                                            <p:txEl>
+                                              <p:pRg st="11" end="11"/>
+                                            </p:txEl>
+                                          </p:spTgt>
+                                        </p:tgtEl>
+                                        <p:attrNameLst>
+                                          <p:attrName>style.visibility</p:attrName>
+                                        </p:attrNameLst>
+                                      </p:cBhvr>
+                                      <p:to>
+                                        <p:strVal val="visible"/>
+                                      </p:to>
+                                    </p:set>
+                                  </p:childTnLst>
+                                </p:cTn>
+                              </p:par>
+                              <p:par>
+                                <p:cTn id="33" presetID="1" presetClass="entr" presetSubtype="0" fill="hold" nodeType="withEffect">
+                                  <p:stCondLst>
+                                    <p:cond delay="0"/>
+                                  </p:stCondLst>
+                                  <p:childTnLst>
+                                    <p:set>
+                                      <p:cBhvr>
+                                        <p:cTn id="34" dur="1" fill="hold">
+                                          <p:stCondLst>
+                                            <p:cond delay="0"/>
+                                          </p:stCondLst>
+                                        </p:cTn>
+                                        <p:tgtEl>
+                                          <p:spTgt spid="3">
+                                            <p:txEl>
+                                              <p:pRg st="12" end="12"/>
+                                            </p:txEl>
+                                          </p:spTgt>
+                                        </p:tgtEl>
+                                        <p:attrNameLst>
+                                          <p:attrName>style.visibility</p:attrName>
+                                        </p:attrNameLst>
+                                      </p:cBhvr>
+                                      <p:to>
+                                        <p:strVal val="visible"/>
+                                      </p:to>
+                                    </p:set>
+                                  </p:childTnLst>
+                                </p:cTn>
+                              </p:par>
+                            </p:childTnLst>
+                          </p:cTn>
+                        </p:par>
+                      </p:childTnLst>
+                    </p:cTn>
+                  </p:par>
                 </p:childTnLst>
               </p:cTn>
               <p:prevCondLst>
@@ -3525,8 +3759,8 @@
         </p:nvSpPr>
         <p:spPr>
           <a:xfrm>
-            <a:off x="990600" y="1690688"/>
-            <a:ext cx="6163491" cy="5241335"/>
+            <a:off x="990600" y="1690689"/>
+            <a:ext cx="6163491" cy="2469832"/>
           </a:xfrm>
           <a:prstGeom prst="rect">
             <a:avLst/>
@@ -3702,21 +3936,25 @@
           </a:lstStyle>
           <a:p>
             <a:r>
-              <a:rPr lang="en-US" dirty="0" smtClean="0"/>
-              <a:t>Compile to EXE</a:t>
-            </a:r>
-          </a:p>
-          <a:p>
-            <a:r>
-              <a:rPr lang="en-US" dirty="0" smtClean="0"/>
-              <a:t>Create compile-time constants</a:t>
-            </a:r>
-          </a:p>
-          <a:p>
-            <a:r>
-              <a:rPr lang="en-US" dirty="0" smtClean="0"/>
-              <a:t>How to create anonymous records?</a:t>
-            </a:r>
+              <a:rPr lang="en-US" smtClean="0"/>
+              <a:t>How </a:t>
+            </a:r>
+            <a:r>
+              <a:rPr lang="en-US" dirty="0" smtClean="0"/>
+              <a:t>to create anonymous records</a:t>
+            </a:r>
+            <a:r>
+              <a:rPr lang="en-US" dirty="0" smtClean="0"/>
+              <a:t>?</a:t>
+            </a:r>
+          </a:p>
+          <a:p>
+            <a:pPr lvl="1"/>
+            <a:r>
+              <a:rPr lang="en-US" dirty="0" smtClean="0"/>
+              <a:t>Used Tuple instead</a:t>
+            </a:r>
+            <a:endParaRPr lang="en-US" dirty="0" smtClean="0"/>
           </a:p>
           <a:p>
             <a:r>
@@ -3736,7 +3974,7 @@
         <p:spPr>
           <a:xfrm>
             <a:off x="7502238" y="2581997"/>
-            <a:ext cx="4036291" cy="1323439"/>
+            <a:ext cx="3575065" cy="1938992"/>
           </a:xfrm>
           <a:prstGeom prst="rect">
             <a:avLst/>
@@ -3755,7 +3993,7 @@
                   <a:srgbClr val="FF0000"/>
                 </a:solidFill>
               </a:rPr>
-              <a:t>Ready to start a prod app in F#</a:t>
+              <a:t>Almost ready to start a prod app in F#</a:t>
             </a:r>
             <a:endParaRPr lang="en-US" sz="4000" dirty="0">
               <a:solidFill>
@@ -9170,7 +9408,7 @@
         </p:spPr>
         <p:txBody>
           <a:bodyPr>
-            <a:normAutofit/>
+            <a:normAutofit lnSpcReduction="10000"/>
           </a:bodyPr>
           <a:lstStyle/>
           <a:p>
@@ -9183,21 +9421,28 @@
             <a:pPr lvl="1"/>
             <a:r>
               <a:rPr lang="en-US" dirty="0" smtClean="0"/>
-              <a:t>Update Customer w/ Id = 1000</a:t>
+              <a:t>Mainly done inside OS and drivers</a:t>
+            </a:r>
+          </a:p>
+          <a:p>
+            <a:pPr lvl="1"/>
+            <a:r>
+              <a:rPr lang="en-US" dirty="0" smtClean="0"/>
+              <a:t>Display to screen:</a:t>
             </a:r>
           </a:p>
           <a:p>
             <a:pPr lvl="2"/>
             <a:r>
               <a:rPr lang="en-US" dirty="0" smtClean="0"/>
-              <a:t>HDD reads from same RAM address</a:t>
+              <a:t>Overwrite existing RGB values</a:t>
             </a:r>
           </a:p>
           <a:p>
             <a:pPr lvl="2"/>
             <a:r>
               <a:rPr lang="en-US" dirty="0" smtClean="0"/>
-              <a:t>Overwrite the same disk sector where the Customer already is</a:t>
+              <a:t>Video card reads from same memory address on each screen refresh</a:t>
             </a:r>
           </a:p>
           <a:p>
@@ -9239,6 +9484,17 @@
               <a:t>DateTime.Now</a:t>
             </a:r>
             <a:endParaRPr lang="en-US" dirty="0" smtClean="0"/>
+          </a:p>
+          <a:p>
+            <a:pPr lvl="3"/>
+            <a:r>
+              <a:rPr lang="en-US" dirty="0" smtClean="0">
+                <a:solidFill>
+                  <a:srgbClr val="FFFF00"/>
+                </a:solidFill>
+              </a:rPr>
+              <a:t>I/O from System Clock</a:t>
+            </a:r>
           </a:p>
           <a:p>
             <a:pPr lvl="2"/>
@@ -9536,9 +9792,9 @@
                                           </p:stCondLst>
                                         </p:cTn>
                                         <p:tgtEl>
-                                          <p:spTgt spid="4">
+                                          <p:spTgt spid="3">
                                             <p:txEl>
-                                              <p:pRg st="0" end="0"/>
+                                              <p:pRg st="6" end="6"/>
                                             </p:txEl>
                                           </p:spTgt>
                                         </p:tgtEl>
@@ -9567,9 +9823,9 @@
                                           </p:stCondLst>
                                         </p:cTn>
                                         <p:tgtEl>
-                                          <p:spTgt spid="4">
+                                          <p:spTgt spid="3">
                                             <p:txEl>
-                                              <p:pRg st="1" end="1"/>
+                                              <p:pRg st="7" end="7"/>
                                             </p:txEl>
                                           </p:spTgt>
                                         </p:tgtEl>
@@ -9593,6 +9849,210 @@
                                     <p:set>
                                       <p:cBhvr>
                                         <p:cTn id="10" dur="1" fill="hold">
+                                          <p:stCondLst>
+                                            <p:cond delay="0"/>
+                                          </p:stCondLst>
+                                        </p:cTn>
+                                        <p:tgtEl>
+                                          <p:spTgt spid="3">
+                                            <p:txEl>
+                                              <p:pRg st="8" end="8"/>
+                                            </p:txEl>
+                                          </p:spTgt>
+                                        </p:tgtEl>
+                                        <p:attrNameLst>
+                                          <p:attrName>style.visibility</p:attrName>
+                                        </p:attrNameLst>
+                                      </p:cBhvr>
+                                      <p:to>
+                                        <p:strVal val="visible"/>
+                                      </p:to>
+                                    </p:set>
+                                  </p:childTnLst>
+                                </p:cTn>
+                              </p:par>
+                              <p:par>
+                                <p:cTn id="11" presetID="1" presetClass="entr" presetSubtype="0" fill="hold" nodeType="withEffect">
+                                  <p:stCondLst>
+                                    <p:cond delay="0"/>
+                                  </p:stCondLst>
+                                  <p:childTnLst>
+                                    <p:set>
+                                      <p:cBhvr>
+                                        <p:cTn id="12" dur="1" fill="hold">
+                                          <p:stCondLst>
+                                            <p:cond delay="0"/>
+                                          </p:stCondLst>
+                                        </p:cTn>
+                                        <p:tgtEl>
+                                          <p:spTgt spid="3">
+                                            <p:txEl>
+                                              <p:pRg st="9" end="9"/>
+                                            </p:txEl>
+                                          </p:spTgt>
+                                        </p:tgtEl>
+                                        <p:attrNameLst>
+                                          <p:attrName>style.visibility</p:attrName>
+                                        </p:attrNameLst>
+                                      </p:cBhvr>
+                                      <p:to>
+                                        <p:strVal val="visible"/>
+                                      </p:to>
+                                    </p:set>
+                                  </p:childTnLst>
+                                </p:cTn>
+                              </p:par>
+                              <p:par>
+                                <p:cTn id="13" presetID="1" presetClass="entr" presetSubtype="0" fill="hold" nodeType="withEffect">
+                                  <p:stCondLst>
+                                    <p:cond delay="0"/>
+                                  </p:stCondLst>
+                                  <p:childTnLst>
+                                    <p:set>
+                                      <p:cBhvr>
+                                        <p:cTn id="14" dur="1" fill="hold">
+                                          <p:stCondLst>
+                                            <p:cond delay="0"/>
+                                          </p:stCondLst>
+                                        </p:cTn>
+                                        <p:tgtEl>
+                                          <p:spTgt spid="3">
+                                            <p:txEl>
+                                              <p:pRg st="10" end="10"/>
+                                            </p:txEl>
+                                          </p:spTgt>
+                                        </p:tgtEl>
+                                        <p:attrNameLst>
+                                          <p:attrName>style.visibility</p:attrName>
+                                        </p:attrNameLst>
+                                      </p:cBhvr>
+                                      <p:to>
+                                        <p:strVal val="visible"/>
+                                      </p:to>
+                                    </p:set>
+                                  </p:childTnLst>
+                                </p:cTn>
+                              </p:par>
+                              <p:par>
+                                <p:cTn id="15" presetID="1" presetClass="entr" presetSubtype="0" fill="hold" nodeType="withEffect">
+                                  <p:stCondLst>
+                                    <p:cond delay="0"/>
+                                  </p:stCondLst>
+                                  <p:childTnLst>
+                                    <p:set>
+                                      <p:cBhvr>
+                                        <p:cTn id="16" dur="1" fill="hold">
+                                          <p:stCondLst>
+                                            <p:cond delay="0"/>
+                                          </p:stCondLst>
+                                        </p:cTn>
+                                        <p:tgtEl>
+                                          <p:spTgt spid="3">
+                                            <p:txEl>
+                                              <p:pRg st="11" end="11"/>
+                                            </p:txEl>
+                                          </p:spTgt>
+                                        </p:tgtEl>
+                                        <p:attrNameLst>
+                                          <p:attrName>style.visibility</p:attrName>
+                                        </p:attrNameLst>
+                                      </p:cBhvr>
+                                      <p:to>
+                                        <p:strVal val="visible"/>
+                                      </p:to>
+                                    </p:set>
+                                  </p:childTnLst>
+                                </p:cTn>
+                              </p:par>
+                            </p:childTnLst>
+                          </p:cTn>
+                        </p:par>
+                      </p:childTnLst>
+                    </p:cTn>
+                  </p:par>
+                  <p:par>
+                    <p:cTn id="17" fill="hold">
+                      <p:stCondLst>
+                        <p:cond delay="indefinite"/>
+                      </p:stCondLst>
+                      <p:childTnLst>
+                        <p:par>
+                          <p:cTn id="18" fill="hold">
+                            <p:stCondLst>
+                              <p:cond delay="0"/>
+                            </p:stCondLst>
+                            <p:childTnLst>
+                              <p:par>
+                                <p:cTn id="19" presetID="1" presetClass="entr" presetSubtype="0" fill="hold" nodeType="clickEffect">
+                                  <p:stCondLst>
+                                    <p:cond delay="0"/>
+                                  </p:stCondLst>
+                                  <p:childTnLst>
+                                    <p:set>
+                                      <p:cBhvr>
+                                        <p:cTn id="20" dur="1" fill="hold">
+                                          <p:stCondLst>
+                                            <p:cond delay="0"/>
+                                          </p:stCondLst>
+                                        </p:cTn>
+                                        <p:tgtEl>
+                                          <p:spTgt spid="4">
+                                            <p:txEl>
+                                              <p:pRg st="0" end="0"/>
+                                            </p:txEl>
+                                          </p:spTgt>
+                                        </p:tgtEl>
+                                        <p:attrNameLst>
+                                          <p:attrName>style.visibility</p:attrName>
+                                        </p:attrNameLst>
+                                      </p:cBhvr>
+                                      <p:to>
+                                        <p:strVal val="visible"/>
+                                      </p:to>
+                                    </p:set>
+                                  </p:childTnLst>
+                                </p:cTn>
+                              </p:par>
+                              <p:par>
+                                <p:cTn id="21" presetID="1" presetClass="entr" presetSubtype="0" fill="hold" nodeType="withEffect">
+                                  <p:stCondLst>
+                                    <p:cond delay="0"/>
+                                  </p:stCondLst>
+                                  <p:childTnLst>
+                                    <p:set>
+                                      <p:cBhvr>
+                                        <p:cTn id="22" dur="1" fill="hold">
+                                          <p:stCondLst>
+                                            <p:cond delay="0"/>
+                                          </p:stCondLst>
+                                        </p:cTn>
+                                        <p:tgtEl>
+                                          <p:spTgt spid="4">
+                                            <p:txEl>
+                                              <p:pRg st="1" end="1"/>
+                                            </p:txEl>
+                                          </p:spTgt>
+                                        </p:tgtEl>
+                                        <p:attrNameLst>
+                                          <p:attrName>style.visibility</p:attrName>
+                                        </p:attrNameLst>
+                                      </p:cBhvr>
+                                      <p:to>
+                                        <p:strVal val="visible"/>
+                                      </p:to>
+                                    </p:set>
+                                  </p:childTnLst>
+                                </p:cTn>
+                              </p:par>
+                              <p:par>
+                                <p:cTn id="23" presetID="1" presetClass="entr" presetSubtype="0" fill="hold" nodeType="withEffect">
+                                  <p:stCondLst>
+                                    <p:cond delay="0"/>
+                                  </p:stCondLst>
+                                  <p:childTnLst>
+                                    <p:set>
+                                      <p:cBhvr>
+                                        <p:cTn id="24" dur="1" fill="hold">
                                           <p:stCondLst>
                                             <p:cond delay="0"/>
                                           </p:stCondLst>
@@ -9782,11 +10242,7 @@
             </a:pPr>
             <a:r>
               <a:rPr lang="en-US" sz="2400" dirty="0" smtClean="0"/>
-              <a:t>Missing Case </a:t>
-            </a:r>
-            <a:r>
-              <a:rPr lang="en-US" sz="2400" dirty="0" smtClean="0"/>
-              <a:t>exception</a:t>
+              <a:t>Missing Case exception</a:t>
             </a:r>
           </a:p>
           <a:p>
@@ -9796,11 +10252,7 @@
             </a:pPr>
             <a:r>
               <a:rPr lang="en-US" sz="2400" dirty="0" smtClean="0"/>
-              <a:t>Worse in C</a:t>
-            </a:r>
-            <a:r>
-              <a:rPr lang="en-US" sz="2400" dirty="0" smtClean="0"/>
-              <a:t>#</a:t>
+              <a:t>Worse in C#</a:t>
             </a:r>
           </a:p>
         </p:txBody>

--- a/presentations/FSharpETLDemo.pptx
+++ b/presentations/FSharpETLDemo.pptx
@@ -15,12 +15,9 @@
     <p:sldId id="262" r:id="rId9"/>
     <p:sldId id="271" r:id="rId10"/>
     <p:sldId id="272" r:id="rId11"/>
-    <p:sldId id="264" r:id="rId12"/>
-    <p:sldId id="265" r:id="rId13"/>
+    <p:sldId id="265" r:id="rId12"/>
+    <p:sldId id="264" r:id="rId13"/>
     <p:sldId id="266" r:id="rId14"/>
-    <p:sldId id="270" r:id="rId15"/>
-    <p:sldId id="259" r:id="rId16"/>
-    <p:sldId id="263" r:id="rId17"/>
   </p:sldIdLst>
   <p:sldSz cx="12192000" cy="6858000"/>
   <p:notesSz cx="6858000" cy="9144000"/>
@@ -3743,7 +3740,7 @@
           <a:p>
             <a:r>
               <a:rPr lang="en-US" dirty="0" smtClean="0"/>
-              <a:t>Still to Research</a:t>
+              <a:t>Conclusion</a:t>
             </a:r>
             <a:endParaRPr lang="en-US" dirty="0"/>
           </a:p>
@@ -3751,262 +3748,101 @@
       </p:sp>
       <p:sp>
         <p:nvSpPr>
-          <p:cNvPr id="4" name="Content Placeholder 2"/>
-          <p:cNvSpPr txBox="1">
-            <a:spLocks/>
+          <p:cNvPr id="3" name="Content Placeholder 2"/>
+          <p:cNvSpPr>
+            <a:spLocks noGrp="1"/>
           </p:cNvSpPr>
-          <p:nvPr/>
+          <p:nvPr>
+            <p:ph idx="1"/>
+          </p:nvPr>
         </p:nvSpPr>
         <p:spPr>
           <a:xfrm>
-            <a:off x="990600" y="1690689"/>
-            <a:ext cx="6163491" cy="2469832"/>
+            <a:off x="838200" y="1825624"/>
+            <a:ext cx="10515600" cy="5032375"/>
           </a:xfrm>
-          <a:prstGeom prst="rect">
-            <a:avLst/>
-          </a:prstGeom>
         </p:spPr>
         <p:txBody>
-          <a:bodyPr vert="horz" lIns="91440" tIns="45720" rIns="91440" bIns="45720" rtlCol="0">
+          <a:bodyPr>
             <a:normAutofit/>
           </a:bodyPr>
-          <a:lstStyle>
-            <a:lvl1pPr marL="228600" indent="-228600" algn="l" defTabSz="914400" rtl="0" eaLnBrk="1" latinLnBrk="0" hangingPunct="1">
-              <a:lnSpc>
-                <a:spcPct val="90000"/>
-              </a:lnSpc>
-              <a:spcBef>
-                <a:spcPts val="1000"/>
-              </a:spcBef>
-              <a:buFont typeface="Arial" panose="020B0604020202020204" pitchFamily="34" charset="0"/>
-              <a:buChar char="•"/>
-              <a:defRPr sz="2800" kern="1200">
-                <a:solidFill>
-                  <a:schemeClr val="tx1"/>
-                </a:solidFill>
-                <a:latin typeface="+mn-lt"/>
-                <a:ea typeface="+mn-ea"/>
-                <a:cs typeface="+mn-cs"/>
-              </a:defRPr>
-            </a:lvl1pPr>
-            <a:lvl2pPr marL="685800" indent="-228600" algn="l" defTabSz="914400" rtl="0" eaLnBrk="1" latinLnBrk="0" hangingPunct="1">
-              <a:lnSpc>
-                <a:spcPct val="90000"/>
-              </a:lnSpc>
-              <a:spcBef>
-                <a:spcPts val="500"/>
-              </a:spcBef>
-              <a:buFont typeface="Arial" panose="020B0604020202020204" pitchFamily="34" charset="0"/>
-              <a:buChar char="•"/>
-              <a:defRPr sz="2400" kern="1200">
-                <a:solidFill>
-                  <a:schemeClr val="tx1"/>
-                </a:solidFill>
-                <a:latin typeface="+mn-lt"/>
-                <a:ea typeface="+mn-ea"/>
-                <a:cs typeface="+mn-cs"/>
-              </a:defRPr>
-            </a:lvl2pPr>
-            <a:lvl3pPr marL="1143000" indent="-228600" algn="l" defTabSz="914400" rtl="0" eaLnBrk="1" latinLnBrk="0" hangingPunct="1">
-              <a:lnSpc>
-                <a:spcPct val="90000"/>
-              </a:lnSpc>
-              <a:spcBef>
-                <a:spcPts val="500"/>
-              </a:spcBef>
-              <a:buFont typeface="Arial" panose="020B0604020202020204" pitchFamily="34" charset="0"/>
-              <a:buChar char="•"/>
-              <a:defRPr sz="2000" kern="1200">
-                <a:solidFill>
-                  <a:schemeClr val="tx1"/>
-                </a:solidFill>
-                <a:latin typeface="+mn-lt"/>
-                <a:ea typeface="+mn-ea"/>
-                <a:cs typeface="+mn-cs"/>
-              </a:defRPr>
-            </a:lvl3pPr>
-            <a:lvl4pPr marL="1600200" indent="-228600" algn="l" defTabSz="914400" rtl="0" eaLnBrk="1" latinLnBrk="0" hangingPunct="1">
-              <a:lnSpc>
-                <a:spcPct val="90000"/>
-              </a:lnSpc>
-              <a:spcBef>
-                <a:spcPts val="500"/>
-              </a:spcBef>
-              <a:buFont typeface="Arial" panose="020B0604020202020204" pitchFamily="34" charset="0"/>
-              <a:buChar char="•"/>
-              <a:defRPr sz="1800" kern="1200">
-                <a:solidFill>
-                  <a:schemeClr val="tx1"/>
-                </a:solidFill>
-                <a:latin typeface="+mn-lt"/>
-                <a:ea typeface="+mn-ea"/>
-                <a:cs typeface="+mn-cs"/>
-              </a:defRPr>
-            </a:lvl4pPr>
-            <a:lvl5pPr marL="2057400" indent="-228600" algn="l" defTabSz="914400" rtl="0" eaLnBrk="1" latinLnBrk="0" hangingPunct="1">
-              <a:lnSpc>
-                <a:spcPct val="90000"/>
-              </a:lnSpc>
-              <a:spcBef>
-                <a:spcPts val="500"/>
-              </a:spcBef>
-              <a:buFont typeface="Arial" panose="020B0604020202020204" pitchFamily="34" charset="0"/>
-              <a:buChar char="•"/>
-              <a:defRPr sz="1800" kern="1200">
-                <a:solidFill>
-                  <a:schemeClr val="tx1"/>
-                </a:solidFill>
-                <a:latin typeface="+mn-lt"/>
-                <a:ea typeface="+mn-ea"/>
-                <a:cs typeface="+mn-cs"/>
-              </a:defRPr>
-            </a:lvl5pPr>
-            <a:lvl6pPr marL="2514600" indent="-228600" algn="l" defTabSz="914400" rtl="0" eaLnBrk="1" latinLnBrk="0" hangingPunct="1">
-              <a:lnSpc>
-                <a:spcPct val="90000"/>
-              </a:lnSpc>
-              <a:spcBef>
-                <a:spcPts val="500"/>
-              </a:spcBef>
-              <a:buFont typeface="Arial" panose="020B0604020202020204" pitchFamily="34" charset="0"/>
-              <a:buChar char="•"/>
-              <a:defRPr sz="1800" kern="1200">
-                <a:solidFill>
-                  <a:schemeClr val="tx1"/>
-                </a:solidFill>
-                <a:latin typeface="+mn-lt"/>
-                <a:ea typeface="+mn-ea"/>
-                <a:cs typeface="+mn-cs"/>
-              </a:defRPr>
-            </a:lvl6pPr>
-            <a:lvl7pPr marL="2971800" indent="-228600" algn="l" defTabSz="914400" rtl="0" eaLnBrk="1" latinLnBrk="0" hangingPunct="1">
-              <a:lnSpc>
-                <a:spcPct val="90000"/>
-              </a:lnSpc>
-              <a:spcBef>
-                <a:spcPts val="500"/>
-              </a:spcBef>
-              <a:buFont typeface="Arial" panose="020B0604020202020204" pitchFamily="34" charset="0"/>
-              <a:buChar char="•"/>
-              <a:defRPr sz="1800" kern="1200">
-                <a:solidFill>
-                  <a:schemeClr val="tx1"/>
-                </a:solidFill>
-                <a:latin typeface="+mn-lt"/>
-                <a:ea typeface="+mn-ea"/>
-                <a:cs typeface="+mn-cs"/>
-              </a:defRPr>
-            </a:lvl7pPr>
-            <a:lvl8pPr marL="3429000" indent="-228600" algn="l" defTabSz="914400" rtl="0" eaLnBrk="1" latinLnBrk="0" hangingPunct="1">
-              <a:lnSpc>
-                <a:spcPct val="90000"/>
-              </a:lnSpc>
-              <a:spcBef>
-                <a:spcPts val="500"/>
-              </a:spcBef>
-              <a:buFont typeface="Arial" panose="020B0604020202020204" pitchFamily="34" charset="0"/>
-              <a:buChar char="•"/>
-              <a:defRPr sz="1800" kern="1200">
-                <a:solidFill>
-                  <a:schemeClr val="tx1"/>
-                </a:solidFill>
-                <a:latin typeface="+mn-lt"/>
-                <a:ea typeface="+mn-ea"/>
-                <a:cs typeface="+mn-cs"/>
-              </a:defRPr>
-            </a:lvl8pPr>
-            <a:lvl9pPr marL="3886200" indent="-228600" algn="l" defTabSz="914400" rtl="0" eaLnBrk="1" latinLnBrk="0" hangingPunct="1">
-              <a:lnSpc>
-                <a:spcPct val="90000"/>
-              </a:lnSpc>
-              <a:spcBef>
-                <a:spcPts val="500"/>
-              </a:spcBef>
-              <a:buFont typeface="Arial" panose="020B0604020202020204" pitchFamily="34" charset="0"/>
-              <a:buChar char="•"/>
-              <a:defRPr sz="1800" kern="1200">
-                <a:solidFill>
-                  <a:schemeClr val="tx1"/>
-                </a:solidFill>
-                <a:latin typeface="+mn-lt"/>
-                <a:ea typeface="+mn-ea"/>
-                <a:cs typeface="+mn-cs"/>
-              </a:defRPr>
-            </a:lvl9pPr>
-          </a:lstStyle>
-          <a:p>
-            <a:r>
-              <a:rPr lang="en-US" smtClean="0"/>
-              <a:t>How </a:t>
-            </a:r>
-            <a:r>
-              <a:rPr lang="en-US" dirty="0" smtClean="0"/>
-              <a:t>to create anonymous records</a:t>
-            </a:r>
-            <a:r>
-              <a:rPr lang="en-US" dirty="0" smtClean="0"/>
-              <a:t>?</a:t>
+          <a:lstStyle/>
+          <a:p>
+            <a:r>
+              <a:rPr lang="en-US" dirty="0" smtClean="0"/>
+              <a:t>FP is worth the learning curve</a:t>
             </a:r>
           </a:p>
           <a:p>
             <a:pPr lvl="1"/>
             <a:r>
               <a:rPr lang="en-US" dirty="0" smtClean="0"/>
-              <a:t>Used Tuple instead</a:t>
-            </a:r>
-            <a:endParaRPr lang="en-US" dirty="0" smtClean="0"/>
-          </a:p>
-          <a:p>
-            <a:r>
-              <a:rPr lang="en-US" dirty="0" smtClean="0"/>
-              <a:t>Returning existing object creates new object</a:t>
-            </a:r>
+              <a:t>1 dev already knows it</a:t>
+            </a:r>
+          </a:p>
+          <a:p>
+            <a:pPr lvl="1"/>
+            <a:r>
+              <a:rPr lang="en-US" dirty="0" smtClean="0"/>
+              <a:t>Way better tutorials than 10 years ago</a:t>
+            </a:r>
+          </a:p>
+          <a:p>
+            <a:pPr lvl="1"/>
             <a:endParaRPr lang="en-US" dirty="0"/>
           </a:p>
-        </p:txBody>
-      </p:sp>
-      <p:sp>
-        <p:nvSpPr>
-          <p:cNvPr id="6" name="TextBox 5"/>
-          <p:cNvSpPr txBox="1"/>
-          <p:nvPr/>
-        </p:nvSpPr>
-        <p:spPr>
-          <a:xfrm>
-            <a:off x="7502238" y="2581997"/>
-            <a:ext cx="3575065" cy="1938992"/>
-          </a:xfrm>
-          <a:prstGeom prst="rect">
-            <a:avLst/>
-          </a:prstGeom>
-          <a:noFill/>
-        </p:spPr>
-        <p:txBody>
-          <a:bodyPr wrap="square" rtlCol="0">
-            <a:spAutoFit/>
-          </a:bodyPr>
-          <a:lstStyle/>
-          <a:p>
-            <a:r>
-              <a:rPr lang="en-US" sz="4000" dirty="0" smtClean="0">
-                <a:solidFill>
-                  <a:srgbClr val="FF0000"/>
+          <a:p>
+            <a:r>
+              <a:rPr lang="en-US" dirty="0" smtClean="0"/>
+              <a:t>FP really does lead to less bugs</a:t>
+            </a:r>
+          </a:p>
+          <a:p>
+            <a:pPr lvl="1"/>
+            <a:r>
+              <a:rPr lang="en-US" dirty="0" smtClean="0"/>
+              <a:t>Less testing/fixing</a:t>
+            </a:r>
+          </a:p>
+          <a:p>
+            <a:pPr lvl="2"/>
+            <a:r>
+              <a:rPr lang="en-US" dirty="0" smtClean="0">
+                <a:solidFill>
+                  <a:srgbClr val="FFFF00"/>
                 </a:solidFill>
               </a:rPr>
-              <a:t>Almost ready to start a prod app in F#</a:t>
-            </a:r>
-            <a:endParaRPr lang="en-US" sz="4000" dirty="0">
-              <a:solidFill>
-                <a:srgbClr val="FF0000"/>
-              </a:solidFill>
-            </a:endParaRPr>
+              <a:t>Faster dev time</a:t>
+            </a:r>
+          </a:p>
+          <a:p>
+            <a:pPr lvl="2"/>
+            <a:r>
+              <a:rPr lang="en-US" dirty="0" smtClean="0">
+                <a:solidFill>
+                  <a:srgbClr val="FFFF00"/>
+                </a:solidFill>
+              </a:rPr>
+              <a:t>Once you overcome learning curve</a:t>
+            </a:r>
+          </a:p>
+          <a:p>
+            <a:pPr lvl="1"/>
+            <a:r>
+              <a:rPr lang="en-US" dirty="0" smtClean="0"/>
+              <a:t>Less bugs in prod</a:t>
+            </a:r>
+          </a:p>
+          <a:p>
+            <a:pPr lvl="1"/>
+            <a:endParaRPr lang="en-US" dirty="0"/>
           </a:p>
         </p:txBody>
       </p:sp>
     </p:spTree>
     <p:extLst>
       <p:ext uri="{BB962C8B-B14F-4D97-AF65-F5344CB8AC3E}">
-        <p14:creationId xmlns:p14="http://schemas.microsoft.com/office/powerpoint/2010/main" val="65708568"/>
+        <p14:creationId xmlns:p14="http://schemas.microsoft.com/office/powerpoint/2010/main" val="1261155027"/>
       </p:ext>
     </p:extLst>
   </p:cSld>
@@ -4016,80 +3852,9 @@
   <p:timing>
     <p:tnLst>
       <p:par>
-        <p:cTn id="1" dur="indefinite" restart="never" nodeType="tmRoot">
-          <p:childTnLst>
-            <p:seq concurrent="1" nextAc="seek">
-              <p:cTn id="2" dur="indefinite" nodeType="mainSeq">
-                <p:childTnLst>
-                  <p:par>
-                    <p:cTn id="3" fill="hold">
-                      <p:stCondLst>
-                        <p:cond delay="indefinite"/>
-                      </p:stCondLst>
-                      <p:childTnLst>
-                        <p:par>
-                          <p:cTn id="4" fill="hold">
-                            <p:stCondLst>
-                              <p:cond delay="0"/>
-                            </p:stCondLst>
-                            <p:childTnLst>
-                              <p:par>
-                                <p:cTn id="5" presetID="1" presetClass="entr" presetSubtype="0" fill="hold" grpId="0" nodeType="clickEffect">
-                                  <p:stCondLst>
-                                    <p:cond delay="0"/>
-                                  </p:stCondLst>
-                                  <p:childTnLst>
-                                    <p:set>
-                                      <p:cBhvr>
-                                        <p:cTn id="6" dur="1" fill="hold">
-                                          <p:stCondLst>
-                                            <p:cond delay="0"/>
-                                          </p:stCondLst>
-                                        </p:cTn>
-                                        <p:tgtEl>
-                                          <p:spTgt spid="6"/>
-                                        </p:tgtEl>
-                                        <p:attrNameLst>
-                                          <p:attrName>style.visibility</p:attrName>
-                                        </p:attrNameLst>
-                                      </p:cBhvr>
-                                      <p:to>
-                                        <p:strVal val="visible"/>
-                                      </p:to>
-                                    </p:set>
-                                  </p:childTnLst>
-                                </p:cTn>
-                              </p:par>
-                            </p:childTnLst>
-                          </p:cTn>
-                        </p:par>
-                      </p:childTnLst>
-                    </p:cTn>
-                  </p:par>
-                </p:childTnLst>
-              </p:cTn>
-              <p:prevCondLst>
-                <p:cond evt="onPrev" delay="0">
-                  <p:tgtEl>
-                    <p:sldTgt/>
-                  </p:tgtEl>
-                </p:cond>
-              </p:prevCondLst>
-              <p:nextCondLst>
-                <p:cond evt="onNext" delay="0">
-                  <p:tgtEl>
-                    <p:sldTgt/>
-                  </p:tgtEl>
-                </p:cond>
-              </p:nextCondLst>
-            </p:seq>
-          </p:childTnLst>
-        </p:cTn>
+        <p:cTn id="1" dur="indefinite" restart="never" nodeType="tmRoot"/>
       </p:par>
     </p:tnLst>
-    <p:bldLst>
-      <p:bldP spid="6" grpId="0"/>
-    </p:bldLst>
   </p:timing>
 </p:sld>
 </file>
@@ -4128,7 +3893,7 @@
           <a:p>
             <a:r>
               <a:rPr lang="en-US" dirty="0" smtClean="0"/>
-              <a:t>Conclusion</a:t>
+              <a:t>Current F# skill level</a:t>
             </a:r>
             <a:endParaRPr lang="en-US" dirty="0"/>
           </a:p>
@@ -4136,7 +3901,7 @@
       </p:sp>
       <p:sp>
         <p:nvSpPr>
-          <p:cNvPr id="3" name="Content Placeholder 2"/>
+          <p:cNvPr id="7" name="Content Placeholder 2"/>
           <p:cNvSpPr>
             <a:spLocks noGrp="1"/>
           </p:cNvSpPr>
@@ -4158,22 +3923,17 @@
           <a:p>
             <a:r>
               <a:rPr lang="en-US" dirty="0" smtClean="0"/>
-              <a:t>FP is worth the learning curve</a:t>
-            </a:r>
+              <a:t>Back-end</a:t>
+            </a:r>
+            <a:endParaRPr lang="en-US" dirty="0" smtClean="0"/>
           </a:p>
           <a:p>
             <a:pPr lvl="1"/>
             <a:r>
               <a:rPr lang="en-US" dirty="0" smtClean="0"/>
-              <a:t>1 dev already knows it</a:t>
-            </a:r>
-          </a:p>
-          <a:p>
-            <a:pPr lvl="1"/>
-            <a:r>
-              <a:rPr lang="en-US" dirty="0" smtClean="0"/>
-              <a:t>Way better tutorials than 10 years ago</a:t>
-            </a:r>
+              <a:t>Ready to start a real app</a:t>
+            </a:r>
+            <a:endParaRPr lang="en-US" dirty="0" smtClean="0"/>
           </a:p>
           <a:p>
             <a:pPr lvl="1"/>
@@ -4182,44 +3942,66 @@
           <a:p>
             <a:r>
               <a:rPr lang="en-US" dirty="0" smtClean="0"/>
-              <a:t>FP really does lead to less bugs</a:t>
+              <a:t>Front-end</a:t>
             </a:r>
           </a:p>
           <a:p>
             <a:pPr lvl="1"/>
             <a:r>
               <a:rPr lang="en-US" dirty="0" smtClean="0"/>
-              <a:t>Less testing/fixing</a:t>
+              <a:t>Researching Fable</a:t>
             </a:r>
           </a:p>
           <a:p>
             <a:pPr lvl="2"/>
             <a:r>
+              <a:rPr lang="en-US" dirty="0" smtClean="0"/>
+              <a:t>Compile F# to Node.JS</a:t>
+            </a:r>
+          </a:p>
+          <a:p>
+            <a:pPr lvl="3"/>
+            <a:r>
+              <a:rPr lang="en-US" dirty="0" smtClean="0"/>
+              <a:t>Use React, etc.</a:t>
+            </a:r>
+          </a:p>
+          <a:p>
+            <a:pPr lvl="1"/>
+            <a:r>
+              <a:rPr lang="en-US" dirty="0" smtClean="0"/>
+              <a:t>Support Dashboard</a:t>
+            </a:r>
+          </a:p>
+          <a:p>
+            <a:pPr lvl="2"/>
+            <a:r>
+              <a:rPr lang="en-US" dirty="0" smtClean="0"/>
+              <a:t>User checks failed records themselves</a:t>
+            </a:r>
+          </a:p>
+          <a:p>
+            <a:pPr lvl="2"/>
+            <a:r>
+              <a:rPr lang="en-US" dirty="0" smtClean="0"/>
+              <a:t>Full Stack</a:t>
+            </a:r>
+          </a:p>
+          <a:p>
+            <a:pPr lvl="2"/>
+            <a:r>
               <a:rPr lang="en-US" dirty="0" smtClean="0">
                 <a:solidFill>
                   <a:srgbClr val="FFFF00"/>
                 </a:solidFill>
               </a:rPr>
-              <a:t>Faster dev time</a:t>
-            </a:r>
-          </a:p>
-          <a:p>
-            <a:pPr lvl="2"/>
-            <a:r>
-              <a:rPr lang="en-US" dirty="0" smtClean="0">
-                <a:solidFill>
-                  <a:srgbClr val="FFFF00"/>
-                </a:solidFill>
-              </a:rPr>
-              <a:t>Once you overcome learning curve</a:t>
-            </a:r>
-          </a:p>
-          <a:p>
-            <a:pPr lvl="1"/>
-            <a:r>
-              <a:rPr lang="en-US" dirty="0" smtClean="0"/>
-              <a:t>Less bugs in prod</a:t>
-            </a:r>
+              <a:t>UX / Design</a:t>
+            </a:r>
+            <a:endParaRPr lang="en-US" dirty="0" smtClean="0">
+              <a:solidFill>
+                <a:srgbClr val="FFFF00"/>
+              </a:solidFill>
+            </a:endParaRPr>
           </a:p>
           <a:p>
             <a:pPr lvl="1"/>
@@ -4230,951 +4012,7 @@
     </p:spTree>
     <p:extLst>
       <p:ext uri="{BB962C8B-B14F-4D97-AF65-F5344CB8AC3E}">
-        <p14:creationId xmlns:p14="http://schemas.microsoft.com/office/powerpoint/2010/main" val="1261155027"/>
-      </p:ext>
-    </p:extLst>
-  </p:cSld>
-  <p:clrMapOvr>
-    <a:masterClrMapping/>
-  </p:clrMapOvr>
-  <p:timing>
-    <p:tnLst>
-      <p:par>
-        <p:cTn id="1" dur="indefinite" restart="never" nodeType="tmRoot"/>
-      </p:par>
-    </p:tnLst>
-  </p:timing>
-</p:sld>
-</file>
-
-<file path=ppt/slides/slide13.xml><?xml version="1.0" encoding="utf-8"?>
-<p:sld xmlns:a="http://schemas.openxmlformats.org/drawingml/2006/main" xmlns:r="http://schemas.openxmlformats.org/officeDocument/2006/relationships" xmlns:p="http://schemas.openxmlformats.org/presentationml/2006/main">
-  <p:cSld>
-    <p:spTree>
-      <p:nvGrpSpPr>
-        <p:cNvPr id="1" name=""/>
-        <p:cNvGrpSpPr/>
-        <p:nvPr/>
-      </p:nvGrpSpPr>
-      <p:grpSpPr>
-        <a:xfrm>
-          <a:off x="0" y="0"/>
-          <a:ext cx="0" cy="0"/>
-          <a:chOff x="0" y="0"/>
-          <a:chExt cx="0" cy="0"/>
-        </a:xfrm>
-      </p:grpSpPr>
-      <p:sp>
-        <p:nvSpPr>
-          <p:cNvPr id="2" name="Title 1"/>
-          <p:cNvSpPr>
-            <a:spLocks noGrp="1"/>
-          </p:cNvSpPr>
-          <p:nvPr>
-            <p:ph type="title"/>
-          </p:nvPr>
-        </p:nvSpPr>
-        <p:spPr/>
-        <p:txBody>
-          <a:bodyPr/>
-          <a:lstStyle/>
-          <a:p>
-            <a:r>
-              <a:rPr lang="en-US" dirty="0" smtClean="0"/>
-              <a:t>Next Steps?</a:t>
-            </a:r>
-            <a:endParaRPr lang="en-US" dirty="0"/>
-          </a:p>
-        </p:txBody>
-      </p:sp>
-      <p:sp>
-        <p:nvSpPr>
-          <p:cNvPr id="3" name="Content Placeholder 2"/>
-          <p:cNvSpPr>
-            <a:spLocks noGrp="1"/>
-          </p:cNvSpPr>
-          <p:nvPr>
-            <p:ph idx="1"/>
-          </p:nvPr>
-        </p:nvSpPr>
-        <p:spPr/>
-        <p:txBody>
-          <a:bodyPr/>
-          <a:lstStyle/>
-          <a:p>
-            <a:r>
-              <a:rPr lang="en-US" dirty="0" smtClean="0"/>
-              <a:t>Start building data imports in F#</a:t>
-            </a:r>
-          </a:p>
-          <a:p>
-            <a:endParaRPr lang="en-US" dirty="0"/>
-          </a:p>
-          <a:p>
-            <a:r>
-              <a:rPr lang="en-US" dirty="0" smtClean="0"/>
-              <a:t>Support dashboard</a:t>
-            </a:r>
-          </a:p>
-          <a:p>
-            <a:pPr lvl="1"/>
-            <a:r>
-              <a:rPr lang="en-US" dirty="0" smtClean="0"/>
-              <a:t>Fable</a:t>
-            </a:r>
-          </a:p>
-          <a:p>
-            <a:pPr lvl="2"/>
-            <a:r>
-              <a:rPr lang="en-US" dirty="0" smtClean="0"/>
-              <a:t>Compiles F# into Node.JS</a:t>
-            </a:r>
-          </a:p>
-          <a:p>
-            <a:pPr lvl="2"/>
-            <a:r>
-              <a:rPr lang="en-US" dirty="0" smtClean="0"/>
-              <a:t>Same language on front/back end</a:t>
-            </a:r>
-          </a:p>
-          <a:p>
-            <a:pPr lvl="1"/>
-            <a:r>
-              <a:rPr lang="en-US" dirty="0" smtClean="0">
-                <a:solidFill>
-                  <a:srgbClr val="FFFF00"/>
-                </a:solidFill>
-              </a:rPr>
-              <a:t>Full stack developer</a:t>
-            </a:r>
-          </a:p>
-          <a:p>
-            <a:pPr lvl="1"/>
-            <a:r>
-              <a:rPr lang="en-US" dirty="0" smtClean="0">
-                <a:solidFill>
-                  <a:srgbClr val="FFFF00"/>
-                </a:solidFill>
-              </a:rPr>
-              <a:t>Design/UX</a:t>
-            </a:r>
-            <a:endParaRPr lang="en-US" dirty="0">
-              <a:solidFill>
-                <a:srgbClr val="FFFF00"/>
-              </a:solidFill>
-            </a:endParaRPr>
-          </a:p>
-        </p:txBody>
-      </p:sp>
-    </p:spTree>
-    <p:extLst>
-      <p:ext uri="{BB962C8B-B14F-4D97-AF65-F5344CB8AC3E}">
-        <p14:creationId xmlns:p14="http://schemas.microsoft.com/office/powerpoint/2010/main" val="3766803100"/>
-      </p:ext>
-    </p:extLst>
-  </p:cSld>
-  <p:clrMapOvr>
-    <a:masterClrMapping/>
-  </p:clrMapOvr>
-  <p:timing>
-    <p:tnLst>
-      <p:par>
-        <p:cTn id="1" dur="indefinite" restart="never" nodeType="tmRoot"/>
-      </p:par>
-    </p:tnLst>
-  </p:timing>
-</p:sld>
-</file>
-
-<file path=ppt/slides/slide14.xml><?xml version="1.0" encoding="utf-8"?>
-<p:sld xmlns:a="http://schemas.openxmlformats.org/drawingml/2006/main" xmlns:r="http://schemas.openxmlformats.org/officeDocument/2006/relationships" xmlns:p="http://schemas.openxmlformats.org/presentationml/2006/main">
-  <p:cSld>
-    <p:spTree>
-      <p:nvGrpSpPr>
-        <p:cNvPr id="1" name=""/>
-        <p:cNvGrpSpPr/>
-        <p:nvPr/>
-      </p:nvGrpSpPr>
-      <p:grpSpPr>
-        <a:xfrm>
-          <a:off x="0" y="0"/>
-          <a:ext cx="0" cy="0"/>
-          <a:chOff x="0" y="0"/>
-          <a:chExt cx="0" cy="0"/>
-        </a:xfrm>
-      </p:grpSpPr>
-      <p:sp>
-        <p:nvSpPr>
-          <p:cNvPr id="2" name="Title 1"/>
-          <p:cNvSpPr>
-            <a:spLocks noGrp="1"/>
-          </p:cNvSpPr>
-          <p:nvPr>
-            <p:ph type="title"/>
-          </p:nvPr>
-        </p:nvSpPr>
-        <p:spPr/>
-        <p:txBody>
-          <a:bodyPr/>
-          <a:lstStyle/>
-          <a:p>
-            <a:endParaRPr lang="en-US"/>
-          </a:p>
-        </p:txBody>
-      </p:sp>
-      <p:sp>
-        <p:nvSpPr>
-          <p:cNvPr id="3" name="Content Placeholder 2"/>
-          <p:cNvSpPr>
-            <a:spLocks noGrp="1"/>
-          </p:cNvSpPr>
-          <p:nvPr>
-            <p:ph idx="1"/>
-          </p:nvPr>
-        </p:nvSpPr>
-        <p:spPr/>
-        <p:txBody>
-          <a:bodyPr/>
-          <a:lstStyle/>
-          <a:p>
-            <a:endParaRPr lang="en-US"/>
-          </a:p>
-        </p:txBody>
-      </p:sp>
-    </p:spTree>
-    <p:extLst>
-      <p:ext uri="{BB962C8B-B14F-4D97-AF65-F5344CB8AC3E}">
-        <p14:creationId xmlns:p14="http://schemas.microsoft.com/office/powerpoint/2010/main" val="345145945"/>
-      </p:ext>
-    </p:extLst>
-  </p:cSld>
-  <p:clrMapOvr>
-    <a:masterClrMapping/>
-  </p:clrMapOvr>
-  <p:timing>
-    <p:tnLst>
-      <p:par>
-        <p:cTn id="1" dur="indefinite" restart="never" nodeType="tmRoot"/>
-      </p:par>
-    </p:tnLst>
-  </p:timing>
-</p:sld>
-</file>
-
-<file path=ppt/slides/slide15.xml><?xml version="1.0" encoding="utf-8"?>
-<p:sld xmlns:a="http://schemas.openxmlformats.org/drawingml/2006/main" xmlns:r="http://schemas.openxmlformats.org/officeDocument/2006/relationships" xmlns:p="http://schemas.openxmlformats.org/presentationml/2006/main">
-  <p:cSld>
-    <p:bg>
-      <p:bgPr>
-        <a:solidFill>
-          <a:schemeClr val="accent4"/>
-        </a:solidFill>
-        <a:effectLst/>
-      </p:bgPr>
-    </p:bg>
-    <p:spTree>
-      <p:nvGrpSpPr>
-        <p:cNvPr id="1" name=""/>
-        <p:cNvGrpSpPr/>
-        <p:nvPr/>
-      </p:nvGrpSpPr>
-      <p:grpSpPr>
-        <a:xfrm>
-          <a:off x="0" y="0"/>
-          <a:ext cx="0" cy="0"/>
-          <a:chOff x="0" y="0"/>
-          <a:chExt cx="0" cy="0"/>
-        </a:xfrm>
-      </p:grpSpPr>
-      <p:sp>
-        <p:nvSpPr>
-          <p:cNvPr id="2" name="Title 1"/>
-          <p:cNvSpPr>
-            <a:spLocks noGrp="1"/>
-          </p:cNvSpPr>
-          <p:nvPr>
-            <p:ph type="title"/>
-          </p:nvPr>
-        </p:nvSpPr>
-        <p:spPr/>
-        <p:txBody>
-          <a:bodyPr/>
-          <a:lstStyle/>
-          <a:p>
-            <a:r>
-              <a:rPr lang="en-US" dirty="0" smtClean="0"/>
-              <a:t>Side Effects</a:t>
-            </a:r>
-            <a:endParaRPr lang="en-US" dirty="0"/>
-          </a:p>
-        </p:txBody>
-      </p:sp>
-      <p:sp>
-        <p:nvSpPr>
-          <p:cNvPr id="3" name="Content Placeholder 2"/>
-          <p:cNvSpPr>
-            <a:spLocks noGrp="1"/>
-          </p:cNvSpPr>
-          <p:nvPr>
-            <p:ph idx="1"/>
-          </p:nvPr>
-        </p:nvSpPr>
-        <p:spPr>
-          <a:xfrm>
-            <a:off x="838200" y="1825625"/>
-            <a:ext cx="5516880" cy="4921340"/>
-          </a:xfrm>
-        </p:spPr>
-        <p:txBody>
-          <a:bodyPr>
-            <a:normAutofit lnSpcReduction="10000"/>
-          </a:bodyPr>
-          <a:lstStyle/>
-          <a:p>
-            <a:r>
-              <a:rPr lang="en-US" dirty="0" smtClean="0"/>
-              <a:t>Properties:</a:t>
-            </a:r>
-          </a:p>
-          <a:p>
-            <a:pPr lvl="1"/>
-            <a:r>
-              <a:rPr lang="en-US" dirty="0" err="1" smtClean="0">
-                <a:solidFill>
-                  <a:schemeClr val="accent5">
-                    <a:lumMod val="60000"/>
-                    <a:lumOff val="40000"/>
-                  </a:schemeClr>
-                </a:solidFill>
-              </a:rPr>
-              <a:t>MyInt</a:t>
-            </a:r>
-            <a:endParaRPr lang="en-US" dirty="0" smtClean="0">
-              <a:solidFill>
-                <a:schemeClr val="accent5">
-                  <a:lumMod val="60000"/>
-                  <a:lumOff val="40000"/>
-                </a:schemeClr>
-              </a:solidFill>
-            </a:endParaRPr>
-          </a:p>
-          <a:p>
-            <a:pPr lvl="1"/>
-            <a:r>
-              <a:rPr lang="en-US" dirty="0" err="1" smtClean="0">
-                <a:solidFill>
-                  <a:schemeClr val="accent5">
-                    <a:lumMod val="60000"/>
-                    <a:lumOff val="40000"/>
-                  </a:schemeClr>
-                </a:solidFill>
-              </a:rPr>
-              <a:t>MyString</a:t>
-            </a:r>
-            <a:endParaRPr lang="en-US" dirty="0" smtClean="0">
-              <a:solidFill>
-                <a:schemeClr val="accent5">
-                  <a:lumMod val="60000"/>
-                  <a:lumOff val="40000"/>
-                </a:schemeClr>
-              </a:solidFill>
-            </a:endParaRPr>
-          </a:p>
-          <a:p>
-            <a:pPr lvl="1"/>
-            <a:r>
-              <a:rPr lang="en-US" dirty="0" err="1" smtClean="0">
-                <a:solidFill>
-                  <a:schemeClr val="accent5">
-                    <a:lumMod val="60000"/>
-                    <a:lumOff val="40000"/>
-                  </a:schemeClr>
-                </a:solidFill>
-              </a:rPr>
-              <a:t>MyBool</a:t>
-            </a:r>
-            <a:endParaRPr lang="en-US" dirty="0" smtClean="0">
-              <a:solidFill>
-                <a:schemeClr val="accent5">
-                  <a:lumMod val="60000"/>
-                  <a:lumOff val="40000"/>
-                </a:schemeClr>
-              </a:solidFill>
-            </a:endParaRPr>
-          </a:p>
-          <a:p>
-            <a:pPr lvl="1"/>
-            <a:endParaRPr lang="en-US" dirty="0"/>
-          </a:p>
-          <a:p>
-            <a:r>
-              <a:rPr lang="en-US" dirty="0" smtClean="0"/>
-              <a:t>Methods:</a:t>
-            </a:r>
-          </a:p>
-          <a:p>
-            <a:pPr lvl="1"/>
-            <a:r>
-              <a:rPr lang="en-US" dirty="0" err="1" smtClean="0">
-                <a:solidFill>
-                  <a:schemeClr val="accent1">
-                    <a:lumMod val="60000"/>
-                    <a:lumOff val="40000"/>
-                  </a:schemeClr>
-                </a:solidFill>
-              </a:rPr>
-              <a:t>MethodA</a:t>
-            </a:r>
-            <a:endParaRPr lang="en-US" dirty="0" smtClean="0">
-              <a:solidFill>
-                <a:schemeClr val="accent1">
-                  <a:lumMod val="60000"/>
-                  <a:lumOff val="40000"/>
-                </a:schemeClr>
-              </a:solidFill>
-            </a:endParaRPr>
-          </a:p>
-          <a:p>
-            <a:pPr lvl="1"/>
-            <a:r>
-              <a:rPr lang="en-US" dirty="0" err="1" smtClean="0">
-                <a:solidFill>
-                  <a:schemeClr val="accent1">
-                    <a:lumMod val="60000"/>
-                    <a:lumOff val="40000"/>
-                  </a:schemeClr>
-                </a:solidFill>
-              </a:rPr>
-              <a:t>MethodB</a:t>
-            </a:r>
-            <a:endParaRPr lang="en-US" dirty="0" smtClean="0">
-              <a:solidFill>
-                <a:schemeClr val="accent1">
-                  <a:lumMod val="60000"/>
-                  <a:lumOff val="40000"/>
-                </a:schemeClr>
-              </a:solidFill>
-            </a:endParaRPr>
-          </a:p>
-          <a:p>
-            <a:pPr lvl="1"/>
-            <a:r>
-              <a:rPr lang="en-US" dirty="0" err="1" smtClean="0">
-                <a:solidFill>
-                  <a:schemeClr val="accent1">
-                    <a:lumMod val="60000"/>
-                    <a:lumOff val="40000"/>
-                  </a:schemeClr>
-                </a:solidFill>
-              </a:rPr>
-              <a:t>MethodC</a:t>
-            </a:r>
-            <a:endParaRPr lang="en-US" dirty="0" smtClean="0">
-              <a:solidFill>
-                <a:schemeClr val="accent1">
-                  <a:lumMod val="60000"/>
-                  <a:lumOff val="40000"/>
-                </a:schemeClr>
-              </a:solidFill>
-            </a:endParaRPr>
-          </a:p>
-          <a:p>
-            <a:pPr lvl="2"/>
-            <a:r>
-              <a:rPr lang="en-US" dirty="0" smtClean="0"/>
-              <a:t>Could depend on properties</a:t>
-            </a:r>
-          </a:p>
-          <a:p>
-            <a:pPr lvl="3"/>
-            <a:r>
-              <a:rPr lang="en-US" dirty="0" smtClean="0"/>
-              <a:t>if (</a:t>
-            </a:r>
-            <a:r>
-              <a:rPr lang="en-US" dirty="0" err="1" smtClean="0"/>
-              <a:t>myInt</a:t>
-            </a:r>
-            <a:r>
-              <a:rPr lang="en-US" dirty="0" smtClean="0"/>
-              <a:t> == 0)</a:t>
-            </a:r>
-          </a:p>
-          <a:p>
-            <a:pPr lvl="2"/>
-            <a:r>
-              <a:rPr lang="en-US" dirty="0" smtClean="0"/>
-              <a:t>Could assign to properties</a:t>
-            </a:r>
-          </a:p>
-          <a:p>
-            <a:pPr lvl="3"/>
-            <a:r>
-              <a:rPr lang="en-US" dirty="0" err="1" smtClean="0"/>
-              <a:t>MyBool</a:t>
-            </a:r>
-            <a:r>
-              <a:rPr lang="en-US" dirty="0" smtClean="0"/>
-              <a:t> = false</a:t>
-            </a:r>
-            <a:endParaRPr lang="en-US" dirty="0"/>
-          </a:p>
-        </p:txBody>
-      </p:sp>
-      <p:sp>
-        <p:nvSpPr>
-          <p:cNvPr id="4" name="Content Placeholder 2"/>
-          <p:cNvSpPr txBox="1">
-            <a:spLocks/>
-          </p:cNvSpPr>
-          <p:nvPr/>
-        </p:nvSpPr>
-        <p:spPr>
-          <a:xfrm>
-            <a:off x="7319540" y="568234"/>
-            <a:ext cx="4672148" cy="6178731"/>
-          </a:xfrm>
-          <a:prstGeom prst="rect">
-            <a:avLst/>
-          </a:prstGeom>
-        </p:spPr>
-        <p:txBody>
-          <a:bodyPr vert="horz" lIns="91440" tIns="45720" rIns="91440" bIns="45720" rtlCol="0">
-            <a:normAutofit fontScale="92500" lnSpcReduction="10000"/>
-          </a:bodyPr>
-          <a:lstStyle>
-            <a:lvl1pPr marL="228600" indent="-228600" algn="l" defTabSz="914400" rtl="0" eaLnBrk="1" latinLnBrk="0" hangingPunct="1">
-              <a:lnSpc>
-                <a:spcPct val="90000"/>
-              </a:lnSpc>
-              <a:spcBef>
-                <a:spcPts val="1000"/>
-              </a:spcBef>
-              <a:buFont typeface="Arial" panose="020B0604020202020204" pitchFamily="34" charset="0"/>
-              <a:buChar char="•"/>
-              <a:defRPr sz="2800" kern="1200">
-                <a:solidFill>
-                  <a:schemeClr val="tx1"/>
-                </a:solidFill>
-                <a:latin typeface="+mn-lt"/>
-                <a:ea typeface="+mn-ea"/>
-                <a:cs typeface="+mn-cs"/>
-              </a:defRPr>
-            </a:lvl1pPr>
-            <a:lvl2pPr marL="685800" indent="-228600" algn="l" defTabSz="914400" rtl="0" eaLnBrk="1" latinLnBrk="0" hangingPunct="1">
-              <a:lnSpc>
-                <a:spcPct val="90000"/>
-              </a:lnSpc>
-              <a:spcBef>
-                <a:spcPts val="500"/>
-              </a:spcBef>
-              <a:buFont typeface="Arial" panose="020B0604020202020204" pitchFamily="34" charset="0"/>
-              <a:buChar char="•"/>
-              <a:defRPr sz="2400" kern="1200">
-                <a:solidFill>
-                  <a:schemeClr val="tx1"/>
-                </a:solidFill>
-                <a:latin typeface="+mn-lt"/>
-                <a:ea typeface="+mn-ea"/>
-                <a:cs typeface="+mn-cs"/>
-              </a:defRPr>
-            </a:lvl2pPr>
-            <a:lvl3pPr marL="1143000" indent="-228600" algn="l" defTabSz="914400" rtl="0" eaLnBrk="1" latinLnBrk="0" hangingPunct="1">
-              <a:lnSpc>
-                <a:spcPct val="90000"/>
-              </a:lnSpc>
-              <a:spcBef>
-                <a:spcPts val="500"/>
-              </a:spcBef>
-              <a:buFont typeface="Arial" panose="020B0604020202020204" pitchFamily="34" charset="0"/>
-              <a:buChar char="•"/>
-              <a:defRPr sz="2000" kern="1200">
-                <a:solidFill>
-                  <a:schemeClr val="tx1"/>
-                </a:solidFill>
-                <a:latin typeface="+mn-lt"/>
-                <a:ea typeface="+mn-ea"/>
-                <a:cs typeface="+mn-cs"/>
-              </a:defRPr>
-            </a:lvl3pPr>
-            <a:lvl4pPr marL="1600200" indent="-228600" algn="l" defTabSz="914400" rtl="0" eaLnBrk="1" latinLnBrk="0" hangingPunct="1">
-              <a:lnSpc>
-                <a:spcPct val="90000"/>
-              </a:lnSpc>
-              <a:spcBef>
-                <a:spcPts val="500"/>
-              </a:spcBef>
-              <a:buFont typeface="Arial" panose="020B0604020202020204" pitchFamily="34" charset="0"/>
-              <a:buChar char="•"/>
-              <a:defRPr sz="1800" kern="1200">
-                <a:solidFill>
-                  <a:schemeClr val="tx1"/>
-                </a:solidFill>
-                <a:latin typeface="+mn-lt"/>
-                <a:ea typeface="+mn-ea"/>
-                <a:cs typeface="+mn-cs"/>
-              </a:defRPr>
-            </a:lvl4pPr>
-            <a:lvl5pPr marL="2057400" indent="-228600" algn="l" defTabSz="914400" rtl="0" eaLnBrk="1" latinLnBrk="0" hangingPunct="1">
-              <a:lnSpc>
-                <a:spcPct val="90000"/>
-              </a:lnSpc>
-              <a:spcBef>
-                <a:spcPts val="500"/>
-              </a:spcBef>
-              <a:buFont typeface="Arial" panose="020B0604020202020204" pitchFamily="34" charset="0"/>
-              <a:buChar char="•"/>
-              <a:defRPr sz="1800" kern="1200">
-                <a:solidFill>
-                  <a:schemeClr val="tx1"/>
-                </a:solidFill>
-                <a:latin typeface="+mn-lt"/>
-                <a:ea typeface="+mn-ea"/>
-                <a:cs typeface="+mn-cs"/>
-              </a:defRPr>
-            </a:lvl5pPr>
-            <a:lvl6pPr marL="2514600" indent="-228600" algn="l" defTabSz="914400" rtl="0" eaLnBrk="1" latinLnBrk="0" hangingPunct="1">
-              <a:lnSpc>
-                <a:spcPct val="90000"/>
-              </a:lnSpc>
-              <a:spcBef>
-                <a:spcPts val="500"/>
-              </a:spcBef>
-              <a:buFont typeface="Arial" panose="020B0604020202020204" pitchFamily="34" charset="0"/>
-              <a:buChar char="•"/>
-              <a:defRPr sz="1800" kern="1200">
-                <a:solidFill>
-                  <a:schemeClr val="tx1"/>
-                </a:solidFill>
-                <a:latin typeface="+mn-lt"/>
-                <a:ea typeface="+mn-ea"/>
-                <a:cs typeface="+mn-cs"/>
-              </a:defRPr>
-            </a:lvl6pPr>
-            <a:lvl7pPr marL="2971800" indent="-228600" algn="l" defTabSz="914400" rtl="0" eaLnBrk="1" latinLnBrk="0" hangingPunct="1">
-              <a:lnSpc>
-                <a:spcPct val="90000"/>
-              </a:lnSpc>
-              <a:spcBef>
-                <a:spcPts val="500"/>
-              </a:spcBef>
-              <a:buFont typeface="Arial" panose="020B0604020202020204" pitchFamily="34" charset="0"/>
-              <a:buChar char="•"/>
-              <a:defRPr sz="1800" kern="1200">
-                <a:solidFill>
-                  <a:schemeClr val="tx1"/>
-                </a:solidFill>
-                <a:latin typeface="+mn-lt"/>
-                <a:ea typeface="+mn-ea"/>
-                <a:cs typeface="+mn-cs"/>
-              </a:defRPr>
-            </a:lvl7pPr>
-            <a:lvl8pPr marL="3429000" indent="-228600" algn="l" defTabSz="914400" rtl="0" eaLnBrk="1" latinLnBrk="0" hangingPunct="1">
-              <a:lnSpc>
-                <a:spcPct val="90000"/>
-              </a:lnSpc>
-              <a:spcBef>
-                <a:spcPts val="500"/>
-              </a:spcBef>
-              <a:buFont typeface="Arial" panose="020B0604020202020204" pitchFamily="34" charset="0"/>
-              <a:buChar char="•"/>
-              <a:defRPr sz="1800" kern="1200">
-                <a:solidFill>
-                  <a:schemeClr val="tx1"/>
-                </a:solidFill>
-                <a:latin typeface="+mn-lt"/>
-                <a:ea typeface="+mn-ea"/>
-                <a:cs typeface="+mn-cs"/>
-              </a:defRPr>
-            </a:lvl8pPr>
-            <a:lvl9pPr marL="3886200" indent="-228600" algn="l" defTabSz="914400" rtl="0" eaLnBrk="1" latinLnBrk="0" hangingPunct="1">
-              <a:lnSpc>
-                <a:spcPct val="90000"/>
-              </a:lnSpc>
-              <a:spcBef>
-                <a:spcPts val="500"/>
-              </a:spcBef>
-              <a:buFont typeface="Arial" panose="020B0604020202020204" pitchFamily="34" charset="0"/>
-              <a:buChar char="•"/>
-              <a:defRPr sz="1800" kern="1200">
-                <a:solidFill>
-                  <a:schemeClr val="tx1"/>
-                </a:solidFill>
-                <a:latin typeface="+mn-lt"/>
-                <a:ea typeface="+mn-ea"/>
-                <a:cs typeface="+mn-cs"/>
-              </a:defRPr>
-            </a:lvl9pPr>
-          </a:lstStyle>
-          <a:p>
-            <a:r>
-              <a:rPr lang="en-US" dirty="0" smtClean="0"/>
-              <a:t>Modify </a:t>
-            </a:r>
-            <a:r>
-              <a:rPr lang="en-US" dirty="0" err="1" smtClean="0">
-                <a:solidFill>
-                  <a:schemeClr val="accent1">
-                    <a:lumMod val="60000"/>
-                    <a:lumOff val="40000"/>
-                  </a:schemeClr>
-                </a:solidFill>
-              </a:rPr>
-              <a:t>MethodB</a:t>
-            </a:r>
-            <a:r>
-              <a:rPr lang="en-US" dirty="0" smtClean="0"/>
-              <a:t> :</a:t>
-            </a:r>
-          </a:p>
-          <a:p>
-            <a:pPr lvl="1"/>
-            <a:r>
-              <a:rPr lang="en-US" dirty="0" smtClean="0"/>
-              <a:t>Set </a:t>
-            </a:r>
-            <a:r>
-              <a:rPr lang="en-US" dirty="0" err="1" smtClean="0">
-                <a:solidFill>
-                  <a:schemeClr val="accent5">
-                    <a:lumMod val="60000"/>
-                    <a:lumOff val="40000"/>
-                  </a:schemeClr>
-                </a:solidFill>
-              </a:rPr>
-              <a:t>MyString</a:t>
-            </a:r>
-            <a:r>
-              <a:rPr lang="en-US" dirty="0" smtClean="0"/>
-              <a:t> to null if </a:t>
-            </a:r>
-            <a:r>
-              <a:rPr lang="en-US" dirty="0" err="1" smtClean="0">
-                <a:solidFill>
-                  <a:schemeClr val="accent5">
-                    <a:lumMod val="60000"/>
-                    <a:lumOff val="40000"/>
-                  </a:schemeClr>
-                </a:solidFill>
-              </a:rPr>
-              <a:t>MyBool</a:t>
-            </a:r>
-            <a:r>
-              <a:rPr lang="en-US" dirty="0" smtClean="0"/>
-              <a:t> is false</a:t>
-            </a:r>
-          </a:p>
-          <a:p>
-            <a:pPr lvl="1"/>
-            <a:r>
-              <a:rPr lang="en-US" dirty="0" smtClean="0"/>
-              <a:t>Does this affect </a:t>
-            </a:r>
-            <a:r>
-              <a:rPr lang="en-US" dirty="0" err="1" smtClean="0">
-                <a:solidFill>
-                  <a:schemeClr val="accent1">
-                    <a:lumMod val="60000"/>
-                    <a:lumOff val="40000"/>
-                  </a:schemeClr>
-                </a:solidFill>
-              </a:rPr>
-              <a:t>MethodA</a:t>
-            </a:r>
-            <a:r>
-              <a:rPr lang="en-US" dirty="0" smtClean="0">
-                <a:solidFill>
-                  <a:schemeClr val="accent1">
-                    <a:lumMod val="60000"/>
-                    <a:lumOff val="40000"/>
-                  </a:schemeClr>
-                </a:solidFill>
-              </a:rPr>
-              <a:t>, </a:t>
-            </a:r>
-            <a:r>
-              <a:rPr lang="en-US" dirty="0" err="1" smtClean="0">
-                <a:solidFill>
-                  <a:schemeClr val="accent1">
-                    <a:lumMod val="60000"/>
-                    <a:lumOff val="40000"/>
-                  </a:schemeClr>
-                </a:solidFill>
-              </a:rPr>
-              <a:t>MethodC</a:t>
-            </a:r>
-            <a:r>
-              <a:rPr lang="en-US" dirty="0" smtClean="0"/>
-              <a:t>?</a:t>
-            </a:r>
-          </a:p>
-          <a:p>
-            <a:pPr lvl="1"/>
-            <a:endParaRPr lang="en-US" dirty="0"/>
-          </a:p>
-          <a:p>
-            <a:r>
-              <a:rPr lang="en-US" dirty="0" smtClean="0"/>
-              <a:t>OO</a:t>
-            </a:r>
-          </a:p>
-          <a:p>
-            <a:pPr lvl="1"/>
-            <a:r>
-              <a:rPr lang="en-US" dirty="0" smtClean="0"/>
-              <a:t>Find all references</a:t>
-            </a:r>
-          </a:p>
-          <a:p>
-            <a:pPr lvl="1"/>
-            <a:r>
-              <a:rPr lang="en-US" dirty="0" smtClean="0"/>
-              <a:t>Are </a:t>
-            </a:r>
-            <a:r>
-              <a:rPr lang="en-US" dirty="0" err="1" smtClean="0">
-                <a:solidFill>
-                  <a:schemeClr val="accent1">
-                    <a:lumMod val="60000"/>
-                    <a:lumOff val="40000"/>
-                  </a:schemeClr>
-                </a:solidFill>
-              </a:rPr>
-              <a:t>MethodA</a:t>
-            </a:r>
-            <a:r>
-              <a:rPr lang="en-US" dirty="0" smtClean="0">
-                <a:solidFill>
-                  <a:schemeClr val="accent1">
-                    <a:lumMod val="60000"/>
-                    <a:lumOff val="40000"/>
-                  </a:schemeClr>
-                </a:solidFill>
-              </a:rPr>
-              <a:t> </a:t>
-            </a:r>
-            <a:r>
-              <a:rPr lang="en-US" dirty="0" smtClean="0"/>
-              <a:t>or </a:t>
-            </a:r>
-            <a:r>
-              <a:rPr lang="en-US" dirty="0" err="1" smtClean="0">
-                <a:solidFill>
-                  <a:schemeClr val="accent1">
-                    <a:lumMod val="60000"/>
-                    <a:lumOff val="40000"/>
-                  </a:schemeClr>
-                </a:solidFill>
-              </a:rPr>
-              <a:t>MethodC</a:t>
-            </a:r>
-            <a:r>
-              <a:rPr lang="en-US" dirty="0" smtClean="0"/>
-              <a:t> called after </a:t>
-            </a:r>
-            <a:r>
-              <a:rPr lang="en-US" dirty="0" err="1" smtClean="0">
-                <a:solidFill>
-                  <a:schemeClr val="accent1">
-                    <a:lumMod val="60000"/>
-                    <a:lumOff val="40000"/>
-                  </a:schemeClr>
-                </a:solidFill>
-              </a:rPr>
-              <a:t>MethodB</a:t>
-            </a:r>
-            <a:r>
-              <a:rPr lang="en-US" dirty="0" smtClean="0"/>
-              <a:t>?</a:t>
-            </a:r>
-          </a:p>
-          <a:p>
-            <a:r>
-              <a:rPr lang="en-US" dirty="0" smtClean="0"/>
-              <a:t>Functional:</a:t>
-            </a:r>
-          </a:p>
-          <a:p>
-            <a:pPr lvl="1"/>
-            <a:r>
-              <a:rPr lang="en-US" dirty="0" smtClean="0"/>
-              <a:t>If </a:t>
-            </a:r>
-            <a:r>
-              <a:rPr lang="en-US" dirty="0" err="1" smtClean="0">
-                <a:solidFill>
-                  <a:schemeClr val="accent1">
-                    <a:lumMod val="60000"/>
-                    <a:lumOff val="40000"/>
-                  </a:schemeClr>
-                </a:solidFill>
-              </a:rPr>
-              <a:t>MethodC</a:t>
-            </a:r>
-            <a:r>
-              <a:rPr lang="en-US" dirty="0" smtClean="0"/>
-              <a:t> depended on </a:t>
-            </a:r>
-            <a:r>
-              <a:rPr lang="en-US" dirty="0" err="1" smtClean="0">
-                <a:solidFill>
-                  <a:schemeClr val="accent5">
-                    <a:lumMod val="60000"/>
-                    <a:lumOff val="40000"/>
-                  </a:schemeClr>
-                </a:solidFill>
-              </a:rPr>
-              <a:t>MyString</a:t>
-            </a:r>
-            <a:r>
-              <a:rPr lang="en-US" dirty="0" smtClean="0"/>
-              <a:t>, there would already be a string parameter</a:t>
-            </a:r>
-          </a:p>
-          <a:p>
-            <a:pPr lvl="1"/>
-            <a:r>
-              <a:rPr lang="en-US" dirty="0" smtClean="0"/>
-              <a:t>If </a:t>
-            </a:r>
-            <a:r>
-              <a:rPr lang="en-US" dirty="0" err="1" smtClean="0">
-                <a:solidFill>
-                  <a:schemeClr val="accent1">
-                    <a:lumMod val="60000"/>
-                    <a:lumOff val="40000"/>
-                  </a:schemeClr>
-                </a:solidFill>
-              </a:rPr>
-              <a:t>MethodB</a:t>
-            </a:r>
-            <a:r>
-              <a:rPr lang="en-US" dirty="0" smtClean="0"/>
-              <a:t> generates a new string value, you have to modify its return type</a:t>
-            </a:r>
-          </a:p>
-          <a:p>
-            <a:pPr lvl="2"/>
-            <a:r>
-              <a:rPr lang="en-US" dirty="0" smtClean="0">
-                <a:solidFill>
-                  <a:srgbClr val="FFFF00"/>
-                </a:solidFill>
-              </a:rPr>
-              <a:t>Developer is way more conscious of what is changing</a:t>
-            </a:r>
-            <a:endParaRPr lang="en-US" dirty="0">
-              <a:solidFill>
-                <a:srgbClr val="FFFF00"/>
-              </a:solidFill>
-            </a:endParaRPr>
-          </a:p>
-        </p:txBody>
-      </p:sp>
-    </p:spTree>
-    <p:extLst>
-      <p:ext uri="{BB962C8B-B14F-4D97-AF65-F5344CB8AC3E}">
-        <p14:creationId xmlns:p14="http://schemas.microsoft.com/office/powerpoint/2010/main" val="2914844764"/>
+        <p14:creationId xmlns:p14="http://schemas.microsoft.com/office/powerpoint/2010/main" val="65708568"/>
       </p:ext>
     </p:extLst>
   </p:cSld>
@@ -5215,9 +4053,9 @@
                                           </p:stCondLst>
                                         </p:cTn>
                                         <p:tgtEl>
-                                          <p:spTgt spid="4">
+                                          <p:spTgt spid="7">
                                             <p:txEl>
-                                              <p:pRg st="0" end="0"/>
+                                              <p:pRg st="7" end="7"/>
                                             </p:txEl>
                                           </p:spTgt>
                                         </p:tgtEl>
@@ -5246,40 +4084,9 @@
                                           </p:stCondLst>
                                         </p:cTn>
                                         <p:tgtEl>
-                                          <p:spTgt spid="4">
+                                          <p:spTgt spid="7">
                                             <p:txEl>
-                                              <p:pRg st="1" end="1"/>
-                                            </p:txEl>
-                                          </p:spTgt>
-                                        </p:tgtEl>
-                                        <p:attrNameLst>
-                                          <p:attrName>style.visibility</p:attrName>
-                                        </p:attrNameLst>
-                                      </p:cBhvr>
-                                      <p:to>
-                                        <p:strVal val="visible"/>
-                                      </p:to>
-                                    </p:set>
-                                  </p:childTnLst>
-                                </p:cTn>
-                              </p:par>
-                              <p:par>
-                                <p:cTn id="9" presetID="1" presetClass="entr" presetSubtype="0" fill="hold" nodeType="withEffect">
-                                  <p:stCondLst>
-                                    <p:cond delay="0"/>
-                                  </p:stCondLst>
-                                  <p:childTnLst>
-                                    <p:set>
-                                      <p:cBhvr>
-                                        <p:cTn id="10" dur="1" fill="hold">
-                                          <p:stCondLst>
-                                            <p:cond delay="0"/>
-                                          </p:stCondLst>
-                                        </p:cTn>
-                                        <p:tgtEl>
-                                          <p:spTgt spid="4">
-                                            <p:txEl>
-                                              <p:pRg st="2" end="2"/>
+                                              <p:pRg st="8" end="8"/>
                                             </p:txEl>
                                           </p:spTgt>
                                         </p:tgtEl>
@@ -5301,205 +4108,32 @@
                     </p:cTn>
                   </p:par>
                   <p:par>
-                    <p:cTn id="11" fill="hold">
+                    <p:cTn id="9" fill="hold">
                       <p:stCondLst>
                         <p:cond delay="indefinite"/>
                       </p:stCondLst>
                       <p:childTnLst>
                         <p:par>
-                          <p:cTn id="12" fill="hold">
+                          <p:cTn id="10" fill="hold">
                             <p:stCondLst>
                               <p:cond delay="0"/>
                             </p:stCondLst>
                             <p:childTnLst>
                               <p:par>
-                                <p:cTn id="13" presetID="1" presetClass="entr" presetSubtype="0" fill="hold" nodeType="clickEffect">
+                                <p:cTn id="11" presetID="1" presetClass="entr" presetSubtype="0" fill="hold" nodeType="clickEffect">
                                   <p:stCondLst>
                                     <p:cond delay="0"/>
                                   </p:stCondLst>
                                   <p:childTnLst>
                                     <p:set>
                                       <p:cBhvr>
-                                        <p:cTn id="14" dur="1" fill="hold">
+                                        <p:cTn id="12" dur="1" fill="hold">
                                           <p:stCondLst>
                                             <p:cond delay="0"/>
                                           </p:stCondLst>
                                         </p:cTn>
                                         <p:tgtEl>
-                                          <p:spTgt spid="4">
-                                            <p:txEl>
-                                              <p:pRg st="4" end="4"/>
-                                            </p:txEl>
-                                          </p:spTgt>
-                                        </p:tgtEl>
-                                        <p:attrNameLst>
-                                          <p:attrName>style.visibility</p:attrName>
-                                        </p:attrNameLst>
-                                      </p:cBhvr>
-                                      <p:to>
-                                        <p:strVal val="visible"/>
-                                      </p:to>
-                                    </p:set>
-                                  </p:childTnLst>
-                                </p:cTn>
-                              </p:par>
-                              <p:par>
-                                <p:cTn id="15" presetID="1" presetClass="entr" presetSubtype="0" fill="hold" nodeType="withEffect">
-                                  <p:stCondLst>
-                                    <p:cond delay="0"/>
-                                  </p:stCondLst>
-                                  <p:childTnLst>
-                                    <p:set>
-                                      <p:cBhvr>
-                                        <p:cTn id="16" dur="1" fill="hold">
-                                          <p:stCondLst>
-                                            <p:cond delay="0"/>
-                                          </p:stCondLst>
-                                        </p:cTn>
-                                        <p:tgtEl>
-                                          <p:spTgt spid="4">
-                                            <p:txEl>
-                                              <p:pRg st="5" end="5"/>
-                                            </p:txEl>
-                                          </p:spTgt>
-                                        </p:tgtEl>
-                                        <p:attrNameLst>
-                                          <p:attrName>style.visibility</p:attrName>
-                                        </p:attrNameLst>
-                                      </p:cBhvr>
-                                      <p:to>
-                                        <p:strVal val="visible"/>
-                                      </p:to>
-                                    </p:set>
-                                  </p:childTnLst>
-                                </p:cTn>
-                              </p:par>
-                              <p:par>
-                                <p:cTn id="17" presetID="1" presetClass="entr" presetSubtype="0" fill="hold" nodeType="withEffect">
-                                  <p:stCondLst>
-                                    <p:cond delay="0"/>
-                                  </p:stCondLst>
-                                  <p:childTnLst>
-                                    <p:set>
-                                      <p:cBhvr>
-                                        <p:cTn id="18" dur="1" fill="hold">
-                                          <p:stCondLst>
-                                            <p:cond delay="0"/>
-                                          </p:stCondLst>
-                                        </p:cTn>
-                                        <p:tgtEl>
-                                          <p:spTgt spid="4">
-                                            <p:txEl>
-                                              <p:pRg st="6" end="6"/>
-                                            </p:txEl>
-                                          </p:spTgt>
-                                        </p:tgtEl>
-                                        <p:attrNameLst>
-                                          <p:attrName>style.visibility</p:attrName>
-                                        </p:attrNameLst>
-                                      </p:cBhvr>
-                                      <p:to>
-                                        <p:strVal val="visible"/>
-                                      </p:to>
-                                    </p:set>
-                                  </p:childTnLst>
-                                </p:cTn>
-                              </p:par>
-                            </p:childTnLst>
-                          </p:cTn>
-                        </p:par>
-                      </p:childTnLst>
-                    </p:cTn>
-                  </p:par>
-                  <p:par>
-                    <p:cTn id="19" fill="hold">
-                      <p:stCondLst>
-                        <p:cond delay="indefinite"/>
-                      </p:stCondLst>
-                      <p:childTnLst>
-                        <p:par>
-                          <p:cTn id="20" fill="hold">
-                            <p:stCondLst>
-                              <p:cond delay="0"/>
-                            </p:stCondLst>
-                            <p:childTnLst>
-                              <p:par>
-                                <p:cTn id="21" presetID="1" presetClass="entr" presetSubtype="0" fill="hold" nodeType="clickEffect">
-                                  <p:stCondLst>
-                                    <p:cond delay="0"/>
-                                  </p:stCondLst>
-                                  <p:childTnLst>
-                                    <p:set>
-                                      <p:cBhvr>
-                                        <p:cTn id="22" dur="1" fill="hold">
-                                          <p:stCondLst>
-                                            <p:cond delay="0"/>
-                                          </p:stCondLst>
-                                        </p:cTn>
-                                        <p:tgtEl>
-                                          <p:spTgt spid="4">
-                                            <p:txEl>
-                                              <p:pRg st="7" end="7"/>
-                                            </p:txEl>
-                                          </p:spTgt>
-                                        </p:tgtEl>
-                                        <p:attrNameLst>
-                                          <p:attrName>style.visibility</p:attrName>
-                                        </p:attrNameLst>
-                                      </p:cBhvr>
-                                      <p:to>
-                                        <p:strVal val="visible"/>
-                                      </p:to>
-                                    </p:set>
-                                  </p:childTnLst>
-                                </p:cTn>
-                              </p:par>
-                              <p:par>
-                                <p:cTn id="23" presetID="1" presetClass="entr" presetSubtype="0" fill="hold" nodeType="withEffect">
-                                  <p:stCondLst>
-                                    <p:cond delay="0"/>
-                                  </p:stCondLst>
-                                  <p:childTnLst>
-                                    <p:set>
-                                      <p:cBhvr>
-                                        <p:cTn id="24" dur="1" fill="hold">
-                                          <p:stCondLst>
-                                            <p:cond delay="0"/>
-                                          </p:stCondLst>
-                                        </p:cTn>
-                                        <p:tgtEl>
-                                          <p:spTgt spid="4">
-                                            <p:txEl>
-                                              <p:pRg st="8" end="8"/>
-                                            </p:txEl>
-                                          </p:spTgt>
-                                        </p:tgtEl>
-                                        <p:attrNameLst>
-                                          <p:attrName>style.visibility</p:attrName>
-                                        </p:attrNameLst>
-                                      </p:cBhvr>
-                                      <p:to>
-                                        <p:strVal val="visible"/>
-                                      </p:to>
-                                    </p:set>
-                                  </p:childTnLst>
-                                </p:cTn>
-                              </p:par>
-                              <p:par>
-                                <p:cTn id="25" presetID="1" presetClass="entr" presetSubtype="0" fill="hold" nodeType="withEffect">
-                                  <p:stCondLst>
-                                    <p:cond delay="0"/>
-                                  </p:stCondLst>
-                                  <p:childTnLst>
-                                    <p:set>
-                                      <p:cBhvr>
-                                        <p:cTn id="26" dur="1" fill="hold">
-                                          <p:stCondLst>
-                                            <p:cond delay="0"/>
-                                          </p:stCondLst>
-                                        </p:cTn>
-                                        <p:tgtEl>
-                                          <p:spTgt spid="4">
+                                          <p:spTgt spid="7">
                                             <p:txEl>
                                               <p:pRg st="9" end="9"/>
                                             </p:txEl>
@@ -5517,20 +4151,20 @@
                                 </p:cTn>
                               </p:par>
                               <p:par>
-                                <p:cTn id="27" presetID="1" presetClass="entr" presetSubtype="0" fill="hold" nodeType="withEffect">
+                                <p:cTn id="13" presetID="1" presetClass="entr" presetSubtype="0" fill="hold" nodeType="withEffect">
                                   <p:stCondLst>
                                     <p:cond delay="0"/>
                                   </p:stCondLst>
                                   <p:childTnLst>
                                     <p:set>
                                       <p:cBhvr>
-                                        <p:cTn id="28" dur="1" fill="hold">
+                                        <p:cTn id="14" dur="1" fill="hold">
                                           <p:stCondLst>
                                             <p:cond delay="0"/>
                                           </p:stCondLst>
                                         </p:cTn>
                                         <p:tgtEl>
-                                          <p:spTgt spid="4">
+                                          <p:spTgt spid="7">
                                             <p:txEl>
                                               <p:pRg st="10" end="10"/>
                                             </p:txEl>
@@ -5578,7 +4212,7 @@
 </p:sld>
 </file>
 
-<file path=ppt/slides/slide16.xml><?xml version="1.0" encoding="utf-8"?>
+<file path=ppt/slides/slide13.xml><?xml version="1.0" encoding="utf-8"?>
 <p:sld xmlns:a="http://schemas.openxmlformats.org/drawingml/2006/main" xmlns:r="http://schemas.openxmlformats.org/officeDocument/2006/relationships" xmlns:p="http://schemas.openxmlformats.org/presentationml/2006/main">
   <p:cSld>
     <p:spTree>
@@ -5612,7 +4246,7 @@
           <a:p>
             <a:r>
               <a:rPr lang="en-US" dirty="0" smtClean="0"/>
-              <a:t>Completed work</a:t>
+              <a:t>Next Steps?</a:t>
             </a:r>
             <a:endParaRPr lang="en-US" dirty="0"/>
           </a:p>
@@ -5628,164 +4262,25 @@
             <p:ph idx="1"/>
           </p:nvPr>
         </p:nvSpPr>
-        <p:spPr>
-          <a:xfrm>
-            <a:off x="838200" y="1825624"/>
-            <a:ext cx="10515600" cy="5092887"/>
-          </a:xfrm>
-        </p:spPr>
+        <p:spPr/>
         <p:txBody>
           <a:bodyPr/>
           <a:lstStyle/>
           <a:p>
             <a:r>
               <a:rPr lang="en-US" dirty="0" smtClean="0"/>
-              <a:t>Selecting from input</a:t>
-            </a:r>
-          </a:p>
-          <a:p>
-            <a:pPr lvl="1"/>
-            <a:r>
-              <a:rPr lang="en-US" dirty="0" smtClean="0"/>
-              <a:t>Multiple instances with atomic select-update</a:t>
-            </a:r>
-          </a:p>
-          <a:p>
-            <a:pPr lvl="1"/>
-            <a:r>
-              <a:rPr lang="en-US" dirty="0" smtClean="0"/>
-              <a:t>Load test ensures input records are not handled twice</a:t>
-            </a:r>
-          </a:p>
-          <a:p>
-            <a:r>
-              <a:rPr lang="en-US" dirty="0" smtClean="0"/>
-              <a:t>Writing to output</a:t>
-            </a:r>
-          </a:p>
-          <a:p>
-            <a:pPr lvl="1"/>
-            <a:r>
-              <a:rPr lang="en-US" dirty="0" smtClean="0"/>
-              <a:t>Updates – working</a:t>
-            </a:r>
-          </a:p>
-          <a:p>
-            <a:pPr lvl="1"/>
-            <a:r>
-              <a:rPr lang="en-US" dirty="0" smtClean="0"/>
-              <a:t>Insert – edge case</a:t>
-            </a:r>
-          </a:p>
-          <a:p>
-            <a:pPr lvl="2"/>
-            <a:r>
-              <a:rPr lang="en-US" dirty="0" smtClean="0"/>
-              <a:t>Existing DB does not have PK auto increment</a:t>
-            </a:r>
-          </a:p>
-          <a:p>
-            <a:pPr lvl="2"/>
-            <a:r>
-              <a:rPr lang="en-US" dirty="0"/>
-              <a:t>PK collision</a:t>
-            </a:r>
-          </a:p>
-          <a:p>
-            <a:pPr lvl="3"/>
-            <a:r>
-              <a:rPr lang="en-US" dirty="0" smtClean="0"/>
-              <a:t>Detecting and logging</a:t>
-            </a:r>
-          </a:p>
-          <a:p>
-            <a:pPr lvl="3"/>
-            <a:r>
-              <a:rPr lang="en-US" dirty="0" smtClean="0"/>
-              <a:t>Planning to retry these</a:t>
-            </a:r>
-          </a:p>
-          <a:p>
-            <a:pPr lvl="4"/>
-            <a:r>
-              <a:rPr lang="en-US" dirty="0" smtClean="0">
-                <a:solidFill>
-                  <a:srgbClr val="FFFF00"/>
-                </a:solidFill>
-              </a:rPr>
-              <a:t>Limiting scope</a:t>
-            </a:r>
-          </a:p>
-          <a:p>
-            <a:pPr lvl="2"/>
-            <a:endParaRPr lang="en-US" dirty="0" smtClean="0"/>
+              <a:t>Start building data imports in F#</a:t>
+            </a:r>
+          </a:p>
+          <a:p>
+            <a:endParaRPr lang="en-US" dirty="0"/>
           </a:p>
         </p:txBody>
       </p:sp>
-      <p:pic>
-        <p:nvPicPr>
-          <p:cNvPr id="4" name="Picture 3"/>
-          <p:cNvPicPr>
-            <a:picLocks noChangeAspect="1"/>
-          </p:cNvPicPr>
-          <p:nvPr/>
-        </p:nvPicPr>
-        <p:blipFill>
-          <a:blip r:embed="rId2"/>
-          <a:stretch>
-            <a:fillRect/>
-          </a:stretch>
-        </p:blipFill>
-        <p:spPr>
-          <a:xfrm>
-            <a:off x="7062608" y="3348302"/>
-            <a:ext cx="13079444" cy="6212556"/>
-          </a:xfrm>
-          <a:prstGeom prst="rect">
-            <a:avLst/>
-          </a:prstGeom>
-        </p:spPr>
-      </p:pic>
-      <p:cxnSp>
-        <p:nvCxnSpPr>
-          <p:cNvPr id="6" name="Straight Arrow Connector 5"/>
-          <p:cNvCxnSpPr/>
-          <p:nvPr/>
-        </p:nvCxnSpPr>
-        <p:spPr>
-          <a:xfrm>
-            <a:off x="11604813" y="3112994"/>
-            <a:ext cx="0" cy="1385047"/>
-          </a:xfrm>
-          <a:prstGeom prst="straightConnector1">
-            <a:avLst/>
-          </a:prstGeom>
-          <a:ln w="76200">
-            <a:solidFill>
-              <a:srgbClr val="FF0000"/>
-            </a:solidFill>
-            <a:tailEnd type="triangle"/>
-          </a:ln>
-        </p:spPr>
-        <p:style>
-          <a:lnRef idx="1">
-            <a:schemeClr val="accent1"/>
-          </a:lnRef>
-          <a:fillRef idx="0">
-            <a:schemeClr val="accent1"/>
-          </a:fillRef>
-          <a:effectRef idx="0">
-            <a:schemeClr val="accent1"/>
-          </a:effectRef>
-          <a:fontRef idx="minor">
-            <a:schemeClr val="tx1"/>
-          </a:fontRef>
-        </p:style>
-      </p:cxnSp>
     </p:spTree>
     <p:extLst>
       <p:ext uri="{BB962C8B-B14F-4D97-AF65-F5344CB8AC3E}">
-        <p14:creationId xmlns:p14="http://schemas.microsoft.com/office/powerpoint/2010/main" val="2111605369"/>
+        <p14:creationId xmlns:p14="http://schemas.microsoft.com/office/powerpoint/2010/main" val="3766803100"/>
       </p:ext>
     </p:extLst>
   </p:cSld>
@@ -5795,102 +4290,7 @@
   <p:timing>
     <p:tnLst>
       <p:par>
-        <p:cTn id="1" dur="indefinite" restart="never" nodeType="tmRoot">
-          <p:childTnLst>
-            <p:seq concurrent="1" nextAc="seek">
-              <p:cTn id="2" dur="indefinite" nodeType="mainSeq">
-                <p:childTnLst>
-                  <p:par>
-                    <p:cTn id="3" fill="hold">
-                      <p:stCondLst>
-                        <p:cond delay="indefinite"/>
-                      </p:stCondLst>
-                      <p:childTnLst>
-                        <p:par>
-                          <p:cTn id="4" fill="hold">
-                            <p:stCondLst>
-                              <p:cond delay="0"/>
-                            </p:stCondLst>
-                            <p:childTnLst>
-                              <p:par>
-                                <p:cTn id="5" presetID="1" presetClass="entr" presetSubtype="0" fill="hold" nodeType="clickEffect">
-                                  <p:stCondLst>
-                                    <p:cond delay="0"/>
-                                  </p:stCondLst>
-                                  <p:childTnLst>
-                                    <p:set>
-                                      <p:cBhvr>
-                                        <p:cTn id="6" dur="1" fill="hold">
-                                          <p:stCondLst>
-                                            <p:cond delay="0"/>
-                                          </p:stCondLst>
-                                        </p:cTn>
-                                        <p:tgtEl>
-                                          <p:spTgt spid="4"/>
-                                        </p:tgtEl>
-                                        <p:attrNameLst>
-                                          <p:attrName>style.visibility</p:attrName>
-                                        </p:attrNameLst>
-                                      </p:cBhvr>
-                                      <p:to>
-                                        <p:strVal val="visible"/>
-                                      </p:to>
-                                    </p:set>
-                                  </p:childTnLst>
-                                </p:cTn>
-                              </p:par>
-                              <p:par>
-                                <p:cTn id="7" presetID="1" presetClass="entr" presetSubtype="0" fill="hold" nodeType="withEffect">
-                                  <p:stCondLst>
-                                    <p:cond delay="0"/>
-                                  </p:stCondLst>
-                                  <p:childTnLst>
-                                    <p:set>
-                                      <p:cBhvr>
-                                        <p:cTn id="8" dur="1" fill="hold">
-                                          <p:stCondLst>
-                                            <p:cond delay="0"/>
-                                          </p:stCondLst>
-                                        </p:cTn>
-                                        <p:tgtEl>
-                                          <p:spTgt spid="6"/>
-                                        </p:tgtEl>
-                                        <p:attrNameLst>
-                                          <p:attrName>style.visibility</p:attrName>
-                                        </p:attrNameLst>
-                                      </p:cBhvr>
-                                      <p:to>
-                                        <p:strVal val="visible"/>
-                                      </p:to>
-                                    </p:set>
-                                  </p:childTnLst>
-                                </p:cTn>
-                              </p:par>
-                            </p:childTnLst>
-                          </p:cTn>
-                        </p:par>
-                      </p:childTnLst>
-                    </p:cTn>
-                  </p:par>
-                </p:childTnLst>
-              </p:cTn>
-              <p:prevCondLst>
-                <p:cond evt="onPrev" delay="0">
-                  <p:tgtEl>
-                    <p:sldTgt/>
-                  </p:tgtEl>
-                </p:cond>
-              </p:prevCondLst>
-              <p:nextCondLst>
-                <p:cond evt="onNext" delay="0">
-                  <p:tgtEl>
-                    <p:sldTgt/>
-                  </p:tgtEl>
-                </p:cond>
-              </p:nextCondLst>
-            </p:seq>
-          </p:childTnLst>
-        </p:cTn>
+        <p:cTn id="1" dur="indefinite" restart="never" nodeType="tmRoot"/>
       </p:par>
     </p:tnLst>
   </p:timing>
@@ -9408,7 +7808,7 @@
         </p:spPr>
         <p:txBody>
           <a:bodyPr>
-            <a:normAutofit lnSpcReduction="10000"/>
+            <a:normAutofit/>
           </a:bodyPr>
           <a:lstStyle/>
           <a:p>
@@ -9421,29 +7821,35 @@
             <a:pPr lvl="1"/>
             <a:r>
               <a:rPr lang="en-US" dirty="0" smtClean="0"/>
-              <a:t>Mainly done inside OS and drivers</a:t>
+              <a:t>Mainly done inside OS and </a:t>
+            </a:r>
+            <a:r>
+              <a:rPr lang="en-US" dirty="0" smtClean="0"/>
+              <a:t>drivers</a:t>
             </a:r>
           </a:p>
           <a:p>
             <a:pPr lvl="1"/>
             <a:r>
-              <a:rPr lang="en-US" dirty="0" smtClean="0"/>
-              <a:t>Display to screen:</a:t>
-            </a:r>
+              <a:rPr lang="en-US" dirty="0" err="1"/>
+              <a:t>DateTime.Now</a:t>
+            </a:r>
+            <a:endParaRPr lang="en-US" dirty="0"/>
           </a:p>
           <a:p>
             <a:pPr lvl="2"/>
             <a:r>
-              <a:rPr lang="en-US" dirty="0" smtClean="0"/>
-              <a:t>Overwrite existing RGB values</a:t>
-            </a:r>
-          </a:p>
-          <a:p>
-            <a:pPr lvl="2"/>
-            <a:r>
-              <a:rPr lang="en-US" dirty="0" smtClean="0"/>
-              <a:t>Video card reads from same memory address on each screen refresh</a:t>
-            </a:r>
+              <a:rPr lang="en-US" dirty="0">
+                <a:solidFill>
+                  <a:srgbClr val="FFFF00"/>
+                </a:solidFill>
+              </a:rPr>
+              <a:t>I/O from System Clock</a:t>
+            </a:r>
+          </a:p>
+          <a:p>
+            <a:pPr lvl="1"/>
+            <a:endParaRPr lang="en-US" dirty="0" smtClean="0"/>
           </a:p>
           <a:p>
             <a:endParaRPr lang="en-US" dirty="0"/>
@@ -9477,30 +7883,11 @@
             <a:pPr lvl="2"/>
             <a:r>
               <a:rPr lang="en-US" dirty="0" smtClean="0"/>
-              <a:t>Doesn’t reference stuff like </a:t>
-            </a:r>
-            <a:r>
-              <a:rPr lang="en-US" dirty="0" err="1" smtClean="0"/>
-              <a:t>DateTime.Now</a:t>
-            </a:r>
-            <a:endParaRPr lang="en-US" dirty="0" smtClean="0"/>
-          </a:p>
-          <a:p>
-            <a:pPr lvl="3"/>
-            <a:r>
-              <a:rPr lang="en-US" dirty="0" smtClean="0">
-                <a:solidFill>
-                  <a:srgbClr val="FFFF00"/>
-                </a:solidFill>
-              </a:rPr>
-              <a:t>I/O from System Clock</a:t>
-            </a:r>
-          </a:p>
-          <a:p>
-            <a:pPr lvl="2"/>
-            <a:r>
-              <a:rPr lang="en-US" dirty="0" smtClean="0"/>
-              <a:t>Way more predictable</a:t>
+              <a:t>Way </a:t>
+            </a:r>
+            <a:r>
+              <a:rPr lang="en-US" dirty="0" smtClean="0"/>
+              <a:t>more predictable</a:t>
             </a:r>
           </a:p>
           <a:p>
@@ -9902,39 +8289,26 @@
                                   </p:childTnLst>
                                 </p:cTn>
                               </p:par>
+                            </p:childTnLst>
+                          </p:cTn>
+                        </p:par>
+                      </p:childTnLst>
+                    </p:cTn>
+                  </p:par>
+                  <p:par>
+                    <p:cTn id="13" fill="hold">
+                      <p:stCondLst>
+                        <p:cond delay="indefinite"/>
+                      </p:stCondLst>
+                      <p:childTnLst>
+                        <p:par>
+                          <p:cTn id="14" fill="hold">
+                            <p:stCondLst>
+                              <p:cond delay="0"/>
+                            </p:stCondLst>
+                            <p:childTnLst>
                               <p:par>
-                                <p:cTn id="13" presetID="1" presetClass="entr" presetSubtype="0" fill="hold" nodeType="withEffect">
-                                  <p:stCondLst>
-                                    <p:cond delay="0"/>
-                                  </p:stCondLst>
-                                  <p:childTnLst>
-                                    <p:set>
-                                      <p:cBhvr>
-                                        <p:cTn id="14" dur="1" fill="hold">
-                                          <p:stCondLst>
-                                            <p:cond delay="0"/>
-                                          </p:stCondLst>
-                                        </p:cTn>
-                                        <p:tgtEl>
-                                          <p:spTgt spid="3">
-                                            <p:txEl>
-                                              <p:pRg st="10" end="10"/>
-                                            </p:txEl>
-                                          </p:spTgt>
-                                        </p:tgtEl>
-                                        <p:attrNameLst>
-                                          <p:attrName>style.visibility</p:attrName>
-                                        </p:attrNameLst>
-                                      </p:cBhvr>
-                                      <p:to>
-                                        <p:strVal val="visible"/>
-                                      </p:to>
-                                    </p:set>
-                                  </p:childTnLst>
-                                </p:cTn>
-                              </p:par>
-                              <p:par>
-                                <p:cTn id="15" presetID="1" presetClass="entr" presetSubtype="0" fill="hold" nodeType="withEffect">
+                                <p:cTn id="15" presetID="1" presetClass="entr" presetSubtype="0" fill="hold" nodeType="clickEffect">
                                   <p:stCondLst>
                                     <p:cond delay="0"/>
                                   </p:stCondLst>
@@ -9942,55 +8316,6 @@
                                     <p:set>
                                       <p:cBhvr>
                                         <p:cTn id="16" dur="1" fill="hold">
-                                          <p:stCondLst>
-                                            <p:cond delay="0"/>
-                                          </p:stCondLst>
-                                        </p:cTn>
-                                        <p:tgtEl>
-                                          <p:spTgt spid="3">
-                                            <p:txEl>
-                                              <p:pRg st="11" end="11"/>
-                                            </p:txEl>
-                                          </p:spTgt>
-                                        </p:tgtEl>
-                                        <p:attrNameLst>
-                                          <p:attrName>style.visibility</p:attrName>
-                                        </p:attrNameLst>
-                                      </p:cBhvr>
-                                      <p:to>
-                                        <p:strVal val="visible"/>
-                                      </p:to>
-                                    </p:set>
-                                  </p:childTnLst>
-                                </p:cTn>
-                              </p:par>
-                            </p:childTnLst>
-                          </p:cTn>
-                        </p:par>
-                      </p:childTnLst>
-                    </p:cTn>
-                  </p:par>
-                  <p:par>
-                    <p:cTn id="17" fill="hold">
-                      <p:stCondLst>
-                        <p:cond delay="indefinite"/>
-                      </p:stCondLst>
-                      <p:childTnLst>
-                        <p:par>
-                          <p:cTn id="18" fill="hold">
-                            <p:stCondLst>
-                              <p:cond delay="0"/>
-                            </p:stCondLst>
-                            <p:childTnLst>
-                              <p:par>
-                                <p:cTn id="19" presetID="1" presetClass="entr" presetSubtype="0" fill="hold" nodeType="clickEffect">
-                                  <p:stCondLst>
-                                    <p:cond delay="0"/>
-                                  </p:stCondLst>
-                                  <p:childTnLst>
-                                    <p:set>
-                                      <p:cBhvr>
-                                        <p:cTn id="20" dur="1" fill="hold">
                                           <p:stCondLst>
                                             <p:cond delay="0"/>
                                           </p:stCondLst>
@@ -10014,14 +8339,14 @@
                                 </p:cTn>
                               </p:par>
                               <p:par>
-                                <p:cTn id="21" presetID="1" presetClass="entr" presetSubtype="0" fill="hold" nodeType="withEffect">
+                                <p:cTn id="17" presetID="1" presetClass="entr" presetSubtype="0" fill="hold" nodeType="withEffect">
                                   <p:stCondLst>
                                     <p:cond delay="0"/>
                                   </p:stCondLst>
                                   <p:childTnLst>
                                     <p:set>
                                       <p:cBhvr>
-                                        <p:cTn id="22" dur="1" fill="hold">
+                                        <p:cTn id="18" dur="1" fill="hold">
                                           <p:stCondLst>
                                             <p:cond delay="0"/>
                                           </p:stCondLst>
@@ -10045,14 +8370,14 @@
                                 </p:cTn>
                               </p:par>
                               <p:par>
-                                <p:cTn id="23" presetID="1" presetClass="entr" presetSubtype="0" fill="hold" nodeType="withEffect">
+                                <p:cTn id="19" presetID="1" presetClass="entr" presetSubtype="0" fill="hold" nodeType="withEffect">
                                   <p:stCondLst>
                                     <p:cond delay="0"/>
                                   </p:stCondLst>
                                   <p:childTnLst>
                                     <p:set>
                                       <p:cBhvr>
-                                        <p:cTn id="24" dur="1" fill="hold">
+                                        <p:cTn id="20" dur="1" fill="hold">
                                           <p:stCondLst>
                                             <p:cond delay="0"/>
                                           </p:stCondLst>
